--- a/pipeline.pptx
+++ b/pipeline.pptx
@@ -6,6 +6,8 @@
   </p:sldMasterIdLst>
   <p:sldIdLst>
     <p:sldId id="256" r:id="rId2"/>
+    <p:sldId id="257" r:id="rId3"/>
+    <p:sldId id="258" r:id="rId4"/>
   </p:sldIdLst>
   <p:sldSz cx="12192000" cy="6858000"/>
   <p:notesSz cx="6858000" cy="9144000"/>
@@ -104,10 +106,1629 @@
       </a:defRPr>
     </a:lvl9pPr>
   </p:defaultTextStyle>
+  <p:extLst>
+    <p:ext uri="{EFAFB233-063F-42B5-8137-9DF3F51BA10A}">
+      <p15:sldGuideLst xmlns:p15="http://schemas.microsoft.com/office/powerpoint/2012/main"/>
+    </p:ext>
+  </p:extLst>
 </p:presentation>
 </file>
 
 <file path=ppt/diagrams/colors1.xml><?xml version="1.0" encoding="utf-8"?>
+<dgm:colorsDef xmlns:dgm="http://schemas.openxmlformats.org/drawingml/2006/diagram" xmlns:a="http://schemas.openxmlformats.org/drawingml/2006/main" uniqueId="urn:microsoft.com/office/officeart/2005/8/colors/accent0_1">
+  <dgm:title val=""/>
+  <dgm:desc val=""/>
+  <dgm:catLst>
+    <dgm:cat type="mainScheme" pri="10100"/>
+  </dgm:catLst>
+  <dgm:styleLbl name="node0">
+    <dgm:fillClrLst meth="repeat">
+      <a:schemeClr val="lt1"/>
+    </dgm:fillClrLst>
+    <dgm:linClrLst meth="repeat">
+      <a:schemeClr val="dk1">
+        <a:shade val="80000"/>
+      </a:schemeClr>
+    </dgm:linClrLst>
+    <dgm:effectClrLst/>
+    <dgm:txLinClrLst/>
+    <dgm:txFillClrLst meth="repeat">
+      <a:schemeClr val="dk1"/>
+    </dgm:txFillClrLst>
+    <dgm:txEffectClrLst/>
+  </dgm:styleLbl>
+  <dgm:styleLbl name="node1">
+    <dgm:fillClrLst meth="repeat">
+      <a:schemeClr val="lt1"/>
+    </dgm:fillClrLst>
+    <dgm:linClrLst meth="repeat">
+      <a:schemeClr val="dk1">
+        <a:shade val="80000"/>
+      </a:schemeClr>
+    </dgm:linClrLst>
+    <dgm:effectClrLst/>
+    <dgm:txLinClrLst/>
+    <dgm:txFillClrLst meth="repeat">
+      <a:schemeClr val="dk1"/>
+    </dgm:txFillClrLst>
+    <dgm:txEffectClrLst/>
+  </dgm:styleLbl>
+  <dgm:styleLbl name="alignNode1">
+    <dgm:fillClrLst meth="repeat">
+      <a:schemeClr val="lt1"/>
+    </dgm:fillClrLst>
+    <dgm:linClrLst meth="repeat">
+      <a:schemeClr val="dk1">
+        <a:shade val="80000"/>
+      </a:schemeClr>
+    </dgm:linClrLst>
+    <dgm:effectClrLst/>
+    <dgm:txLinClrLst/>
+    <dgm:txFillClrLst meth="repeat">
+      <a:schemeClr val="dk1"/>
+    </dgm:txFillClrLst>
+    <dgm:txEffectClrLst/>
+  </dgm:styleLbl>
+  <dgm:styleLbl name="lnNode1">
+    <dgm:fillClrLst meth="repeat">
+      <a:schemeClr val="lt1"/>
+    </dgm:fillClrLst>
+    <dgm:linClrLst meth="repeat">
+      <a:schemeClr val="dk1">
+        <a:shade val="80000"/>
+      </a:schemeClr>
+    </dgm:linClrLst>
+    <dgm:effectClrLst/>
+    <dgm:txLinClrLst/>
+    <dgm:txFillClrLst meth="repeat">
+      <a:schemeClr val="dk1"/>
+    </dgm:txFillClrLst>
+    <dgm:txEffectClrLst/>
+  </dgm:styleLbl>
+  <dgm:styleLbl name="vennNode1">
+    <dgm:fillClrLst meth="repeat">
+      <a:schemeClr val="lt1">
+        <a:alpha val="50000"/>
+      </a:schemeClr>
+    </dgm:fillClrLst>
+    <dgm:linClrLst meth="repeat">
+      <a:schemeClr val="dk1">
+        <a:shade val="80000"/>
+      </a:schemeClr>
+    </dgm:linClrLst>
+    <dgm:effectClrLst/>
+    <dgm:txLinClrLst/>
+    <dgm:txFillClrLst/>
+    <dgm:txEffectClrLst/>
+  </dgm:styleLbl>
+  <dgm:styleLbl name="node2">
+    <dgm:fillClrLst meth="repeat">
+      <a:schemeClr val="lt1"/>
+    </dgm:fillClrLst>
+    <dgm:linClrLst meth="repeat">
+      <a:schemeClr val="dk1">
+        <a:shade val="80000"/>
+      </a:schemeClr>
+    </dgm:linClrLst>
+    <dgm:effectClrLst/>
+    <dgm:txLinClrLst/>
+    <dgm:txFillClrLst meth="repeat">
+      <a:schemeClr val="dk1"/>
+    </dgm:txFillClrLst>
+    <dgm:txEffectClrLst/>
+  </dgm:styleLbl>
+  <dgm:styleLbl name="node3">
+    <dgm:fillClrLst meth="repeat">
+      <a:schemeClr val="lt1"/>
+    </dgm:fillClrLst>
+    <dgm:linClrLst meth="repeat">
+      <a:schemeClr val="dk1">
+        <a:shade val="80000"/>
+      </a:schemeClr>
+    </dgm:linClrLst>
+    <dgm:effectClrLst/>
+    <dgm:txLinClrLst/>
+    <dgm:txFillClrLst meth="repeat">
+      <a:schemeClr val="dk1"/>
+    </dgm:txFillClrLst>
+    <dgm:txEffectClrLst/>
+  </dgm:styleLbl>
+  <dgm:styleLbl name="node4">
+    <dgm:fillClrLst meth="repeat">
+      <a:schemeClr val="lt1"/>
+    </dgm:fillClrLst>
+    <dgm:linClrLst meth="repeat">
+      <a:schemeClr val="dk1">
+        <a:shade val="80000"/>
+      </a:schemeClr>
+    </dgm:linClrLst>
+    <dgm:effectClrLst/>
+    <dgm:txLinClrLst/>
+    <dgm:txFillClrLst meth="repeat">
+      <a:schemeClr val="dk1"/>
+    </dgm:txFillClrLst>
+    <dgm:txEffectClrLst/>
+  </dgm:styleLbl>
+  <dgm:styleLbl name="fgImgPlace1">
+    <dgm:fillClrLst meth="repeat">
+      <a:schemeClr val="dk1">
+        <a:tint val="40000"/>
+      </a:schemeClr>
+    </dgm:fillClrLst>
+    <dgm:linClrLst meth="repeat">
+      <a:schemeClr val="dk1">
+        <a:shade val="80000"/>
+      </a:schemeClr>
+    </dgm:linClrLst>
+    <dgm:effectClrLst/>
+    <dgm:txLinClrLst/>
+    <dgm:txFillClrLst meth="repeat">
+      <a:schemeClr val="lt1"/>
+    </dgm:txFillClrLst>
+    <dgm:txEffectClrLst/>
+  </dgm:styleLbl>
+  <dgm:styleLbl name="alignImgPlace1">
+    <dgm:fillClrLst meth="repeat">
+      <a:schemeClr val="dk1">
+        <a:tint val="40000"/>
+      </a:schemeClr>
+    </dgm:fillClrLst>
+    <dgm:linClrLst meth="repeat">
+      <a:schemeClr val="dk1">
+        <a:shade val="80000"/>
+      </a:schemeClr>
+    </dgm:linClrLst>
+    <dgm:effectClrLst/>
+    <dgm:txLinClrLst/>
+    <dgm:txFillClrLst meth="repeat">
+      <a:schemeClr val="lt1"/>
+    </dgm:txFillClrLst>
+    <dgm:txEffectClrLst/>
+  </dgm:styleLbl>
+  <dgm:styleLbl name="bgImgPlace1">
+    <dgm:fillClrLst meth="repeat">
+      <a:schemeClr val="dk1">
+        <a:tint val="40000"/>
+      </a:schemeClr>
+    </dgm:fillClrLst>
+    <dgm:linClrLst meth="repeat">
+      <a:schemeClr val="dk1">
+        <a:shade val="80000"/>
+      </a:schemeClr>
+    </dgm:linClrLst>
+    <dgm:effectClrLst/>
+    <dgm:txLinClrLst/>
+    <dgm:txFillClrLst meth="repeat">
+      <a:schemeClr val="lt1"/>
+    </dgm:txFillClrLst>
+    <dgm:txEffectClrLst/>
+  </dgm:styleLbl>
+  <dgm:styleLbl name="sibTrans2D1">
+    <dgm:fillClrLst meth="repeat">
+      <a:schemeClr val="dk1">
+        <a:tint val="60000"/>
+      </a:schemeClr>
+    </dgm:fillClrLst>
+    <dgm:linClrLst meth="repeat">
+      <a:schemeClr val="dk1">
+        <a:tint val="60000"/>
+      </a:schemeClr>
+    </dgm:linClrLst>
+    <dgm:effectClrLst/>
+    <dgm:txLinClrLst/>
+    <dgm:txFillClrLst meth="repeat">
+      <a:schemeClr val="dk1"/>
+    </dgm:txFillClrLst>
+    <dgm:txEffectClrLst/>
+  </dgm:styleLbl>
+  <dgm:styleLbl name="fgSibTrans2D1">
+    <dgm:fillClrLst meth="repeat">
+      <a:schemeClr val="dk1">
+        <a:tint val="60000"/>
+      </a:schemeClr>
+    </dgm:fillClrLst>
+    <dgm:linClrLst meth="repeat">
+      <a:schemeClr val="dk1">
+        <a:tint val="60000"/>
+      </a:schemeClr>
+    </dgm:linClrLst>
+    <dgm:effectClrLst/>
+    <dgm:txLinClrLst/>
+    <dgm:txFillClrLst meth="repeat">
+      <a:schemeClr val="dk1"/>
+    </dgm:txFillClrLst>
+    <dgm:txEffectClrLst/>
+  </dgm:styleLbl>
+  <dgm:styleLbl name="bgSibTrans2D1">
+    <dgm:fillClrLst meth="repeat">
+      <a:schemeClr val="dk1">
+        <a:tint val="60000"/>
+      </a:schemeClr>
+    </dgm:fillClrLst>
+    <dgm:linClrLst meth="repeat">
+      <a:schemeClr val="dk1">
+        <a:tint val="60000"/>
+      </a:schemeClr>
+    </dgm:linClrLst>
+    <dgm:effectClrLst/>
+    <dgm:txLinClrLst/>
+    <dgm:txFillClrLst meth="repeat">
+      <a:schemeClr val="dk1"/>
+    </dgm:txFillClrLst>
+    <dgm:txEffectClrLst/>
+  </dgm:styleLbl>
+  <dgm:styleLbl name="sibTrans1D1">
+    <dgm:fillClrLst meth="repeat">
+      <a:schemeClr val="dk1"/>
+    </dgm:fillClrLst>
+    <dgm:linClrLst meth="repeat">
+      <a:schemeClr val="dk1"/>
+    </dgm:linClrLst>
+    <dgm:effectClrLst/>
+    <dgm:txLinClrLst/>
+    <dgm:txFillClrLst meth="repeat">
+      <a:schemeClr val="tx1"/>
+    </dgm:txFillClrLst>
+    <dgm:txEffectClrLst/>
+  </dgm:styleLbl>
+  <dgm:styleLbl name="callout">
+    <dgm:fillClrLst meth="repeat">
+      <a:schemeClr val="dk1"/>
+    </dgm:fillClrLst>
+    <dgm:linClrLst meth="repeat">
+      <a:schemeClr val="dk1"/>
+    </dgm:linClrLst>
+    <dgm:effectClrLst/>
+    <dgm:txLinClrLst/>
+    <dgm:txFillClrLst meth="repeat">
+      <a:schemeClr val="tx1"/>
+    </dgm:txFillClrLst>
+    <dgm:txEffectClrLst/>
+  </dgm:styleLbl>
+  <dgm:styleLbl name="asst0">
+    <dgm:fillClrLst meth="repeat">
+      <a:schemeClr val="lt1"/>
+    </dgm:fillClrLst>
+    <dgm:linClrLst meth="repeat">
+      <a:schemeClr val="dk1">
+        <a:shade val="80000"/>
+      </a:schemeClr>
+    </dgm:linClrLst>
+    <dgm:effectClrLst/>
+    <dgm:txLinClrLst/>
+    <dgm:txFillClrLst meth="repeat">
+      <a:schemeClr val="dk1"/>
+    </dgm:txFillClrLst>
+    <dgm:txEffectClrLst/>
+  </dgm:styleLbl>
+  <dgm:styleLbl name="asst1">
+    <dgm:fillClrLst meth="repeat">
+      <a:schemeClr val="lt1"/>
+    </dgm:fillClrLst>
+    <dgm:linClrLst meth="repeat">
+      <a:schemeClr val="dk1">
+        <a:shade val="80000"/>
+      </a:schemeClr>
+    </dgm:linClrLst>
+    <dgm:effectClrLst/>
+    <dgm:txLinClrLst/>
+    <dgm:txFillClrLst meth="repeat">
+      <a:schemeClr val="dk1"/>
+    </dgm:txFillClrLst>
+    <dgm:txEffectClrLst/>
+  </dgm:styleLbl>
+  <dgm:styleLbl name="asst2">
+    <dgm:fillClrLst meth="repeat">
+      <a:schemeClr val="lt1"/>
+    </dgm:fillClrLst>
+    <dgm:linClrLst meth="repeat">
+      <a:schemeClr val="dk1">
+        <a:shade val="80000"/>
+      </a:schemeClr>
+    </dgm:linClrLst>
+    <dgm:effectClrLst/>
+    <dgm:txLinClrLst/>
+    <dgm:txFillClrLst meth="repeat">
+      <a:schemeClr val="dk1"/>
+    </dgm:txFillClrLst>
+    <dgm:txEffectClrLst/>
+  </dgm:styleLbl>
+  <dgm:styleLbl name="asst3">
+    <dgm:fillClrLst meth="repeat">
+      <a:schemeClr val="lt1"/>
+    </dgm:fillClrLst>
+    <dgm:linClrLst meth="repeat">
+      <a:schemeClr val="dk1">
+        <a:shade val="80000"/>
+      </a:schemeClr>
+    </dgm:linClrLst>
+    <dgm:effectClrLst/>
+    <dgm:txLinClrLst/>
+    <dgm:txFillClrLst meth="repeat">
+      <a:schemeClr val="dk1"/>
+    </dgm:txFillClrLst>
+    <dgm:txEffectClrLst/>
+  </dgm:styleLbl>
+  <dgm:styleLbl name="asst4">
+    <dgm:fillClrLst meth="repeat">
+      <a:schemeClr val="lt1"/>
+    </dgm:fillClrLst>
+    <dgm:linClrLst meth="repeat">
+      <a:schemeClr val="dk1">
+        <a:shade val="80000"/>
+      </a:schemeClr>
+    </dgm:linClrLst>
+    <dgm:effectClrLst/>
+    <dgm:txLinClrLst/>
+    <dgm:txFillClrLst meth="repeat">
+      <a:schemeClr val="dk1"/>
+    </dgm:txFillClrLst>
+    <dgm:txEffectClrLst/>
+  </dgm:styleLbl>
+  <dgm:styleLbl name="parChTrans2D1">
+    <dgm:fillClrLst meth="repeat">
+      <a:schemeClr val="dk1">
+        <a:tint val="60000"/>
+      </a:schemeClr>
+    </dgm:fillClrLst>
+    <dgm:linClrLst meth="repeat">
+      <a:schemeClr val="dk1">
+        <a:tint val="60000"/>
+      </a:schemeClr>
+    </dgm:linClrLst>
+    <dgm:effectClrLst/>
+    <dgm:txLinClrLst/>
+    <dgm:txFillClrLst/>
+    <dgm:txEffectClrLst/>
+  </dgm:styleLbl>
+  <dgm:styleLbl name="parChTrans2D2">
+    <dgm:fillClrLst meth="repeat">
+      <a:schemeClr val="dk1"/>
+    </dgm:fillClrLst>
+    <dgm:linClrLst meth="repeat">
+      <a:schemeClr val="dk1"/>
+    </dgm:linClrLst>
+    <dgm:effectClrLst/>
+    <dgm:txLinClrLst/>
+    <dgm:txFillClrLst/>
+    <dgm:txEffectClrLst/>
+  </dgm:styleLbl>
+  <dgm:styleLbl name="parChTrans2D3">
+    <dgm:fillClrLst meth="repeat">
+      <a:schemeClr val="dk1"/>
+    </dgm:fillClrLst>
+    <dgm:linClrLst meth="repeat">
+      <a:schemeClr val="dk1"/>
+    </dgm:linClrLst>
+    <dgm:effectClrLst/>
+    <dgm:txLinClrLst/>
+    <dgm:txFillClrLst/>
+    <dgm:txEffectClrLst/>
+  </dgm:styleLbl>
+  <dgm:styleLbl name="parChTrans2D4">
+    <dgm:fillClrLst meth="repeat">
+      <a:schemeClr val="dk1"/>
+    </dgm:fillClrLst>
+    <dgm:linClrLst meth="repeat">
+      <a:schemeClr val="dk1"/>
+    </dgm:linClrLst>
+    <dgm:effectClrLst/>
+    <dgm:txLinClrLst/>
+    <dgm:txFillClrLst meth="repeat">
+      <a:schemeClr val="lt1"/>
+    </dgm:txFillClrLst>
+    <dgm:txEffectClrLst/>
+  </dgm:styleLbl>
+  <dgm:styleLbl name="parChTrans1D1">
+    <dgm:fillClrLst meth="repeat">
+      <a:schemeClr val="dk1"/>
+    </dgm:fillClrLst>
+    <dgm:linClrLst meth="repeat">
+      <a:schemeClr val="dk1">
+        <a:shade val="60000"/>
+      </a:schemeClr>
+    </dgm:linClrLst>
+    <dgm:effectClrLst/>
+    <dgm:txLinClrLst/>
+    <dgm:txFillClrLst meth="repeat">
+      <a:schemeClr val="tx1"/>
+    </dgm:txFillClrLst>
+    <dgm:txEffectClrLst/>
+  </dgm:styleLbl>
+  <dgm:styleLbl name="parChTrans1D2">
+    <dgm:fillClrLst meth="repeat">
+      <a:schemeClr val="dk1"/>
+    </dgm:fillClrLst>
+    <dgm:linClrLst meth="repeat">
+      <a:schemeClr val="dk1">
+        <a:shade val="60000"/>
+      </a:schemeClr>
+    </dgm:linClrLst>
+    <dgm:effectClrLst/>
+    <dgm:txLinClrLst/>
+    <dgm:txFillClrLst meth="repeat">
+      <a:schemeClr val="tx1"/>
+    </dgm:txFillClrLst>
+    <dgm:txEffectClrLst/>
+  </dgm:styleLbl>
+  <dgm:styleLbl name="parChTrans1D3">
+    <dgm:fillClrLst meth="repeat">
+      <a:schemeClr val="dk1"/>
+    </dgm:fillClrLst>
+    <dgm:linClrLst meth="repeat">
+      <a:schemeClr val="dk1">
+        <a:shade val="80000"/>
+      </a:schemeClr>
+    </dgm:linClrLst>
+    <dgm:effectClrLst/>
+    <dgm:txLinClrLst/>
+    <dgm:txFillClrLst meth="repeat">
+      <a:schemeClr val="tx1"/>
+    </dgm:txFillClrLst>
+    <dgm:txEffectClrLst/>
+  </dgm:styleLbl>
+  <dgm:styleLbl name="parChTrans1D4">
+    <dgm:fillClrLst meth="repeat">
+      <a:schemeClr val="dk1"/>
+    </dgm:fillClrLst>
+    <dgm:linClrLst meth="repeat">
+      <a:schemeClr val="dk1">
+        <a:shade val="80000"/>
+      </a:schemeClr>
+    </dgm:linClrLst>
+    <dgm:effectClrLst/>
+    <dgm:txLinClrLst/>
+    <dgm:txFillClrLst meth="repeat">
+      <a:schemeClr val="tx1"/>
+    </dgm:txFillClrLst>
+    <dgm:txEffectClrLst/>
+  </dgm:styleLbl>
+  <dgm:styleLbl name="fgAcc1">
+    <dgm:fillClrLst meth="repeat">
+      <a:schemeClr val="dk1">
+        <a:alpha val="90000"/>
+        <a:tint val="40000"/>
+      </a:schemeClr>
+    </dgm:fillClrLst>
+    <dgm:linClrLst meth="repeat">
+      <a:schemeClr val="dk1"/>
+    </dgm:linClrLst>
+    <dgm:effectClrLst/>
+    <dgm:txLinClrLst/>
+    <dgm:txFillClrLst meth="repeat">
+      <a:schemeClr val="dk1"/>
+    </dgm:txFillClrLst>
+    <dgm:txEffectClrLst/>
+  </dgm:styleLbl>
+  <dgm:styleLbl name="conFgAcc1">
+    <dgm:fillClrLst meth="repeat">
+      <a:schemeClr val="dk1">
+        <a:alpha val="90000"/>
+        <a:tint val="40000"/>
+      </a:schemeClr>
+    </dgm:fillClrLst>
+    <dgm:linClrLst meth="repeat">
+      <a:schemeClr val="dk1"/>
+    </dgm:linClrLst>
+    <dgm:effectClrLst/>
+    <dgm:txLinClrLst/>
+    <dgm:txFillClrLst meth="repeat">
+      <a:schemeClr val="dk1"/>
+    </dgm:txFillClrLst>
+    <dgm:txEffectClrLst/>
+  </dgm:styleLbl>
+  <dgm:styleLbl name="alignAcc1">
+    <dgm:fillClrLst meth="repeat">
+      <a:schemeClr val="dk1">
+        <a:alpha val="90000"/>
+        <a:tint val="40000"/>
+      </a:schemeClr>
+    </dgm:fillClrLst>
+    <dgm:linClrLst meth="repeat">
+      <a:schemeClr val="dk1"/>
+    </dgm:linClrLst>
+    <dgm:effectClrLst/>
+    <dgm:txLinClrLst/>
+    <dgm:txFillClrLst meth="repeat">
+      <a:schemeClr val="dk1"/>
+    </dgm:txFillClrLst>
+    <dgm:txEffectClrLst/>
+  </dgm:styleLbl>
+  <dgm:styleLbl name="trAlignAcc1">
+    <dgm:fillClrLst meth="repeat">
+      <a:schemeClr val="dk1">
+        <a:alpha val="40000"/>
+        <a:tint val="40000"/>
+      </a:schemeClr>
+    </dgm:fillClrLst>
+    <dgm:linClrLst meth="repeat">
+      <a:schemeClr val="dk1"/>
+    </dgm:linClrLst>
+    <dgm:effectClrLst/>
+    <dgm:txLinClrLst/>
+    <dgm:txFillClrLst meth="repeat">
+      <a:schemeClr val="dk1"/>
+    </dgm:txFillClrLst>
+    <dgm:txEffectClrLst/>
+  </dgm:styleLbl>
+  <dgm:styleLbl name="bgAcc1">
+    <dgm:fillClrLst meth="repeat">
+      <a:schemeClr val="dk1">
+        <a:alpha val="90000"/>
+        <a:tint val="40000"/>
+      </a:schemeClr>
+    </dgm:fillClrLst>
+    <dgm:linClrLst meth="repeat">
+      <a:schemeClr val="dk1"/>
+    </dgm:linClrLst>
+    <dgm:effectClrLst/>
+    <dgm:txLinClrLst/>
+    <dgm:txFillClrLst meth="repeat">
+      <a:schemeClr val="dk1"/>
+    </dgm:txFillClrLst>
+    <dgm:txEffectClrLst/>
+  </dgm:styleLbl>
+  <dgm:styleLbl name="solidFgAcc1">
+    <dgm:fillClrLst meth="repeat">
+      <a:schemeClr val="lt1"/>
+    </dgm:fillClrLst>
+    <dgm:linClrLst meth="repeat">
+      <a:schemeClr val="dk1"/>
+    </dgm:linClrLst>
+    <dgm:effectClrLst/>
+    <dgm:txLinClrLst/>
+    <dgm:txFillClrLst meth="repeat">
+      <a:schemeClr val="dk1"/>
+    </dgm:txFillClrLst>
+    <dgm:txEffectClrLst/>
+  </dgm:styleLbl>
+  <dgm:styleLbl name="solidAlignAcc1">
+    <dgm:fillClrLst meth="repeat">
+      <a:schemeClr val="lt1"/>
+    </dgm:fillClrLst>
+    <dgm:linClrLst meth="repeat">
+      <a:schemeClr val="dk1"/>
+    </dgm:linClrLst>
+    <dgm:effectClrLst/>
+    <dgm:txLinClrLst/>
+    <dgm:txFillClrLst meth="repeat">
+      <a:schemeClr val="dk1"/>
+    </dgm:txFillClrLst>
+    <dgm:txEffectClrLst/>
+  </dgm:styleLbl>
+  <dgm:styleLbl name="solidBgAcc1">
+    <dgm:fillClrLst meth="repeat">
+      <a:schemeClr val="lt1"/>
+    </dgm:fillClrLst>
+    <dgm:linClrLst meth="repeat">
+      <a:schemeClr val="dk1"/>
+    </dgm:linClrLst>
+    <dgm:effectClrLst/>
+    <dgm:txLinClrLst/>
+    <dgm:txFillClrLst meth="repeat">
+      <a:schemeClr val="dk1"/>
+    </dgm:txFillClrLst>
+    <dgm:txEffectClrLst/>
+  </dgm:styleLbl>
+  <dgm:styleLbl name="fgAccFollowNode1">
+    <dgm:fillClrLst meth="repeat">
+      <a:schemeClr val="lt1">
+        <a:alpha val="90000"/>
+        <a:tint val="40000"/>
+      </a:schemeClr>
+    </dgm:fillClrLst>
+    <dgm:linClrLst meth="repeat">
+      <a:schemeClr val="dk1">
+        <a:alpha val="90000"/>
+      </a:schemeClr>
+    </dgm:linClrLst>
+    <dgm:effectClrLst/>
+    <dgm:txLinClrLst/>
+    <dgm:txFillClrLst meth="repeat">
+      <a:schemeClr val="dk1"/>
+    </dgm:txFillClrLst>
+    <dgm:txEffectClrLst/>
+  </dgm:styleLbl>
+  <dgm:styleLbl name="alignAccFollowNode1">
+    <dgm:fillClrLst meth="repeat">
+      <a:schemeClr val="lt1">
+        <a:alpha val="90000"/>
+        <a:tint val="40000"/>
+      </a:schemeClr>
+    </dgm:fillClrLst>
+    <dgm:linClrLst meth="repeat">
+      <a:schemeClr val="dk1">
+        <a:alpha val="90000"/>
+      </a:schemeClr>
+    </dgm:linClrLst>
+    <dgm:effectClrLst/>
+    <dgm:txLinClrLst/>
+    <dgm:txFillClrLst meth="repeat">
+      <a:schemeClr val="dk1"/>
+    </dgm:txFillClrLst>
+    <dgm:txEffectClrLst/>
+  </dgm:styleLbl>
+  <dgm:styleLbl name="bgAccFollowNode1">
+    <dgm:fillClrLst meth="repeat">
+      <a:schemeClr val="lt1">
+        <a:alpha val="90000"/>
+        <a:tint val="40000"/>
+      </a:schemeClr>
+    </dgm:fillClrLst>
+    <dgm:linClrLst meth="repeat">
+      <a:schemeClr val="dk1">
+        <a:alpha val="90000"/>
+      </a:schemeClr>
+    </dgm:linClrLst>
+    <dgm:effectClrLst/>
+    <dgm:txLinClrLst/>
+    <dgm:txFillClrLst meth="repeat">
+      <a:schemeClr val="dk1"/>
+    </dgm:txFillClrLst>
+    <dgm:txEffectClrLst/>
+  </dgm:styleLbl>
+  <dgm:styleLbl name="fgAcc0">
+    <dgm:fillClrLst meth="repeat">
+      <a:schemeClr val="dk1">
+        <a:alpha val="90000"/>
+        <a:tint val="40000"/>
+      </a:schemeClr>
+    </dgm:fillClrLst>
+    <dgm:linClrLst meth="repeat">
+      <a:schemeClr val="dk1"/>
+    </dgm:linClrLst>
+    <dgm:effectClrLst/>
+    <dgm:txLinClrLst/>
+    <dgm:txFillClrLst meth="repeat">
+      <a:schemeClr val="dk1"/>
+    </dgm:txFillClrLst>
+    <dgm:txEffectClrLst/>
+  </dgm:styleLbl>
+  <dgm:styleLbl name="fgAcc2">
+    <dgm:fillClrLst meth="repeat">
+      <a:schemeClr val="dk1">
+        <a:alpha val="90000"/>
+        <a:tint val="40000"/>
+      </a:schemeClr>
+    </dgm:fillClrLst>
+    <dgm:linClrLst meth="repeat">
+      <a:schemeClr val="dk1"/>
+    </dgm:linClrLst>
+    <dgm:effectClrLst/>
+    <dgm:txLinClrLst/>
+    <dgm:txFillClrLst meth="repeat">
+      <a:schemeClr val="dk1"/>
+    </dgm:txFillClrLst>
+    <dgm:txEffectClrLst/>
+  </dgm:styleLbl>
+  <dgm:styleLbl name="fgAcc3">
+    <dgm:fillClrLst meth="repeat">
+      <a:schemeClr val="dk1">
+        <a:alpha val="90000"/>
+        <a:tint val="40000"/>
+      </a:schemeClr>
+    </dgm:fillClrLst>
+    <dgm:linClrLst meth="repeat">
+      <a:schemeClr val="dk1"/>
+    </dgm:linClrLst>
+    <dgm:effectClrLst/>
+    <dgm:txLinClrLst/>
+    <dgm:txFillClrLst meth="repeat">
+      <a:schemeClr val="dk1"/>
+    </dgm:txFillClrLst>
+    <dgm:txEffectClrLst/>
+  </dgm:styleLbl>
+  <dgm:styleLbl name="fgAcc4">
+    <dgm:fillClrLst meth="repeat">
+      <a:schemeClr val="dk1">
+        <a:alpha val="90000"/>
+        <a:tint val="40000"/>
+      </a:schemeClr>
+    </dgm:fillClrLst>
+    <dgm:linClrLst meth="repeat">
+      <a:schemeClr val="dk1"/>
+    </dgm:linClrLst>
+    <dgm:effectClrLst/>
+    <dgm:txLinClrLst/>
+    <dgm:txFillClrLst meth="repeat">
+      <a:schemeClr val="dk1"/>
+    </dgm:txFillClrLst>
+    <dgm:txEffectClrLst/>
+  </dgm:styleLbl>
+  <dgm:styleLbl name="bgShp">
+    <dgm:fillClrLst meth="repeat">
+      <a:schemeClr val="dk1">
+        <a:tint val="40000"/>
+      </a:schemeClr>
+    </dgm:fillClrLst>
+    <dgm:linClrLst meth="repeat">
+      <a:schemeClr val="dk1"/>
+    </dgm:linClrLst>
+    <dgm:effectClrLst/>
+    <dgm:txLinClrLst/>
+    <dgm:txFillClrLst meth="repeat">
+      <a:schemeClr val="dk1"/>
+    </dgm:txFillClrLst>
+    <dgm:txEffectClrLst/>
+  </dgm:styleLbl>
+  <dgm:styleLbl name="dkBgShp">
+    <dgm:fillClrLst meth="repeat">
+      <a:schemeClr val="dk1">
+        <a:shade val="80000"/>
+      </a:schemeClr>
+    </dgm:fillClrLst>
+    <dgm:linClrLst meth="repeat">
+      <a:schemeClr val="dk1"/>
+    </dgm:linClrLst>
+    <dgm:effectClrLst/>
+    <dgm:txLinClrLst/>
+    <dgm:txFillClrLst meth="repeat">
+      <a:schemeClr val="lt1"/>
+    </dgm:txFillClrLst>
+    <dgm:txEffectClrLst/>
+  </dgm:styleLbl>
+  <dgm:styleLbl name="trBgShp">
+    <dgm:fillClrLst meth="repeat">
+      <a:schemeClr val="dk1">
+        <a:tint val="50000"/>
+        <a:alpha val="40000"/>
+      </a:schemeClr>
+    </dgm:fillClrLst>
+    <dgm:linClrLst meth="repeat">
+      <a:schemeClr val="dk1"/>
+    </dgm:linClrLst>
+    <dgm:effectClrLst/>
+    <dgm:txLinClrLst/>
+    <dgm:txFillClrLst meth="repeat">
+      <a:schemeClr val="lt1"/>
+    </dgm:txFillClrLst>
+    <dgm:txEffectClrLst/>
+  </dgm:styleLbl>
+  <dgm:styleLbl name="fgShp">
+    <dgm:fillClrLst meth="repeat">
+      <a:schemeClr val="dk1">
+        <a:tint val="60000"/>
+      </a:schemeClr>
+    </dgm:fillClrLst>
+    <dgm:linClrLst meth="repeat">
+      <a:schemeClr val="lt1"/>
+    </dgm:linClrLst>
+    <dgm:effectClrLst/>
+    <dgm:txLinClrLst/>
+    <dgm:txFillClrLst meth="repeat">
+      <a:schemeClr val="dk1"/>
+    </dgm:txFillClrLst>
+    <dgm:txEffectClrLst/>
+  </dgm:styleLbl>
+  <dgm:styleLbl name="revTx">
+    <dgm:fillClrLst meth="repeat">
+      <a:schemeClr val="lt1">
+        <a:alpha val="0"/>
+      </a:schemeClr>
+    </dgm:fillClrLst>
+    <dgm:linClrLst meth="repeat">
+      <a:schemeClr val="dk1">
+        <a:alpha val="0"/>
+      </a:schemeClr>
+    </dgm:linClrLst>
+    <dgm:effectClrLst/>
+    <dgm:txLinClrLst/>
+    <dgm:txFillClrLst meth="repeat">
+      <a:schemeClr val="tx1"/>
+    </dgm:txFillClrLst>
+    <dgm:txEffectClrLst/>
+  </dgm:styleLbl>
+</dgm:colorsDef>
+</file>
+
+<file path=ppt/diagrams/colors2.xml><?xml version="1.0" encoding="utf-8"?>
+<dgm:colorsDef xmlns:dgm="http://schemas.openxmlformats.org/drawingml/2006/diagram" xmlns:a="http://schemas.openxmlformats.org/drawingml/2006/main" uniqueId="urn:microsoft.com/office/officeart/2005/8/colors/accent0_1">
+  <dgm:title val=""/>
+  <dgm:desc val=""/>
+  <dgm:catLst>
+    <dgm:cat type="mainScheme" pri="10100"/>
+  </dgm:catLst>
+  <dgm:styleLbl name="node0">
+    <dgm:fillClrLst meth="repeat">
+      <a:schemeClr val="lt1"/>
+    </dgm:fillClrLst>
+    <dgm:linClrLst meth="repeat">
+      <a:schemeClr val="dk1">
+        <a:shade val="80000"/>
+      </a:schemeClr>
+    </dgm:linClrLst>
+    <dgm:effectClrLst/>
+    <dgm:txLinClrLst/>
+    <dgm:txFillClrLst meth="repeat">
+      <a:schemeClr val="dk1"/>
+    </dgm:txFillClrLst>
+    <dgm:txEffectClrLst/>
+  </dgm:styleLbl>
+  <dgm:styleLbl name="node1">
+    <dgm:fillClrLst meth="repeat">
+      <a:schemeClr val="lt1"/>
+    </dgm:fillClrLst>
+    <dgm:linClrLst meth="repeat">
+      <a:schemeClr val="dk1">
+        <a:shade val="80000"/>
+      </a:schemeClr>
+    </dgm:linClrLst>
+    <dgm:effectClrLst/>
+    <dgm:txLinClrLst/>
+    <dgm:txFillClrLst meth="repeat">
+      <a:schemeClr val="dk1"/>
+    </dgm:txFillClrLst>
+    <dgm:txEffectClrLst/>
+  </dgm:styleLbl>
+  <dgm:styleLbl name="alignNode1">
+    <dgm:fillClrLst meth="repeat">
+      <a:schemeClr val="lt1"/>
+    </dgm:fillClrLst>
+    <dgm:linClrLst meth="repeat">
+      <a:schemeClr val="dk1">
+        <a:shade val="80000"/>
+      </a:schemeClr>
+    </dgm:linClrLst>
+    <dgm:effectClrLst/>
+    <dgm:txLinClrLst/>
+    <dgm:txFillClrLst meth="repeat">
+      <a:schemeClr val="dk1"/>
+    </dgm:txFillClrLst>
+    <dgm:txEffectClrLst/>
+  </dgm:styleLbl>
+  <dgm:styleLbl name="lnNode1">
+    <dgm:fillClrLst meth="repeat">
+      <a:schemeClr val="lt1"/>
+    </dgm:fillClrLst>
+    <dgm:linClrLst meth="repeat">
+      <a:schemeClr val="dk1">
+        <a:shade val="80000"/>
+      </a:schemeClr>
+    </dgm:linClrLst>
+    <dgm:effectClrLst/>
+    <dgm:txLinClrLst/>
+    <dgm:txFillClrLst meth="repeat">
+      <a:schemeClr val="dk1"/>
+    </dgm:txFillClrLst>
+    <dgm:txEffectClrLst/>
+  </dgm:styleLbl>
+  <dgm:styleLbl name="vennNode1">
+    <dgm:fillClrLst meth="repeat">
+      <a:schemeClr val="lt1">
+        <a:alpha val="50000"/>
+      </a:schemeClr>
+    </dgm:fillClrLst>
+    <dgm:linClrLst meth="repeat">
+      <a:schemeClr val="dk1">
+        <a:shade val="80000"/>
+      </a:schemeClr>
+    </dgm:linClrLst>
+    <dgm:effectClrLst/>
+    <dgm:txLinClrLst/>
+    <dgm:txFillClrLst/>
+    <dgm:txEffectClrLst/>
+  </dgm:styleLbl>
+  <dgm:styleLbl name="node2">
+    <dgm:fillClrLst meth="repeat">
+      <a:schemeClr val="lt1"/>
+    </dgm:fillClrLst>
+    <dgm:linClrLst meth="repeat">
+      <a:schemeClr val="dk1">
+        <a:shade val="80000"/>
+      </a:schemeClr>
+    </dgm:linClrLst>
+    <dgm:effectClrLst/>
+    <dgm:txLinClrLst/>
+    <dgm:txFillClrLst meth="repeat">
+      <a:schemeClr val="dk1"/>
+    </dgm:txFillClrLst>
+    <dgm:txEffectClrLst/>
+  </dgm:styleLbl>
+  <dgm:styleLbl name="node3">
+    <dgm:fillClrLst meth="repeat">
+      <a:schemeClr val="lt1"/>
+    </dgm:fillClrLst>
+    <dgm:linClrLst meth="repeat">
+      <a:schemeClr val="dk1">
+        <a:shade val="80000"/>
+      </a:schemeClr>
+    </dgm:linClrLst>
+    <dgm:effectClrLst/>
+    <dgm:txLinClrLst/>
+    <dgm:txFillClrLst meth="repeat">
+      <a:schemeClr val="dk1"/>
+    </dgm:txFillClrLst>
+    <dgm:txEffectClrLst/>
+  </dgm:styleLbl>
+  <dgm:styleLbl name="node4">
+    <dgm:fillClrLst meth="repeat">
+      <a:schemeClr val="lt1"/>
+    </dgm:fillClrLst>
+    <dgm:linClrLst meth="repeat">
+      <a:schemeClr val="dk1">
+        <a:shade val="80000"/>
+      </a:schemeClr>
+    </dgm:linClrLst>
+    <dgm:effectClrLst/>
+    <dgm:txLinClrLst/>
+    <dgm:txFillClrLst meth="repeat">
+      <a:schemeClr val="dk1"/>
+    </dgm:txFillClrLst>
+    <dgm:txEffectClrLst/>
+  </dgm:styleLbl>
+  <dgm:styleLbl name="fgImgPlace1">
+    <dgm:fillClrLst meth="repeat">
+      <a:schemeClr val="dk1">
+        <a:tint val="40000"/>
+      </a:schemeClr>
+    </dgm:fillClrLst>
+    <dgm:linClrLst meth="repeat">
+      <a:schemeClr val="dk1">
+        <a:shade val="80000"/>
+      </a:schemeClr>
+    </dgm:linClrLst>
+    <dgm:effectClrLst/>
+    <dgm:txLinClrLst/>
+    <dgm:txFillClrLst meth="repeat">
+      <a:schemeClr val="lt1"/>
+    </dgm:txFillClrLst>
+    <dgm:txEffectClrLst/>
+  </dgm:styleLbl>
+  <dgm:styleLbl name="alignImgPlace1">
+    <dgm:fillClrLst meth="repeat">
+      <a:schemeClr val="dk1">
+        <a:tint val="40000"/>
+      </a:schemeClr>
+    </dgm:fillClrLst>
+    <dgm:linClrLst meth="repeat">
+      <a:schemeClr val="dk1">
+        <a:shade val="80000"/>
+      </a:schemeClr>
+    </dgm:linClrLst>
+    <dgm:effectClrLst/>
+    <dgm:txLinClrLst/>
+    <dgm:txFillClrLst meth="repeat">
+      <a:schemeClr val="lt1"/>
+    </dgm:txFillClrLst>
+    <dgm:txEffectClrLst/>
+  </dgm:styleLbl>
+  <dgm:styleLbl name="bgImgPlace1">
+    <dgm:fillClrLst meth="repeat">
+      <a:schemeClr val="dk1">
+        <a:tint val="40000"/>
+      </a:schemeClr>
+    </dgm:fillClrLst>
+    <dgm:linClrLst meth="repeat">
+      <a:schemeClr val="dk1">
+        <a:shade val="80000"/>
+      </a:schemeClr>
+    </dgm:linClrLst>
+    <dgm:effectClrLst/>
+    <dgm:txLinClrLst/>
+    <dgm:txFillClrLst meth="repeat">
+      <a:schemeClr val="lt1"/>
+    </dgm:txFillClrLst>
+    <dgm:txEffectClrLst/>
+  </dgm:styleLbl>
+  <dgm:styleLbl name="sibTrans2D1">
+    <dgm:fillClrLst meth="repeat">
+      <a:schemeClr val="dk1">
+        <a:tint val="60000"/>
+      </a:schemeClr>
+    </dgm:fillClrLst>
+    <dgm:linClrLst meth="repeat">
+      <a:schemeClr val="dk1">
+        <a:tint val="60000"/>
+      </a:schemeClr>
+    </dgm:linClrLst>
+    <dgm:effectClrLst/>
+    <dgm:txLinClrLst/>
+    <dgm:txFillClrLst meth="repeat">
+      <a:schemeClr val="dk1"/>
+    </dgm:txFillClrLst>
+    <dgm:txEffectClrLst/>
+  </dgm:styleLbl>
+  <dgm:styleLbl name="fgSibTrans2D1">
+    <dgm:fillClrLst meth="repeat">
+      <a:schemeClr val="dk1">
+        <a:tint val="60000"/>
+      </a:schemeClr>
+    </dgm:fillClrLst>
+    <dgm:linClrLst meth="repeat">
+      <a:schemeClr val="dk1">
+        <a:tint val="60000"/>
+      </a:schemeClr>
+    </dgm:linClrLst>
+    <dgm:effectClrLst/>
+    <dgm:txLinClrLst/>
+    <dgm:txFillClrLst meth="repeat">
+      <a:schemeClr val="dk1"/>
+    </dgm:txFillClrLst>
+    <dgm:txEffectClrLst/>
+  </dgm:styleLbl>
+  <dgm:styleLbl name="bgSibTrans2D1">
+    <dgm:fillClrLst meth="repeat">
+      <a:schemeClr val="dk1">
+        <a:tint val="60000"/>
+      </a:schemeClr>
+    </dgm:fillClrLst>
+    <dgm:linClrLst meth="repeat">
+      <a:schemeClr val="dk1">
+        <a:tint val="60000"/>
+      </a:schemeClr>
+    </dgm:linClrLst>
+    <dgm:effectClrLst/>
+    <dgm:txLinClrLst/>
+    <dgm:txFillClrLst meth="repeat">
+      <a:schemeClr val="dk1"/>
+    </dgm:txFillClrLst>
+    <dgm:txEffectClrLst/>
+  </dgm:styleLbl>
+  <dgm:styleLbl name="sibTrans1D1">
+    <dgm:fillClrLst meth="repeat">
+      <a:schemeClr val="dk1"/>
+    </dgm:fillClrLst>
+    <dgm:linClrLst meth="repeat">
+      <a:schemeClr val="dk1"/>
+    </dgm:linClrLst>
+    <dgm:effectClrLst/>
+    <dgm:txLinClrLst/>
+    <dgm:txFillClrLst meth="repeat">
+      <a:schemeClr val="tx1"/>
+    </dgm:txFillClrLst>
+    <dgm:txEffectClrLst/>
+  </dgm:styleLbl>
+  <dgm:styleLbl name="callout">
+    <dgm:fillClrLst meth="repeat">
+      <a:schemeClr val="dk1"/>
+    </dgm:fillClrLst>
+    <dgm:linClrLst meth="repeat">
+      <a:schemeClr val="dk1"/>
+    </dgm:linClrLst>
+    <dgm:effectClrLst/>
+    <dgm:txLinClrLst/>
+    <dgm:txFillClrLst meth="repeat">
+      <a:schemeClr val="tx1"/>
+    </dgm:txFillClrLst>
+    <dgm:txEffectClrLst/>
+  </dgm:styleLbl>
+  <dgm:styleLbl name="asst0">
+    <dgm:fillClrLst meth="repeat">
+      <a:schemeClr val="lt1"/>
+    </dgm:fillClrLst>
+    <dgm:linClrLst meth="repeat">
+      <a:schemeClr val="dk1">
+        <a:shade val="80000"/>
+      </a:schemeClr>
+    </dgm:linClrLst>
+    <dgm:effectClrLst/>
+    <dgm:txLinClrLst/>
+    <dgm:txFillClrLst meth="repeat">
+      <a:schemeClr val="dk1"/>
+    </dgm:txFillClrLst>
+    <dgm:txEffectClrLst/>
+  </dgm:styleLbl>
+  <dgm:styleLbl name="asst1">
+    <dgm:fillClrLst meth="repeat">
+      <a:schemeClr val="lt1"/>
+    </dgm:fillClrLst>
+    <dgm:linClrLst meth="repeat">
+      <a:schemeClr val="dk1">
+        <a:shade val="80000"/>
+      </a:schemeClr>
+    </dgm:linClrLst>
+    <dgm:effectClrLst/>
+    <dgm:txLinClrLst/>
+    <dgm:txFillClrLst meth="repeat">
+      <a:schemeClr val="dk1"/>
+    </dgm:txFillClrLst>
+    <dgm:txEffectClrLst/>
+  </dgm:styleLbl>
+  <dgm:styleLbl name="asst2">
+    <dgm:fillClrLst meth="repeat">
+      <a:schemeClr val="lt1"/>
+    </dgm:fillClrLst>
+    <dgm:linClrLst meth="repeat">
+      <a:schemeClr val="dk1">
+        <a:shade val="80000"/>
+      </a:schemeClr>
+    </dgm:linClrLst>
+    <dgm:effectClrLst/>
+    <dgm:txLinClrLst/>
+    <dgm:txFillClrLst meth="repeat">
+      <a:schemeClr val="dk1"/>
+    </dgm:txFillClrLst>
+    <dgm:txEffectClrLst/>
+  </dgm:styleLbl>
+  <dgm:styleLbl name="asst3">
+    <dgm:fillClrLst meth="repeat">
+      <a:schemeClr val="lt1"/>
+    </dgm:fillClrLst>
+    <dgm:linClrLst meth="repeat">
+      <a:schemeClr val="dk1">
+        <a:shade val="80000"/>
+      </a:schemeClr>
+    </dgm:linClrLst>
+    <dgm:effectClrLst/>
+    <dgm:txLinClrLst/>
+    <dgm:txFillClrLst meth="repeat">
+      <a:schemeClr val="dk1"/>
+    </dgm:txFillClrLst>
+    <dgm:txEffectClrLst/>
+  </dgm:styleLbl>
+  <dgm:styleLbl name="asst4">
+    <dgm:fillClrLst meth="repeat">
+      <a:schemeClr val="lt1"/>
+    </dgm:fillClrLst>
+    <dgm:linClrLst meth="repeat">
+      <a:schemeClr val="dk1">
+        <a:shade val="80000"/>
+      </a:schemeClr>
+    </dgm:linClrLst>
+    <dgm:effectClrLst/>
+    <dgm:txLinClrLst/>
+    <dgm:txFillClrLst meth="repeat">
+      <a:schemeClr val="dk1"/>
+    </dgm:txFillClrLst>
+    <dgm:txEffectClrLst/>
+  </dgm:styleLbl>
+  <dgm:styleLbl name="parChTrans2D1">
+    <dgm:fillClrLst meth="repeat">
+      <a:schemeClr val="dk1">
+        <a:tint val="60000"/>
+      </a:schemeClr>
+    </dgm:fillClrLst>
+    <dgm:linClrLst meth="repeat">
+      <a:schemeClr val="dk1">
+        <a:tint val="60000"/>
+      </a:schemeClr>
+    </dgm:linClrLst>
+    <dgm:effectClrLst/>
+    <dgm:txLinClrLst/>
+    <dgm:txFillClrLst/>
+    <dgm:txEffectClrLst/>
+  </dgm:styleLbl>
+  <dgm:styleLbl name="parChTrans2D2">
+    <dgm:fillClrLst meth="repeat">
+      <a:schemeClr val="dk1"/>
+    </dgm:fillClrLst>
+    <dgm:linClrLst meth="repeat">
+      <a:schemeClr val="dk1"/>
+    </dgm:linClrLst>
+    <dgm:effectClrLst/>
+    <dgm:txLinClrLst/>
+    <dgm:txFillClrLst/>
+    <dgm:txEffectClrLst/>
+  </dgm:styleLbl>
+  <dgm:styleLbl name="parChTrans2D3">
+    <dgm:fillClrLst meth="repeat">
+      <a:schemeClr val="dk1"/>
+    </dgm:fillClrLst>
+    <dgm:linClrLst meth="repeat">
+      <a:schemeClr val="dk1"/>
+    </dgm:linClrLst>
+    <dgm:effectClrLst/>
+    <dgm:txLinClrLst/>
+    <dgm:txFillClrLst/>
+    <dgm:txEffectClrLst/>
+  </dgm:styleLbl>
+  <dgm:styleLbl name="parChTrans2D4">
+    <dgm:fillClrLst meth="repeat">
+      <a:schemeClr val="dk1"/>
+    </dgm:fillClrLst>
+    <dgm:linClrLst meth="repeat">
+      <a:schemeClr val="dk1"/>
+    </dgm:linClrLst>
+    <dgm:effectClrLst/>
+    <dgm:txLinClrLst/>
+    <dgm:txFillClrLst meth="repeat">
+      <a:schemeClr val="lt1"/>
+    </dgm:txFillClrLst>
+    <dgm:txEffectClrLst/>
+  </dgm:styleLbl>
+  <dgm:styleLbl name="parChTrans1D1">
+    <dgm:fillClrLst meth="repeat">
+      <a:schemeClr val="dk1"/>
+    </dgm:fillClrLst>
+    <dgm:linClrLst meth="repeat">
+      <a:schemeClr val="dk1">
+        <a:shade val="60000"/>
+      </a:schemeClr>
+    </dgm:linClrLst>
+    <dgm:effectClrLst/>
+    <dgm:txLinClrLst/>
+    <dgm:txFillClrLst meth="repeat">
+      <a:schemeClr val="tx1"/>
+    </dgm:txFillClrLst>
+    <dgm:txEffectClrLst/>
+  </dgm:styleLbl>
+  <dgm:styleLbl name="parChTrans1D2">
+    <dgm:fillClrLst meth="repeat">
+      <a:schemeClr val="dk1"/>
+    </dgm:fillClrLst>
+    <dgm:linClrLst meth="repeat">
+      <a:schemeClr val="dk1">
+        <a:shade val="60000"/>
+      </a:schemeClr>
+    </dgm:linClrLst>
+    <dgm:effectClrLst/>
+    <dgm:txLinClrLst/>
+    <dgm:txFillClrLst meth="repeat">
+      <a:schemeClr val="tx1"/>
+    </dgm:txFillClrLst>
+    <dgm:txEffectClrLst/>
+  </dgm:styleLbl>
+  <dgm:styleLbl name="parChTrans1D3">
+    <dgm:fillClrLst meth="repeat">
+      <a:schemeClr val="dk1"/>
+    </dgm:fillClrLst>
+    <dgm:linClrLst meth="repeat">
+      <a:schemeClr val="dk1">
+        <a:shade val="80000"/>
+      </a:schemeClr>
+    </dgm:linClrLst>
+    <dgm:effectClrLst/>
+    <dgm:txLinClrLst/>
+    <dgm:txFillClrLst meth="repeat">
+      <a:schemeClr val="tx1"/>
+    </dgm:txFillClrLst>
+    <dgm:txEffectClrLst/>
+  </dgm:styleLbl>
+  <dgm:styleLbl name="parChTrans1D4">
+    <dgm:fillClrLst meth="repeat">
+      <a:schemeClr val="dk1"/>
+    </dgm:fillClrLst>
+    <dgm:linClrLst meth="repeat">
+      <a:schemeClr val="dk1">
+        <a:shade val="80000"/>
+      </a:schemeClr>
+    </dgm:linClrLst>
+    <dgm:effectClrLst/>
+    <dgm:txLinClrLst/>
+    <dgm:txFillClrLst meth="repeat">
+      <a:schemeClr val="tx1"/>
+    </dgm:txFillClrLst>
+    <dgm:txEffectClrLst/>
+  </dgm:styleLbl>
+  <dgm:styleLbl name="fgAcc1">
+    <dgm:fillClrLst meth="repeat">
+      <a:schemeClr val="dk1">
+        <a:alpha val="90000"/>
+        <a:tint val="40000"/>
+      </a:schemeClr>
+    </dgm:fillClrLst>
+    <dgm:linClrLst meth="repeat">
+      <a:schemeClr val="dk1"/>
+    </dgm:linClrLst>
+    <dgm:effectClrLst/>
+    <dgm:txLinClrLst/>
+    <dgm:txFillClrLst meth="repeat">
+      <a:schemeClr val="dk1"/>
+    </dgm:txFillClrLst>
+    <dgm:txEffectClrLst/>
+  </dgm:styleLbl>
+  <dgm:styleLbl name="conFgAcc1">
+    <dgm:fillClrLst meth="repeat">
+      <a:schemeClr val="dk1">
+        <a:alpha val="90000"/>
+        <a:tint val="40000"/>
+      </a:schemeClr>
+    </dgm:fillClrLst>
+    <dgm:linClrLst meth="repeat">
+      <a:schemeClr val="dk1"/>
+    </dgm:linClrLst>
+    <dgm:effectClrLst/>
+    <dgm:txLinClrLst/>
+    <dgm:txFillClrLst meth="repeat">
+      <a:schemeClr val="dk1"/>
+    </dgm:txFillClrLst>
+    <dgm:txEffectClrLst/>
+  </dgm:styleLbl>
+  <dgm:styleLbl name="alignAcc1">
+    <dgm:fillClrLst meth="repeat">
+      <a:schemeClr val="dk1">
+        <a:alpha val="90000"/>
+        <a:tint val="40000"/>
+      </a:schemeClr>
+    </dgm:fillClrLst>
+    <dgm:linClrLst meth="repeat">
+      <a:schemeClr val="dk1"/>
+    </dgm:linClrLst>
+    <dgm:effectClrLst/>
+    <dgm:txLinClrLst/>
+    <dgm:txFillClrLst meth="repeat">
+      <a:schemeClr val="dk1"/>
+    </dgm:txFillClrLst>
+    <dgm:txEffectClrLst/>
+  </dgm:styleLbl>
+  <dgm:styleLbl name="trAlignAcc1">
+    <dgm:fillClrLst meth="repeat">
+      <a:schemeClr val="dk1">
+        <a:alpha val="40000"/>
+        <a:tint val="40000"/>
+      </a:schemeClr>
+    </dgm:fillClrLst>
+    <dgm:linClrLst meth="repeat">
+      <a:schemeClr val="dk1"/>
+    </dgm:linClrLst>
+    <dgm:effectClrLst/>
+    <dgm:txLinClrLst/>
+    <dgm:txFillClrLst meth="repeat">
+      <a:schemeClr val="dk1"/>
+    </dgm:txFillClrLst>
+    <dgm:txEffectClrLst/>
+  </dgm:styleLbl>
+  <dgm:styleLbl name="bgAcc1">
+    <dgm:fillClrLst meth="repeat">
+      <a:schemeClr val="dk1">
+        <a:alpha val="90000"/>
+        <a:tint val="40000"/>
+      </a:schemeClr>
+    </dgm:fillClrLst>
+    <dgm:linClrLst meth="repeat">
+      <a:schemeClr val="dk1"/>
+    </dgm:linClrLst>
+    <dgm:effectClrLst/>
+    <dgm:txLinClrLst/>
+    <dgm:txFillClrLst meth="repeat">
+      <a:schemeClr val="dk1"/>
+    </dgm:txFillClrLst>
+    <dgm:txEffectClrLst/>
+  </dgm:styleLbl>
+  <dgm:styleLbl name="solidFgAcc1">
+    <dgm:fillClrLst meth="repeat">
+      <a:schemeClr val="lt1"/>
+    </dgm:fillClrLst>
+    <dgm:linClrLst meth="repeat">
+      <a:schemeClr val="dk1"/>
+    </dgm:linClrLst>
+    <dgm:effectClrLst/>
+    <dgm:txLinClrLst/>
+    <dgm:txFillClrLst meth="repeat">
+      <a:schemeClr val="dk1"/>
+    </dgm:txFillClrLst>
+    <dgm:txEffectClrLst/>
+  </dgm:styleLbl>
+  <dgm:styleLbl name="solidAlignAcc1">
+    <dgm:fillClrLst meth="repeat">
+      <a:schemeClr val="lt1"/>
+    </dgm:fillClrLst>
+    <dgm:linClrLst meth="repeat">
+      <a:schemeClr val="dk1"/>
+    </dgm:linClrLst>
+    <dgm:effectClrLst/>
+    <dgm:txLinClrLst/>
+    <dgm:txFillClrLst meth="repeat">
+      <a:schemeClr val="dk1"/>
+    </dgm:txFillClrLst>
+    <dgm:txEffectClrLst/>
+  </dgm:styleLbl>
+  <dgm:styleLbl name="solidBgAcc1">
+    <dgm:fillClrLst meth="repeat">
+      <a:schemeClr val="lt1"/>
+    </dgm:fillClrLst>
+    <dgm:linClrLst meth="repeat">
+      <a:schemeClr val="dk1"/>
+    </dgm:linClrLst>
+    <dgm:effectClrLst/>
+    <dgm:txLinClrLst/>
+    <dgm:txFillClrLst meth="repeat">
+      <a:schemeClr val="dk1"/>
+    </dgm:txFillClrLst>
+    <dgm:txEffectClrLst/>
+  </dgm:styleLbl>
+  <dgm:styleLbl name="fgAccFollowNode1">
+    <dgm:fillClrLst meth="repeat">
+      <a:schemeClr val="lt1">
+        <a:alpha val="90000"/>
+        <a:tint val="40000"/>
+      </a:schemeClr>
+    </dgm:fillClrLst>
+    <dgm:linClrLst meth="repeat">
+      <a:schemeClr val="dk1">
+        <a:alpha val="90000"/>
+      </a:schemeClr>
+    </dgm:linClrLst>
+    <dgm:effectClrLst/>
+    <dgm:txLinClrLst/>
+    <dgm:txFillClrLst meth="repeat">
+      <a:schemeClr val="dk1"/>
+    </dgm:txFillClrLst>
+    <dgm:txEffectClrLst/>
+  </dgm:styleLbl>
+  <dgm:styleLbl name="alignAccFollowNode1">
+    <dgm:fillClrLst meth="repeat">
+      <a:schemeClr val="lt1">
+        <a:alpha val="90000"/>
+        <a:tint val="40000"/>
+      </a:schemeClr>
+    </dgm:fillClrLst>
+    <dgm:linClrLst meth="repeat">
+      <a:schemeClr val="dk1">
+        <a:alpha val="90000"/>
+      </a:schemeClr>
+    </dgm:linClrLst>
+    <dgm:effectClrLst/>
+    <dgm:txLinClrLst/>
+    <dgm:txFillClrLst meth="repeat">
+      <a:schemeClr val="dk1"/>
+    </dgm:txFillClrLst>
+    <dgm:txEffectClrLst/>
+  </dgm:styleLbl>
+  <dgm:styleLbl name="bgAccFollowNode1">
+    <dgm:fillClrLst meth="repeat">
+      <a:schemeClr val="lt1">
+        <a:alpha val="90000"/>
+        <a:tint val="40000"/>
+      </a:schemeClr>
+    </dgm:fillClrLst>
+    <dgm:linClrLst meth="repeat">
+      <a:schemeClr val="dk1">
+        <a:alpha val="90000"/>
+      </a:schemeClr>
+    </dgm:linClrLst>
+    <dgm:effectClrLst/>
+    <dgm:txLinClrLst/>
+    <dgm:txFillClrLst meth="repeat">
+      <a:schemeClr val="dk1"/>
+    </dgm:txFillClrLst>
+    <dgm:txEffectClrLst/>
+  </dgm:styleLbl>
+  <dgm:styleLbl name="fgAcc0">
+    <dgm:fillClrLst meth="repeat">
+      <a:schemeClr val="dk1">
+        <a:alpha val="90000"/>
+        <a:tint val="40000"/>
+      </a:schemeClr>
+    </dgm:fillClrLst>
+    <dgm:linClrLst meth="repeat">
+      <a:schemeClr val="dk1"/>
+    </dgm:linClrLst>
+    <dgm:effectClrLst/>
+    <dgm:txLinClrLst/>
+    <dgm:txFillClrLst meth="repeat">
+      <a:schemeClr val="dk1"/>
+    </dgm:txFillClrLst>
+    <dgm:txEffectClrLst/>
+  </dgm:styleLbl>
+  <dgm:styleLbl name="fgAcc2">
+    <dgm:fillClrLst meth="repeat">
+      <a:schemeClr val="dk1">
+        <a:alpha val="90000"/>
+        <a:tint val="40000"/>
+      </a:schemeClr>
+    </dgm:fillClrLst>
+    <dgm:linClrLst meth="repeat">
+      <a:schemeClr val="dk1"/>
+    </dgm:linClrLst>
+    <dgm:effectClrLst/>
+    <dgm:txLinClrLst/>
+    <dgm:txFillClrLst meth="repeat">
+      <a:schemeClr val="dk1"/>
+    </dgm:txFillClrLst>
+    <dgm:txEffectClrLst/>
+  </dgm:styleLbl>
+  <dgm:styleLbl name="fgAcc3">
+    <dgm:fillClrLst meth="repeat">
+      <a:schemeClr val="dk1">
+        <a:alpha val="90000"/>
+        <a:tint val="40000"/>
+      </a:schemeClr>
+    </dgm:fillClrLst>
+    <dgm:linClrLst meth="repeat">
+      <a:schemeClr val="dk1"/>
+    </dgm:linClrLst>
+    <dgm:effectClrLst/>
+    <dgm:txLinClrLst/>
+    <dgm:txFillClrLst meth="repeat">
+      <a:schemeClr val="dk1"/>
+    </dgm:txFillClrLst>
+    <dgm:txEffectClrLst/>
+  </dgm:styleLbl>
+  <dgm:styleLbl name="fgAcc4">
+    <dgm:fillClrLst meth="repeat">
+      <a:schemeClr val="dk1">
+        <a:alpha val="90000"/>
+        <a:tint val="40000"/>
+      </a:schemeClr>
+    </dgm:fillClrLst>
+    <dgm:linClrLst meth="repeat">
+      <a:schemeClr val="dk1"/>
+    </dgm:linClrLst>
+    <dgm:effectClrLst/>
+    <dgm:txLinClrLst/>
+    <dgm:txFillClrLst meth="repeat">
+      <a:schemeClr val="dk1"/>
+    </dgm:txFillClrLst>
+    <dgm:txEffectClrLst/>
+  </dgm:styleLbl>
+  <dgm:styleLbl name="bgShp">
+    <dgm:fillClrLst meth="repeat">
+      <a:schemeClr val="dk1">
+        <a:tint val="40000"/>
+      </a:schemeClr>
+    </dgm:fillClrLst>
+    <dgm:linClrLst meth="repeat">
+      <a:schemeClr val="dk1"/>
+    </dgm:linClrLst>
+    <dgm:effectClrLst/>
+    <dgm:txLinClrLst/>
+    <dgm:txFillClrLst meth="repeat">
+      <a:schemeClr val="dk1"/>
+    </dgm:txFillClrLst>
+    <dgm:txEffectClrLst/>
+  </dgm:styleLbl>
+  <dgm:styleLbl name="dkBgShp">
+    <dgm:fillClrLst meth="repeat">
+      <a:schemeClr val="dk1">
+        <a:shade val="80000"/>
+      </a:schemeClr>
+    </dgm:fillClrLst>
+    <dgm:linClrLst meth="repeat">
+      <a:schemeClr val="dk1"/>
+    </dgm:linClrLst>
+    <dgm:effectClrLst/>
+    <dgm:txLinClrLst/>
+    <dgm:txFillClrLst meth="repeat">
+      <a:schemeClr val="lt1"/>
+    </dgm:txFillClrLst>
+    <dgm:txEffectClrLst/>
+  </dgm:styleLbl>
+  <dgm:styleLbl name="trBgShp">
+    <dgm:fillClrLst meth="repeat">
+      <a:schemeClr val="dk1">
+        <a:tint val="50000"/>
+        <a:alpha val="40000"/>
+      </a:schemeClr>
+    </dgm:fillClrLst>
+    <dgm:linClrLst meth="repeat">
+      <a:schemeClr val="dk1"/>
+    </dgm:linClrLst>
+    <dgm:effectClrLst/>
+    <dgm:txLinClrLst/>
+    <dgm:txFillClrLst meth="repeat">
+      <a:schemeClr val="lt1"/>
+    </dgm:txFillClrLst>
+    <dgm:txEffectClrLst/>
+  </dgm:styleLbl>
+  <dgm:styleLbl name="fgShp">
+    <dgm:fillClrLst meth="repeat">
+      <a:schemeClr val="dk1">
+        <a:tint val="60000"/>
+      </a:schemeClr>
+    </dgm:fillClrLst>
+    <dgm:linClrLst meth="repeat">
+      <a:schemeClr val="lt1"/>
+    </dgm:linClrLst>
+    <dgm:effectClrLst/>
+    <dgm:txLinClrLst/>
+    <dgm:txFillClrLst meth="repeat">
+      <a:schemeClr val="dk1"/>
+    </dgm:txFillClrLst>
+    <dgm:txEffectClrLst/>
+  </dgm:styleLbl>
+  <dgm:styleLbl name="revTx">
+    <dgm:fillClrLst meth="repeat">
+      <a:schemeClr val="lt1">
+        <a:alpha val="0"/>
+      </a:schemeClr>
+    </dgm:fillClrLst>
+    <dgm:linClrLst meth="repeat">
+      <a:schemeClr val="dk1">
+        <a:alpha val="0"/>
+      </a:schemeClr>
+    </dgm:linClrLst>
+    <dgm:effectClrLst/>
+    <dgm:txLinClrLst/>
+    <dgm:txFillClrLst meth="repeat">
+      <a:schemeClr val="tx1"/>
+    </dgm:txFillClrLst>
+    <dgm:txEffectClrLst/>
+  </dgm:styleLbl>
+</dgm:colorsDef>
+</file>
+
+<file path=ppt/diagrams/colors3.xml><?xml version="1.0" encoding="utf-8"?>
 <dgm:colorsDef xmlns:dgm="http://schemas.openxmlformats.org/drawingml/2006/diagram" xmlns:a="http://schemas.openxmlformats.org/drawingml/2006/main" uniqueId="urn:microsoft.com/office/officeart/2005/8/colors/accent0_1">
   <dgm:title val=""/>
   <dgm:desc val=""/>
@@ -1235,6 +2856,820 @@
     <dgm:cxn modelId="{0E33F0DC-B03D-48C2-8CA4-2F673A609514}" type="presParOf" srcId="{835DC097-027D-4766-8CEC-4AFA681E0980}" destId="{AB07F565-70AF-4D8E-964D-2B98BED5ECE9}" srcOrd="7" destOrd="0" presId="urn:microsoft.com/office/officeart/2005/8/layout/bProcess3"/>
     <dgm:cxn modelId="{1B7E15C7-7698-4692-89FB-6759600D8475}" type="presParOf" srcId="{AB07F565-70AF-4D8E-964D-2B98BED5ECE9}" destId="{6FE66C87-4ABA-420A-A1AF-E0BC79934867}" srcOrd="0" destOrd="0" presId="urn:microsoft.com/office/officeart/2005/8/layout/bProcess3"/>
     <dgm:cxn modelId="{0747D926-BE14-4676-AE8E-580E7D9D880F}" type="presParOf" srcId="{835DC097-027D-4766-8CEC-4AFA681E0980}" destId="{D7E6B66C-7244-41C8-80BB-A13207DC2C4A}" srcOrd="8" destOrd="0" presId="urn:microsoft.com/office/officeart/2005/8/layout/bProcess3"/>
+  </dgm:cxnLst>
+  <dgm:bg/>
+  <dgm:whole>
+    <a:ln w="28575">
+      <a:solidFill>
+        <a:schemeClr val="tx1"/>
+      </a:solidFill>
+    </a:ln>
+  </dgm:whole>
+  <dgm:extLst>
+    <a:ext uri="http://schemas.microsoft.com/office/drawing/2008/diagram">
+      <dsp:dataModelExt xmlns:dsp="http://schemas.microsoft.com/office/drawing/2008/diagram" relId="rId6" minVer="http://schemas.openxmlformats.org/drawingml/2006/diagram"/>
+    </a:ext>
+  </dgm:extLst>
+</dgm:dataModel>
+</file>
+
+<file path=ppt/diagrams/data2.xml><?xml version="1.0" encoding="utf-8"?>
+<dgm:dataModel xmlns:dgm="http://schemas.openxmlformats.org/drawingml/2006/diagram" xmlns:a="http://schemas.openxmlformats.org/drawingml/2006/main">
+  <dgm:ptLst>
+    <dgm:pt modelId="{501BC2F3-BD63-4C20-B96F-F85F64ABF4A7}" type="doc">
+      <dgm:prSet loTypeId="urn:microsoft.com/office/officeart/2005/8/layout/bProcess3" loCatId="process" qsTypeId="urn:microsoft.com/office/officeart/2005/8/quickstyle/simple3" qsCatId="simple" csTypeId="urn:microsoft.com/office/officeart/2005/8/colors/accent0_1" csCatId="mainScheme" phldr="1"/>
+      <dgm:spPr/>
+      <dgm:t>
+        <a:bodyPr/>
+        <a:lstStyle/>
+        <a:p>
+          <a:endParaRPr lang="en-US"/>
+        </a:p>
+      </dgm:t>
+    </dgm:pt>
+    <dgm:pt modelId="{A7F93B43-9A20-4548-B6E2-4A9DD5E505D8}">
+      <dgm:prSet phldrT="[Text]"/>
+      <dgm:spPr>
+        <a:solidFill>
+          <a:schemeClr val="tx1"/>
+        </a:solidFill>
+      </dgm:spPr>
+      <dgm:t>
+        <a:bodyPr/>
+        <a:lstStyle/>
+        <a:p>
+          <a:r>
+            <a:rPr lang="en-US" dirty="0">
+              <a:solidFill>
+                <a:schemeClr val="bg1"/>
+              </a:solidFill>
+            </a:rPr>
+            <a:t>Generate Search Term List</a:t>
+          </a:r>
+        </a:p>
+      </dgm:t>
+    </dgm:pt>
+    <dgm:pt modelId="{EBECC29D-80DE-4AB0-A430-FE77020EAE31}" type="parTrans" cxnId="{A54BF963-04CF-48A0-A545-2D91CD3358CE}">
+      <dgm:prSet/>
+      <dgm:spPr/>
+      <dgm:t>
+        <a:bodyPr/>
+        <a:lstStyle/>
+        <a:p>
+          <a:endParaRPr lang="en-US"/>
+        </a:p>
+      </dgm:t>
+    </dgm:pt>
+    <dgm:pt modelId="{4F90BACC-10A0-4684-8918-A0C27A42AEF9}" type="sibTrans" cxnId="{A54BF963-04CF-48A0-A545-2D91CD3358CE}">
+      <dgm:prSet/>
+      <dgm:spPr/>
+      <dgm:t>
+        <a:bodyPr/>
+        <a:lstStyle/>
+        <a:p>
+          <a:endParaRPr lang="en-US"/>
+        </a:p>
+      </dgm:t>
+    </dgm:pt>
+    <dgm:pt modelId="{505F1A67-F626-45B6-AD83-EB815088CAB0}">
+      <dgm:prSet phldrT="[Text]"/>
+      <dgm:spPr>
+        <a:solidFill>
+          <a:schemeClr val="accent5">
+            <a:lumMod val="60000"/>
+            <a:lumOff val="40000"/>
+          </a:schemeClr>
+        </a:solidFill>
+      </dgm:spPr>
+      <dgm:t>
+        <a:bodyPr/>
+        <a:lstStyle/>
+        <a:p>
+          <a:r>
+            <a:rPr lang="en-US" dirty="0"/>
+            <a:t>Deploy Selenium with Chrome</a:t>
+          </a:r>
+        </a:p>
+      </dgm:t>
+    </dgm:pt>
+    <dgm:pt modelId="{185ADD56-6FA2-47DA-BED6-4CE7FAAD426D}" type="parTrans" cxnId="{ADE20A10-E374-4844-AFBF-EBB52A16F917}">
+      <dgm:prSet/>
+      <dgm:spPr/>
+      <dgm:t>
+        <a:bodyPr/>
+        <a:lstStyle/>
+        <a:p>
+          <a:endParaRPr lang="en-US"/>
+        </a:p>
+      </dgm:t>
+    </dgm:pt>
+    <dgm:pt modelId="{8C8AF6CC-A903-447C-B888-B5243D9203F7}" type="sibTrans" cxnId="{ADE20A10-E374-4844-AFBF-EBB52A16F917}">
+      <dgm:prSet/>
+      <dgm:spPr/>
+      <dgm:t>
+        <a:bodyPr/>
+        <a:lstStyle/>
+        <a:p>
+          <a:endParaRPr lang="en-US"/>
+        </a:p>
+      </dgm:t>
+    </dgm:pt>
+    <dgm:pt modelId="{AB320B0A-6120-478A-9BE9-2938F962587F}">
+      <dgm:prSet phldrT="[Text]"/>
+      <dgm:spPr>
+        <a:solidFill>
+          <a:schemeClr val="accent2">
+            <a:lumMod val="20000"/>
+            <a:lumOff val="80000"/>
+          </a:schemeClr>
+        </a:solidFill>
+      </dgm:spPr>
+      <dgm:t>
+        <a:bodyPr/>
+        <a:lstStyle/>
+        <a:p>
+          <a:r>
+            <a:rPr lang="en-US" dirty="0"/>
+            <a:t>Authenticate</a:t>
+          </a:r>
+        </a:p>
+      </dgm:t>
+    </dgm:pt>
+    <dgm:pt modelId="{35D0BCC4-C709-4510-86C4-4AA12996FF03}" type="parTrans" cxnId="{7DB59743-1C96-45D2-A2F5-59ED37A7790F}">
+      <dgm:prSet/>
+      <dgm:spPr/>
+      <dgm:t>
+        <a:bodyPr/>
+        <a:lstStyle/>
+        <a:p>
+          <a:endParaRPr lang="en-US"/>
+        </a:p>
+      </dgm:t>
+    </dgm:pt>
+    <dgm:pt modelId="{41F3BD77-10A0-4201-8354-5CAA9C26AC5E}" type="sibTrans" cxnId="{7DB59743-1C96-45D2-A2F5-59ED37A7790F}">
+      <dgm:prSet/>
+      <dgm:spPr/>
+      <dgm:t>
+        <a:bodyPr/>
+        <a:lstStyle/>
+        <a:p>
+          <a:endParaRPr lang="en-US"/>
+        </a:p>
+      </dgm:t>
+    </dgm:pt>
+    <dgm:pt modelId="{A7EC0947-8D84-490D-89C6-261F2CBCD3FB}">
+      <dgm:prSet phldrT="[Text]"/>
+      <dgm:spPr>
+        <a:solidFill>
+          <a:schemeClr val="accent6">
+            <a:lumMod val="20000"/>
+            <a:lumOff val="80000"/>
+          </a:schemeClr>
+        </a:solidFill>
+      </dgm:spPr>
+      <dgm:t>
+        <a:bodyPr/>
+        <a:lstStyle/>
+        <a:p>
+          <a:r>
+            <a:rPr lang="en-US" dirty="0"/>
+            <a:t>Paginate Search Term</a:t>
+          </a:r>
+        </a:p>
+      </dgm:t>
+    </dgm:pt>
+    <dgm:pt modelId="{1A20D5C5-0B82-45A4-B327-25210D3A1910}" type="parTrans" cxnId="{9557A6A1-DA19-4353-AA3E-09D718A1FE8A}">
+      <dgm:prSet/>
+      <dgm:spPr/>
+      <dgm:t>
+        <a:bodyPr/>
+        <a:lstStyle/>
+        <a:p>
+          <a:endParaRPr lang="en-US"/>
+        </a:p>
+      </dgm:t>
+    </dgm:pt>
+    <dgm:pt modelId="{390A8BB3-4E91-410D-A2AF-39D993ED6738}" type="sibTrans" cxnId="{9557A6A1-DA19-4353-AA3E-09D718A1FE8A}">
+      <dgm:prSet/>
+      <dgm:spPr/>
+      <dgm:t>
+        <a:bodyPr/>
+        <a:lstStyle/>
+        <a:p>
+          <a:endParaRPr lang="en-US"/>
+        </a:p>
+      </dgm:t>
+    </dgm:pt>
+    <dgm:pt modelId="{512CD169-DE6D-4342-97B7-6BC172A3539F}">
+      <dgm:prSet phldrT="[Text]"/>
+      <dgm:spPr>
+        <a:solidFill>
+          <a:schemeClr val="accent6">
+            <a:lumMod val="40000"/>
+            <a:lumOff val="60000"/>
+          </a:schemeClr>
+        </a:solidFill>
+      </dgm:spPr>
+      <dgm:t>
+        <a:bodyPr/>
+        <a:lstStyle/>
+        <a:p>
+          <a:r>
+            <a:rPr lang="en-US" dirty="0"/>
+            <a:t>Append to Text File</a:t>
+          </a:r>
+        </a:p>
+      </dgm:t>
+    </dgm:pt>
+    <dgm:pt modelId="{BE46B8C4-0654-4FE2-AD0F-D20287A24B9E}" type="parTrans" cxnId="{D87A5852-DD9E-46E7-BD4E-78B9DEB47BEF}">
+      <dgm:prSet/>
+      <dgm:spPr/>
+      <dgm:t>
+        <a:bodyPr/>
+        <a:lstStyle/>
+        <a:p>
+          <a:endParaRPr lang="en-US"/>
+        </a:p>
+      </dgm:t>
+    </dgm:pt>
+    <dgm:pt modelId="{F68ED0A8-6ED3-45C6-9D02-21AC3717D4A7}" type="sibTrans" cxnId="{D87A5852-DD9E-46E7-BD4E-78B9DEB47BEF}">
+      <dgm:prSet/>
+      <dgm:spPr/>
+      <dgm:t>
+        <a:bodyPr/>
+        <a:lstStyle/>
+        <a:p>
+          <a:endParaRPr lang="en-US"/>
+        </a:p>
+      </dgm:t>
+    </dgm:pt>
+    <dgm:pt modelId="{84A79A8A-C6C9-40D9-8160-C1064BF41751}">
+      <dgm:prSet phldrT="[Text]"/>
+      <dgm:spPr>
+        <a:solidFill>
+          <a:schemeClr val="tx1">
+            <a:lumMod val="50000"/>
+            <a:lumOff val="50000"/>
+          </a:schemeClr>
+        </a:solidFill>
+      </dgm:spPr>
+      <dgm:t>
+        <a:bodyPr/>
+        <a:lstStyle/>
+        <a:p>
+          <a:r>
+            <a:rPr lang="en-US" dirty="0">
+              <a:solidFill>
+                <a:schemeClr val="bg1"/>
+              </a:solidFill>
+            </a:rPr>
+            <a:t>LinkedIn Profile URLs</a:t>
+          </a:r>
+        </a:p>
+      </dgm:t>
+    </dgm:pt>
+    <dgm:pt modelId="{7925EE4F-B3E5-4BD3-B88A-B619FDE03A77}" type="parTrans" cxnId="{643EC0EF-1F62-49CF-B3DB-5A2079F4B2DB}">
+      <dgm:prSet/>
+      <dgm:spPr/>
+      <dgm:t>
+        <a:bodyPr/>
+        <a:lstStyle/>
+        <a:p>
+          <a:endParaRPr lang="en-US"/>
+        </a:p>
+      </dgm:t>
+    </dgm:pt>
+    <dgm:pt modelId="{D05656F0-0AA2-4238-8AFB-54F493885952}" type="sibTrans" cxnId="{643EC0EF-1F62-49CF-B3DB-5A2079F4B2DB}">
+      <dgm:prSet/>
+      <dgm:spPr/>
+      <dgm:t>
+        <a:bodyPr/>
+        <a:lstStyle/>
+        <a:p>
+          <a:endParaRPr lang="en-US"/>
+        </a:p>
+      </dgm:t>
+    </dgm:pt>
+    <dgm:pt modelId="{744DEC66-A81F-4B90-A03B-BAD5648547F3}">
+      <dgm:prSet phldrT="[Text]"/>
+      <dgm:spPr>
+        <a:solidFill>
+          <a:schemeClr val="accent1">
+            <a:lumMod val="50000"/>
+          </a:schemeClr>
+        </a:solidFill>
+      </dgm:spPr>
+      <dgm:t>
+        <a:bodyPr/>
+        <a:lstStyle/>
+        <a:p>
+          <a:r>
+            <a:rPr lang="en-US" dirty="0">
+              <a:solidFill>
+                <a:schemeClr val="bg1"/>
+              </a:solidFill>
+            </a:rPr>
+            <a:t>Profile Scraping</a:t>
+          </a:r>
+        </a:p>
+      </dgm:t>
+    </dgm:pt>
+    <dgm:pt modelId="{305B9354-D5A1-4996-B6A6-26CAB7C757DF}" type="parTrans" cxnId="{8C69AE8D-DAF2-461E-87F7-07624749A4EE}">
+      <dgm:prSet/>
+      <dgm:spPr/>
+      <dgm:t>
+        <a:bodyPr/>
+        <a:lstStyle/>
+        <a:p>
+          <a:endParaRPr lang="en-US"/>
+        </a:p>
+      </dgm:t>
+    </dgm:pt>
+    <dgm:pt modelId="{EA3FD97A-F130-47D6-8801-75E73ACDE47F}" type="sibTrans" cxnId="{8C69AE8D-DAF2-461E-87F7-07624749A4EE}">
+      <dgm:prSet/>
+      <dgm:spPr/>
+      <dgm:t>
+        <a:bodyPr/>
+        <a:lstStyle/>
+        <a:p>
+          <a:endParaRPr lang="en-US"/>
+        </a:p>
+      </dgm:t>
+    </dgm:pt>
+    <dgm:pt modelId="{58FFCAF3-A27B-406A-98B0-D83415B71EC9}">
+      <dgm:prSet phldrT="[Text]"/>
+      <dgm:spPr>
+        <a:solidFill>
+          <a:schemeClr val="accent2">
+            <a:lumMod val="60000"/>
+            <a:lumOff val="40000"/>
+          </a:schemeClr>
+        </a:solidFill>
+      </dgm:spPr>
+      <dgm:t>
+        <a:bodyPr/>
+        <a:lstStyle/>
+        <a:p>
+          <a:r>
+            <a:rPr lang="en-US" dirty="0">
+              <a:solidFill>
+                <a:schemeClr val="tx1"/>
+              </a:solidFill>
+            </a:rPr>
+            <a:t>Full Profile </a:t>
+          </a:r>
+          <a:r>
+            <a:rPr lang="en-US" dirty="0" err="1">
+              <a:solidFill>
+                <a:schemeClr val="tx1"/>
+              </a:solidFill>
+            </a:rPr>
+            <a:t>Dataframe</a:t>
+          </a:r>
+          <a:endParaRPr lang="en-US" dirty="0">
+            <a:solidFill>
+              <a:schemeClr val="tx1"/>
+            </a:solidFill>
+          </a:endParaRPr>
+        </a:p>
+      </dgm:t>
+    </dgm:pt>
+    <dgm:pt modelId="{E051B3CF-3AC2-463A-847A-B54AD75CAF0A}" type="parTrans" cxnId="{B5151706-726C-4E57-A191-940FBEC2758E}">
+      <dgm:prSet/>
+      <dgm:spPr/>
+      <dgm:t>
+        <a:bodyPr/>
+        <a:lstStyle/>
+        <a:p>
+          <a:endParaRPr lang="en-US"/>
+        </a:p>
+      </dgm:t>
+    </dgm:pt>
+    <dgm:pt modelId="{AEDF6932-A625-409E-A62D-F17B03DB1FA5}" type="sibTrans" cxnId="{B5151706-726C-4E57-A191-940FBEC2758E}">
+      <dgm:prSet/>
+      <dgm:spPr/>
+      <dgm:t>
+        <a:bodyPr/>
+        <a:lstStyle/>
+        <a:p>
+          <a:endParaRPr lang="en-US"/>
+        </a:p>
+      </dgm:t>
+    </dgm:pt>
+    <dgm:pt modelId="{835DC097-027D-4766-8CEC-4AFA681E0980}" type="pres">
+      <dgm:prSet presAssocID="{501BC2F3-BD63-4C20-B96F-F85F64ABF4A7}" presName="Name0" presStyleCnt="0">
+        <dgm:presLayoutVars>
+          <dgm:dir/>
+          <dgm:resizeHandles val="exact"/>
+        </dgm:presLayoutVars>
+      </dgm:prSet>
+      <dgm:spPr/>
+    </dgm:pt>
+    <dgm:pt modelId="{DCB5C394-7103-40A4-9B1C-A4855CC13E2A}" type="pres">
+      <dgm:prSet presAssocID="{A7F93B43-9A20-4548-B6E2-4A9DD5E505D8}" presName="node" presStyleLbl="node1" presStyleIdx="0" presStyleCnt="8">
+        <dgm:presLayoutVars>
+          <dgm:bulletEnabled val="1"/>
+        </dgm:presLayoutVars>
+      </dgm:prSet>
+      <dgm:spPr/>
+    </dgm:pt>
+    <dgm:pt modelId="{8B15CBEF-ECFD-4501-A6B5-059B20D7A728}" type="pres">
+      <dgm:prSet presAssocID="{4F90BACC-10A0-4684-8918-A0C27A42AEF9}" presName="sibTrans" presStyleLbl="sibTrans1D1" presStyleIdx="0" presStyleCnt="7"/>
+      <dgm:spPr/>
+    </dgm:pt>
+    <dgm:pt modelId="{BB1F8488-D232-4390-97C1-D374DB00280D}" type="pres">
+      <dgm:prSet presAssocID="{4F90BACC-10A0-4684-8918-A0C27A42AEF9}" presName="connectorText" presStyleLbl="sibTrans1D1" presStyleIdx="0" presStyleCnt="7"/>
+      <dgm:spPr/>
+    </dgm:pt>
+    <dgm:pt modelId="{ABF6F158-6B49-4120-935A-FDCE2665478F}" type="pres">
+      <dgm:prSet presAssocID="{505F1A67-F626-45B6-AD83-EB815088CAB0}" presName="node" presStyleLbl="node1" presStyleIdx="1" presStyleCnt="8">
+        <dgm:presLayoutVars>
+          <dgm:bulletEnabled val="1"/>
+        </dgm:presLayoutVars>
+      </dgm:prSet>
+      <dgm:spPr/>
+    </dgm:pt>
+    <dgm:pt modelId="{3516E03F-734D-4971-A2EB-282F37E64F44}" type="pres">
+      <dgm:prSet presAssocID="{8C8AF6CC-A903-447C-B888-B5243D9203F7}" presName="sibTrans" presStyleLbl="sibTrans1D1" presStyleIdx="1" presStyleCnt="7"/>
+      <dgm:spPr/>
+    </dgm:pt>
+    <dgm:pt modelId="{ABA88651-D311-4011-987B-96EDB53EC3A2}" type="pres">
+      <dgm:prSet presAssocID="{8C8AF6CC-A903-447C-B888-B5243D9203F7}" presName="connectorText" presStyleLbl="sibTrans1D1" presStyleIdx="1" presStyleCnt="7"/>
+      <dgm:spPr/>
+    </dgm:pt>
+    <dgm:pt modelId="{308E66F8-C990-44F1-9D02-1BB4D76C496F}" type="pres">
+      <dgm:prSet presAssocID="{AB320B0A-6120-478A-9BE9-2938F962587F}" presName="node" presStyleLbl="node1" presStyleIdx="2" presStyleCnt="8" custLinFactNeighborX="-1111">
+        <dgm:presLayoutVars>
+          <dgm:bulletEnabled val="1"/>
+        </dgm:presLayoutVars>
+      </dgm:prSet>
+      <dgm:spPr/>
+    </dgm:pt>
+    <dgm:pt modelId="{59B2E365-28E8-4EA6-90A7-2473B4BAE0DE}" type="pres">
+      <dgm:prSet presAssocID="{41F3BD77-10A0-4201-8354-5CAA9C26AC5E}" presName="sibTrans" presStyleLbl="sibTrans1D1" presStyleIdx="2" presStyleCnt="7"/>
+      <dgm:spPr/>
+    </dgm:pt>
+    <dgm:pt modelId="{037A38F6-13FD-4D84-B048-8E5BA94D4CF5}" type="pres">
+      <dgm:prSet presAssocID="{41F3BD77-10A0-4201-8354-5CAA9C26AC5E}" presName="connectorText" presStyleLbl="sibTrans1D1" presStyleIdx="2" presStyleCnt="7"/>
+      <dgm:spPr/>
+    </dgm:pt>
+    <dgm:pt modelId="{81C43D66-D2EF-4747-A3A4-3CC8944C59C2}" type="pres">
+      <dgm:prSet presAssocID="{A7EC0947-8D84-490D-89C6-261F2CBCD3FB}" presName="node" presStyleLbl="node1" presStyleIdx="3" presStyleCnt="8">
+        <dgm:presLayoutVars>
+          <dgm:bulletEnabled val="1"/>
+        </dgm:presLayoutVars>
+      </dgm:prSet>
+      <dgm:spPr/>
+    </dgm:pt>
+    <dgm:pt modelId="{AB07F565-70AF-4D8E-964D-2B98BED5ECE9}" type="pres">
+      <dgm:prSet presAssocID="{390A8BB3-4E91-410D-A2AF-39D993ED6738}" presName="sibTrans" presStyleLbl="sibTrans1D1" presStyleIdx="3" presStyleCnt="7"/>
+      <dgm:spPr/>
+    </dgm:pt>
+    <dgm:pt modelId="{6FE66C87-4ABA-420A-A1AF-E0BC79934867}" type="pres">
+      <dgm:prSet presAssocID="{390A8BB3-4E91-410D-A2AF-39D993ED6738}" presName="connectorText" presStyleLbl="sibTrans1D1" presStyleIdx="3" presStyleCnt="7"/>
+      <dgm:spPr/>
+    </dgm:pt>
+    <dgm:pt modelId="{D7E6B66C-7244-41C8-80BB-A13207DC2C4A}" type="pres">
+      <dgm:prSet presAssocID="{512CD169-DE6D-4342-97B7-6BC172A3539F}" presName="node" presStyleLbl="node1" presStyleIdx="4" presStyleCnt="8">
+        <dgm:presLayoutVars>
+          <dgm:bulletEnabled val="1"/>
+        </dgm:presLayoutVars>
+      </dgm:prSet>
+      <dgm:spPr/>
+    </dgm:pt>
+    <dgm:pt modelId="{2DF7938D-BC79-4126-902E-6E6186F3A49A}" type="pres">
+      <dgm:prSet presAssocID="{F68ED0A8-6ED3-45C6-9D02-21AC3717D4A7}" presName="sibTrans" presStyleLbl="sibTrans1D1" presStyleIdx="4" presStyleCnt="7"/>
+      <dgm:spPr/>
+    </dgm:pt>
+    <dgm:pt modelId="{7B49EEBA-BCF3-45C9-A65C-2949D8F1CBCE}" type="pres">
+      <dgm:prSet presAssocID="{F68ED0A8-6ED3-45C6-9D02-21AC3717D4A7}" presName="connectorText" presStyleLbl="sibTrans1D1" presStyleIdx="4" presStyleCnt="7"/>
+      <dgm:spPr/>
+    </dgm:pt>
+    <dgm:pt modelId="{18ED5C73-D514-45E1-8400-455D76E85142}" type="pres">
+      <dgm:prSet presAssocID="{84A79A8A-C6C9-40D9-8160-C1064BF41751}" presName="node" presStyleLbl="node1" presStyleIdx="5" presStyleCnt="8">
+        <dgm:presLayoutVars>
+          <dgm:bulletEnabled val="1"/>
+        </dgm:presLayoutVars>
+      </dgm:prSet>
+      <dgm:spPr/>
+    </dgm:pt>
+    <dgm:pt modelId="{BF448B00-E851-4029-9F05-62D137025F4A}" type="pres">
+      <dgm:prSet presAssocID="{D05656F0-0AA2-4238-8AFB-54F493885952}" presName="sibTrans" presStyleLbl="sibTrans1D1" presStyleIdx="5" presStyleCnt="7"/>
+      <dgm:spPr/>
+    </dgm:pt>
+    <dgm:pt modelId="{B7AA53AC-0495-4F68-950A-3C95DB5EB85B}" type="pres">
+      <dgm:prSet presAssocID="{D05656F0-0AA2-4238-8AFB-54F493885952}" presName="connectorText" presStyleLbl="sibTrans1D1" presStyleIdx="5" presStyleCnt="7"/>
+      <dgm:spPr/>
+    </dgm:pt>
+    <dgm:pt modelId="{8E820627-72A1-4080-A833-3AD28FB1AF10}" type="pres">
+      <dgm:prSet presAssocID="{744DEC66-A81F-4B90-A03B-BAD5648547F3}" presName="node" presStyleLbl="node1" presStyleIdx="6" presStyleCnt="8">
+        <dgm:presLayoutVars>
+          <dgm:bulletEnabled val="1"/>
+        </dgm:presLayoutVars>
+      </dgm:prSet>
+      <dgm:spPr/>
+    </dgm:pt>
+    <dgm:pt modelId="{18C010B8-E841-4BC6-AB54-C25E59BBF233}" type="pres">
+      <dgm:prSet presAssocID="{EA3FD97A-F130-47D6-8801-75E73ACDE47F}" presName="sibTrans" presStyleLbl="sibTrans1D1" presStyleIdx="6" presStyleCnt="7"/>
+      <dgm:spPr/>
+    </dgm:pt>
+    <dgm:pt modelId="{4E1C19B9-78CC-4053-98DA-378827751487}" type="pres">
+      <dgm:prSet presAssocID="{EA3FD97A-F130-47D6-8801-75E73ACDE47F}" presName="connectorText" presStyleLbl="sibTrans1D1" presStyleIdx="6" presStyleCnt="7"/>
+      <dgm:spPr/>
+    </dgm:pt>
+    <dgm:pt modelId="{5D7AC38E-64DA-49DC-9FA8-15A42483F704}" type="pres">
+      <dgm:prSet presAssocID="{58FFCAF3-A27B-406A-98B0-D83415B71EC9}" presName="node" presStyleLbl="node1" presStyleIdx="7" presStyleCnt="8">
+        <dgm:presLayoutVars>
+          <dgm:bulletEnabled val="1"/>
+        </dgm:presLayoutVars>
+      </dgm:prSet>
+      <dgm:spPr/>
+    </dgm:pt>
+  </dgm:ptLst>
+  <dgm:cxnLst>
+    <dgm:cxn modelId="{B5151706-726C-4E57-A191-940FBEC2758E}" srcId="{501BC2F3-BD63-4C20-B96F-F85F64ABF4A7}" destId="{58FFCAF3-A27B-406A-98B0-D83415B71EC9}" srcOrd="7" destOrd="0" parTransId="{E051B3CF-3AC2-463A-847A-B54AD75CAF0A}" sibTransId="{AEDF6932-A625-409E-A62D-F17B03DB1FA5}"/>
+    <dgm:cxn modelId="{0647BB0F-64EB-40E6-83C5-A10DCB23505C}" type="presOf" srcId="{D05656F0-0AA2-4238-8AFB-54F493885952}" destId="{BF448B00-E851-4029-9F05-62D137025F4A}" srcOrd="0" destOrd="0" presId="urn:microsoft.com/office/officeart/2005/8/layout/bProcess3"/>
+    <dgm:cxn modelId="{ADE20A10-E374-4844-AFBF-EBB52A16F917}" srcId="{501BC2F3-BD63-4C20-B96F-F85F64ABF4A7}" destId="{505F1A67-F626-45B6-AD83-EB815088CAB0}" srcOrd="1" destOrd="0" parTransId="{185ADD56-6FA2-47DA-BED6-4CE7FAAD426D}" sibTransId="{8C8AF6CC-A903-447C-B888-B5243D9203F7}"/>
+    <dgm:cxn modelId="{E15A3613-B478-4003-BD20-9FBBD02CEDCC}" type="presOf" srcId="{501BC2F3-BD63-4C20-B96F-F85F64ABF4A7}" destId="{835DC097-027D-4766-8CEC-4AFA681E0980}" srcOrd="0" destOrd="0" presId="urn:microsoft.com/office/officeart/2005/8/layout/bProcess3"/>
+    <dgm:cxn modelId="{242D5C16-0CD1-4B59-AB17-B98CA342B24A}" type="presOf" srcId="{EA3FD97A-F130-47D6-8801-75E73ACDE47F}" destId="{18C010B8-E841-4BC6-AB54-C25E59BBF233}" srcOrd="0" destOrd="0" presId="urn:microsoft.com/office/officeart/2005/8/layout/bProcess3"/>
+    <dgm:cxn modelId="{68404027-068C-43C5-B5EC-BA4EDB8041D1}" type="presOf" srcId="{D05656F0-0AA2-4238-8AFB-54F493885952}" destId="{B7AA53AC-0495-4F68-950A-3C95DB5EB85B}" srcOrd="1" destOrd="0" presId="urn:microsoft.com/office/officeart/2005/8/layout/bProcess3"/>
+    <dgm:cxn modelId="{F1380C2D-2E07-4DE7-B8B7-5F74E9985622}" type="presOf" srcId="{505F1A67-F626-45B6-AD83-EB815088CAB0}" destId="{ABF6F158-6B49-4120-935A-FDCE2665478F}" srcOrd="0" destOrd="0" presId="urn:microsoft.com/office/officeart/2005/8/layout/bProcess3"/>
+    <dgm:cxn modelId="{AA17E83B-C896-416B-9DB4-7B05DDB85210}" type="presOf" srcId="{F68ED0A8-6ED3-45C6-9D02-21AC3717D4A7}" destId="{7B49EEBA-BCF3-45C9-A65C-2949D8F1CBCE}" srcOrd="1" destOrd="0" presId="urn:microsoft.com/office/officeart/2005/8/layout/bProcess3"/>
+    <dgm:cxn modelId="{7DB59743-1C96-45D2-A2F5-59ED37A7790F}" srcId="{501BC2F3-BD63-4C20-B96F-F85F64ABF4A7}" destId="{AB320B0A-6120-478A-9BE9-2938F962587F}" srcOrd="2" destOrd="0" parTransId="{35D0BCC4-C709-4510-86C4-4AA12996FF03}" sibTransId="{41F3BD77-10A0-4201-8354-5CAA9C26AC5E}"/>
+    <dgm:cxn modelId="{A54BF963-04CF-48A0-A545-2D91CD3358CE}" srcId="{501BC2F3-BD63-4C20-B96F-F85F64ABF4A7}" destId="{A7F93B43-9A20-4548-B6E2-4A9DD5E505D8}" srcOrd="0" destOrd="0" parTransId="{EBECC29D-80DE-4AB0-A430-FE77020EAE31}" sibTransId="{4F90BACC-10A0-4684-8918-A0C27A42AEF9}"/>
+    <dgm:cxn modelId="{D87A5852-DD9E-46E7-BD4E-78B9DEB47BEF}" srcId="{501BC2F3-BD63-4C20-B96F-F85F64ABF4A7}" destId="{512CD169-DE6D-4342-97B7-6BC172A3539F}" srcOrd="4" destOrd="0" parTransId="{BE46B8C4-0654-4FE2-AD0F-D20287A24B9E}" sibTransId="{F68ED0A8-6ED3-45C6-9D02-21AC3717D4A7}"/>
+    <dgm:cxn modelId="{8637BF72-B8AE-4896-8B1B-24A1B5AEFEB2}" type="presOf" srcId="{512CD169-DE6D-4342-97B7-6BC172A3539F}" destId="{D7E6B66C-7244-41C8-80BB-A13207DC2C4A}" srcOrd="0" destOrd="0" presId="urn:microsoft.com/office/officeart/2005/8/layout/bProcess3"/>
+    <dgm:cxn modelId="{65B78873-E91E-4D86-B6E3-82B605423195}" type="presOf" srcId="{EA3FD97A-F130-47D6-8801-75E73ACDE47F}" destId="{4E1C19B9-78CC-4053-98DA-378827751487}" srcOrd="1" destOrd="0" presId="urn:microsoft.com/office/officeart/2005/8/layout/bProcess3"/>
+    <dgm:cxn modelId="{56E48873-49C1-4D9F-8366-76438E028721}" type="presOf" srcId="{84A79A8A-C6C9-40D9-8160-C1064BF41751}" destId="{18ED5C73-D514-45E1-8400-455D76E85142}" srcOrd="0" destOrd="0" presId="urn:microsoft.com/office/officeart/2005/8/layout/bProcess3"/>
+    <dgm:cxn modelId="{251B1E76-F100-4AC1-BDE0-16304767E69B}" type="presOf" srcId="{41F3BD77-10A0-4201-8354-5CAA9C26AC5E}" destId="{037A38F6-13FD-4D84-B048-8E5BA94D4CF5}" srcOrd="1" destOrd="0" presId="urn:microsoft.com/office/officeart/2005/8/layout/bProcess3"/>
+    <dgm:cxn modelId="{1A37ED76-DFF3-47FF-A110-772D1CEA04D5}" type="presOf" srcId="{390A8BB3-4E91-410D-A2AF-39D993ED6738}" destId="{AB07F565-70AF-4D8E-964D-2B98BED5ECE9}" srcOrd="0" destOrd="0" presId="urn:microsoft.com/office/officeart/2005/8/layout/bProcess3"/>
+    <dgm:cxn modelId="{8ADD7979-9BEA-40FC-9D06-60E0A8A7CA55}" type="presOf" srcId="{744DEC66-A81F-4B90-A03B-BAD5648547F3}" destId="{8E820627-72A1-4080-A833-3AD28FB1AF10}" srcOrd="0" destOrd="0" presId="urn:microsoft.com/office/officeart/2005/8/layout/bProcess3"/>
+    <dgm:cxn modelId="{4C97E05A-E742-428C-A323-2602226928DB}" type="presOf" srcId="{AB320B0A-6120-478A-9BE9-2938F962587F}" destId="{308E66F8-C990-44F1-9D02-1BB4D76C496F}" srcOrd="0" destOrd="0" presId="urn:microsoft.com/office/officeart/2005/8/layout/bProcess3"/>
+    <dgm:cxn modelId="{3190C37F-B5C3-408B-B0D4-43BC723434C1}" type="presOf" srcId="{F68ED0A8-6ED3-45C6-9D02-21AC3717D4A7}" destId="{2DF7938D-BC79-4126-902E-6E6186F3A49A}" srcOrd="0" destOrd="0" presId="urn:microsoft.com/office/officeart/2005/8/layout/bProcess3"/>
+    <dgm:cxn modelId="{8C69AE8D-DAF2-461E-87F7-07624749A4EE}" srcId="{501BC2F3-BD63-4C20-B96F-F85F64ABF4A7}" destId="{744DEC66-A81F-4B90-A03B-BAD5648547F3}" srcOrd="6" destOrd="0" parTransId="{305B9354-D5A1-4996-B6A6-26CAB7C757DF}" sibTransId="{EA3FD97A-F130-47D6-8801-75E73ACDE47F}"/>
+    <dgm:cxn modelId="{85847F92-6B2F-4464-B690-FC211AD34B39}" type="presOf" srcId="{58FFCAF3-A27B-406A-98B0-D83415B71EC9}" destId="{5D7AC38E-64DA-49DC-9FA8-15A42483F704}" srcOrd="0" destOrd="0" presId="urn:microsoft.com/office/officeart/2005/8/layout/bProcess3"/>
+    <dgm:cxn modelId="{9557A6A1-DA19-4353-AA3E-09D718A1FE8A}" srcId="{501BC2F3-BD63-4C20-B96F-F85F64ABF4A7}" destId="{A7EC0947-8D84-490D-89C6-261F2CBCD3FB}" srcOrd="3" destOrd="0" parTransId="{1A20D5C5-0B82-45A4-B327-25210D3A1910}" sibTransId="{390A8BB3-4E91-410D-A2AF-39D993ED6738}"/>
+    <dgm:cxn modelId="{32EA1FA2-CF54-4B54-A8EA-55D88E387DCA}" type="presOf" srcId="{4F90BACC-10A0-4684-8918-A0C27A42AEF9}" destId="{BB1F8488-D232-4390-97C1-D374DB00280D}" srcOrd="1" destOrd="0" presId="urn:microsoft.com/office/officeart/2005/8/layout/bProcess3"/>
+    <dgm:cxn modelId="{0718D3A3-C8FB-4E41-A560-4881DC222774}" type="presOf" srcId="{A7EC0947-8D84-490D-89C6-261F2CBCD3FB}" destId="{81C43D66-D2EF-4747-A3A4-3CC8944C59C2}" srcOrd="0" destOrd="0" presId="urn:microsoft.com/office/officeart/2005/8/layout/bProcess3"/>
+    <dgm:cxn modelId="{C83427AA-1958-424E-9152-BC2CC535DFFE}" type="presOf" srcId="{390A8BB3-4E91-410D-A2AF-39D993ED6738}" destId="{6FE66C87-4ABA-420A-A1AF-E0BC79934867}" srcOrd="1" destOrd="0" presId="urn:microsoft.com/office/officeart/2005/8/layout/bProcess3"/>
+    <dgm:cxn modelId="{7DD8BEBC-6E74-4269-AE91-29FEC3E67162}" type="presOf" srcId="{4F90BACC-10A0-4684-8918-A0C27A42AEF9}" destId="{8B15CBEF-ECFD-4501-A6B5-059B20D7A728}" srcOrd="0" destOrd="0" presId="urn:microsoft.com/office/officeart/2005/8/layout/bProcess3"/>
+    <dgm:cxn modelId="{C72619BF-7642-49BF-8B8A-F80E8B581216}" type="presOf" srcId="{8C8AF6CC-A903-447C-B888-B5243D9203F7}" destId="{3516E03F-734D-4971-A2EB-282F37E64F44}" srcOrd="0" destOrd="0" presId="urn:microsoft.com/office/officeart/2005/8/layout/bProcess3"/>
+    <dgm:cxn modelId="{6C7F4CD1-A9D5-4FC2-95AA-A5A1E27CDE84}" type="presOf" srcId="{8C8AF6CC-A903-447C-B888-B5243D9203F7}" destId="{ABA88651-D311-4011-987B-96EDB53EC3A2}" srcOrd="1" destOrd="0" presId="urn:microsoft.com/office/officeart/2005/8/layout/bProcess3"/>
+    <dgm:cxn modelId="{C0012CE5-C2FB-44E1-8856-C78074AFA599}" type="presOf" srcId="{A7F93B43-9A20-4548-B6E2-4A9DD5E505D8}" destId="{DCB5C394-7103-40A4-9B1C-A4855CC13E2A}" srcOrd="0" destOrd="0" presId="urn:microsoft.com/office/officeart/2005/8/layout/bProcess3"/>
+    <dgm:cxn modelId="{643EC0EF-1F62-49CF-B3DB-5A2079F4B2DB}" srcId="{501BC2F3-BD63-4C20-B96F-F85F64ABF4A7}" destId="{84A79A8A-C6C9-40D9-8160-C1064BF41751}" srcOrd="5" destOrd="0" parTransId="{7925EE4F-B3E5-4BD3-B88A-B619FDE03A77}" sibTransId="{D05656F0-0AA2-4238-8AFB-54F493885952}"/>
+    <dgm:cxn modelId="{B6CE1AF0-5AE5-442A-BEC5-21762B34321C}" type="presOf" srcId="{41F3BD77-10A0-4201-8354-5CAA9C26AC5E}" destId="{59B2E365-28E8-4EA6-90A7-2473B4BAE0DE}" srcOrd="0" destOrd="0" presId="urn:microsoft.com/office/officeart/2005/8/layout/bProcess3"/>
+    <dgm:cxn modelId="{DB7736E5-37A7-4110-8BF5-AD804CDC5DCF}" type="presParOf" srcId="{835DC097-027D-4766-8CEC-4AFA681E0980}" destId="{DCB5C394-7103-40A4-9B1C-A4855CC13E2A}" srcOrd="0" destOrd="0" presId="urn:microsoft.com/office/officeart/2005/8/layout/bProcess3"/>
+    <dgm:cxn modelId="{40F517FF-7C20-4271-BAD1-46842591AFE4}" type="presParOf" srcId="{835DC097-027D-4766-8CEC-4AFA681E0980}" destId="{8B15CBEF-ECFD-4501-A6B5-059B20D7A728}" srcOrd="1" destOrd="0" presId="urn:microsoft.com/office/officeart/2005/8/layout/bProcess3"/>
+    <dgm:cxn modelId="{975E0FC2-B0EA-4119-A748-CFEA9B705316}" type="presParOf" srcId="{8B15CBEF-ECFD-4501-A6B5-059B20D7A728}" destId="{BB1F8488-D232-4390-97C1-D374DB00280D}" srcOrd="0" destOrd="0" presId="urn:microsoft.com/office/officeart/2005/8/layout/bProcess3"/>
+    <dgm:cxn modelId="{0BD358AA-D54D-493C-BACF-E089238E8507}" type="presParOf" srcId="{835DC097-027D-4766-8CEC-4AFA681E0980}" destId="{ABF6F158-6B49-4120-935A-FDCE2665478F}" srcOrd="2" destOrd="0" presId="urn:microsoft.com/office/officeart/2005/8/layout/bProcess3"/>
+    <dgm:cxn modelId="{FB93CCD6-B2EC-4921-9ED5-063E590F0EF1}" type="presParOf" srcId="{835DC097-027D-4766-8CEC-4AFA681E0980}" destId="{3516E03F-734D-4971-A2EB-282F37E64F44}" srcOrd="3" destOrd="0" presId="urn:microsoft.com/office/officeart/2005/8/layout/bProcess3"/>
+    <dgm:cxn modelId="{200F8C02-B4EF-4186-AC4E-3AC72C3CF791}" type="presParOf" srcId="{3516E03F-734D-4971-A2EB-282F37E64F44}" destId="{ABA88651-D311-4011-987B-96EDB53EC3A2}" srcOrd="0" destOrd="0" presId="urn:microsoft.com/office/officeart/2005/8/layout/bProcess3"/>
+    <dgm:cxn modelId="{472035A0-E222-46C8-B2F2-E9B41A9E7640}" type="presParOf" srcId="{835DC097-027D-4766-8CEC-4AFA681E0980}" destId="{308E66F8-C990-44F1-9D02-1BB4D76C496F}" srcOrd="4" destOrd="0" presId="urn:microsoft.com/office/officeart/2005/8/layout/bProcess3"/>
+    <dgm:cxn modelId="{0CD60638-CB19-4C5F-8762-576F9699DAE9}" type="presParOf" srcId="{835DC097-027D-4766-8CEC-4AFA681E0980}" destId="{59B2E365-28E8-4EA6-90A7-2473B4BAE0DE}" srcOrd="5" destOrd="0" presId="urn:microsoft.com/office/officeart/2005/8/layout/bProcess3"/>
+    <dgm:cxn modelId="{B481AB5B-FFD9-4DA3-82E5-7F2FB355BEA0}" type="presParOf" srcId="{59B2E365-28E8-4EA6-90A7-2473B4BAE0DE}" destId="{037A38F6-13FD-4D84-B048-8E5BA94D4CF5}" srcOrd="0" destOrd="0" presId="urn:microsoft.com/office/officeart/2005/8/layout/bProcess3"/>
+    <dgm:cxn modelId="{F6E94982-D121-4C87-8901-11A7D246E71D}" type="presParOf" srcId="{835DC097-027D-4766-8CEC-4AFA681E0980}" destId="{81C43D66-D2EF-4747-A3A4-3CC8944C59C2}" srcOrd="6" destOrd="0" presId="urn:microsoft.com/office/officeart/2005/8/layout/bProcess3"/>
+    <dgm:cxn modelId="{0E33F0DC-B03D-48C2-8CA4-2F673A609514}" type="presParOf" srcId="{835DC097-027D-4766-8CEC-4AFA681E0980}" destId="{AB07F565-70AF-4D8E-964D-2B98BED5ECE9}" srcOrd="7" destOrd="0" presId="urn:microsoft.com/office/officeart/2005/8/layout/bProcess3"/>
+    <dgm:cxn modelId="{1B7E15C7-7698-4692-89FB-6759600D8475}" type="presParOf" srcId="{AB07F565-70AF-4D8E-964D-2B98BED5ECE9}" destId="{6FE66C87-4ABA-420A-A1AF-E0BC79934867}" srcOrd="0" destOrd="0" presId="urn:microsoft.com/office/officeart/2005/8/layout/bProcess3"/>
+    <dgm:cxn modelId="{0747D926-BE14-4676-AE8E-580E7D9D880F}" type="presParOf" srcId="{835DC097-027D-4766-8CEC-4AFA681E0980}" destId="{D7E6B66C-7244-41C8-80BB-A13207DC2C4A}" srcOrd="8" destOrd="0" presId="urn:microsoft.com/office/officeart/2005/8/layout/bProcess3"/>
+    <dgm:cxn modelId="{B344777B-E6A5-49DF-BF41-F78631336164}" type="presParOf" srcId="{835DC097-027D-4766-8CEC-4AFA681E0980}" destId="{2DF7938D-BC79-4126-902E-6E6186F3A49A}" srcOrd="9" destOrd="0" presId="urn:microsoft.com/office/officeart/2005/8/layout/bProcess3"/>
+    <dgm:cxn modelId="{870F85CC-1E96-4D29-91EF-6338E7566BF2}" type="presParOf" srcId="{2DF7938D-BC79-4126-902E-6E6186F3A49A}" destId="{7B49EEBA-BCF3-45C9-A65C-2949D8F1CBCE}" srcOrd="0" destOrd="0" presId="urn:microsoft.com/office/officeart/2005/8/layout/bProcess3"/>
+    <dgm:cxn modelId="{EC785464-60A4-4CDD-8B18-550C512A85CA}" type="presParOf" srcId="{835DC097-027D-4766-8CEC-4AFA681E0980}" destId="{18ED5C73-D514-45E1-8400-455D76E85142}" srcOrd="10" destOrd="0" presId="urn:microsoft.com/office/officeart/2005/8/layout/bProcess3"/>
+    <dgm:cxn modelId="{40E96B5B-0462-400E-A5E8-CA66EC1DCE67}" type="presParOf" srcId="{835DC097-027D-4766-8CEC-4AFA681E0980}" destId="{BF448B00-E851-4029-9F05-62D137025F4A}" srcOrd="11" destOrd="0" presId="urn:microsoft.com/office/officeart/2005/8/layout/bProcess3"/>
+    <dgm:cxn modelId="{8F529A91-4513-418D-9071-8C15F0AB9FA2}" type="presParOf" srcId="{BF448B00-E851-4029-9F05-62D137025F4A}" destId="{B7AA53AC-0495-4F68-950A-3C95DB5EB85B}" srcOrd="0" destOrd="0" presId="urn:microsoft.com/office/officeart/2005/8/layout/bProcess3"/>
+    <dgm:cxn modelId="{E5640519-42CC-4548-A68D-0BAF7DCF2362}" type="presParOf" srcId="{835DC097-027D-4766-8CEC-4AFA681E0980}" destId="{8E820627-72A1-4080-A833-3AD28FB1AF10}" srcOrd="12" destOrd="0" presId="urn:microsoft.com/office/officeart/2005/8/layout/bProcess3"/>
+    <dgm:cxn modelId="{9612801B-D229-497D-A293-81B6C8264B0D}" type="presParOf" srcId="{835DC097-027D-4766-8CEC-4AFA681E0980}" destId="{18C010B8-E841-4BC6-AB54-C25E59BBF233}" srcOrd="13" destOrd="0" presId="urn:microsoft.com/office/officeart/2005/8/layout/bProcess3"/>
+    <dgm:cxn modelId="{6917AFC8-DC4E-4EB5-B67C-E4DEFF6A72C5}" type="presParOf" srcId="{18C010B8-E841-4BC6-AB54-C25E59BBF233}" destId="{4E1C19B9-78CC-4053-98DA-378827751487}" srcOrd="0" destOrd="0" presId="urn:microsoft.com/office/officeart/2005/8/layout/bProcess3"/>
+    <dgm:cxn modelId="{2CA4AB1B-CED8-46EF-AB18-9F328B73D8D6}" type="presParOf" srcId="{835DC097-027D-4766-8CEC-4AFA681E0980}" destId="{5D7AC38E-64DA-49DC-9FA8-15A42483F704}" srcOrd="14" destOrd="0" presId="urn:microsoft.com/office/officeart/2005/8/layout/bProcess3"/>
+  </dgm:cxnLst>
+  <dgm:bg/>
+  <dgm:whole>
+    <a:ln w="28575">
+      <a:solidFill>
+        <a:schemeClr val="tx1"/>
+      </a:solidFill>
+    </a:ln>
+  </dgm:whole>
+  <dgm:extLst>
+    <a:ext uri="http://schemas.microsoft.com/office/drawing/2008/diagram">
+      <dsp:dataModelExt xmlns:dsp="http://schemas.microsoft.com/office/drawing/2008/diagram" relId="rId6" minVer="http://schemas.openxmlformats.org/drawingml/2006/diagram"/>
+    </a:ext>
+  </dgm:extLst>
+</dgm:dataModel>
+</file>
+
+<file path=ppt/diagrams/data3.xml><?xml version="1.0" encoding="utf-8"?>
+<dgm:dataModel xmlns:dgm="http://schemas.openxmlformats.org/drawingml/2006/diagram" xmlns:a="http://schemas.openxmlformats.org/drawingml/2006/main">
+  <dgm:ptLst>
+    <dgm:pt modelId="{501BC2F3-BD63-4C20-B96F-F85F64ABF4A7}" type="doc">
+      <dgm:prSet loTypeId="urn:microsoft.com/office/officeart/2005/8/layout/bProcess3" loCatId="process" qsTypeId="urn:microsoft.com/office/officeart/2005/8/quickstyle/simple3" qsCatId="simple" csTypeId="urn:microsoft.com/office/officeart/2005/8/colors/accent0_1" csCatId="mainScheme" phldr="1"/>
+      <dgm:spPr/>
+      <dgm:t>
+        <a:bodyPr/>
+        <a:lstStyle/>
+        <a:p>
+          <a:endParaRPr lang="en-US"/>
+        </a:p>
+      </dgm:t>
+    </dgm:pt>
+    <dgm:pt modelId="{A7F93B43-9A20-4548-B6E2-4A9DD5E505D8}">
+      <dgm:prSet phldrT="[Text]"/>
+      <dgm:spPr>
+        <a:solidFill>
+          <a:schemeClr val="tx1"/>
+        </a:solidFill>
+      </dgm:spPr>
+      <dgm:t>
+        <a:bodyPr/>
+        <a:lstStyle/>
+        <a:p>
+          <a:r>
+            <a:rPr lang="en-US" dirty="0">
+              <a:solidFill>
+                <a:schemeClr val="bg1"/>
+              </a:solidFill>
+            </a:rPr>
+            <a:t>LinkedIn URL Ingestion</a:t>
+          </a:r>
+        </a:p>
+      </dgm:t>
+    </dgm:pt>
+    <dgm:pt modelId="{EBECC29D-80DE-4AB0-A430-FE77020EAE31}" type="parTrans" cxnId="{A54BF963-04CF-48A0-A545-2D91CD3358CE}">
+      <dgm:prSet/>
+      <dgm:spPr/>
+      <dgm:t>
+        <a:bodyPr/>
+        <a:lstStyle/>
+        <a:p>
+          <a:endParaRPr lang="en-US"/>
+        </a:p>
+      </dgm:t>
+    </dgm:pt>
+    <dgm:pt modelId="{4F90BACC-10A0-4684-8918-A0C27A42AEF9}" type="sibTrans" cxnId="{A54BF963-04CF-48A0-A545-2D91CD3358CE}">
+      <dgm:prSet/>
+      <dgm:spPr/>
+      <dgm:t>
+        <a:bodyPr/>
+        <a:lstStyle/>
+        <a:p>
+          <a:endParaRPr lang="en-US"/>
+        </a:p>
+      </dgm:t>
+    </dgm:pt>
+    <dgm:pt modelId="{505F1A67-F626-45B6-AD83-EB815088CAB0}">
+      <dgm:prSet phldrT="[Text]"/>
+      <dgm:spPr>
+        <a:solidFill>
+          <a:schemeClr val="accent5">
+            <a:lumMod val="60000"/>
+            <a:lumOff val="40000"/>
+          </a:schemeClr>
+        </a:solidFill>
+      </dgm:spPr>
+      <dgm:t>
+        <a:bodyPr/>
+        <a:lstStyle/>
+        <a:p>
+          <a:r>
+            <a:rPr lang="en-US" dirty="0"/>
+            <a:t>Per-Profile Scraping</a:t>
+          </a:r>
+        </a:p>
+      </dgm:t>
+    </dgm:pt>
+    <dgm:pt modelId="{185ADD56-6FA2-47DA-BED6-4CE7FAAD426D}" type="parTrans" cxnId="{ADE20A10-E374-4844-AFBF-EBB52A16F917}">
+      <dgm:prSet/>
+      <dgm:spPr/>
+      <dgm:t>
+        <a:bodyPr/>
+        <a:lstStyle/>
+        <a:p>
+          <a:endParaRPr lang="en-US"/>
+        </a:p>
+      </dgm:t>
+    </dgm:pt>
+    <dgm:pt modelId="{8C8AF6CC-A903-447C-B888-B5243D9203F7}" type="sibTrans" cxnId="{ADE20A10-E374-4844-AFBF-EBB52A16F917}">
+      <dgm:prSet/>
+      <dgm:spPr/>
+      <dgm:t>
+        <a:bodyPr/>
+        <a:lstStyle/>
+        <a:p>
+          <a:endParaRPr lang="en-US"/>
+        </a:p>
+      </dgm:t>
+    </dgm:pt>
+    <dgm:pt modelId="{AB320B0A-6120-478A-9BE9-2938F962587F}">
+      <dgm:prSet phldrT="[Text]"/>
+      <dgm:spPr>
+        <a:solidFill>
+          <a:schemeClr val="accent2">
+            <a:lumMod val="20000"/>
+            <a:lumOff val="80000"/>
+          </a:schemeClr>
+        </a:solidFill>
+      </dgm:spPr>
+      <dgm:t>
+        <a:bodyPr/>
+        <a:lstStyle/>
+        <a:p>
+          <a:r>
+            <a:rPr lang="en-US" dirty="0"/>
+            <a:t>Raw LinkedIn Contact Dataset</a:t>
+          </a:r>
+        </a:p>
+      </dgm:t>
+    </dgm:pt>
+    <dgm:pt modelId="{35D0BCC4-C709-4510-86C4-4AA12996FF03}" type="parTrans" cxnId="{7DB59743-1C96-45D2-A2F5-59ED37A7790F}">
+      <dgm:prSet/>
+      <dgm:spPr/>
+      <dgm:t>
+        <a:bodyPr/>
+        <a:lstStyle/>
+        <a:p>
+          <a:endParaRPr lang="en-US"/>
+        </a:p>
+      </dgm:t>
+    </dgm:pt>
+    <dgm:pt modelId="{41F3BD77-10A0-4201-8354-5CAA9C26AC5E}" type="sibTrans" cxnId="{7DB59743-1C96-45D2-A2F5-59ED37A7790F}">
+      <dgm:prSet/>
+      <dgm:spPr/>
+      <dgm:t>
+        <a:bodyPr/>
+        <a:lstStyle/>
+        <a:p>
+          <a:endParaRPr lang="en-US"/>
+        </a:p>
+      </dgm:t>
+    </dgm:pt>
+    <dgm:pt modelId="{835DC097-027D-4766-8CEC-4AFA681E0980}" type="pres">
+      <dgm:prSet presAssocID="{501BC2F3-BD63-4C20-B96F-F85F64ABF4A7}" presName="Name0" presStyleCnt="0">
+        <dgm:presLayoutVars>
+          <dgm:dir/>
+          <dgm:resizeHandles val="exact"/>
+        </dgm:presLayoutVars>
+      </dgm:prSet>
+      <dgm:spPr/>
+    </dgm:pt>
+    <dgm:pt modelId="{DCB5C394-7103-40A4-9B1C-A4855CC13E2A}" type="pres">
+      <dgm:prSet presAssocID="{A7F93B43-9A20-4548-B6E2-4A9DD5E505D8}" presName="node" presStyleLbl="node1" presStyleIdx="0" presStyleCnt="3">
+        <dgm:presLayoutVars>
+          <dgm:bulletEnabled val="1"/>
+        </dgm:presLayoutVars>
+      </dgm:prSet>
+      <dgm:spPr/>
+    </dgm:pt>
+    <dgm:pt modelId="{8B15CBEF-ECFD-4501-A6B5-059B20D7A728}" type="pres">
+      <dgm:prSet presAssocID="{4F90BACC-10A0-4684-8918-A0C27A42AEF9}" presName="sibTrans" presStyleLbl="sibTrans1D1" presStyleIdx="0" presStyleCnt="2"/>
+      <dgm:spPr/>
+    </dgm:pt>
+    <dgm:pt modelId="{BB1F8488-D232-4390-97C1-D374DB00280D}" type="pres">
+      <dgm:prSet presAssocID="{4F90BACC-10A0-4684-8918-A0C27A42AEF9}" presName="connectorText" presStyleLbl="sibTrans1D1" presStyleIdx="0" presStyleCnt="2"/>
+      <dgm:spPr/>
+    </dgm:pt>
+    <dgm:pt modelId="{ABF6F158-6B49-4120-935A-FDCE2665478F}" type="pres">
+      <dgm:prSet presAssocID="{505F1A67-F626-45B6-AD83-EB815088CAB0}" presName="node" presStyleLbl="node1" presStyleIdx="1" presStyleCnt="3">
+        <dgm:presLayoutVars>
+          <dgm:bulletEnabled val="1"/>
+        </dgm:presLayoutVars>
+      </dgm:prSet>
+      <dgm:spPr/>
+    </dgm:pt>
+    <dgm:pt modelId="{3516E03F-734D-4971-A2EB-282F37E64F44}" type="pres">
+      <dgm:prSet presAssocID="{8C8AF6CC-A903-447C-B888-B5243D9203F7}" presName="sibTrans" presStyleLbl="sibTrans1D1" presStyleIdx="1" presStyleCnt="2"/>
+      <dgm:spPr/>
+    </dgm:pt>
+    <dgm:pt modelId="{ABA88651-D311-4011-987B-96EDB53EC3A2}" type="pres">
+      <dgm:prSet presAssocID="{8C8AF6CC-A903-447C-B888-B5243D9203F7}" presName="connectorText" presStyleLbl="sibTrans1D1" presStyleIdx="1" presStyleCnt="2"/>
+      <dgm:spPr/>
+    </dgm:pt>
+    <dgm:pt modelId="{308E66F8-C990-44F1-9D02-1BB4D76C496F}" type="pres">
+      <dgm:prSet presAssocID="{AB320B0A-6120-478A-9BE9-2938F962587F}" presName="node" presStyleLbl="node1" presStyleIdx="2" presStyleCnt="3" custLinFactNeighborX="-1111">
+        <dgm:presLayoutVars>
+          <dgm:bulletEnabled val="1"/>
+        </dgm:presLayoutVars>
+      </dgm:prSet>
+      <dgm:spPr/>
+    </dgm:pt>
+  </dgm:ptLst>
+  <dgm:cxnLst>
+    <dgm:cxn modelId="{ADE20A10-E374-4844-AFBF-EBB52A16F917}" srcId="{501BC2F3-BD63-4C20-B96F-F85F64ABF4A7}" destId="{505F1A67-F626-45B6-AD83-EB815088CAB0}" srcOrd="1" destOrd="0" parTransId="{185ADD56-6FA2-47DA-BED6-4CE7FAAD426D}" sibTransId="{8C8AF6CC-A903-447C-B888-B5243D9203F7}"/>
+    <dgm:cxn modelId="{E15A3613-B478-4003-BD20-9FBBD02CEDCC}" type="presOf" srcId="{501BC2F3-BD63-4C20-B96F-F85F64ABF4A7}" destId="{835DC097-027D-4766-8CEC-4AFA681E0980}" srcOrd="0" destOrd="0" presId="urn:microsoft.com/office/officeart/2005/8/layout/bProcess3"/>
+    <dgm:cxn modelId="{F1380C2D-2E07-4DE7-B8B7-5F74E9985622}" type="presOf" srcId="{505F1A67-F626-45B6-AD83-EB815088CAB0}" destId="{ABF6F158-6B49-4120-935A-FDCE2665478F}" srcOrd="0" destOrd="0" presId="urn:microsoft.com/office/officeart/2005/8/layout/bProcess3"/>
+    <dgm:cxn modelId="{7DB59743-1C96-45D2-A2F5-59ED37A7790F}" srcId="{501BC2F3-BD63-4C20-B96F-F85F64ABF4A7}" destId="{AB320B0A-6120-478A-9BE9-2938F962587F}" srcOrd="2" destOrd="0" parTransId="{35D0BCC4-C709-4510-86C4-4AA12996FF03}" sibTransId="{41F3BD77-10A0-4201-8354-5CAA9C26AC5E}"/>
+    <dgm:cxn modelId="{A54BF963-04CF-48A0-A545-2D91CD3358CE}" srcId="{501BC2F3-BD63-4C20-B96F-F85F64ABF4A7}" destId="{A7F93B43-9A20-4548-B6E2-4A9DD5E505D8}" srcOrd="0" destOrd="0" parTransId="{EBECC29D-80DE-4AB0-A430-FE77020EAE31}" sibTransId="{4F90BACC-10A0-4684-8918-A0C27A42AEF9}"/>
+    <dgm:cxn modelId="{4C97E05A-E742-428C-A323-2602226928DB}" type="presOf" srcId="{AB320B0A-6120-478A-9BE9-2938F962587F}" destId="{308E66F8-C990-44F1-9D02-1BB4D76C496F}" srcOrd="0" destOrd="0" presId="urn:microsoft.com/office/officeart/2005/8/layout/bProcess3"/>
+    <dgm:cxn modelId="{32EA1FA2-CF54-4B54-A8EA-55D88E387DCA}" type="presOf" srcId="{4F90BACC-10A0-4684-8918-A0C27A42AEF9}" destId="{BB1F8488-D232-4390-97C1-D374DB00280D}" srcOrd="1" destOrd="0" presId="urn:microsoft.com/office/officeart/2005/8/layout/bProcess3"/>
+    <dgm:cxn modelId="{7DD8BEBC-6E74-4269-AE91-29FEC3E67162}" type="presOf" srcId="{4F90BACC-10A0-4684-8918-A0C27A42AEF9}" destId="{8B15CBEF-ECFD-4501-A6B5-059B20D7A728}" srcOrd="0" destOrd="0" presId="urn:microsoft.com/office/officeart/2005/8/layout/bProcess3"/>
+    <dgm:cxn modelId="{C72619BF-7642-49BF-8B8A-F80E8B581216}" type="presOf" srcId="{8C8AF6CC-A903-447C-B888-B5243D9203F7}" destId="{3516E03F-734D-4971-A2EB-282F37E64F44}" srcOrd="0" destOrd="0" presId="urn:microsoft.com/office/officeart/2005/8/layout/bProcess3"/>
+    <dgm:cxn modelId="{6C7F4CD1-A9D5-4FC2-95AA-A5A1E27CDE84}" type="presOf" srcId="{8C8AF6CC-A903-447C-B888-B5243D9203F7}" destId="{ABA88651-D311-4011-987B-96EDB53EC3A2}" srcOrd="1" destOrd="0" presId="urn:microsoft.com/office/officeart/2005/8/layout/bProcess3"/>
+    <dgm:cxn modelId="{C0012CE5-C2FB-44E1-8856-C78074AFA599}" type="presOf" srcId="{A7F93B43-9A20-4548-B6E2-4A9DD5E505D8}" destId="{DCB5C394-7103-40A4-9B1C-A4855CC13E2A}" srcOrd="0" destOrd="0" presId="urn:microsoft.com/office/officeart/2005/8/layout/bProcess3"/>
+    <dgm:cxn modelId="{DB7736E5-37A7-4110-8BF5-AD804CDC5DCF}" type="presParOf" srcId="{835DC097-027D-4766-8CEC-4AFA681E0980}" destId="{DCB5C394-7103-40A4-9B1C-A4855CC13E2A}" srcOrd="0" destOrd="0" presId="urn:microsoft.com/office/officeart/2005/8/layout/bProcess3"/>
+    <dgm:cxn modelId="{40F517FF-7C20-4271-BAD1-46842591AFE4}" type="presParOf" srcId="{835DC097-027D-4766-8CEC-4AFA681E0980}" destId="{8B15CBEF-ECFD-4501-A6B5-059B20D7A728}" srcOrd="1" destOrd="0" presId="urn:microsoft.com/office/officeart/2005/8/layout/bProcess3"/>
+    <dgm:cxn modelId="{975E0FC2-B0EA-4119-A748-CFEA9B705316}" type="presParOf" srcId="{8B15CBEF-ECFD-4501-A6B5-059B20D7A728}" destId="{BB1F8488-D232-4390-97C1-D374DB00280D}" srcOrd="0" destOrd="0" presId="urn:microsoft.com/office/officeart/2005/8/layout/bProcess3"/>
+    <dgm:cxn modelId="{0BD358AA-D54D-493C-BACF-E089238E8507}" type="presParOf" srcId="{835DC097-027D-4766-8CEC-4AFA681E0980}" destId="{ABF6F158-6B49-4120-935A-FDCE2665478F}" srcOrd="2" destOrd="0" presId="urn:microsoft.com/office/officeart/2005/8/layout/bProcess3"/>
+    <dgm:cxn modelId="{FB93CCD6-B2EC-4921-9ED5-063E590F0EF1}" type="presParOf" srcId="{835DC097-027D-4766-8CEC-4AFA681E0980}" destId="{3516E03F-734D-4971-A2EB-282F37E64F44}" srcOrd="3" destOrd="0" presId="urn:microsoft.com/office/officeart/2005/8/layout/bProcess3"/>
+    <dgm:cxn modelId="{200F8C02-B4EF-4186-AC4E-3AC72C3CF791}" type="presParOf" srcId="{3516E03F-734D-4971-A2EB-282F37E64F44}" destId="{ABA88651-D311-4011-987B-96EDB53EC3A2}" srcOrd="0" destOrd="0" presId="urn:microsoft.com/office/officeart/2005/8/layout/bProcess3"/>
+    <dgm:cxn modelId="{472035A0-E222-46C8-B2F2-E9B41A9E7640}" type="presParOf" srcId="{835DC097-027D-4766-8CEC-4AFA681E0980}" destId="{308E66F8-C990-44F1-9D02-1BB4D76C496F}" srcOrd="4" destOrd="0" presId="urn:microsoft.com/office/officeart/2005/8/layout/bProcess3"/>
   </dgm:cxnLst>
   <dgm:bg/>
   <dgm:whole>
@@ -2103,6 +4538,1617 @@
 </dsp:drawing>
 </file>
 
+<file path=ppt/diagrams/drawing2.xml><?xml version="1.0" encoding="utf-8"?>
+<dsp:drawing xmlns:dgm="http://schemas.openxmlformats.org/drawingml/2006/diagram" xmlns:dsp="http://schemas.microsoft.com/office/drawing/2008/diagram" xmlns:a="http://schemas.openxmlformats.org/drawingml/2006/main">
+  <dsp:spTree>
+    <dsp:nvGrpSpPr>
+      <dsp:cNvPr id="0" name=""/>
+      <dsp:cNvGrpSpPr/>
+    </dsp:nvGrpSpPr>
+    <dsp:grpSpPr/>
+    <dsp:sp modelId="{8B15CBEF-ECFD-4501-A6B5-059B20D7A728}">
+      <dsp:nvSpPr>
+        <dsp:cNvPr id="0" name=""/>
+        <dsp:cNvSpPr/>
+      </dsp:nvSpPr>
+      <dsp:spPr>
+        <a:xfrm>
+          <a:off x="3708415" y="674397"/>
+          <a:ext cx="520628" cy="91440"/>
+        </a:xfrm>
+        <a:custGeom>
+          <a:avLst/>
+          <a:gdLst/>
+          <a:ahLst/>
+          <a:cxnLst/>
+          <a:rect l="0" t="0" r="0" b="0"/>
+          <a:pathLst>
+            <a:path>
+              <a:moveTo>
+                <a:pt x="0" y="45720"/>
+              </a:moveTo>
+              <a:lnTo>
+                <a:pt x="520628" y="45720"/>
+              </a:lnTo>
+            </a:path>
+          </a:pathLst>
+        </a:custGeom>
+        <a:noFill/>
+        <a:ln w="6350" cap="flat" cmpd="sng" algn="ctr">
+          <a:solidFill>
+            <a:schemeClr val="dk1">
+              <a:hueOff val="0"/>
+              <a:satOff val="0"/>
+              <a:lumOff val="0"/>
+              <a:alphaOff val="0"/>
+            </a:schemeClr>
+          </a:solidFill>
+          <a:prstDash val="solid"/>
+          <a:miter lim="800000"/>
+          <a:tailEnd type="arrow"/>
+        </a:ln>
+        <a:effectLst/>
+      </dsp:spPr>
+      <dsp:style>
+        <a:lnRef idx="1">
+          <a:scrgbClr r="0" g="0" b="0"/>
+        </a:lnRef>
+        <a:fillRef idx="0">
+          <a:scrgbClr r="0" g="0" b="0"/>
+        </a:fillRef>
+        <a:effectRef idx="0">
+          <a:scrgbClr r="0" g="0" b="0"/>
+        </a:effectRef>
+        <a:fontRef idx="minor"/>
+      </dsp:style>
+      <dsp:txBody>
+        <a:bodyPr spcFirstLastPara="0" vert="horz" wrap="square" lIns="12700" tIns="0" rIns="12700" bIns="0" numCol="1" spcCol="1270" anchor="ctr" anchorCtr="0">
+          <a:noAutofit/>
+        </a:bodyPr>
+        <a:lstStyle/>
+        <a:p>
+          <a:pPr marL="0" lvl="0" indent="0" algn="ctr" defTabSz="222250">
+            <a:lnSpc>
+              <a:spcPct val="90000"/>
+            </a:lnSpc>
+            <a:spcBef>
+              <a:spcPct val="0"/>
+            </a:spcBef>
+            <a:spcAft>
+              <a:spcPct val="35000"/>
+            </a:spcAft>
+            <a:buNone/>
+          </a:pPr>
+          <a:endParaRPr lang="en-US" sz="500" kern="1200"/>
+        </a:p>
+      </dsp:txBody>
+      <dsp:txXfrm>
+        <a:off x="3954949" y="717361"/>
+        <a:ext cx="27561" cy="5512"/>
+      </dsp:txXfrm>
+    </dsp:sp>
+    <dsp:sp modelId="{DCB5C394-7103-40A4-9B1C-A4855CC13E2A}">
+      <dsp:nvSpPr>
+        <dsp:cNvPr id="0" name=""/>
+        <dsp:cNvSpPr/>
+      </dsp:nvSpPr>
+      <dsp:spPr>
+        <a:xfrm>
+          <a:off x="1313569" y="1123"/>
+          <a:ext cx="2396645" cy="1437987"/>
+        </a:xfrm>
+        <a:prstGeom prst="rect">
+          <a:avLst/>
+        </a:prstGeom>
+        <a:solidFill>
+          <a:schemeClr val="tx1"/>
+        </a:solidFill>
+        <a:ln>
+          <a:noFill/>
+        </a:ln>
+        <a:effectLst/>
+        <a:scene3d>
+          <a:camera prst="orthographicFront"/>
+          <a:lightRig rig="flat" dir="t"/>
+        </a:scene3d>
+        <a:sp3d prstMaterial="dkEdge">
+          <a:bevelT w="8200" h="38100"/>
+        </a:sp3d>
+      </dsp:spPr>
+      <dsp:style>
+        <a:lnRef idx="0">
+          <a:scrgbClr r="0" g="0" b="0"/>
+        </a:lnRef>
+        <a:fillRef idx="2">
+          <a:scrgbClr r="0" g="0" b="0"/>
+        </a:fillRef>
+        <a:effectRef idx="1">
+          <a:scrgbClr r="0" g="0" b="0"/>
+        </a:effectRef>
+        <a:fontRef idx="minor">
+          <a:schemeClr val="dk1"/>
+        </a:fontRef>
+      </dsp:style>
+      <dsp:txBody>
+        <a:bodyPr spcFirstLastPara="0" vert="horz" wrap="square" lIns="177800" tIns="177800" rIns="177800" bIns="177800" numCol="1" spcCol="1270" anchor="ctr" anchorCtr="0">
+          <a:noAutofit/>
+        </a:bodyPr>
+        <a:lstStyle/>
+        <a:p>
+          <a:pPr marL="0" lvl="0" indent="0" algn="ctr" defTabSz="1111250">
+            <a:lnSpc>
+              <a:spcPct val="90000"/>
+            </a:lnSpc>
+            <a:spcBef>
+              <a:spcPct val="0"/>
+            </a:spcBef>
+            <a:spcAft>
+              <a:spcPct val="35000"/>
+            </a:spcAft>
+            <a:buNone/>
+          </a:pPr>
+          <a:r>
+            <a:rPr lang="en-US" sz="2500" kern="1200" dirty="0">
+              <a:solidFill>
+                <a:schemeClr val="bg1"/>
+              </a:solidFill>
+            </a:rPr>
+            <a:t>Generate Search Term List</a:t>
+          </a:r>
+        </a:p>
+      </dsp:txBody>
+      <dsp:txXfrm>
+        <a:off x="1313569" y="1123"/>
+        <a:ext cx="2396645" cy="1437987"/>
+      </dsp:txXfrm>
+    </dsp:sp>
+    <dsp:sp modelId="{3516E03F-734D-4971-A2EB-282F37E64F44}">
+      <dsp:nvSpPr>
+        <dsp:cNvPr id="0" name=""/>
+        <dsp:cNvSpPr/>
+      </dsp:nvSpPr>
+      <dsp:spPr>
+        <a:xfrm>
+          <a:off x="6656289" y="674397"/>
+          <a:ext cx="494001" cy="91440"/>
+        </a:xfrm>
+        <a:custGeom>
+          <a:avLst/>
+          <a:gdLst/>
+          <a:ahLst/>
+          <a:cxnLst/>
+          <a:rect l="0" t="0" r="0" b="0"/>
+          <a:pathLst>
+            <a:path>
+              <a:moveTo>
+                <a:pt x="0" y="45720"/>
+              </a:moveTo>
+              <a:lnTo>
+                <a:pt x="494001" y="45720"/>
+              </a:lnTo>
+            </a:path>
+          </a:pathLst>
+        </a:custGeom>
+        <a:noFill/>
+        <a:ln w="6350" cap="flat" cmpd="sng" algn="ctr">
+          <a:solidFill>
+            <a:schemeClr val="dk1">
+              <a:hueOff val="0"/>
+              <a:satOff val="0"/>
+              <a:lumOff val="0"/>
+              <a:alphaOff val="0"/>
+            </a:schemeClr>
+          </a:solidFill>
+          <a:prstDash val="solid"/>
+          <a:miter lim="800000"/>
+          <a:tailEnd type="arrow"/>
+        </a:ln>
+        <a:effectLst/>
+      </dsp:spPr>
+      <dsp:style>
+        <a:lnRef idx="1">
+          <a:scrgbClr r="0" g="0" b="0"/>
+        </a:lnRef>
+        <a:fillRef idx="0">
+          <a:scrgbClr r="0" g="0" b="0"/>
+        </a:fillRef>
+        <a:effectRef idx="0">
+          <a:scrgbClr r="0" g="0" b="0"/>
+        </a:effectRef>
+        <a:fontRef idx="minor"/>
+      </dsp:style>
+      <dsp:txBody>
+        <a:bodyPr spcFirstLastPara="0" vert="horz" wrap="square" lIns="12700" tIns="0" rIns="12700" bIns="0" numCol="1" spcCol="1270" anchor="ctr" anchorCtr="0">
+          <a:noAutofit/>
+        </a:bodyPr>
+        <a:lstStyle/>
+        <a:p>
+          <a:pPr marL="0" lvl="0" indent="0" algn="ctr" defTabSz="222250">
+            <a:lnSpc>
+              <a:spcPct val="90000"/>
+            </a:lnSpc>
+            <a:spcBef>
+              <a:spcPct val="0"/>
+            </a:spcBef>
+            <a:spcAft>
+              <a:spcPct val="35000"/>
+            </a:spcAft>
+            <a:buNone/>
+          </a:pPr>
+          <a:endParaRPr lang="en-US" sz="500" kern="1200"/>
+        </a:p>
+      </dsp:txBody>
+      <dsp:txXfrm>
+        <a:off x="6890175" y="717361"/>
+        <a:ext cx="26230" cy="5512"/>
+      </dsp:txXfrm>
+    </dsp:sp>
+    <dsp:sp modelId="{ABF6F158-6B49-4120-935A-FDCE2665478F}">
+      <dsp:nvSpPr>
+        <dsp:cNvPr id="0" name=""/>
+        <dsp:cNvSpPr/>
+      </dsp:nvSpPr>
+      <dsp:spPr>
+        <a:xfrm>
+          <a:off x="4261444" y="1123"/>
+          <a:ext cx="2396645" cy="1437987"/>
+        </a:xfrm>
+        <a:prstGeom prst="rect">
+          <a:avLst/>
+        </a:prstGeom>
+        <a:solidFill>
+          <a:schemeClr val="accent5">
+            <a:lumMod val="60000"/>
+            <a:lumOff val="40000"/>
+          </a:schemeClr>
+        </a:solidFill>
+        <a:ln>
+          <a:noFill/>
+        </a:ln>
+        <a:effectLst/>
+        <a:scene3d>
+          <a:camera prst="orthographicFront"/>
+          <a:lightRig rig="flat" dir="t"/>
+        </a:scene3d>
+        <a:sp3d prstMaterial="dkEdge">
+          <a:bevelT w="8200" h="38100"/>
+        </a:sp3d>
+      </dsp:spPr>
+      <dsp:style>
+        <a:lnRef idx="0">
+          <a:scrgbClr r="0" g="0" b="0"/>
+        </a:lnRef>
+        <a:fillRef idx="2">
+          <a:scrgbClr r="0" g="0" b="0"/>
+        </a:fillRef>
+        <a:effectRef idx="1">
+          <a:scrgbClr r="0" g="0" b="0"/>
+        </a:effectRef>
+        <a:fontRef idx="minor">
+          <a:schemeClr val="dk1"/>
+        </a:fontRef>
+      </dsp:style>
+      <dsp:txBody>
+        <a:bodyPr spcFirstLastPara="0" vert="horz" wrap="square" lIns="177800" tIns="177800" rIns="177800" bIns="177800" numCol="1" spcCol="1270" anchor="ctr" anchorCtr="0">
+          <a:noAutofit/>
+        </a:bodyPr>
+        <a:lstStyle/>
+        <a:p>
+          <a:pPr marL="0" lvl="0" indent="0" algn="ctr" defTabSz="1111250">
+            <a:lnSpc>
+              <a:spcPct val="90000"/>
+            </a:lnSpc>
+            <a:spcBef>
+              <a:spcPct val="0"/>
+            </a:spcBef>
+            <a:spcAft>
+              <a:spcPct val="35000"/>
+            </a:spcAft>
+            <a:buNone/>
+          </a:pPr>
+          <a:r>
+            <a:rPr lang="en-US" sz="2500" kern="1200" dirty="0"/>
+            <a:t>Deploy Selenium with Chrome</a:t>
+          </a:r>
+        </a:p>
+      </dsp:txBody>
+      <dsp:txXfrm>
+        <a:off x="4261444" y="1123"/>
+        <a:ext cx="2396645" cy="1437987"/>
+      </dsp:txXfrm>
+    </dsp:sp>
+    <dsp:sp modelId="{59B2E365-28E8-4EA6-90A7-2473B4BAE0DE}">
+      <dsp:nvSpPr>
+        <dsp:cNvPr id="0" name=""/>
+        <dsp:cNvSpPr/>
+      </dsp:nvSpPr>
+      <dsp:spPr>
+        <a:xfrm>
+          <a:off x="2511892" y="1437311"/>
+          <a:ext cx="5869121" cy="520628"/>
+        </a:xfrm>
+        <a:custGeom>
+          <a:avLst/>
+          <a:gdLst/>
+          <a:ahLst/>
+          <a:cxnLst/>
+          <a:rect l="0" t="0" r="0" b="0"/>
+          <a:pathLst>
+            <a:path>
+              <a:moveTo>
+                <a:pt x="5869121" y="0"/>
+              </a:moveTo>
+              <a:lnTo>
+                <a:pt x="5869121" y="277414"/>
+              </a:lnTo>
+              <a:lnTo>
+                <a:pt x="0" y="277414"/>
+              </a:lnTo>
+              <a:lnTo>
+                <a:pt x="0" y="520628"/>
+              </a:lnTo>
+            </a:path>
+          </a:pathLst>
+        </a:custGeom>
+        <a:noFill/>
+        <a:ln w="6350" cap="flat" cmpd="sng" algn="ctr">
+          <a:solidFill>
+            <a:schemeClr val="dk1">
+              <a:hueOff val="0"/>
+              <a:satOff val="0"/>
+              <a:lumOff val="0"/>
+              <a:alphaOff val="0"/>
+            </a:schemeClr>
+          </a:solidFill>
+          <a:prstDash val="solid"/>
+          <a:miter lim="800000"/>
+          <a:tailEnd type="arrow"/>
+        </a:ln>
+        <a:effectLst/>
+      </dsp:spPr>
+      <dsp:style>
+        <a:lnRef idx="1">
+          <a:scrgbClr r="0" g="0" b="0"/>
+        </a:lnRef>
+        <a:fillRef idx="0">
+          <a:scrgbClr r="0" g="0" b="0"/>
+        </a:fillRef>
+        <a:effectRef idx="0">
+          <a:scrgbClr r="0" g="0" b="0"/>
+        </a:effectRef>
+        <a:fontRef idx="minor"/>
+      </dsp:style>
+      <dsp:txBody>
+        <a:bodyPr spcFirstLastPara="0" vert="horz" wrap="square" lIns="12700" tIns="0" rIns="12700" bIns="0" numCol="1" spcCol="1270" anchor="ctr" anchorCtr="0">
+          <a:noAutofit/>
+        </a:bodyPr>
+        <a:lstStyle/>
+        <a:p>
+          <a:pPr marL="0" lvl="0" indent="0" algn="ctr" defTabSz="222250">
+            <a:lnSpc>
+              <a:spcPct val="90000"/>
+            </a:lnSpc>
+            <a:spcBef>
+              <a:spcPct val="0"/>
+            </a:spcBef>
+            <a:spcAft>
+              <a:spcPct val="35000"/>
+            </a:spcAft>
+            <a:buNone/>
+          </a:pPr>
+          <a:endParaRPr lang="en-US" sz="500" kern="1200"/>
+        </a:p>
+      </dsp:txBody>
+      <dsp:txXfrm>
+        <a:off x="5299079" y="1694869"/>
+        <a:ext cx="294747" cy="5512"/>
+      </dsp:txXfrm>
+    </dsp:sp>
+    <dsp:sp modelId="{308E66F8-C990-44F1-9D02-1BB4D76C496F}">
+      <dsp:nvSpPr>
+        <dsp:cNvPr id="0" name=""/>
+        <dsp:cNvSpPr/>
+      </dsp:nvSpPr>
+      <dsp:spPr>
+        <a:xfrm>
+          <a:off x="7182691" y="1123"/>
+          <a:ext cx="2396645" cy="1437987"/>
+        </a:xfrm>
+        <a:prstGeom prst="rect">
+          <a:avLst/>
+        </a:prstGeom>
+        <a:solidFill>
+          <a:schemeClr val="accent2">
+            <a:lumMod val="20000"/>
+            <a:lumOff val="80000"/>
+          </a:schemeClr>
+        </a:solidFill>
+        <a:ln>
+          <a:noFill/>
+        </a:ln>
+        <a:effectLst/>
+        <a:scene3d>
+          <a:camera prst="orthographicFront"/>
+          <a:lightRig rig="flat" dir="t"/>
+        </a:scene3d>
+        <a:sp3d prstMaterial="dkEdge">
+          <a:bevelT w="8200" h="38100"/>
+        </a:sp3d>
+      </dsp:spPr>
+      <dsp:style>
+        <a:lnRef idx="0">
+          <a:scrgbClr r="0" g="0" b="0"/>
+        </a:lnRef>
+        <a:fillRef idx="2">
+          <a:scrgbClr r="0" g="0" b="0"/>
+        </a:fillRef>
+        <a:effectRef idx="1">
+          <a:scrgbClr r="0" g="0" b="0"/>
+        </a:effectRef>
+        <a:fontRef idx="minor">
+          <a:schemeClr val="dk1"/>
+        </a:fontRef>
+      </dsp:style>
+      <dsp:txBody>
+        <a:bodyPr spcFirstLastPara="0" vert="horz" wrap="square" lIns="177800" tIns="177800" rIns="177800" bIns="177800" numCol="1" spcCol="1270" anchor="ctr" anchorCtr="0">
+          <a:noAutofit/>
+        </a:bodyPr>
+        <a:lstStyle/>
+        <a:p>
+          <a:pPr marL="0" lvl="0" indent="0" algn="ctr" defTabSz="1111250">
+            <a:lnSpc>
+              <a:spcPct val="90000"/>
+            </a:lnSpc>
+            <a:spcBef>
+              <a:spcPct val="0"/>
+            </a:spcBef>
+            <a:spcAft>
+              <a:spcPct val="35000"/>
+            </a:spcAft>
+            <a:buNone/>
+          </a:pPr>
+          <a:r>
+            <a:rPr lang="en-US" sz="2500" kern="1200" dirty="0"/>
+            <a:t>Authenticate</a:t>
+          </a:r>
+        </a:p>
+      </dsp:txBody>
+      <dsp:txXfrm>
+        <a:off x="7182691" y="1123"/>
+        <a:ext cx="2396645" cy="1437987"/>
+      </dsp:txXfrm>
+    </dsp:sp>
+    <dsp:sp modelId="{AB07F565-70AF-4D8E-964D-2B98BED5ECE9}">
+      <dsp:nvSpPr>
+        <dsp:cNvPr id="0" name=""/>
+        <dsp:cNvSpPr/>
+      </dsp:nvSpPr>
+      <dsp:spPr>
+        <a:xfrm>
+          <a:off x="3708415" y="2663613"/>
+          <a:ext cx="520628" cy="91440"/>
+        </a:xfrm>
+        <a:custGeom>
+          <a:avLst/>
+          <a:gdLst/>
+          <a:ahLst/>
+          <a:cxnLst/>
+          <a:rect l="0" t="0" r="0" b="0"/>
+          <a:pathLst>
+            <a:path>
+              <a:moveTo>
+                <a:pt x="0" y="45720"/>
+              </a:moveTo>
+              <a:lnTo>
+                <a:pt x="520628" y="45720"/>
+              </a:lnTo>
+            </a:path>
+          </a:pathLst>
+        </a:custGeom>
+        <a:noFill/>
+        <a:ln w="6350" cap="flat" cmpd="sng" algn="ctr">
+          <a:solidFill>
+            <a:schemeClr val="dk1">
+              <a:hueOff val="0"/>
+              <a:satOff val="0"/>
+              <a:lumOff val="0"/>
+              <a:alphaOff val="0"/>
+            </a:schemeClr>
+          </a:solidFill>
+          <a:prstDash val="solid"/>
+          <a:miter lim="800000"/>
+          <a:tailEnd type="arrow"/>
+        </a:ln>
+        <a:effectLst/>
+      </dsp:spPr>
+      <dsp:style>
+        <a:lnRef idx="1">
+          <a:scrgbClr r="0" g="0" b="0"/>
+        </a:lnRef>
+        <a:fillRef idx="0">
+          <a:scrgbClr r="0" g="0" b="0"/>
+        </a:fillRef>
+        <a:effectRef idx="0">
+          <a:scrgbClr r="0" g="0" b="0"/>
+        </a:effectRef>
+        <a:fontRef idx="minor"/>
+      </dsp:style>
+      <dsp:txBody>
+        <a:bodyPr spcFirstLastPara="0" vert="horz" wrap="square" lIns="12700" tIns="0" rIns="12700" bIns="0" numCol="1" spcCol="1270" anchor="ctr" anchorCtr="0">
+          <a:noAutofit/>
+        </a:bodyPr>
+        <a:lstStyle/>
+        <a:p>
+          <a:pPr marL="0" lvl="0" indent="0" algn="ctr" defTabSz="222250">
+            <a:lnSpc>
+              <a:spcPct val="90000"/>
+            </a:lnSpc>
+            <a:spcBef>
+              <a:spcPct val="0"/>
+            </a:spcBef>
+            <a:spcAft>
+              <a:spcPct val="35000"/>
+            </a:spcAft>
+            <a:buNone/>
+          </a:pPr>
+          <a:endParaRPr lang="en-US" sz="500" kern="1200"/>
+        </a:p>
+      </dsp:txBody>
+      <dsp:txXfrm>
+        <a:off x="3954949" y="2706577"/>
+        <a:ext cx="27561" cy="5512"/>
+      </dsp:txXfrm>
+    </dsp:sp>
+    <dsp:sp modelId="{81C43D66-D2EF-4747-A3A4-3CC8944C59C2}">
+      <dsp:nvSpPr>
+        <dsp:cNvPr id="0" name=""/>
+        <dsp:cNvSpPr/>
+      </dsp:nvSpPr>
+      <dsp:spPr>
+        <a:xfrm>
+          <a:off x="1313569" y="1990339"/>
+          <a:ext cx="2396645" cy="1437987"/>
+        </a:xfrm>
+        <a:prstGeom prst="rect">
+          <a:avLst/>
+        </a:prstGeom>
+        <a:solidFill>
+          <a:schemeClr val="accent6">
+            <a:lumMod val="20000"/>
+            <a:lumOff val="80000"/>
+          </a:schemeClr>
+        </a:solidFill>
+        <a:ln>
+          <a:noFill/>
+        </a:ln>
+        <a:effectLst/>
+        <a:scene3d>
+          <a:camera prst="orthographicFront"/>
+          <a:lightRig rig="flat" dir="t"/>
+        </a:scene3d>
+        <a:sp3d prstMaterial="dkEdge">
+          <a:bevelT w="8200" h="38100"/>
+        </a:sp3d>
+      </dsp:spPr>
+      <dsp:style>
+        <a:lnRef idx="0">
+          <a:scrgbClr r="0" g="0" b="0"/>
+        </a:lnRef>
+        <a:fillRef idx="2">
+          <a:scrgbClr r="0" g="0" b="0"/>
+        </a:fillRef>
+        <a:effectRef idx="1">
+          <a:scrgbClr r="0" g="0" b="0"/>
+        </a:effectRef>
+        <a:fontRef idx="minor">
+          <a:schemeClr val="dk1"/>
+        </a:fontRef>
+      </dsp:style>
+      <dsp:txBody>
+        <a:bodyPr spcFirstLastPara="0" vert="horz" wrap="square" lIns="177800" tIns="177800" rIns="177800" bIns="177800" numCol="1" spcCol="1270" anchor="ctr" anchorCtr="0">
+          <a:noAutofit/>
+        </a:bodyPr>
+        <a:lstStyle/>
+        <a:p>
+          <a:pPr marL="0" lvl="0" indent="0" algn="ctr" defTabSz="1111250">
+            <a:lnSpc>
+              <a:spcPct val="90000"/>
+            </a:lnSpc>
+            <a:spcBef>
+              <a:spcPct val="0"/>
+            </a:spcBef>
+            <a:spcAft>
+              <a:spcPct val="35000"/>
+            </a:spcAft>
+            <a:buNone/>
+          </a:pPr>
+          <a:r>
+            <a:rPr lang="en-US" sz="2500" kern="1200" dirty="0"/>
+            <a:t>Paginate Search Term</a:t>
+          </a:r>
+        </a:p>
+      </dsp:txBody>
+      <dsp:txXfrm>
+        <a:off x="1313569" y="1990339"/>
+        <a:ext cx="2396645" cy="1437987"/>
+      </dsp:txXfrm>
+    </dsp:sp>
+    <dsp:sp modelId="{2DF7938D-BC79-4126-902E-6E6186F3A49A}">
+      <dsp:nvSpPr>
+        <dsp:cNvPr id="0" name=""/>
+        <dsp:cNvSpPr/>
+      </dsp:nvSpPr>
+      <dsp:spPr>
+        <a:xfrm>
+          <a:off x="6656289" y="2663613"/>
+          <a:ext cx="520628" cy="91440"/>
+        </a:xfrm>
+        <a:custGeom>
+          <a:avLst/>
+          <a:gdLst/>
+          <a:ahLst/>
+          <a:cxnLst/>
+          <a:rect l="0" t="0" r="0" b="0"/>
+          <a:pathLst>
+            <a:path>
+              <a:moveTo>
+                <a:pt x="0" y="45720"/>
+              </a:moveTo>
+              <a:lnTo>
+                <a:pt x="520628" y="45720"/>
+              </a:lnTo>
+            </a:path>
+          </a:pathLst>
+        </a:custGeom>
+        <a:noFill/>
+        <a:ln w="6350" cap="flat" cmpd="sng" algn="ctr">
+          <a:solidFill>
+            <a:schemeClr val="dk1">
+              <a:hueOff val="0"/>
+              <a:satOff val="0"/>
+              <a:lumOff val="0"/>
+              <a:alphaOff val="0"/>
+            </a:schemeClr>
+          </a:solidFill>
+          <a:prstDash val="solid"/>
+          <a:miter lim="800000"/>
+          <a:tailEnd type="arrow"/>
+        </a:ln>
+        <a:effectLst/>
+      </dsp:spPr>
+      <dsp:style>
+        <a:lnRef idx="1">
+          <a:scrgbClr r="0" g="0" b="0"/>
+        </a:lnRef>
+        <a:fillRef idx="0">
+          <a:scrgbClr r="0" g="0" b="0"/>
+        </a:fillRef>
+        <a:effectRef idx="0">
+          <a:scrgbClr r="0" g="0" b="0"/>
+        </a:effectRef>
+        <a:fontRef idx="minor"/>
+      </dsp:style>
+      <dsp:txBody>
+        <a:bodyPr spcFirstLastPara="0" vert="horz" wrap="square" lIns="12700" tIns="0" rIns="12700" bIns="0" numCol="1" spcCol="1270" anchor="ctr" anchorCtr="0">
+          <a:noAutofit/>
+        </a:bodyPr>
+        <a:lstStyle/>
+        <a:p>
+          <a:pPr marL="0" lvl="0" indent="0" algn="ctr" defTabSz="222250">
+            <a:lnSpc>
+              <a:spcPct val="90000"/>
+            </a:lnSpc>
+            <a:spcBef>
+              <a:spcPct val="0"/>
+            </a:spcBef>
+            <a:spcAft>
+              <a:spcPct val="35000"/>
+            </a:spcAft>
+            <a:buNone/>
+          </a:pPr>
+          <a:endParaRPr lang="en-US" sz="500" kern="1200"/>
+        </a:p>
+      </dsp:txBody>
+      <dsp:txXfrm>
+        <a:off x="6902823" y="2706577"/>
+        <a:ext cx="27561" cy="5512"/>
+      </dsp:txXfrm>
+    </dsp:sp>
+    <dsp:sp modelId="{D7E6B66C-7244-41C8-80BB-A13207DC2C4A}">
+      <dsp:nvSpPr>
+        <dsp:cNvPr id="0" name=""/>
+        <dsp:cNvSpPr/>
+      </dsp:nvSpPr>
+      <dsp:spPr>
+        <a:xfrm>
+          <a:off x="4261444" y="1990339"/>
+          <a:ext cx="2396645" cy="1437987"/>
+        </a:xfrm>
+        <a:prstGeom prst="rect">
+          <a:avLst/>
+        </a:prstGeom>
+        <a:solidFill>
+          <a:schemeClr val="accent6">
+            <a:lumMod val="40000"/>
+            <a:lumOff val="60000"/>
+          </a:schemeClr>
+        </a:solidFill>
+        <a:ln>
+          <a:noFill/>
+        </a:ln>
+        <a:effectLst/>
+        <a:scene3d>
+          <a:camera prst="orthographicFront"/>
+          <a:lightRig rig="flat" dir="t"/>
+        </a:scene3d>
+        <a:sp3d prstMaterial="dkEdge">
+          <a:bevelT w="8200" h="38100"/>
+        </a:sp3d>
+      </dsp:spPr>
+      <dsp:style>
+        <a:lnRef idx="0">
+          <a:scrgbClr r="0" g="0" b="0"/>
+        </a:lnRef>
+        <a:fillRef idx="2">
+          <a:scrgbClr r="0" g="0" b="0"/>
+        </a:fillRef>
+        <a:effectRef idx="1">
+          <a:scrgbClr r="0" g="0" b="0"/>
+        </a:effectRef>
+        <a:fontRef idx="minor">
+          <a:schemeClr val="dk1"/>
+        </a:fontRef>
+      </dsp:style>
+      <dsp:txBody>
+        <a:bodyPr spcFirstLastPara="0" vert="horz" wrap="square" lIns="177800" tIns="177800" rIns="177800" bIns="177800" numCol="1" spcCol="1270" anchor="ctr" anchorCtr="0">
+          <a:noAutofit/>
+        </a:bodyPr>
+        <a:lstStyle/>
+        <a:p>
+          <a:pPr marL="0" lvl="0" indent="0" algn="ctr" defTabSz="1111250">
+            <a:lnSpc>
+              <a:spcPct val="90000"/>
+            </a:lnSpc>
+            <a:spcBef>
+              <a:spcPct val="0"/>
+            </a:spcBef>
+            <a:spcAft>
+              <a:spcPct val="35000"/>
+            </a:spcAft>
+            <a:buNone/>
+          </a:pPr>
+          <a:r>
+            <a:rPr lang="en-US" sz="2500" kern="1200" dirty="0"/>
+            <a:t>Append to Text File</a:t>
+          </a:r>
+        </a:p>
+      </dsp:txBody>
+      <dsp:txXfrm>
+        <a:off x="4261444" y="1990339"/>
+        <a:ext cx="2396645" cy="1437987"/>
+      </dsp:txXfrm>
+    </dsp:sp>
+    <dsp:sp modelId="{BF448B00-E851-4029-9F05-62D137025F4A}">
+      <dsp:nvSpPr>
+        <dsp:cNvPr id="0" name=""/>
+        <dsp:cNvSpPr/>
+      </dsp:nvSpPr>
+      <dsp:spPr>
+        <a:xfrm>
+          <a:off x="2511892" y="3426527"/>
+          <a:ext cx="5895748" cy="520628"/>
+        </a:xfrm>
+        <a:custGeom>
+          <a:avLst/>
+          <a:gdLst/>
+          <a:ahLst/>
+          <a:cxnLst/>
+          <a:rect l="0" t="0" r="0" b="0"/>
+          <a:pathLst>
+            <a:path>
+              <a:moveTo>
+                <a:pt x="5895748" y="0"/>
+              </a:moveTo>
+              <a:lnTo>
+                <a:pt x="5895748" y="277414"/>
+              </a:lnTo>
+              <a:lnTo>
+                <a:pt x="0" y="277414"/>
+              </a:lnTo>
+              <a:lnTo>
+                <a:pt x="0" y="520628"/>
+              </a:lnTo>
+            </a:path>
+          </a:pathLst>
+        </a:custGeom>
+        <a:noFill/>
+        <a:ln w="6350" cap="flat" cmpd="sng" algn="ctr">
+          <a:solidFill>
+            <a:schemeClr val="dk1">
+              <a:hueOff val="0"/>
+              <a:satOff val="0"/>
+              <a:lumOff val="0"/>
+              <a:alphaOff val="0"/>
+            </a:schemeClr>
+          </a:solidFill>
+          <a:prstDash val="solid"/>
+          <a:miter lim="800000"/>
+          <a:tailEnd type="arrow"/>
+        </a:ln>
+        <a:effectLst/>
+      </dsp:spPr>
+      <dsp:style>
+        <a:lnRef idx="1">
+          <a:scrgbClr r="0" g="0" b="0"/>
+        </a:lnRef>
+        <a:fillRef idx="0">
+          <a:scrgbClr r="0" g="0" b="0"/>
+        </a:fillRef>
+        <a:effectRef idx="0">
+          <a:scrgbClr r="0" g="0" b="0"/>
+        </a:effectRef>
+        <a:fontRef idx="minor"/>
+      </dsp:style>
+      <dsp:txBody>
+        <a:bodyPr spcFirstLastPara="0" vert="horz" wrap="square" lIns="12700" tIns="0" rIns="12700" bIns="0" numCol="1" spcCol="1270" anchor="ctr" anchorCtr="0">
+          <a:noAutofit/>
+        </a:bodyPr>
+        <a:lstStyle/>
+        <a:p>
+          <a:pPr marL="0" lvl="0" indent="0" algn="ctr" defTabSz="222250">
+            <a:lnSpc>
+              <a:spcPct val="90000"/>
+            </a:lnSpc>
+            <a:spcBef>
+              <a:spcPct val="0"/>
+            </a:spcBef>
+            <a:spcAft>
+              <a:spcPct val="35000"/>
+            </a:spcAft>
+            <a:buNone/>
+          </a:pPr>
+          <a:endParaRPr lang="en-US" sz="500" kern="1200"/>
+        </a:p>
+      </dsp:txBody>
+      <dsp:txXfrm>
+        <a:off x="5311730" y="3684085"/>
+        <a:ext cx="296073" cy="5512"/>
+      </dsp:txXfrm>
+    </dsp:sp>
+    <dsp:sp modelId="{18ED5C73-D514-45E1-8400-455D76E85142}">
+      <dsp:nvSpPr>
+        <dsp:cNvPr id="0" name=""/>
+        <dsp:cNvSpPr/>
+      </dsp:nvSpPr>
+      <dsp:spPr>
+        <a:xfrm>
+          <a:off x="7209318" y="1990339"/>
+          <a:ext cx="2396645" cy="1437987"/>
+        </a:xfrm>
+        <a:prstGeom prst="rect">
+          <a:avLst/>
+        </a:prstGeom>
+        <a:solidFill>
+          <a:schemeClr val="tx1">
+            <a:lumMod val="50000"/>
+            <a:lumOff val="50000"/>
+          </a:schemeClr>
+        </a:solidFill>
+        <a:ln>
+          <a:noFill/>
+        </a:ln>
+        <a:effectLst/>
+        <a:scene3d>
+          <a:camera prst="orthographicFront"/>
+          <a:lightRig rig="flat" dir="t"/>
+        </a:scene3d>
+        <a:sp3d prstMaterial="dkEdge">
+          <a:bevelT w="8200" h="38100"/>
+        </a:sp3d>
+      </dsp:spPr>
+      <dsp:style>
+        <a:lnRef idx="0">
+          <a:scrgbClr r="0" g="0" b="0"/>
+        </a:lnRef>
+        <a:fillRef idx="2">
+          <a:scrgbClr r="0" g="0" b="0"/>
+        </a:fillRef>
+        <a:effectRef idx="1">
+          <a:scrgbClr r="0" g="0" b="0"/>
+        </a:effectRef>
+        <a:fontRef idx="minor">
+          <a:schemeClr val="dk1"/>
+        </a:fontRef>
+      </dsp:style>
+      <dsp:txBody>
+        <a:bodyPr spcFirstLastPara="0" vert="horz" wrap="square" lIns="177800" tIns="177800" rIns="177800" bIns="177800" numCol="1" spcCol="1270" anchor="ctr" anchorCtr="0">
+          <a:noAutofit/>
+        </a:bodyPr>
+        <a:lstStyle/>
+        <a:p>
+          <a:pPr marL="0" lvl="0" indent="0" algn="ctr" defTabSz="1111250">
+            <a:lnSpc>
+              <a:spcPct val="90000"/>
+            </a:lnSpc>
+            <a:spcBef>
+              <a:spcPct val="0"/>
+            </a:spcBef>
+            <a:spcAft>
+              <a:spcPct val="35000"/>
+            </a:spcAft>
+            <a:buNone/>
+          </a:pPr>
+          <a:r>
+            <a:rPr lang="en-US" sz="2500" kern="1200" dirty="0">
+              <a:solidFill>
+                <a:schemeClr val="bg1"/>
+              </a:solidFill>
+            </a:rPr>
+            <a:t>LinkedIn Profile URLs</a:t>
+          </a:r>
+        </a:p>
+      </dsp:txBody>
+      <dsp:txXfrm>
+        <a:off x="7209318" y="1990339"/>
+        <a:ext cx="2396645" cy="1437987"/>
+      </dsp:txXfrm>
+    </dsp:sp>
+    <dsp:sp modelId="{18C010B8-E841-4BC6-AB54-C25E59BBF233}">
+      <dsp:nvSpPr>
+        <dsp:cNvPr id="0" name=""/>
+        <dsp:cNvSpPr/>
+      </dsp:nvSpPr>
+      <dsp:spPr>
+        <a:xfrm>
+          <a:off x="3708415" y="4652829"/>
+          <a:ext cx="520628" cy="91440"/>
+        </a:xfrm>
+        <a:custGeom>
+          <a:avLst/>
+          <a:gdLst/>
+          <a:ahLst/>
+          <a:cxnLst/>
+          <a:rect l="0" t="0" r="0" b="0"/>
+          <a:pathLst>
+            <a:path>
+              <a:moveTo>
+                <a:pt x="0" y="45720"/>
+              </a:moveTo>
+              <a:lnTo>
+                <a:pt x="520628" y="45720"/>
+              </a:lnTo>
+            </a:path>
+          </a:pathLst>
+        </a:custGeom>
+        <a:noFill/>
+        <a:ln w="6350" cap="flat" cmpd="sng" algn="ctr">
+          <a:solidFill>
+            <a:schemeClr val="dk1">
+              <a:hueOff val="0"/>
+              <a:satOff val="0"/>
+              <a:lumOff val="0"/>
+              <a:alphaOff val="0"/>
+            </a:schemeClr>
+          </a:solidFill>
+          <a:prstDash val="solid"/>
+          <a:miter lim="800000"/>
+          <a:tailEnd type="arrow"/>
+        </a:ln>
+        <a:effectLst/>
+      </dsp:spPr>
+      <dsp:style>
+        <a:lnRef idx="1">
+          <a:scrgbClr r="0" g="0" b="0"/>
+        </a:lnRef>
+        <a:fillRef idx="0">
+          <a:scrgbClr r="0" g="0" b="0"/>
+        </a:fillRef>
+        <a:effectRef idx="0">
+          <a:scrgbClr r="0" g="0" b="0"/>
+        </a:effectRef>
+        <a:fontRef idx="minor"/>
+      </dsp:style>
+      <dsp:txBody>
+        <a:bodyPr spcFirstLastPara="0" vert="horz" wrap="square" lIns="12700" tIns="0" rIns="12700" bIns="0" numCol="1" spcCol="1270" anchor="ctr" anchorCtr="0">
+          <a:noAutofit/>
+        </a:bodyPr>
+        <a:lstStyle/>
+        <a:p>
+          <a:pPr marL="0" lvl="0" indent="0" algn="ctr" defTabSz="222250">
+            <a:lnSpc>
+              <a:spcPct val="90000"/>
+            </a:lnSpc>
+            <a:spcBef>
+              <a:spcPct val="0"/>
+            </a:spcBef>
+            <a:spcAft>
+              <a:spcPct val="35000"/>
+            </a:spcAft>
+            <a:buNone/>
+          </a:pPr>
+          <a:endParaRPr lang="en-US" sz="500" kern="1200"/>
+        </a:p>
+      </dsp:txBody>
+      <dsp:txXfrm>
+        <a:off x="3954949" y="4695793"/>
+        <a:ext cx="27561" cy="5512"/>
+      </dsp:txXfrm>
+    </dsp:sp>
+    <dsp:sp modelId="{8E820627-72A1-4080-A833-3AD28FB1AF10}">
+      <dsp:nvSpPr>
+        <dsp:cNvPr id="0" name=""/>
+        <dsp:cNvSpPr/>
+      </dsp:nvSpPr>
+      <dsp:spPr>
+        <a:xfrm>
+          <a:off x="1313569" y="3979555"/>
+          <a:ext cx="2396645" cy="1437987"/>
+        </a:xfrm>
+        <a:prstGeom prst="rect">
+          <a:avLst/>
+        </a:prstGeom>
+        <a:solidFill>
+          <a:schemeClr val="accent1">
+            <a:lumMod val="50000"/>
+          </a:schemeClr>
+        </a:solidFill>
+        <a:ln>
+          <a:noFill/>
+        </a:ln>
+        <a:effectLst/>
+        <a:scene3d>
+          <a:camera prst="orthographicFront"/>
+          <a:lightRig rig="flat" dir="t"/>
+        </a:scene3d>
+        <a:sp3d prstMaterial="dkEdge">
+          <a:bevelT w="8200" h="38100"/>
+        </a:sp3d>
+      </dsp:spPr>
+      <dsp:style>
+        <a:lnRef idx="0">
+          <a:scrgbClr r="0" g="0" b="0"/>
+        </a:lnRef>
+        <a:fillRef idx="2">
+          <a:scrgbClr r="0" g="0" b="0"/>
+        </a:fillRef>
+        <a:effectRef idx="1">
+          <a:scrgbClr r="0" g="0" b="0"/>
+        </a:effectRef>
+        <a:fontRef idx="minor">
+          <a:schemeClr val="dk1"/>
+        </a:fontRef>
+      </dsp:style>
+      <dsp:txBody>
+        <a:bodyPr spcFirstLastPara="0" vert="horz" wrap="square" lIns="177800" tIns="177800" rIns="177800" bIns="177800" numCol="1" spcCol="1270" anchor="ctr" anchorCtr="0">
+          <a:noAutofit/>
+        </a:bodyPr>
+        <a:lstStyle/>
+        <a:p>
+          <a:pPr marL="0" lvl="0" indent="0" algn="ctr" defTabSz="1111250">
+            <a:lnSpc>
+              <a:spcPct val="90000"/>
+            </a:lnSpc>
+            <a:spcBef>
+              <a:spcPct val="0"/>
+            </a:spcBef>
+            <a:spcAft>
+              <a:spcPct val="35000"/>
+            </a:spcAft>
+            <a:buNone/>
+          </a:pPr>
+          <a:r>
+            <a:rPr lang="en-US" sz="2500" kern="1200" dirty="0">
+              <a:solidFill>
+                <a:schemeClr val="bg1"/>
+              </a:solidFill>
+            </a:rPr>
+            <a:t>Profile Scraping</a:t>
+          </a:r>
+        </a:p>
+      </dsp:txBody>
+      <dsp:txXfrm>
+        <a:off x="1313569" y="3979555"/>
+        <a:ext cx="2396645" cy="1437987"/>
+      </dsp:txXfrm>
+    </dsp:sp>
+    <dsp:sp modelId="{5D7AC38E-64DA-49DC-9FA8-15A42483F704}">
+      <dsp:nvSpPr>
+        <dsp:cNvPr id="0" name=""/>
+        <dsp:cNvSpPr/>
+      </dsp:nvSpPr>
+      <dsp:spPr>
+        <a:xfrm>
+          <a:off x="4261444" y="3979555"/>
+          <a:ext cx="2396645" cy="1437987"/>
+        </a:xfrm>
+        <a:prstGeom prst="rect">
+          <a:avLst/>
+        </a:prstGeom>
+        <a:solidFill>
+          <a:schemeClr val="accent2">
+            <a:lumMod val="60000"/>
+            <a:lumOff val="40000"/>
+          </a:schemeClr>
+        </a:solidFill>
+        <a:ln>
+          <a:noFill/>
+        </a:ln>
+        <a:effectLst/>
+        <a:scene3d>
+          <a:camera prst="orthographicFront"/>
+          <a:lightRig rig="flat" dir="t"/>
+        </a:scene3d>
+        <a:sp3d prstMaterial="dkEdge">
+          <a:bevelT w="8200" h="38100"/>
+        </a:sp3d>
+      </dsp:spPr>
+      <dsp:style>
+        <a:lnRef idx="0">
+          <a:scrgbClr r="0" g="0" b="0"/>
+        </a:lnRef>
+        <a:fillRef idx="2">
+          <a:scrgbClr r="0" g="0" b="0"/>
+        </a:fillRef>
+        <a:effectRef idx="1">
+          <a:scrgbClr r="0" g="0" b="0"/>
+        </a:effectRef>
+        <a:fontRef idx="minor">
+          <a:schemeClr val="dk1"/>
+        </a:fontRef>
+      </dsp:style>
+      <dsp:txBody>
+        <a:bodyPr spcFirstLastPara="0" vert="horz" wrap="square" lIns="177800" tIns="177800" rIns="177800" bIns="177800" numCol="1" spcCol="1270" anchor="ctr" anchorCtr="0">
+          <a:noAutofit/>
+        </a:bodyPr>
+        <a:lstStyle/>
+        <a:p>
+          <a:pPr marL="0" lvl="0" indent="0" algn="ctr" defTabSz="1111250">
+            <a:lnSpc>
+              <a:spcPct val="90000"/>
+            </a:lnSpc>
+            <a:spcBef>
+              <a:spcPct val="0"/>
+            </a:spcBef>
+            <a:spcAft>
+              <a:spcPct val="35000"/>
+            </a:spcAft>
+            <a:buNone/>
+          </a:pPr>
+          <a:r>
+            <a:rPr lang="en-US" sz="2500" kern="1200" dirty="0">
+              <a:solidFill>
+                <a:schemeClr val="tx1"/>
+              </a:solidFill>
+            </a:rPr>
+            <a:t>Full Profile </a:t>
+          </a:r>
+          <a:r>
+            <a:rPr lang="en-US" sz="2500" kern="1200" dirty="0" err="1">
+              <a:solidFill>
+                <a:schemeClr val="tx1"/>
+              </a:solidFill>
+            </a:rPr>
+            <a:t>Dataframe</a:t>
+          </a:r>
+          <a:endParaRPr lang="en-US" sz="2500" kern="1200" dirty="0">
+            <a:solidFill>
+              <a:schemeClr val="tx1"/>
+            </a:solidFill>
+          </a:endParaRPr>
+        </a:p>
+      </dsp:txBody>
+      <dsp:txXfrm>
+        <a:off x="4261444" y="3979555"/>
+        <a:ext cx="2396645" cy="1437987"/>
+      </dsp:txXfrm>
+    </dsp:sp>
+  </dsp:spTree>
+</dsp:drawing>
+</file>
+
+<file path=ppt/diagrams/drawing3.xml><?xml version="1.0" encoding="utf-8"?>
+<dsp:drawing xmlns:dgm="http://schemas.openxmlformats.org/drawingml/2006/diagram" xmlns:dsp="http://schemas.microsoft.com/office/drawing/2008/diagram" xmlns:a="http://schemas.openxmlformats.org/drawingml/2006/main">
+  <dsp:spTree>
+    <dsp:nvGrpSpPr>
+      <dsp:cNvPr id="0" name=""/>
+      <dsp:cNvGrpSpPr/>
+    </dsp:nvGrpSpPr>
+    <dsp:grpSpPr/>
+    <dsp:sp modelId="{8B15CBEF-ECFD-4501-A6B5-059B20D7A728}">
+      <dsp:nvSpPr>
+        <dsp:cNvPr id="0" name=""/>
+        <dsp:cNvSpPr/>
+      </dsp:nvSpPr>
+      <dsp:spPr>
+        <a:xfrm>
+          <a:off x="5022625" y="1092597"/>
+          <a:ext cx="840083" cy="91440"/>
+        </a:xfrm>
+        <a:custGeom>
+          <a:avLst/>
+          <a:gdLst/>
+          <a:ahLst/>
+          <a:cxnLst/>
+          <a:rect l="0" t="0" r="0" b="0"/>
+          <a:pathLst>
+            <a:path>
+              <a:moveTo>
+                <a:pt x="0" y="45720"/>
+              </a:moveTo>
+              <a:lnTo>
+                <a:pt x="840083" y="45720"/>
+              </a:lnTo>
+            </a:path>
+          </a:pathLst>
+        </a:custGeom>
+        <a:noFill/>
+        <a:ln w="6350" cap="flat" cmpd="sng" algn="ctr">
+          <a:solidFill>
+            <a:schemeClr val="dk1">
+              <a:hueOff val="0"/>
+              <a:satOff val="0"/>
+              <a:lumOff val="0"/>
+              <a:alphaOff val="0"/>
+            </a:schemeClr>
+          </a:solidFill>
+          <a:prstDash val="solid"/>
+          <a:miter lim="800000"/>
+          <a:tailEnd type="arrow"/>
+        </a:ln>
+        <a:effectLst/>
+      </dsp:spPr>
+      <dsp:style>
+        <a:lnRef idx="1">
+          <a:scrgbClr r="0" g="0" b="0"/>
+        </a:lnRef>
+        <a:fillRef idx="0">
+          <a:scrgbClr r="0" g="0" b="0"/>
+        </a:fillRef>
+        <a:effectRef idx="0">
+          <a:scrgbClr r="0" g="0" b="0"/>
+        </a:effectRef>
+        <a:fontRef idx="minor"/>
+      </dsp:style>
+      <dsp:txBody>
+        <a:bodyPr spcFirstLastPara="0" vert="horz" wrap="square" lIns="12700" tIns="0" rIns="12700" bIns="0" numCol="1" spcCol="1270" anchor="ctr" anchorCtr="0">
+          <a:noAutofit/>
+        </a:bodyPr>
+        <a:lstStyle/>
+        <a:p>
+          <a:pPr marL="0" lvl="0" indent="0" algn="ctr" defTabSz="222250">
+            <a:lnSpc>
+              <a:spcPct val="90000"/>
+            </a:lnSpc>
+            <a:spcBef>
+              <a:spcPct val="0"/>
+            </a:spcBef>
+            <a:spcAft>
+              <a:spcPct val="35000"/>
+            </a:spcAft>
+            <a:buNone/>
+          </a:pPr>
+          <a:endParaRPr lang="en-US" sz="500" kern="1200"/>
+        </a:p>
+      </dsp:txBody>
+      <dsp:txXfrm>
+        <a:off x="5420899" y="1133964"/>
+        <a:ext cx="43534" cy="8706"/>
+      </dsp:txXfrm>
+    </dsp:sp>
+    <dsp:sp modelId="{DCB5C394-7103-40A4-9B1C-A4855CC13E2A}">
+      <dsp:nvSpPr>
+        <dsp:cNvPr id="0" name=""/>
+        <dsp:cNvSpPr/>
+      </dsp:nvSpPr>
+      <dsp:spPr>
+        <a:xfrm>
+          <a:off x="1238844" y="2643"/>
+          <a:ext cx="3785580" cy="2271348"/>
+        </a:xfrm>
+        <a:prstGeom prst="rect">
+          <a:avLst/>
+        </a:prstGeom>
+        <a:solidFill>
+          <a:schemeClr val="tx1"/>
+        </a:solidFill>
+        <a:ln>
+          <a:noFill/>
+        </a:ln>
+        <a:effectLst/>
+        <a:scene3d>
+          <a:camera prst="orthographicFront"/>
+          <a:lightRig rig="flat" dir="t"/>
+        </a:scene3d>
+        <a:sp3d prstMaterial="dkEdge">
+          <a:bevelT w="8200" h="38100"/>
+        </a:sp3d>
+      </dsp:spPr>
+      <dsp:style>
+        <a:lnRef idx="0">
+          <a:scrgbClr r="0" g="0" b="0"/>
+        </a:lnRef>
+        <a:fillRef idx="2">
+          <a:scrgbClr r="0" g="0" b="0"/>
+        </a:fillRef>
+        <a:effectRef idx="1">
+          <a:scrgbClr r="0" g="0" b="0"/>
+        </a:effectRef>
+        <a:fontRef idx="minor">
+          <a:schemeClr val="dk1"/>
+        </a:fontRef>
+      </dsp:style>
+      <dsp:txBody>
+        <a:bodyPr spcFirstLastPara="0" vert="horz" wrap="square" lIns="284480" tIns="284480" rIns="284480" bIns="284480" numCol="1" spcCol="1270" anchor="ctr" anchorCtr="0">
+          <a:noAutofit/>
+        </a:bodyPr>
+        <a:lstStyle/>
+        <a:p>
+          <a:pPr marL="0" lvl="0" indent="0" algn="ctr" defTabSz="1778000">
+            <a:lnSpc>
+              <a:spcPct val="90000"/>
+            </a:lnSpc>
+            <a:spcBef>
+              <a:spcPct val="0"/>
+            </a:spcBef>
+            <a:spcAft>
+              <a:spcPct val="35000"/>
+            </a:spcAft>
+            <a:buNone/>
+          </a:pPr>
+          <a:r>
+            <a:rPr lang="en-US" sz="4000" kern="1200" dirty="0">
+              <a:solidFill>
+                <a:schemeClr val="bg1"/>
+              </a:solidFill>
+            </a:rPr>
+            <a:t>LinkedIn URL Ingestion</a:t>
+          </a:r>
+        </a:p>
+      </dsp:txBody>
+      <dsp:txXfrm>
+        <a:off x="1238844" y="2643"/>
+        <a:ext cx="3785580" cy="2271348"/>
+      </dsp:txXfrm>
+    </dsp:sp>
+    <dsp:sp modelId="{3516E03F-734D-4971-A2EB-282F37E64F44}">
+      <dsp:nvSpPr>
+        <dsp:cNvPr id="0" name=""/>
+        <dsp:cNvSpPr/>
+      </dsp:nvSpPr>
+      <dsp:spPr>
+        <a:xfrm>
+          <a:off x="3089577" y="2272191"/>
+          <a:ext cx="4698321" cy="840083"/>
+        </a:xfrm>
+        <a:custGeom>
+          <a:avLst/>
+          <a:gdLst/>
+          <a:ahLst/>
+          <a:cxnLst/>
+          <a:rect l="0" t="0" r="0" b="0"/>
+          <a:pathLst>
+            <a:path>
+              <a:moveTo>
+                <a:pt x="4698321" y="0"/>
+              </a:moveTo>
+              <a:lnTo>
+                <a:pt x="4698321" y="437141"/>
+              </a:lnTo>
+              <a:lnTo>
+                <a:pt x="0" y="437141"/>
+              </a:lnTo>
+              <a:lnTo>
+                <a:pt x="0" y="840083"/>
+              </a:lnTo>
+            </a:path>
+          </a:pathLst>
+        </a:custGeom>
+        <a:noFill/>
+        <a:ln w="6350" cap="flat" cmpd="sng" algn="ctr">
+          <a:solidFill>
+            <a:schemeClr val="dk1">
+              <a:hueOff val="0"/>
+              <a:satOff val="0"/>
+              <a:lumOff val="0"/>
+              <a:alphaOff val="0"/>
+            </a:schemeClr>
+          </a:solidFill>
+          <a:prstDash val="solid"/>
+          <a:miter lim="800000"/>
+          <a:tailEnd type="arrow"/>
+        </a:ln>
+        <a:effectLst/>
+      </dsp:spPr>
+      <dsp:style>
+        <a:lnRef idx="1">
+          <a:scrgbClr r="0" g="0" b="0"/>
+        </a:lnRef>
+        <a:fillRef idx="0">
+          <a:scrgbClr r="0" g="0" b="0"/>
+        </a:fillRef>
+        <a:effectRef idx="0">
+          <a:scrgbClr r="0" g="0" b="0"/>
+        </a:effectRef>
+        <a:fontRef idx="minor"/>
+      </dsp:style>
+      <dsp:txBody>
+        <a:bodyPr spcFirstLastPara="0" vert="horz" wrap="square" lIns="12700" tIns="0" rIns="12700" bIns="0" numCol="1" spcCol="1270" anchor="ctr" anchorCtr="0">
+          <a:noAutofit/>
+        </a:bodyPr>
+        <a:lstStyle/>
+        <a:p>
+          <a:pPr marL="0" lvl="0" indent="0" algn="ctr" defTabSz="222250">
+            <a:lnSpc>
+              <a:spcPct val="90000"/>
+            </a:lnSpc>
+            <a:spcBef>
+              <a:spcPct val="0"/>
+            </a:spcBef>
+            <a:spcAft>
+              <a:spcPct val="35000"/>
+            </a:spcAft>
+            <a:buNone/>
+          </a:pPr>
+          <a:endParaRPr lang="en-US" sz="500" kern="1200"/>
+        </a:p>
+      </dsp:txBody>
+      <dsp:txXfrm>
+        <a:off x="5319280" y="2687880"/>
+        <a:ext cx="238915" cy="8706"/>
+      </dsp:txXfrm>
+    </dsp:sp>
+    <dsp:sp modelId="{ABF6F158-6B49-4120-935A-FDCE2665478F}">
+      <dsp:nvSpPr>
+        <dsp:cNvPr id="0" name=""/>
+        <dsp:cNvSpPr/>
+      </dsp:nvSpPr>
+      <dsp:spPr>
+        <a:xfrm>
+          <a:off x="5895108" y="2643"/>
+          <a:ext cx="3785580" cy="2271348"/>
+        </a:xfrm>
+        <a:prstGeom prst="rect">
+          <a:avLst/>
+        </a:prstGeom>
+        <a:solidFill>
+          <a:schemeClr val="accent5">
+            <a:lumMod val="60000"/>
+            <a:lumOff val="40000"/>
+          </a:schemeClr>
+        </a:solidFill>
+        <a:ln>
+          <a:noFill/>
+        </a:ln>
+        <a:effectLst/>
+        <a:scene3d>
+          <a:camera prst="orthographicFront"/>
+          <a:lightRig rig="flat" dir="t"/>
+        </a:scene3d>
+        <a:sp3d prstMaterial="dkEdge">
+          <a:bevelT w="8200" h="38100"/>
+        </a:sp3d>
+      </dsp:spPr>
+      <dsp:style>
+        <a:lnRef idx="0">
+          <a:scrgbClr r="0" g="0" b="0"/>
+        </a:lnRef>
+        <a:fillRef idx="2">
+          <a:scrgbClr r="0" g="0" b="0"/>
+        </a:fillRef>
+        <a:effectRef idx="1">
+          <a:scrgbClr r="0" g="0" b="0"/>
+        </a:effectRef>
+        <a:fontRef idx="minor">
+          <a:schemeClr val="dk1"/>
+        </a:fontRef>
+      </dsp:style>
+      <dsp:txBody>
+        <a:bodyPr spcFirstLastPara="0" vert="horz" wrap="square" lIns="284480" tIns="284480" rIns="284480" bIns="284480" numCol="1" spcCol="1270" anchor="ctr" anchorCtr="0">
+          <a:noAutofit/>
+        </a:bodyPr>
+        <a:lstStyle/>
+        <a:p>
+          <a:pPr marL="0" lvl="0" indent="0" algn="ctr" defTabSz="1778000">
+            <a:lnSpc>
+              <a:spcPct val="90000"/>
+            </a:lnSpc>
+            <a:spcBef>
+              <a:spcPct val="0"/>
+            </a:spcBef>
+            <a:spcAft>
+              <a:spcPct val="35000"/>
+            </a:spcAft>
+            <a:buNone/>
+          </a:pPr>
+          <a:r>
+            <a:rPr lang="en-US" sz="4000" kern="1200" dirty="0"/>
+            <a:t>Per-Profile Scraping</a:t>
+          </a:r>
+        </a:p>
+      </dsp:txBody>
+      <dsp:txXfrm>
+        <a:off x="5895108" y="2643"/>
+        <a:ext cx="3785580" cy="2271348"/>
+      </dsp:txXfrm>
+    </dsp:sp>
+    <dsp:sp modelId="{308E66F8-C990-44F1-9D02-1BB4D76C496F}">
+      <dsp:nvSpPr>
+        <dsp:cNvPr id="0" name=""/>
+        <dsp:cNvSpPr/>
+      </dsp:nvSpPr>
+      <dsp:spPr>
+        <a:xfrm>
+          <a:off x="1196786" y="3144675"/>
+          <a:ext cx="3785580" cy="2271348"/>
+        </a:xfrm>
+        <a:prstGeom prst="rect">
+          <a:avLst/>
+        </a:prstGeom>
+        <a:solidFill>
+          <a:schemeClr val="accent2">
+            <a:lumMod val="20000"/>
+            <a:lumOff val="80000"/>
+          </a:schemeClr>
+        </a:solidFill>
+        <a:ln>
+          <a:noFill/>
+        </a:ln>
+        <a:effectLst/>
+        <a:scene3d>
+          <a:camera prst="orthographicFront"/>
+          <a:lightRig rig="flat" dir="t"/>
+        </a:scene3d>
+        <a:sp3d prstMaterial="dkEdge">
+          <a:bevelT w="8200" h="38100"/>
+        </a:sp3d>
+      </dsp:spPr>
+      <dsp:style>
+        <a:lnRef idx="0">
+          <a:scrgbClr r="0" g="0" b="0"/>
+        </a:lnRef>
+        <a:fillRef idx="2">
+          <a:scrgbClr r="0" g="0" b="0"/>
+        </a:fillRef>
+        <a:effectRef idx="1">
+          <a:scrgbClr r="0" g="0" b="0"/>
+        </a:effectRef>
+        <a:fontRef idx="minor">
+          <a:schemeClr val="dk1"/>
+        </a:fontRef>
+      </dsp:style>
+      <dsp:txBody>
+        <a:bodyPr spcFirstLastPara="0" vert="horz" wrap="square" lIns="284480" tIns="284480" rIns="284480" bIns="284480" numCol="1" spcCol="1270" anchor="ctr" anchorCtr="0">
+          <a:noAutofit/>
+        </a:bodyPr>
+        <a:lstStyle/>
+        <a:p>
+          <a:pPr marL="0" lvl="0" indent="0" algn="ctr" defTabSz="1778000">
+            <a:lnSpc>
+              <a:spcPct val="90000"/>
+            </a:lnSpc>
+            <a:spcBef>
+              <a:spcPct val="0"/>
+            </a:spcBef>
+            <a:spcAft>
+              <a:spcPct val="35000"/>
+            </a:spcAft>
+            <a:buNone/>
+          </a:pPr>
+          <a:r>
+            <a:rPr lang="en-US" sz="4000" kern="1200" dirty="0"/>
+            <a:t>Raw LinkedIn Contact Dataset</a:t>
+          </a:r>
+        </a:p>
+      </dsp:txBody>
+      <dsp:txXfrm>
+        <a:off x="1196786" y="3144675"/>
+        <a:ext cx="3785580" cy="2271348"/>
+      </dsp:txXfrm>
+    </dsp:sp>
+  </dsp:spTree>
+</dsp:drawing>
+</file>
+
 <file path=ppt/diagrams/layout1.xml><?xml version="1.0" encoding="utf-8"?>
 <dgm:layoutDef xmlns:dgm="http://schemas.openxmlformats.org/drawingml/2006/diagram" xmlns:a="http://schemas.openxmlformats.org/drawingml/2006/main" uniqueId="urn:microsoft.com/office/officeart/2005/8/layout/bProcess3">
   <dgm:title val=""/>
@@ -2291,7 +6337,2503 @@
 </dgm:layoutDef>
 </file>
 
+<file path=ppt/diagrams/layout2.xml><?xml version="1.0" encoding="utf-8"?>
+<dgm:layoutDef xmlns:dgm="http://schemas.openxmlformats.org/drawingml/2006/diagram" xmlns:a="http://schemas.openxmlformats.org/drawingml/2006/main" uniqueId="urn:microsoft.com/office/officeart/2005/8/layout/bProcess3">
+  <dgm:title val=""/>
+  <dgm:desc val=""/>
+  <dgm:catLst>
+    <dgm:cat type="process" pri="18000"/>
+  </dgm:catLst>
+  <dgm:sampData>
+    <dgm:dataModel>
+      <dgm:ptLst>
+        <dgm:pt modelId="0" type="doc"/>
+        <dgm:pt modelId="1">
+          <dgm:prSet phldr="1"/>
+        </dgm:pt>
+        <dgm:pt modelId="2">
+          <dgm:prSet phldr="1"/>
+        </dgm:pt>
+        <dgm:pt modelId="3">
+          <dgm:prSet phldr="1"/>
+        </dgm:pt>
+        <dgm:pt modelId="4">
+          <dgm:prSet phldr="1"/>
+        </dgm:pt>
+        <dgm:pt modelId="5">
+          <dgm:prSet phldr="1"/>
+        </dgm:pt>
+      </dgm:ptLst>
+      <dgm:cxnLst>
+        <dgm:cxn modelId="7" srcId="0" destId="1" srcOrd="0" destOrd="0"/>
+        <dgm:cxn modelId="8" srcId="0" destId="2" srcOrd="1" destOrd="0"/>
+        <dgm:cxn modelId="9" srcId="0" destId="3" srcOrd="2" destOrd="0"/>
+        <dgm:cxn modelId="10" srcId="0" destId="4" srcOrd="3" destOrd="0"/>
+        <dgm:cxn modelId="11" srcId="0" destId="5" srcOrd="4" destOrd="0"/>
+      </dgm:cxnLst>
+      <dgm:bg/>
+      <dgm:whole/>
+    </dgm:dataModel>
+  </dgm:sampData>
+  <dgm:styleData>
+    <dgm:dataModel>
+      <dgm:ptLst>
+        <dgm:pt modelId="0" type="doc"/>
+        <dgm:pt modelId="1"/>
+        <dgm:pt modelId="2"/>
+      </dgm:ptLst>
+      <dgm:cxnLst>
+        <dgm:cxn modelId="3" srcId="0" destId="1" srcOrd="0" destOrd="0"/>
+        <dgm:cxn modelId="4" srcId="0" destId="2" srcOrd="1" destOrd="0"/>
+      </dgm:cxnLst>
+      <dgm:bg/>
+      <dgm:whole/>
+    </dgm:dataModel>
+  </dgm:styleData>
+  <dgm:clrData>
+    <dgm:dataModel>
+      <dgm:ptLst>
+        <dgm:pt modelId="0" type="doc"/>
+        <dgm:pt modelId="1"/>
+        <dgm:pt modelId="2"/>
+        <dgm:pt modelId="3"/>
+        <dgm:pt modelId="4"/>
+      </dgm:ptLst>
+      <dgm:cxnLst>
+        <dgm:cxn modelId="5" srcId="0" destId="1" srcOrd="0" destOrd="0"/>
+        <dgm:cxn modelId="6" srcId="0" destId="2" srcOrd="1" destOrd="0"/>
+        <dgm:cxn modelId="7" srcId="0" destId="3" srcOrd="2" destOrd="0"/>
+        <dgm:cxn modelId="8" srcId="0" destId="4" srcOrd="3" destOrd="0"/>
+      </dgm:cxnLst>
+      <dgm:bg/>
+      <dgm:whole/>
+    </dgm:dataModel>
+  </dgm:clrData>
+  <dgm:layoutNode name="Name0">
+    <dgm:varLst>
+      <dgm:dir/>
+      <dgm:resizeHandles val="exact"/>
+    </dgm:varLst>
+    <dgm:choose name="Name1">
+      <dgm:if name="Name2" axis="self" func="var" arg="dir" op="equ" val="norm">
+        <dgm:alg type="snake">
+          <dgm:param type="grDir" val="tL"/>
+          <dgm:param type="flowDir" val="row"/>
+          <dgm:param type="contDir" val="sameDir"/>
+          <dgm:param type="bkpt" val="endCnv"/>
+        </dgm:alg>
+      </dgm:if>
+      <dgm:else name="Name3">
+        <dgm:alg type="snake">
+          <dgm:param type="grDir" val="tR"/>
+          <dgm:param type="flowDir" val="row"/>
+          <dgm:param type="contDir" val="sameDir"/>
+          <dgm:param type="bkpt" val="endCnv"/>
+        </dgm:alg>
+      </dgm:else>
+    </dgm:choose>
+    <dgm:shape xmlns:r="http://schemas.openxmlformats.org/officeDocument/2006/relationships" r:blip="">
+      <dgm:adjLst/>
+    </dgm:shape>
+    <dgm:presOf/>
+    <dgm:constrLst>
+      <dgm:constr type="w" for="ch" ptType="node" refType="w"/>
+      <dgm:constr type="w" for="ch" forName="sibTrans" refType="w" refFor="ch" refPtType="node" op="equ" fact="0.23"/>
+      <dgm:constr type="sp" refType="w" refFor="ch" refForName="sibTrans" op="equ"/>
+      <dgm:constr type="userB" for="des" forName="connectorText" refType="sp"/>
+      <dgm:constr type="primFontSz" for="ch" ptType="node" op="equ" val="65"/>
+      <dgm:constr type="h" for="ch" ptType="sibTrans" op="equ"/>
+      <dgm:constr type="primFontSz" for="des" forName="connectorText" op="equ" val="55"/>
+      <dgm:constr type="primFontSz" for="des" forName="connectorText" refType="primFontSz" refFor="ch" refPtType="node" op="lte" fact="0.8"/>
+    </dgm:constrLst>
+    <dgm:ruleLst/>
+    <dgm:forEach name="nodesForEach" axis="ch" ptType="node">
+      <dgm:layoutNode name="node">
+        <dgm:varLst>
+          <dgm:bulletEnabled val="1"/>
+        </dgm:varLst>
+        <dgm:alg type="tx"/>
+        <dgm:shape xmlns:r="http://schemas.openxmlformats.org/officeDocument/2006/relationships" type="rect" r:blip="">
+          <dgm:adjLst/>
+        </dgm:shape>
+        <dgm:presOf axis="desOrSelf" ptType="node"/>
+        <dgm:constrLst>
+          <dgm:constr type="h" refType="w" fact="0.6"/>
+        </dgm:constrLst>
+        <dgm:ruleLst>
+          <dgm:rule type="primFontSz" val="5" fact="NaN" max="NaN"/>
+        </dgm:ruleLst>
+      </dgm:layoutNode>
+      <dgm:forEach name="sibTransForEach" axis="followSib" ptType="sibTrans" cnt="1">
+        <dgm:layoutNode name="sibTrans">
+          <dgm:choose name="Name4">
+            <dgm:if name="Name5" axis="self" func="var" arg="dir" op="equ" val="norm">
+              <dgm:alg type="conn">
+                <dgm:param type="connRout" val="bend"/>
+                <dgm:param type="dim" val="1D"/>
+                <dgm:param type="begPts" val="midR bCtr"/>
+                <dgm:param type="endPts" val="midL tCtr"/>
+              </dgm:alg>
+            </dgm:if>
+            <dgm:else name="Name6">
+              <dgm:alg type="conn">
+                <dgm:param type="connRout" val="bend"/>
+                <dgm:param type="dim" val="1D"/>
+                <dgm:param type="begPts" val="midL bCtr"/>
+                <dgm:param type="endPts" val="midR tCtr"/>
+              </dgm:alg>
+            </dgm:else>
+          </dgm:choose>
+          <dgm:shape xmlns:r="http://schemas.openxmlformats.org/officeDocument/2006/relationships" type="conn" r:blip="" zOrderOff="-2">
+            <dgm:adjLst/>
+          </dgm:shape>
+          <dgm:presOf axis="self"/>
+          <dgm:constrLst>
+            <dgm:constr type="begPad" val="-0.05"/>
+            <dgm:constr type="endPad" val="0.9"/>
+            <dgm:constr type="userA" for="ch" refType="connDist"/>
+          </dgm:constrLst>
+          <dgm:ruleLst/>
+          <dgm:layoutNode name="connectorText">
+            <dgm:alg type="tx">
+              <dgm:param type="autoTxRot" val="upr"/>
+            </dgm:alg>
+            <dgm:shape xmlns:r="http://schemas.openxmlformats.org/officeDocument/2006/relationships" type="rect" r:blip="" hideGeom="1">
+              <dgm:adjLst/>
+            </dgm:shape>
+            <dgm:presOf axis="self"/>
+            <dgm:constrLst>
+              <dgm:constr type="userA"/>
+              <dgm:constr type="userB"/>
+              <dgm:constr type="w" refType="userA" fact="0.05"/>
+              <dgm:constr type="h" refType="userB" fact="0.01"/>
+              <dgm:constr type="lMarg" val="1"/>
+              <dgm:constr type="rMarg" val="1"/>
+              <dgm:constr type="tMarg"/>
+              <dgm:constr type="bMarg"/>
+            </dgm:constrLst>
+            <dgm:ruleLst>
+              <dgm:rule type="w" val="NaN" fact="0.6" max="NaN"/>
+              <dgm:rule type="h" val="NaN" fact="0.6" max="NaN"/>
+              <dgm:rule type="primFontSz" val="5" fact="NaN" max="NaN"/>
+            </dgm:ruleLst>
+          </dgm:layoutNode>
+        </dgm:layoutNode>
+      </dgm:forEach>
+    </dgm:forEach>
+  </dgm:layoutNode>
+</dgm:layoutDef>
+</file>
+
+<file path=ppt/diagrams/layout3.xml><?xml version="1.0" encoding="utf-8"?>
+<dgm:layoutDef xmlns:dgm="http://schemas.openxmlformats.org/drawingml/2006/diagram" xmlns:a="http://schemas.openxmlformats.org/drawingml/2006/main" uniqueId="urn:microsoft.com/office/officeart/2005/8/layout/bProcess3">
+  <dgm:title val=""/>
+  <dgm:desc val=""/>
+  <dgm:catLst>
+    <dgm:cat type="process" pri="18000"/>
+  </dgm:catLst>
+  <dgm:sampData>
+    <dgm:dataModel>
+      <dgm:ptLst>
+        <dgm:pt modelId="0" type="doc"/>
+        <dgm:pt modelId="1">
+          <dgm:prSet phldr="1"/>
+        </dgm:pt>
+        <dgm:pt modelId="2">
+          <dgm:prSet phldr="1"/>
+        </dgm:pt>
+        <dgm:pt modelId="3">
+          <dgm:prSet phldr="1"/>
+        </dgm:pt>
+        <dgm:pt modelId="4">
+          <dgm:prSet phldr="1"/>
+        </dgm:pt>
+        <dgm:pt modelId="5">
+          <dgm:prSet phldr="1"/>
+        </dgm:pt>
+      </dgm:ptLst>
+      <dgm:cxnLst>
+        <dgm:cxn modelId="7" srcId="0" destId="1" srcOrd="0" destOrd="0"/>
+        <dgm:cxn modelId="8" srcId="0" destId="2" srcOrd="1" destOrd="0"/>
+        <dgm:cxn modelId="9" srcId="0" destId="3" srcOrd="2" destOrd="0"/>
+        <dgm:cxn modelId="10" srcId="0" destId="4" srcOrd="3" destOrd="0"/>
+        <dgm:cxn modelId="11" srcId="0" destId="5" srcOrd="4" destOrd="0"/>
+      </dgm:cxnLst>
+      <dgm:bg/>
+      <dgm:whole/>
+    </dgm:dataModel>
+  </dgm:sampData>
+  <dgm:styleData>
+    <dgm:dataModel>
+      <dgm:ptLst>
+        <dgm:pt modelId="0" type="doc"/>
+        <dgm:pt modelId="1"/>
+        <dgm:pt modelId="2"/>
+      </dgm:ptLst>
+      <dgm:cxnLst>
+        <dgm:cxn modelId="3" srcId="0" destId="1" srcOrd="0" destOrd="0"/>
+        <dgm:cxn modelId="4" srcId="0" destId="2" srcOrd="1" destOrd="0"/>
+      </dgm:cxnLst>
+      <dgm:bg/>
+      <dgm:whole/>
+    </dgm:dataModel>
+  </dgm:styleData>
+  <dgm:clrData>
+    <dgm:dataModel>
+      <dgm:ptLst>
+        <dgm:pt modelId="0" type="doc"/>
+        <dgm:pt modelId="1"/>
+        <dgm:pt modelId="2"/>
+        <dgm:pt modelId="3"/>
+        <dgm:pt modelId="4"/>
+      </dgm:ptLst>
+      <dgm:cxnLst>
+        <dgm:cxn modelId="5" srcId="0" destId="1" srcOrd="0" destOrd="0"/>
+        <dgm:cxn modelId="6" srcId="0" destId="2" srcOrd="1" destOrd="0"/>
+        <dgm:cxn modelId="7" srcId="0" destId="3" srcOrd="2" destOrd="0"/>
+        <dgm:cxn modelId="8" srcId="0" destId="4" srcOrd="3" destOrd="0"/>
+      </dgm:cxnLst>
+      <dgm:bg/>
+      <dgm:whole/>
+    </dgm:dataModel>
+  </dgm:clrData>
+  <dgm:layoutNode name="Name0">
+    <dgm:varLst>
+      <dgm:dir/>
+      <dgm:resizeHandles val="exact"/>
+    </dgm:varLst>
+    <dgm:choose name="Name1">
+      <dgm:if name="Name2" axis="self" func="var" arg="dir" op="equ" val="norm">
+        <dgm:alg type="snake">
+          <dgm:param type="grDir" val="tL"/>
+          <dgm:param type="flowDir" val="row"/>
+          <dgm:param type="contDir" val="sameDir"/>
+          <dgm:param type="bkpt" val="endCnv"/>
+        </dgm:alg>
+      </dgm:if>
+      <dgm:else name="Name3">
+        <dgm:alg type="snake">
+          <dgm:param type="grDir" val="tR"/>
+          <dgm:param type="flowDir" val="row"/>
+          <dgm:param type="contDir" val="sameDir"/>
+          <dgm:param type="bkpt" val="endCnv"/>
+        </dgm:alg>
+      </dgm:else>
+    </dgm:choose>
+    <dgm:shape xmlns:r="http://schemas.openxmlformats.org/officeDocument/2006/relationships" r:blip="">
+      <dgm:adjLst/>
+    </dgm:shape>
+    <dgm:presOf/>
+    <dgm:constrLst>
+      <dgm:constr type="w" for="ch" ptType="node" refType="w"/>
+      <dgm:constr type="w" for="ch" forName="sibTrans" refType="w" refFor="ch" refPtType="node" op="equ" fact="0.23"/>
+      <dgm:constr type="sp" refType="w" refFor="ch" refForName="sibTrans" op="equ"/>
+      <dgm:constr type="userB" for="des" forName="connectorText" refType="sp"/>
+      <dgm:constr type="primFontSz" for="ch" ptType="node" op="equ" val="65"/>
+      <dgm:constr type="h" for="ch" ptType="sibTrans" op="equ"/>
+      <dgm:constr type="primFontSz" for="des" forName="connectorText" op="equ" val="55"/>
+      <dgm:constr type="primFontSz" for="des" forName="connectorText" refType="primFontSz" refFor="ch" refPtType="node" op="lte" fact="0.8"/>
+    </dgm:constrLst>
+    <dgm:ruleLst/>
+    <dgm:forEach name="nodesForEach" axis="ch" ptType="node">
+      <dgm:layoutNode name="node">
+        <dgm:varLst>
+          <dgm:bulletEnabled val="1"/>
+        </dgm:varLst>
+        <dgm:alg type="tx"/>
+        <dgm:shape xmlns:r="http://schemas.openxmlformats.org/officeDocument/2006/relationships" type="rect" r:blip="">
+          <dgm:adjLst/>
+        </dgm:shape>
+        <dgm:presOf axis="desOrSelf" ptType="node"/>
+        <dgm:constrLst>
+          <dgm:constr type="h" refType="w" fact="0.6"/>
+        </dgm:constrLst>
+        <dgm:ruleLst>
+          <dgm:rule type="primFontSz" val="5" fact="NaN" max="NaN"/>
+        </dgm:ruleLst>
+      </dgm:layoutNode>
+      <dgm:forEach name="sibTransForEach" axis="followSib" ptType="sibTrans" cnt="1">
+        <dgm:layoutNode name="sibTrans">
+          <dgm:choose name="Name4">
+            <dgm:if name="Name5" axis="self" func="var" arg="dir" op="equ" val="norm">
+              <dgm:alg type="conn">
+                <dgm:param type="connRout" val="bend"/>
+                <dgm:param type="dim" val="1D"/>
+                <dgm:param type="begPts" val="midR bCtr"/>
+                <dgm:param type="endPts" val="midL tCtr"/>
+              </dgm:alg>
+            </dgm:if>
+            <dgm:else name="Name6">
+              <dgm:alg type="conn">
+                <dgm:param type="connRout" val="bend"/>
+                <dgm:param type="dim" val="1D"/>
+                <dgm:param type="begPts" val="midL bCtr"/>
+                <dgm:param type="endPts" val="midR tCtr"/>
+              </dgm:alg>
+            </dgm:else>
+          </dgm:choose>
+          <dgm:shape xmlns:r="http://schemas.openxmlformats.org/officeDocument/2006/relationships" type="conn" r:blip="" zOrderOff="-2">
+            <dgm:adjLst/>
+          </dgm:shape>
+          <dgm:presOf axis="self"/>
+          <dgm:constrLst>
+            <dgm:constr type="begPad" val="-0.05"/>
+            <dgm:constr type="endPad" val="0.9"/>
+            <dgm:constr type="userA" for="ch" refType="connDist"/>
+          </dgm:constrLst>
+          <dgm:ruleLst/>
+          <dgm:layoutNode name="connectorText">
+            <dgm:alg type="tx">
+              <dgm:param type="autoTxRot" val="upr"/>
+            </dgm:alg>
+            <dgm:shape xmlns:r="http://schemas.openxmlformats.org/officeDocument/2006/relationships" type="rect" r:blip="" hideGeom="1">
+              <dgm:adjLst/>
+            </dgm:shape>
+            <dgm:presOf axis="self"/>
+            <dgm:constrLst>
+              <dgm:constr type="userA"/>
+              <dgm:constr type="userB"/>
+              <dgm:constr type="w" refType="userA" fact="0.05"/>
+              <dgm:constr type="h" refType="userB" fact="0.01"/>
+              <dgm:constr type="lMarg" val="1"/>
+              <dgm:constr type="rMarg" val="1"/>
+              <dgm:constr type="tMarg"/>
+              <dgm:constr type="bMarg"/>
+            </dgm:constrLst>
+            <dgm:ruleLst>
+              <dgm:rule type="w" val="NaN" fact="0.6" max="NaN"/>
+              <dgm:rule type="h" val="NaN" fact="0.6" max="NaN"/>
+              <dgm:rule type="primFontSz" val="5" fact="NaN" max="NaN"/>
+            </dgm:ruleLst>
+          </dgm:layoutNode>
+        </dgm:layoutNode>
+      </dgm:forEach>
+    </dgm:forEach>
+  </dgm:layoutNode>
+</dgm:layoutDef>
+</file>
+
 <file path=ppt/diagrams/quickStyle1.xml><?xml version="1.0" encoding="utf-8"?>
+<dgm:styleDef xmlns:dgm="http://schemas.openxmlformats.org/drawingml/2006/diagram" xmlns:a="http://schemas.openxmlformats.org/drawingml/2006/main" uniqueId="urn:microsoft.com/office/officeart/2005/8/quickstyle/simple3">
+  <dgm:title val=""/>
+  <dgm:desc val=""/>
+  <dgm:catLst>
+    <dgm:cat type="simple" pri="10300"/>
+  </dgm:catLst>
+  <dgm:scene3d>
+    <a:camera prst="orthographicFront"/>
+    <a:lightRig rig="threePt" dir="t"/>
+  </dgm:scene3d>
+  <dgm:styleLbl name="node0">
+    <dgm:scene3d>
+      <a:camera prst="orthographicFront"/>
+      <a:lightRig rig="flat" dir="t"/>
+    </dgm:scene3d>
+    <dgm:sp3d prstMaterial="dkEdge">
+      <a:bevelT w="8200" h="38100"/>
+    </dgm:sp3d>
+    <dgm:txPr/>
+    <dgm:style>
+      <a:lnRef idx="0">
+        <a:scrgbClr r="0" g="0" b="0"/>
+      </a:lnRef>
+      <a:fillRef idx="2">
+        <a:scrgbClr r="0" g="0" b="0"/>
+      </a:fillRef>
+      <a:effectRef idx="1">
+        <a:scrgbClr r="0" g="0" b="0"/>
+      </a:effectRef>
+      <a:fontRef idx="minor">
+        <a:schemeClr val="dk1"/>
+      </a:fontRef>
+    </dgm:style>
+  </dgm:styleLbl>
+  <dgm:styleLbl name="lnNode1">
+    <dgm:scene3d>
+      <a:camera prst="orthographicFront"/>
+      <a:lightRig rig="flat" dir="t"/>
+    </dgm:scene3d>
+    <dgm:sp3d prstMaterial="dkEdge">
+      <a:bevelT w="8200" h="38100"/>
+    </dgm:sp3d>
+    <dgm:txPr/>
+    <dgm:style>
+      <a:lnRef idx="1">
+        <a:scrgbClr r="0" g="0" b="0"/>
+      </a:lnRef>
+      <a:fillRef idx="2">
+        <a:scrgbClr r="0" g="0" b="0"/>
+      </a:fillRef>
+      <a:effectRef idx="0">
+        <a:scrgbClr r="0" g="0" b="0"/>
+      </a:effectRef>
+      <a:fontRef idx="minor">
+        <a:schemeClr val="dk1"/>
+      </a:fontRef>
+    </dgm:style>
+  </dgm:styleLbl>
+  <dgm:styleLbl name="vennNode1">
+    <dgm:scene3d>
+      <a:camera prst="orthographicFront"/>
+      <a:lightRig rig="flat" dir="t"/>
+    </dgm:scene3d>
+    <dgm:sp3d prstMaterial="dkEdge">
+      <a:bevelT w="8200" h="38100"/>
+    </dgm:sp3d>
+    <dgm:txPr/>
+    <dgm:style>
+      <a:lnRef idx="0">
+        <a:scrgbClr r="0" g="0" b="0"/>
+      </a:lnRef>
+      <a:fillRef idx="2">
+        <a:scrgbClr r="0" g="0" b="0"/>
+      </a:fillRef>
+      <a:effectRef idx="0">
+        <a:scrgbClr r="0" g="0" b="0"/>
+      </a:effectRef>
+      <a:fontRef idx="minor">
+        <a:schemeClr val="tx1"/>
+      </a:fontRef>
+    </dgm:style>
+  </dgm:styleLbl>
+  <dgm:styleLbl name="alignNode1">
+    <dgm:scene3d>
+      <a:camera prst="orthographicFront"/>
+      <a:lightRig rig="threePt" dir="t"/>
+    </dgm:scene3d>
+    <dgm:sp3d/>
+    <dgm:txPr/>
+    <dgm:style>
+      <a:lnRef idx="1">
+        <a:scrgbClr r="0" g="0" b="0"/>
+      </a:lnRef>
+      <a:fillRef idx="2">
+        <a:scrgbClr r="0" g="0" b="0"/>
+      </a:fillRef>
+      <a:effectRef idx="1">
+        <a:scrgbClr r="0" g="0" b="0"/>
+      </a:effectRef>
+      <a:fontRef idx="minor">
+        <a:schemeClr val="dk1"/>
+      </a:fontRef>
+    </dgm:style>
+  </dgm:styleLbl>
+  <dgm:styleLbl name="node1">
+    <dgm:scene3d>
+      <a:camera prst="orthographicFront"/>
+      <a:lightRig rig="flat" dir="t"/>
+    </dgm:scene3d>
+    <dgm:sp3d prstMaterial="dkEdge">
+      <a:bevelT w="8200" h="38100"/>
+    </dgm:sp3d>
+    <dgm:txPr/>
+    <dgm:style>
+      <a:lnRef idx="0">
+        <a:scrgbClr r="0" g="0" b="0"/>
+      </a:lnRef>
+      <a:fillRef idx="2">
+        <a:scrgbClr r="0" g="0" b="0"/>
+      </a:fillRef>
+      <a:effectRef idx="1">
+        <a:scrgbClr r="0" g="0" b="0"/>
+      </a:effectRef>
+      <a:fontRef idx="minor">
+        <a:schemeClr val="dk1"/>
+      </a:fontRef>
+    </dgm:style>
+  </dgm:styleLbl>
+  <dgm:styleLbl name="node2">
+    <dgm:scene3d>
+      <a:camera prst="orthographicFront"/>
+      <a:lightRig rig="flat" dir="t"/>
+    </dgm:scene3d>
+    <dgm:sp3d prstMaterial="dkEdge">
+      <a:bevelT w="8200" h="38100"/>
+    </dgm:sp3d>
+    <dgm:txPr/>
+    <dgm:style>
+      <a:lnRef idx="0">
+        <a:scrgbClr r="0" g="0" b="0"/>
+      </a:lnRef>
+      <a:fillRef idx="2">
+        <a:scrgbClr r="0" g="0" b="0"/>
+      </a:fillRef>
+      <a:effectRef idx="1">
+        <a:scrgbClr r="0" g="0" b="0"/>
+      </a:effectRef>
+      <a:fontRef idx="minor">
+        <a:schemeClr val="dk1"/>
+      </a:fontRef>
+    </dgm:style>
+  </dgm:styleLbl>
+  <dgm:styleLbl name="node3">
+    <dgm:scene3d>
+      <a:camera prst="orthographicFront"/>
+      <a:lightRig rig="flat" dir="t"/>
+    </dgm:scene3d>
+    <dgm:sp3d prstMaterial="dkEdge">
+      <a:bevelT w="8200" h="38100"/>
+    </dgm:sp3d>
+    <dgm:txPr/>
+    <dgm:style>
+      <a:lnRef idx="0">
+        <a:scrgbClr r="0" g="0" b="0"/>
+      </a:lnRef>
+      <a:fillRef idx="2">
+        <a:scrgbClr r="0" g="0" b="0"/>
+      </a:fillRef>
+      <a:effectRef idx="1">
+        <a:scrgbClr r="0" g="0" b="0"/>
+      </a:effectRef>
+      <a:fontRef idx="minor">
+        <a:schemeClr val="dk1"/>
+      </a:fontRef>
+    </dgm:style>
+  </dgm:styleLbl>
+  <dgm:styleLbl name="node4">
+    <dgm:scene3d>
+      <a:camera prst="orthographicFront"/>
+      <a:lightRig rig="flat" dir="t"/>
+    </dgm:scene3d>
+    <dgm:sp3d prstMaterial="dkEdge">
+      <a:bevelT w="8200" h="38100"/>
+    </dgm:sp3d>
+    <dgm:txPr/>
+    <dgm:style>
+      <a:lnRef idx="0">
+        <a:scrgbClr r="0" g="0" b="0"/>
+      </a:lnRef>
+      <a:fillRef idx="2">
+        <a:scrgbClr r="0" g="0" b="0"/>
+      </a:fillRef>
+      <a:effectRef idx="1">
+        <a:scrgbClr r="0" g="0" b="0"/>
+      </a:effectRef>
+      <a:fontRef idx="minor">
+        <a:schemeClr val="dk1"/>
+      </a:fontRef>
+    </dgm:style>
+  </dgm:styleLbl>
+  <dgm:styleLbl name="fgImgPlace1">
+    <dgm:scene3d>
+      <a:camera prst="orthographicFront"/>
+      <a:lightRig rig="threePt" dir="t"/>
+    </dgm:scene3d>
+    <dgm:sp3d/>
+    <dgm:txPr/>
+    <dgm:style>
+      <a:lnRef idx="1">
+        <a:scrgbClr r="0" g="0" b="0"/>
+      </a:lnRef>
+      <a:fillRef idx="1">
+        <a:scrgbClr r="0" g="0" b="0"/>
+      </a:fillRef>
+      <a:effectRef idx="1">
+        <a:scrgbClr r="0" g="0" b="0"/>
+      </a:effectRef>
+      <a:fontRef idx="minor"/>
+    </dgm:style>
+  </dgm:styleLbl>
+  <dgm:styleLbl name="alignImgPlace1">
+    <dgm:scene3d>
+      <a:camera prst="orthographicFront"/>
+      <a:lightRig rig="threePt" dir="t"/>
+    </dgm:scene3d>
+    <dgm:sp3d/>
+    <dgm:txPr/>
+    <dgm:style>
+      <a:lnRef idx="1">
+        <a:scrgbClr r="0" g="0" b="0"/>
+      </a:lnRef>
+      <a:fillRef idx="1">
+        <a:scrgbClr r="0" g="0" b="0"/>
+      </a:fillRef>
+      <a:effectRef idx="1">
+        <a:scrgbClr r="0" g="0" b="0"/>
+      </a:effectRef>
+      <a:fontRef idx="minor"/>
+    </dgm:style>
+  </dgm:styleLbl>
+  <dgm:styleLbl name="bgImgPlace1">
+    <dgm:scene3d>
+      <a:camera prst="orthographicFront"/>
+      <a:lightRig rig="threePt" dir="t"/>
+    </dgm:scene3d>
+    <dgm:sp3d/>
+    <dgm:txPr/>
+    <dgm:style>
+      <a:lnRef idx="1">
+        <a:scrgbClr r="0" g="0" b="0"/>
+      </a:lnRef>
+      <a:fillRef idx="1">
+        <a:scrgbClr r="0" g="0" b="0"/>
+      </a:fillRef>
+      <a:effectRef idx="1">
+        <a:scrgbClr r="0" g="0" b="0"/>
+      </a:effectRef>
+      <a:fontRef idx="minor"/>
+    </dgm:style>
+  </dgm:styleLbl>
+  <dgm:styleLbl name="sibTrans2D1">
+    <dgm:scene3d>
+      <a:camera prst="orthographicFront"/>
+      <a:lightRig rig="threePt" dir="t"/>
+    </dgm:scene3d>
+    <dgm:sp3d/>
+    <dgm:txPr/>
+    <dgm:style>
+      <a:lnRef idx="0">
+        <a:scrgbClr r="0" g="0" b="0"/>
+      </a:lnRef>
+      <a:fillRef idx="2">
+        <a:scrgbClr r="0" g="0" b="0"/>
+      </a:fillRef>
+      <a:effectRef idx="1">
+        <a:scrgbClr r="0" g="0" b="0"/>
+      </a:effectRef>
+      <a:fontRef idx="minor">
+        <a:schemeClr val="dk1"/>
+      </a:fontRef>
+    </dgm:style>
+  </dgm:styleLbl>
+  <dgm:styleLbl name="fgSibTrans2D1">
+    <dgm:scene3d>
+      <a:camera prst="orthographicFront"/>
+      <a:lightRig rig="threePt" dir="t"/>
+    </dgm:scene3d>
+    <dgm:sp3d/>
+    <dgm:txPr/>
+    <dgm:style>
+      <a:lnRef idx="0">
+        <a:scrgbClr r="0" g="0" b="0"/>
+      </a:lnRef>
+      <a:fillRef idx="2">
+        <a:scrgbClr r="0" g="0" b="0"/>
+      </a:fillRef>
+      <a:effectRef idx="1">
+        <a:scrgbClr r="0" g="0" b="0"/>
+      </a:effectRef>
+      <a:fontRef idx="minor">
+        <a:schemeClr val="dk1"/>
+      </a:fontRef>
+    </dgm:style>
+  </dgm:styleLbl>
+  <dgm:styleLbl name="bgSibTrans2D1">
+    <dgm:scene3d>
+      <a:camera prst="orthographicFront"/>
+      <a:lightRig rig="threePt" dir="t"/>
+    </dgm:scene3d>
+    <dgm:sp3d/>
+    <dgm:txPr/>
+    <dgm:style>
+      <a:lnRef idx="0">
+        <a:scrgbClr r="0" g="0" b="0"/>
+      </a:lnRef>
+      <a:fillRef idx="2">
+        <a:scrgbClr r="0" g="0" b="0"/>
+      </a:fillRef>
+      <a:effectRef idx="1">
+        <a:scrgbClr r="0" g="0" b="0"/>
+      </a:effectRef>
+      <a:fontRef idx="minor">
+        <a:schemeClr val="dk1"/>
+      </a:fontRef>
+    </dgm:style>
+  </dgm:styleLbl>
+  <dgm:styleLbl name="sibTrans1D1">
+    <dgm:scene3d>
+      <a:camera prst="orthographicFront"/>
+      <a:lightRig rig="threePt" dir="t"/>
+    </dgm:scene3d>
+    <dgm:sp3d/>
+    <dgm:txPr/>
+    <dgm:style>
+      <a:lnRef idx="1">
+        <a:scrgbClr r="0" g="0" b="0"/>
+      </a:lnRef>
+      <a:fillRef idx="0">
+        <a:scrgbClr r="0" g="0" b="0"/>
+      </a:fillRef>
+      <a:effectRef idx="0">
+        <a:scrgbClr r="0" g="0" b="0"/>
+      </a:effectRef>
+      <a:fontRef idx="minor"/>
+    </dgm:style>
+  </dgm:styleLbl>
+  <dgm:styleLbl name="callout">
+    <dgm:scene3d>
+      <a:camera prst="orthographicFront"/>
+      <a:lightRig rig="threePt" dir="t"/>
+    </dgm:scene3d>
+    <dgm:sp3d/>
+    <dgm:txPr/>
+    <dgm:style>
+      <a:lnRef idx="1">
+        <a:scrgbClr r="0" g="0" b="0"/>
+      </a:lnRef>
+      <a:fillRef idx="2">
+        <a:scrgbClr r="0" g="0" b="0"/>
+      </a:fillRef>
+      <a:effectRef idx="1">
+        <a:scrgbClr r="0" g="0" b="0"/>
+      </a:effectRef>
+      <a:fontRef idx="minor"/>
+    </dgm:style>
+  </dgm:styleLbl>
+  <dgm:styleLbl name="asst0">
+    <dgm:scene3d>
+      <a:camera prst="orthographicFront"/>
+      <a:lightRig rig="flat" dir="t"/>
+    </dgm:scene3d>
+    <dgm:sp3d prstMaterial="dkEdge">
+      <a:bevelT w="8200" h="38100"/>
+    </dgm:sp3d>
+    <dgm:txPr/>
+    <dgm:style>
+      <a:lnRef idx="0">
+        <a:scrgbClr r="0" g="0" b="0"/>
+      </a:lnRef>
+      <a:fillRef idx="2">
+        <a:scrgbClr r="0" g="0" b="0"/>
+      </a:fillRef>
+      <a:effectRef idx="1">
+        <a:scrgbClr r="0" g="0" b="0"/>
+      </a:effectRef>
+      <a:fontRef idx="minor">
+        <a:schemeClr val="dk1"/>
+      </a:fontRef>
+    </dgm:style>
+  </dgm:styleLbl>
+  <dgm:styleLbl name="asst1">
+    <dgm:scene3d>
+      <a:camera prst="orthographicFront"/>
+      <a:lightRig rig="flat" dir="t"/>
+    </dgm:scene3d>
+    <dgm:sp3d prstMaterial="dkEdge">
+      <a:bevelT w="8200" h="38100"/>
+    </dgm:sp3d>
+    <dgm:txPr/>
+    <dgm:style>
+      <a:lnRef idx="0">
+        <a:scrgbClr r="0" g="0" b="0"/>
+      </a:lnRef>
+      <a:fillRef idx="2">
+        <a:scrgbClr r="0" g="0" b="0"/>
+      </a:fillRef>
+      <a:effectRef idx="1">
+        <a:scrgbClr r="0" g="0" b="0"/>
+      </a:effectRef>
+      <a:fontRef idx="minor">
+        <a:schemeClr val="dk1"/>
+      </a:fontRef>
+    </dgm:style>
+  </dgm:styleLbl>
+  <dgm:styleLbl name="asst2">
+    <dgm:scene3d>
+      <a:camera prst="orthographicFront"/>
+      <a:lightRig rig="flat" dir="t"/>
+    </dgm:scene3d>
+    <dgm:sp3d prstMaterial="dkEdge">
+      <a:bevelT w="8200" h="38100"/>
+    </dgm:sp3d>
+    <dgm:txPr/>
+    <dgm:style>
+      <a:lnRef idx="0">
+        <a:scrgbClr r="0" g="0" b="0"/>
+      </a:lnRef>
+      <a:fillRef idx="2">
+        <a:scrgbClr r="0" g="0" b="0"/>
+      </a:fillRef>
+      <a:effectRef idx="1">
+        <a:scrgbClr r="0" g="0" b="0"/>
+      </a:effectRef>
+      <a:fontRef idx="minor">
+        <a:schemeClr val="dk1"/>
+      </a:fontRef>
+    </dgm:style>
+  </dgm:styleLbl>
+  <dgm:styleLbl name="asst3">
+    <dgm:scene3d>
+      <a:camera prst="orthographicFront"/>
+      <a:lightRig rig="flat" dir="t"/>
+    </dgm:scene3d>
+    <dgm:sp3d prstMaterial="dkEdge">
+      <a:bevelT w="8200" h="38100"/>
+    </dgm:sp3d>
+    <dgm:txPr/>
+    <dgm:style>
+      <a:lnRef idx="0">
+        <a:scrgbClr r="0" g="0" b="0"/>
+      </a:lnRef>
+      <a:fillRef idx="2">
+        <a:scrgbClr r="0" g="0" b="0"/>
+      </a:fillRef>
+      <a:effectRef idx="1">
+        <a:scrgbClr r="0" g="0" b="0"/>
+      </a:effectRef>
+      <a:fontRef idx="minor">
+        <a:schemeClr val="dk1"/>
+      </a:fontRef>
+    </dgm:style>
+  </dgm:styleLbl>
+  <dgm:styleLbl name="asst4">
+    <dgm:scene3d>
+      <a:camera prst="orthographicFront"/>
+      <a:lightRig rig="flat" dir="t"/>
+    </dgm:scene3d>
+    <dgm:sp3d prstMaterial="dkEdge">
+      <a:bevelT w="8200" h="38100"/>
+    </dgm:sp3d>
+    <dgm:txPr/>
+    <dgm:style>
+      <a:lnRef idx="0">
+        <a:scrgbClr r="0" g="0" b="0"/>
+      </a:lnRef>
+      <a:fillRef idx="2">
+        <a:scrgbClr r="0" g="0" b="0"/>
+      </a:fillRef>
+      <a:effectRef idx="1">
+        <a:scrgbClr r="0" g="0" b="0"/>
+      </a:effectRef>
+      <a:fontRef idx="minor">
+        <a:schemeClr val="dk1"/>
+      </a:fontRef>
+    </dgm:style>
+  </dgm:styleLbl>
+  <dgm:styleLbl name="parChTrans2D1">
+    <dgm:scene3d>
+      <a:camera prst="orthographicFront"/>
+      <a:lightRig rig="threePt" dir="t"/>
+    </dgm:scene3d>
+    <dgm:sp3d/>
+    <dgm:txPr/>
+    <dgm:style>
+      <a:lnRef idx="1">
+        <a:scrgbClr r="0" g="0" b="0"/>
+      </a:lnRef>
+      <a:fillRef idx="2">
+        <a:scrgbClr r="0" g="0" b="0"/>
+      </a:fillRef>
+      <a:effectRef idx="1">
+        <a:scrgbClr r="0" g="0" b="0"/>
+      </a:effectRef>
+      <a:fontRef idx="minor">
+        <a:schemeClr val="dk1"/>
+      </a:fontRef>
+    </dgm:style>
+  </dgm:styleLbl>
+  <dgm:styleLbl name="parChTrans2D2">
+    <dgm:scene3d>
+      <a:camera prst="orthographicFront"/>
+      <a:lightRig rig="threePt" dir="t"/>
+    </dgm:scene3d>
+    <dgm:sp3d/>
+    <dgm:txPr/>
+    <dgm:style>
+      <a:lnRef idx="1">
+        <a:scrgbClr r="0" g="0" b="0"/>
+      </a:lnRef>
+      <a:fillRef idx="2">
+        <a:scrgbClr r="0" g="0" b="0"/>
+      </a:fillRef>
+      <a:effectRef idx="1">
+        <a:scrgbClr r="0" g="0" b="0"/>
+      </a:effectRef>
+      <a:fontRef idx="minor">
+        <a:schemeClr val="dk1"/>
+      </a:fontRef>
+    </dgm:style>
+  </dgm:styleLbl>
+  <dgm:styleLbl name="parChTrans2D3">
+    <dgm:scene3d>
+      <a:camera prst="orthographicFront"/>
+      <a:lightRig rig="threePt" dir="t"/>
+    </dgm:scene3d>
+    <dgm:sp3d/>
+    <dgm:txPr/>
+    <dgm:style>
+      <a:lnRef idx="1">
+        <a:scrgbClr r="0" g="0" b="0"/>
+      </a:lnRef>
+      <a:fillRef idx="2">
+        <a:scrgbClr r="0" g="0" b="0"/>
+      </a:fillRef>
+      <a:effectRef idx="1">
+        <a:scrgbClr r="0" g="0" b="0"/>
+      </a:effectRef>
+      <a:fontRef idx="minor">
+        <a:schemeClr val="dk1"/>
+      </a:fontRef>
+    </dgm:style>
+  </dgm:styleLbl>
+  <dgm:styleLbl name="parChTrans2D4">
+    <dgm:scene3d>
+      <a:camera prst="orthographicFront"/>
+      <a:lightRig rig="threePt" dir="t"/>
+    </dgm:scene3d>
+    <dgm:sp3d/>
+    <dgm:txPr/>
+    <dgm:style>
+      <a:lnRef idx="1">
+        <a:scrgbClr r="0" g="0" b="0"/>
+      </a:lnRef>
+      <a:fillRef idx="2">
+        <a:scrgbClr r="0" g="0" b="0"/>
+      </a:fillRef>
+      <a:effectRef idx="1">
+        <a:scrgbClr r="0" g="0" b="0"/>
+      </a:effectRef>
+      <a:fontRef idx="minor">
+        <a:schemeClr val="dk1"/>
+      </a:fontRef>
+    </dgm:style>
+  </dgm:styleLbl>
+  <dgm:styleLbl name="parChTrans1D1">
+    <dgm:scene3d>
+      <a:camera prst="orthographicFront"/>
+      <a:lightRig rig="threePt" dir="t"/>
+    </dgm:scene3d>
+    <dgm:sp3d/>
+    <dgm:txPr/>
+    <dgm:style>
+      <a:lnRef idx="2">
+        <a:scrgbClr r="0" g="0" b="0"/>
+      </a:lnRef>
+      <a:fillRef idx="0">
+        <a:scrgbClr r="0" g="0" b="0"/>
+      </a:fillRef>
+      <a:effectRef idx="0">
+        <a:scrgbClr r="0" g="0" b="0"/>
+      </a:effectRef>
+      <a:fontRef idx="minor"/>
+    </dgm:style>
+  </dgm:styleLbl>
+  <dgm:styleLbl name="parChTrans1D2">
+    <dgm:scene3d>
+      <a:camera prst="orthographicFront"/>
+      <a:lightRig rig="threePt" dir="t"/>
+    </dgm:scene3d>
+    <dgm:sp3d/>
+    <dgm:txPr/>
+    <dgm:style>
+      <a:lnRef idx="2">
+        <a:scrgbClr r="0" g="0" b="0"/>
+      </a:lnRef>
+      <a:fillRef idx="0">
+        <a:scrgbClr r="0" g="0" b="0"/>
+      </a:fillRef>
+      <a:effectRef idx="0">
+        <a:scrgbClr r="0" g="0" b="0"/>
+      </a:effectRef>
+      <a:fontRef idx="minor"/>
+    </dgm:style>
+  </dgm:styleLbl>
+  <dgm:styleLbl name="parChTrans1D3">
+    <dgm:scene3d>
+      <a:camera prst="orthographicFront"/>
+      <a:lightRig rig="threePt" dir="t"/>
+    </dgm:scene3d>
+    <dgm:sp3d/>
+    <dgm:txPr/>
+    <dgm:style>
+      <a:lnRef idx="2">
+        <a:scrgbClr r="0" g="0" b="0"/>
+      </a:lnRef>
+      <a:fillRef idx="0">
+        <a:scrgbClr r="0" g="0" b="0"/>
+      </a:fillRef>
+      <a:effectRef idx="0">
+        <a:scrgbClr r="0" g="0" b="0"/>
+      </a:effectRef>
+      <a:fontRef idx="minor"/>
+    </dgm:style>
+  </dgm:styleLbl>
+  <dgm:styleLbl name="parChTrans1D4">
+    <dgm:scene3d>
+      <a:camera prst="orthographicFront"/>
+      <a:lightRig rig="threePt" dir="t"/>
+    </dgm:scene3d>
+    <dgm:sp3d/>
+    <dgm:txPr/>
+    <dgm:style>
+      <a:lnRef idx="2">
+        <a:scrgbClr r="0" g="0" b="0"/>
+      </a:lnRef>
+      <a:fillRef idx="0">
+        <a:scrgbClr r="0" g="0" b="0"/>
+      </a:fillRef>
+      <a:effectRef idx="0">
+        <a:scrgbClr r="0" g="0" b="0"/>
+      </a:effectRef>
+      <a:fontRef idx="minor"/>
+    </dgm:style>
+  </dgm:styleLbl>
+  <dgm:styleLbl name="fgAcc1">
+    <dgm:scene3d>
+      <a:camera prst="orthographicFront"/>
+      <a:lightRig rig="threePt" dir="t"/>
+    </dgm:scene3d>
+    <dgm:sp3d/>
+    <dgm:txPr/>
+    <dgm:style>
+      <a:lnRef idx="1">
+        <a:scrgbClr r="0" g="0" b="0"/>
+      </a:lnRef>
+      <a:fillRef idx="1">
+        <a:scrgbClr r="0" g="0" b="0"/>
+      </a:fillRef>
+      <a:effectRef idx="0">
+        <a:scrgbClr r="0" g="0" b="0"/>
+      </a:effectRef>
+      <a:fontRef idx="minor"/>
+    </dgm:style>
+  </dgm:styleLbl>
+  <dgm:styleLbl name="conFgAcc1">
+    <dgm:scene3d>
+      <a:camera prst="orthographicFront"/>
+      <a:lightRig rig="threePt" dir="t"/>
+    </dgm:scene3d>
+    <dgm:sp3d/>
+    <dgm:txPr/>
+    <dgm:style>
+      <a:lnRef idx="1">
+        <a:scrgbClr r="0" g="0" b="0"/>
+      </a:lnRef>
+      <a:fillRef idx="1">
+        <a:scrgbClr r="0" g="0" b="0"/>
+      </a:fillRef>
+      <a:effectRef idx="0">
+        <a:scrgbClr r="0" g="0" b="0"/>
+      </a:effectRef>
+      <a:fontRef idx="minor"/>
+    </dgm:style>
+  </dgm:styleLbl>
+  <dgm:styleLbl name="alignAcc1">
+    <dgm:scene3d>
+      <a:camera prst="orthographicFront"/>
+      <a:lightRig rig="threePt" dir="t"/>
+    </dgm:scene3d>
+    <dgm:sp3d/>
+    <dgm:txPr/>
+    <dgm:style>
+      <a:lnRef idx="1">
+        <a:scrgbClr r="0" g="0" b="0"/>
+      </a:lnRef>
+      <a:fillRef idx="1">
+        <a:scrgbClr r="0" g="0" b="0"/>
+      </a:fillRef>
+      <a:effectRef idx="0">
+        <a:scrgbClr r="0" g="0" b="0"/>
+      </a:effectRef>
+      <a:fontRef idx="minor"/>
+    </dgm:style>
+  </dgm:styleLbl>
+  <dgm:styleLbl name="trAlignAcc1">
+    <dgm:scene3d>
+      <a:camera prst="orthographicFront"/>
+      <a:lightRig rig="threePt" dir="t"/>
+    </dgm:scene3d>
+    <dgm:sp3d/>
+    <dgm:txPr/>
+    <dgm:style>
+      <a:lnRef idx="1">
+        <a:scrgbClr r="0" g="0" b="0"/>
+      </a:lnRef>
+      <a:fillRef idx="1">
+        <a:scrgbClr r="0" g="0" b="0"/>
+      </a:fillRef>
+      <a:effectRef idx="0">
+        <a:scrgbClr r="0" g="0" b="0"/>
+      </a:effectRef>
+      <a:fontRef idx="minor"/>
+    </dgm:style>
+  </dgm:styleLbl>
+  <dgm:styleLbl name="bgAcc1">
+    <dgm:scene3d>
+      <a:camera prst="orthographicFront"/>
+      <a:lightRig rig="threePt" dir="t"/>
+    </dgm:scene3d>
+    <dgm:sp3d/>
+    <dgm:txPr/>
+    <dgm:style>
+      <a:lnRef idx="1">
+        <a:scrgbClr r="0" g="0" b="0"/>
+      </a:lnRef>
+      <a:fillRef idx="1">
+        <a:scrgbClr r="0" g="0" b="0"/>
+      </a:fillRef>
+      <a:effectRef idx="0">
+        <a:scrgbClr r="0" g="0" b="0"/>
+      </a:effectRef>
+      <a:fontRef idx="minor"/>
+    </dgm:style>
+  </dgm:styleLbl>
+  <dgm:styleLbl name="solidFgAcc1">
+    <dgm:scene3d>
+      <a:camera prst="orthographicFront"/>
+      <a:lightRig rig="threePt" dir="t"/>
+    </dgm:scene3d>
+    <dgm:sp3d/>
+    <dgm:txPr/>
+    <dgm:style>
+      <a:lnRef idx="1">
+        <a:scrgbClr r="0" g="0" b="0"/>
+      </a:lnRef>
+      <a:fillRef idx="2">
+        <a:scrgbClr r="0" g="0" b="0"/>
+      </a:fillRef>
+      <a:effectRef idx="0">
+        <a:scrgbClr r="0" g="0" b="0"/>
+      </a:effectRef>
+      <a:fontRef idx="minor"/>
+    </dgm:style>
+  </dgm:styleLbl>
+  <dgm:styleLbl name="solidAlignAcc1">
+    <dgm:scene3d>
+      <a:camera prst="orthographicFront"/>
+      <a:lightRig rig="threePt" dir="t"/>
+    </dgm:scene3d>
+    <dgm:sp3d/>
+    <dgm:txPr/>
+    <dgm:style>
+      <a:lnRef idx="1">
+        <a:scrgbClr r="0" g="0" b="0"/>
+      </a:lnRef>
+      <a:fillRef idx="1">
+        <a:scrgbClr r="0" g="0" b="0"/>
+      </a:fillRef>
+      <a:effectRef idx="0">
+        <a:scrgbClr r="0" g="0" b="0"/>
+      </a:effectRef>
+      <a:fontRef idx="minor"/>
+    </dgm:style>
+  </dgm:styleLbl>
+  <dgm:styleLbl name="solidBgAcc1">
+    <dgm:scene3d>
+      <a:camera prst="orthographicFront"/>
+      <a:lightRig rig="threePt" dir="t"/>
+    </dgm:scene3d>
+    <dgm:sp3d/>
+    <dgm:txPr/>
+    <dgm:style>
+      <a:lnRef idx="1">
+        <a:scrgbClr r="0" g="0" b="0"/>
+      </a:lnRef>
+      <a:fillRef idx="1">
+        <a:scrgbClr r="0" g="0" b="0"/>
+      </a:fillRef>
+      <a:effectRef idx="0">
+        <a:scrgbClr r="0" g="0" b="0"/>
+      </a:effectRef>
+      <a:fontRef idx="minor"/>
+    </dgm:style>
+  </dgm:styleLbl>
+  <dgm:styleLbl name="fgAccFollowNode1">
+    <dgm:scene3d>
+      <a:camera prst="orthographicFront"/>
+      <a:lightRig rig="threePt" dir="t"/>
+    </dgm:scene3d>
+    <dgm:sp3d/>
+    <dgm:txPr/>
+    <dgm:style>
+      <a:lnRef idx="1">
+        <a:scrgbClr r="0" g="0" b="0"/>
+      </a:lnRef>
+      <a:fillRef idx="1">
+        <a:scrgbClr r="0" g="0" b="0"/>
+      </a:fillRef>
+      <a:effectRef idx="0">
+        <a:scrgbClr r="0" g="0" b="0"/>
+      </a:effectRef>
+      <a:fontRef idx="minor"/>
+    </dgm:style>
+  </dgm:styleLbl>
+  <dgm:styleLbl name="alignAccFollowNode1">
+    <dgm:scene3d>
+      <a:camera prst="orthographicFront"/>
+      <a:lightRig rig="threePt" dir="t"/>
+    </dgm:scene3d>
+    <dgm:sp3d/>
+    <dgm:txPr/>
+    <dgm:style>
+      <a:lnRef idx="1">
+        <a:scrgbClr r="0" g="0" b="0"/>
+      </a:lnRef>
+      <a:fillRef idx="1">
+        <a:scrgbClr r="0" g="0" b="0"/>
+      </a:fillRef>
+      <a:effectRef idx="0">
+        <a:scrgbClr r="0" g="0" b="0"/>
+      </a:effectRef>
+      <a:fontRef idx="minor"/>
+    </dgm:style>
+  </dgm:styleLbl>
+  <dgm:styleLbl name="bgAccFollowNode1">
+    <dgm:scene3d>
+      <a:camera prst="orthographicFront"/>
+      <a:lightRig rig="threePt" dir="t"/>
+    </dgm:scene3d>
+    <dgm:sp3d/>
+    <dgm:txPr/>
+    <dgm:style>
+      <a:lnRef idx="1">
+        <a:scrgbClr r="0" g="0" b="0"/>
+      </a:lnRef>
+      <a:fillRef idx="1">
+        <a:scrgbClr r="0" g="0" b="0"/>
+      </a:fillRef>
+      <a:effectRef idx="0">
+        <a:scrgbClr r="0" g="0" b="0"/>
+      </a:effectRef>
+      <a:fontRef idx="minor"/>
+    </dgm:style>
+  </dgm:styleLbl>
+  <dgm:styleLbl name="fgAcc0">
+    <dgm:scene3d>
+      <a:camera prst="orthographicFront"/>
+      <a:lightRig rig="threePt" dir="t"/>
+    </dgm:scene3d>
+    <dgm:sp3d/>
+    <dgm:txPr/>
+    <dgm:style>
+      <a:lnRef idx="1">
+        <a:scrgbClr r="0" g="0" b="0"/>
+      </a:lnRef>
+      <a:fillRef idx="1">
+        <a:scrgbClr r="0" g="0" b="0"/>
+      </a:fillRef>
+      <a:effectRef idx="0">
+        <a:scrgbClr r="0" g="0" b="0"/>
+      </a:effectRef>
+      <a:fontRef idx="minor"/>
+    </dgm:style>
+  </dgm:styleLbl>
+  <dgm:styleLbl name="fgAcc2">
+    <dgm:scene3d>
+      <a:camera prst="orthographicFront"/>
+      <a:lightRig rig="threePt" dir="t"/>
+    </dgm:scene3d>
+    <dgm:sp3d/>
+    <dgm:txPr/>
+    <dgm:style>
+      <a:lnRef idx="1">
+        <a:scrgbClr r="0" g="0" b="0"/>
+      </a:lnRef>
+      <a:fillRef idx="1">
+        <a:scrgbClr r="0" g="0" b="0"/>
+      </a:fillRef>
+      <a:effectRef idx="0">
+        <a:scrgbClr r="0" g="0" b="0"/>
+      </a:effectRef>
+      <a:fontRef idx="minor"/>
+    </dgm:style>
+  </dgm:styleLbl>
+  <dgm:styleLbl name="fgAcc3">
+    <dgm:scene3d>
+      <a:camera prst="orthographicFront"/>
+      <a:lightRig rig="threePt" dir="t"/>
+    </dgm:scene3d>
+    <dgm:sp3d/>
+    <dgm:txPr/>
+    <dgm:style>
+      <a:lnRef idx="1">
+        <a:scrgbClr r="0" g="0" b="0"/>
+      </a:lnRef>
+      <a:fillRef idx="1">
+        <a:scrgbClr r="0" g="0" b="0"/>
+      </a:fillRef>
+      <a:effectRef idx="0">
+        <a:scrgbClr r="0" g="0" b="0"/>
+      </a:effectRef>
+      <a:fontRef idx="minor"/>
+    </dgm:style>
+  </dgm:styleLbl>
+  <dgm:styleLbl name="fgAcc4">
+    <dgm:scene3d>
+      <a:camera prst="orthographicFront"/>
+      <a:lightRig rig="threePt" dir="t"/>
+    </dgm:scene3d>
+    <dgm:sp3d/>
+    <dgm:txPr/>
+    <dgm:style>
+      <a:lnRef idx="1">
+        <a:scrgbClr r="0" g="0" b="0"/>
+      </a:lnRef>
+      <a:fillRef idx="1">
+        <a:scrgbClr r="0" g="0" b="0"/>
+      </a:fillRef>
+      <a:effectRef idx="0">
+        <a:scrgbClr r="0" g="0" b="0"/>
+      </a:effectRef>
+      <a:fontRef idx="minor"/>
+    </dgm:style>
+  </dgm:styleLbl>
+  <dgm:styleLbl name="bgShp">
+    <dgm:scene3d>
+      <a:camera prst="orthographicFront"/>
+      <a:lightRig rig="threePt" dir="t"/>
+    </dgm:scene3d>
+    <dgm:sp3d/>
+    <dgm:txPr/>
+    <dgm:style>
+      <a:lnRef idx="0">
+        <a:scrgbClr r="0" g="0" b="0"/>
+      </a:lnRef>
+      <a:fillRef idx="1">
+        <a:scrgbClr r="0" g="0" b="0"/>
+      </a:fillRef>
+      <a:effectRef idx="1">
+        <a:scrgbClr r="0" g="0" b="0"/>
+      </a:effectRef>
+      <a:fontRef idx="minor"/>
+    </dgm:style>
+  </dgm:styleLbl>
+  <dgm:styleLbl name="dkBgShp">
+    <dgm:scene3d>
+      <a:camera prst="orthographicFront"/>
+      <a:lightRig rig="threePt" dir="t"/>
+    </dgm:scene3d>
+    <dgm:sp3d/>
+    <dgm:txPr/>
+    <dgm:style>
+      <a:lnRef idx="0">
+        <a:scrgbClr r="0" g="0" b="0"/>
+      </a:lnRef>
+      <a:fillRef idx="1">
+        <a:scrgbClr r="0" g="0" b="0"/>
+      </a:fillRef>
+      <a:effectRef idx="1">
+        <a:scrgbClr r="0" g="0" b="0"/>
+      </a:effectRef>
+      <a:fontRef idx="minor"/>
+    </dgm:style>
+  </dgm:styleLbl>
+  <dgm:styleLbl name="trBgShp">
+    <dgm:scene3d>
+      <a:camera prst="orthographicFront"/>
+      <a:lightRig rig="threePt" dir="t"/>
+    </dgm:scene3d>
+    <dgm:sp3d/>
+    <dgm:txPr/>
+    <dgm:style>
+      <a:lnRef idx="0">
+        <a:scrgbClr r="0" g="0" b="0"/>
+      </a:lnRef>
+      <a:fillRef idx="1">
+        <a:scrgbClr r="0" g="0" b="0"/>
+      </a:fillRef>
+      <a:effectRef idx="0">
+        <a:scrgbClr r="0" g="0" b="0"/>
+      </a:effectRef>
+      <a:fontRef idx="minor"/>
+    </dgm:style>
+  </dgm:styleLbl>
+  <dgm:styleLbl name="fgShp">
+    <dgm:scene3d>
+      <a:camera prst="orthographicFront"/>
+      <a:lightRig rig="flat" dir="t"/>
+    </dgm:scene3d>
+    <dgm:sp3d prstMaterial="dkEdge">
+      <a:bevelT w="8200" h="38100"/>
+    </dgm:sp3d>
+    <dgm:txPr/>
+    <dgm:style>
+      <a:lnRef idx="1">
+        <a:scrgbClr r="0" g="0" b="0"/>
+      </a:lnRef>
+      <a:fillRef idx="2">
+        <a:scrgbClr r="0" g="0" b="0"/>
+      </a:fillRef>
+      <a:effectRef idx="1">
+        <a:scrgbClr r="0" g="0" b="0"/>
+      </a:effectRef>
+      <a:fontRef idx="minor"/>
+    </dgm:style>
+  </dgm:styleLbl>
+  <dgm:styleLbl name="revTx">
+    <dgm:scene3d>
+      <a:camera prst="orthographicFront"/>
+      <a:lightRig rig="threePt" dir="t"/>
+    </dgm:scene3d>
+    <dgm:sp3d/>
+    <dgm:txPr/>
+    <dgm:style>
+      <a:lnRef idx="0">
+        <a:scrgbClr r="0" g="0" b="0"/>
+      </a:lnRef>
+      <a:fillRef idx="0">
+        <a:scrgbClr r="0" g="0" b="0"/>
+      </a:fillRef>
+      <a:effectRef idx="0">
+        <a:scrgbClr r="0" g="0" b="0"/>
+      </a:effectRef>
+      <a:fontRef idx="minor"/>
+    </dgm:style>
+  </dgm:styleLbl>
+</dgm:styleDef>
+</file>
+
+<file path=ppt/diagrams/quickStyle2.xml><?xml version="1.0" encoding="utf-8"?>
+<dgm:styleDef xmlns:dgm="http://schemas.openxmlformats.org/drawingml/2006/diagram" xmlns:a="http://schemas.openxmlformats.org/drawingml/2006/main" uniqueId="urn:microsoft.com/office/officeart/2005/8/quickstyle/simple3">
+  <dgm:title val=""/>
+  <dgm:desc val=""/>
+  <dgm:catLst>
+    <dgm:cat type="simple" pri="10300"/>
+  </dgm:catLst>
+  <dgm:scene3d>
+    <a:camera prst="orthographicFront"/>
+    <a:lightRig rig="threePt" dir="t"/>
+  </dgm:scene3d>
+  <dgm:styleLbl name="node0">
+    <dgm:scene3d>
+      <a:camera prst="orthographicFront"/>
+      <a:lightRig rig="flat" dir="t"/>
+    </dgm:scene3d>
+    <dgm:sp3d prstMaterial="dkEdge">
+      <a:bevelT w="8200" h="38100"/>
+    </dgm:sp3d>
+    <dgm:txPr/>
+    <dgm:style>
+      <a:lnRef idx="0">
+        <a:scrgbClr r="0" g="0" b="0"/>
+      </a:lnRef>
+      <a:fillRef idx="2">
+        <a:scrgbClr r="0" g="0" b="0"/>
+      </a:fillRef>
+      <a:effectRef idx="1">
+        <a:scrgbClr r="0" g="0" b="0"/>
+      </a:effectRef>
+      <a:fontRef idx="minor">
+        <a:schemeClr val="dk1"/>
+      </a:fontRef>
+    </dgm:style>
+  </dgm:styleLbl>
+  <dgm:styleLbl name="lnNode1">
+    <dgm:scene3d>
+      <a:camera prst="orthographicFront"/>
+      <a:lightRig rig="flat" dir="t"/>
+    </dgm:scene3d>
+    <dgm:sp3d prstMaterial="dkEdge">
+      <a:bevelT w="8200" h="38100"/>
+    </dgm:sp3d>
+    <dgm:txPr/>
+    <dgm:style>
+      <a:lnRef idx="1">
+        <a:scrgbClr r="0" g="0" b="0"/>
+      </a:lnRef>
+      <a:fillRef idx="2">
+        <a:scrgbClr r="0" g="0" b="0"/>
+      </a:fillRef>
+      <a:effectRef idx="0">
+        <a:scrgbClr r="0" g="0" b="0"/>
+      </a:effectRef>
+      <a:fontRef idx="minor">
+        <a:schemeClr val="dk1"/>
+      </a:fontRef>
+    </dgm:style>
+  </dgm:styleLbl>
+  <dgm:styleLbl name="vennNode1">
+    <dgm:scene3d>
+      <a:camera prst="orthographicFront"/>
+      <a:lightRig rig="flat" dir="t"/>
+    </dgm:scene3d>
+    <dgm:sp3d prstMaterial="dkEdge">
+      <a:bevelT w="8200" h="38100"/>
+    </dgm:sp3d>
+    <dgm:txPr/>
+    <dgm:style>
+      <a:lnRef idx="0">
+        <a:scrgbClr r="0" g="0" b="0"/>
+      </a:lnRef>
+      <a:fillRef idx="2">
+        <a:scrgbClr r="0" g="0" b="0"/>
+      </a:fillRef>
+      <a:effectRef idx="0">
+        <a:scrgbClr r="0" g="0" b="0"/>
+      </a:effectRef>
+      <a:fontRef idx="minor">
+        <a:schemeClr val="tx1"/>
+      </a:fontRef>
+    </dgm:style>
+  </dgm:styleLbl>
+  <dgm:styleLbl name="alignNode1">
+    <dgm:scene3d>
+      <a:camera prst="orthographicFront"/>
+      <a:lightRig rig="threePt" dir="t"/>
+    </dgm:scene3d>
+    <dgm:sp3d/>
+    <dgm:txPr/>
+    <dgm:style>
+      <a:lnRef idx="1">
+        <a:scrgbClr r="0" g="0" b="0"/>
+      </a:lnRef>
+      <a:fillRef idx="2">
+        <a:scrgbClr r="0" g="0" b="0"/>
+      </a:fillRef>
+      <a:effectRef idx="1">
+        <a:scrgbClr r="0" g="0" b="0"/>
+      </a:effectRef>
+      <a:fontRef idx="minor">
+        <a:schemeClr val="dk1"/>
+      </a:fontRef>
+    </dgm:style>
+  </dgm:styleLbl>
+  <dgm:styleLbl name="node1">
+    <dgm:scene3d>
+      <a:camera prst="orthographicFront"/>
+      <a:lightRig rig="flat" dir="t"/>
+    </dgm:scene3d>
+    <dgm:sp3d prstMaterial="dkEdge">
+      <a:bevelT w="8200" h="38100"/>
+    </dgm:sp3d>
+    <dgm:txPr/>
+    <dgm:style>
+      <a:lnRef idx="0">
+        <a:scrgbClr r="0" g="0" b="0"/>
+      </a:lnRef>
+      <a:fillRef idx="2">
+        <a:scrgbClr r="0" g="0" b="0"/>
+      </a:fillRef>
+      <a:effectRef idx="1">
+        <a:scrgbClr r="0" g="0" b="0"/>
+      </a:effectRef>
+      <a:fontRef idx="minor">
+        <a:schemeClr val="dk1"/>
+      </a:fontRef>
+    </dgm:style>
+  </dgm:styleLbl>
+  <dgm:styleLbl name="node2">
+    <dgm:scene3d>
+      <a:camera prst="orthographicFront"/>
+      <a:lightRig rig="flat" dir="t"/>
+    </dgm:scene3d>
+    <dgm:sp3d prstMaterial="dkEdge">
+      <a:bevelT w="8200" h="38100"/>
+    </dgm:sp3d>
+    <dgm:txPr/>
+    <dgm:style>
+      <a:lnRef idx="0">
+        <a:scrgbClr r="0" g="0" b="0"/>
+      </a:lnRef>
+      <a:fillRef idx="2">
+        <a:scrgbClr r="0" g="0" b="0"/>
+      </a:fillRef>
+      <a:effectRef idx="1">
+        <a:scrgbClr r="0" g="0" b="0"/>
+      </a:effectRef>
+      <a:fontRef idx="minor">
+        <a:schemeClr val="dk1"/>
+      </a:fontRef>
+    </dgm:style>
+  </dgm:styleLbl>
+  <dgm:styleLbl name="node3">
+    <dgm:scene3d>
+      <a:camera prst="orthographicFront"/>
+      <a:lightRig rig="flat" dir="t"/>
+    </dgm:scene3d>
+    <dgm:sp3d prstMaterial="dkEdge">
+      <a:bevelT w="8200" h="38100"/>
+    </dgm:sp3d>
+    <dgm:txPr/>
+    <dgm:style>
+      <a:lnRef idx="0">
+        <a:scrgbClr r="0" g="0" b="0"/>
+      </a:lnRef>
+      <a:fillRef idx="2">
+        <a:scrgbClr r="0" g="0" b="0"/>
+      </a:fillRef>
+      <a:effectRef idx="1">
+        <a:scrgbClr r="0" g="0" b="0"/>
+      </a:effectRef>
+      <a:fontRef idx="minor">
+        <a:schemeClr val="dk1"/>
+      </a:fontRef>
+    </dgm:style>
+  </dgm:styleLbl>
+  <dgm:styleLbl name="node4">
+    <dgm:scene3d>
+      <a:camera prst="orthographicFront"/>
+      <a:lightRig rig="flat" dir="t"/>
+    </dgm:scene3d>
+    <dgm:sp3d prstMaterial="dkEdge">
+      <a:bevelT w="8200" h="38100"/>
+    </dgm:sp3d>
+    <dgm:txPr/>
+    <dgm:style>
+      <a:lnRef idx="0">
+        <a:scrgbClr r="0" g="0" b="0"/>
+      </a:lnRef>
+      <a:fillRef idx="2">
+        <a:scrgbClr r="0" g="0" b="0"/>
+      </a:fillRef>
+      <a:effectRef idx="1">
+        <a:scrgbClr r="0" g="0" b="0"/>
+      </a:effectRef>
+      <a:fontRef idx="minor">
+        <a:schemeClr val="dk1"/>
+      </a:fontRef>
+    </dgm:style>
+  </dgm:styleLbl>
+  <dgm:styleLbl name="fgImgPlace1">
+    <dgm:scene3d>
+      <a:camera prst="orthographicFront"/>
+      <a:lightRig rig="threePt" dir="t"/>
+    </dgm:scene3d>
+    <dgm:sp3d/>
+    <dgm:txPr/>
+    <dgm:style>
+      <a:lnRef idx="1">
+        <a:scrgbClr r="0" g="0" b="0"/>
+      </a:lnRef>
+      <a:fillRef idx="1">
+        <a:scrgbClr r="0" g="0" b="0"/>
+      </a:fillRef>
+      <a:effectRef idx="1">
+        <a:scrgbClr r="0" g="0" b="0"/>
+      </a:effectRef>
+      <a:fontRef idx="minor"/>
+    </dgm:style>
+  </dgm:styleLbl>
+  <dgm:styleLbl name="alignImgPlace1">
+    <dgm:scene3d>
+      <a:camera prst="orthographicFront"/>
+      <a:lightRig rig="threePt" dir="t"/>
+    </dgm:scene3d>
+    <dgm:sp3d/>
+    <dgm:txPr/>
+    <dgm:style>
+      <a:lnRef idx="1">
+        <a:scrgbClr r="0" g="0" b="0"/>
+      </a:lnRef>
+      <a:fillRef idx="1">
+        <a:scrgbClr r="0" g="0" b="0"/>
+      </a:fillRef>
+      <a:effectRef idx="1">
+        <a:scrgbClr r="0" g="0" b="0"/>
+      </a:effectRef>
+      <a:fontRef idx="minor"/>
+    </dgm:style>
+  </dgm:styleLbl>
+  <dgm:styleLbl name="bgImgPlace1">
+    <dgm:scene3d>
+      <a:camera prst="orthographicFront"/>
+      <a:lightRig rig="threePt" dir="t"/>
+    </dgm:scene3d>
+    <dgm:sp3d/>
+    <dgm:txPr/>
+    <dgm:style>
+      <a:lnRef idx="1">
+        <a:scrgbClr r="0" g="0" b="0"/>
+      </a:lnRef>
+      <a:fillRef idx="1">
+        <a:scrgbClr r="0" g="0" b="0"/>
+      </a:fillRef>
+      <a:effectRef idx="1">
+        <a:scrgbClr r="0" g="0" b="0"/>
+      </a:effectRef>
+      <a:fontRef idx="minor"/>
+    </dgm:style>
+  </dgm:styleLbl>
+  <dgm:styleLbl name="sibTrans2D1">
+    <dgm:scene3d>
+      <a:camera prst="orthographicFront"/>
+      <a:lightRig rig="threePt" dir="t"/>
+    </dgm:scene3d>
+    <dgm:sp3d/>
+    <dgm:txPr/>
+    <dgm:style>
+      <a:lnRef idx="0">
+        <a:scrgbClr r="0" g="0" b="0"/>
+      </a:lnRef>
+      <a:fillRef idx="2">
+        <a:scrgbClr r="0" g="0" b="0"/>
+      </a:fillRef>
+      <a:effectRef idx="1">
+        <a:scrgbClr r="0" g="0" b="0"/>
+      </a:effectRef>
+      <a:fontRef idx="minor">
+        <a:schemeClr val="dk1"/>
+      </a:fontRef>
+    </dgm:style>
+  </dgm:styleLbl>
+  <dgm:styleLbl name="fgSibTrans2D1">
+    <dgm:scene3d>
+      <a:camera prst="orthographicFront"/>
+      <a:lightRig rig="threePt" dir="t"/>
+    </dgm:scene3d>
+    <dgm:sp3d/>
+    <dgm:txPr/>
+    <dgm:style>
+      <a:lnRef idx="0">
+        <a:scrgbClr r="0" g="0" b="0"/>
+      </a:lnRef>
+      <a:fillRef idx="2">
+        <a:scrgbClr r="0" g="0" b="0"/>
+      </a:fillRef>
+      <a:effectRef idx="1">
+        <a:scrgbClr r="0" g="0" b="0"/>
+      </a:effectRef>
+      <a:fontRef idx="minor">
+        <a:schemeClr val="dk1"/>
+      </a:fontRef>
+    </dgm:style>
+  </dgm:styleLbl>
+  <dgm:styleLbl name="bgSibTrans2D1">
+    <dgm:scene3d>
+      <a:camera prst="orthographicFront"/>
+      <a:lightRig rig="threePt" dir="t"/>
+    </dgm:scene3d>
+    <dgm:sp3d/>
+    <dgm:txPr/>
+    <dgm:style>
+      <a:lnRef idx="0">
+        <a:scrgbClr r="0" g="0" b="0"/>
+      </a:lnRef>
+      <a:fillRef idx="2">
+        <a:scrgbClr r="0" g="0" b="0"/>
+      </a:fillRef>
+      <a:effectRef idx="1">
+        <a:scrgbClr r="0" g="0" b="0"/>
+      </a:effectRef>
+      <a:fontRef idx="minor">
+        <a:schemeClr val="dk1"/>
+      </a:fontRef>
+    </dgm:style>
+  </dgm:styleLbl>
+  <dgm:styleLbl name="sibTrans1D1">
+    <dgm:scene3d>
+      <a:camera prst="orthographicFront"/>
+      <a:lightRig rig="threePt" dir="t"/>
+    </dgm:scene3d>
+    <dgm:sp3d/>
+    <dgm:txPr/>
+    <dgm:style>
+      <a:lnRef idx="1">
+        <a:scrgbClr r="0" g="0" b="0"/>
+      </a:lnRef>
+      <a:fillRef idx="0">
+        <a:scrgbClr r="0" g="0" b="0"/>
+      </a:fillRef>
+      <a:effectRef idx="0">
+        <a:scrgbClr r="0" g="0" b="0"/>
+      </a:effectRef>
+      <a:fontRef idx="minor"/>
+    </dgm:style>
+  </dgm:styleLbl>
+  <dgm:styleLbl name="callout">
+    <dgm:scene3d>
+      <a:camera prst="orthographicFront"/>
+      <a:lightRig rig="threePt" dir="t"/>
+    </dgm:scene3d>
+    <dgm:sp3d/>
+    <dgm:txPr/>
+    <dgm:style>
+      <a:lnRef idx="1">
+        <a:scrgbClr r="0" g="0" b="0"/>
+      </a:lnRef>
+      <a:fillRef idx="2">
+        <a:scrgbClr r="0" g="0" b="0"/>
+      </a:fillRef>
+      <a:effectRef idx="1">
+        <a:scrgbClr r="0" g="0" b="0"/>
+      </a:effectRef>
+      <a:fontRef idx="minor"/>
+    </dgm:style>
+  </dgm:styleLbl>
+  <dgm:styleLbl name="asst0">
+    <dgm:scene3d>
+      <a:camera prst="orthographicFront"/>
+      <a:lightRig rig="flat" dir="t"/>
+    </dgm:scene3d>
+    <dgm:sp3d prstMaterial="dkEdge">
+      <a:bevelT w="8200" h="38100"/>
+    </dgm:sp3d>
+    <dgm:txPr/>
+    <dgm:style>
+      <a:lnRef idx="0">
+        <a:scrgbClr r="0" g="0" b="0"/>
+      </a:lnRef>
+      <a:fillRef idx="2">
+        <a:scrgbClr r="0" g="0" b="0"/>
+      </a:fillRef>
+      <a:effectRef idx="1">
+        <a:scrgbClr r="0" g="0" b="0"/>
+      </a:effectRef>
+      <a:fontRef idx="minor">
+        <a:schemeClr val="dk1"/>
+      </a:fontRef>
+    </dgm:style>
+  </dgm:styleLbl>
+  <dgm:styleLbl name="asst1">
+    <dgm:scene3d>
+      <a:camera prst="orthographicFront"/>
+      <a:lightRig rig="flat" dir="t"/>
+    </dgm:scene3d>
+    <dgm:sp3d prstMaterial="dkEdge">
+      <a:bevelT w="8200" h="38100"/>
+    </dgm:sp3d>
+    <dgm:txPr/>
+    <dgm:style>
+      <a:lnRef idx="0">
+        <a:scrgbClr r="0" g="0" b="0"/>
+      </a:lnRef>
+      <a:fillRef idx="2">
+        <a:scrgbClr r="0" g="0" b="0"/>
+      </a:fillRef>
+      <a:effectRef idx="1">
+        <a:scrgbClr r="0" g="0" b="0"/>
+      </a:effectRef>
+      <a:fontRef idx="minor">
+        <a:schemeClr val="dk1"/>
+      </a:fontRef>
+    </dgm:style>
+  </dgm:styleLbl>
+  <dgm:styleLbl name="asst2">
+    <dgm:scene3d>
+      <a:camera prst="orthographicFront"/>
+      <a:lightRig rig="flat" dir="t"/>
+    </dgm:scene3d>
+    <dgm:sp3d prstMaterial="dkEdge">
+      <a:bevelT w="8200" h="38100"/>
+    </dgm:sp3d>
+    <dgm:txPr/>
+    <dgm:style>
+      <a:lnRef idx="0">
+        <a:scrgbClr r="0" g="0" b="0"/>
+      </a:lnRef>
+      <a:fillRef idx="2">
+        <a:scrgbClr r="0" g="0" b="0"/>
+      </a:fillRef>
+      <a:effectRef idx="1">
+        <a:scrgbClr r="0" g="0" b="0"/>
+      </a:effectRef>
+      <a:fontRef idx="minor">
+        <a:schemeClr val="dk1"/>
+      </a:fontRef>
+    </dgm:style>
+  </dgm:styleLbl>
+  <dgm:styleLbl name="asst3">
+    <dgm:scene3d>
+      <a:camera prst="orthographicFront"/>
+      <a:lightRig rig="flat" dir="t"/>
+    </dgm:scene3d>
+    <dgm:sp3d prstMaterial="dkEdge">
+      <a:bevelT w="8200" h="38100"/>
+    </dgm:sp3d>
+    <dgm:txPr/>
+    <dgm:style>
+      <a:lnRef idx="0">
+        <a:scrgbClr r="0" g="0" b="0"/>
+      </a:lnRef>
+      <a:fillRef idx="2">
+        <a:scrgbClr r="0" g="0" b="0"/>
+      </a:fillRef>
+      <a:effectRef idx="1">
+        <a:scrgbClr r="0" g="0" b="0"/>
+      </a:effectRef>
+      <a:fontRef idx="minor">
+        <a:schemeClr val="dk1"/>
+      </a:fontRef>
+    </dgm:style>
+  </dgm:styleLbl>
+  <dgm:styleLbl name="asst4">
+    <dgm:scene3d>
+      <a:camera prst="orthographicFront"/>
+      <a:lightRig rig="flat" dir="t"/>
+    </dgm:scene3d>
+    <dgm:sp3d prstMaterial="dkEdge">
+      <a:bevelT w="8200" h="38100"/>
+    </dgm:sp3d>
+    <dgm:txPr/>
+    <dgm:style>
+      <a:lnRef idx="0">
+        <a:scrgbClr r="0" g="0" b="0"/>
+      </a:lnRef>
+      <a:fillRef idx="2">
+        <a:scrgbClr r="0" g="0" b="0"/>
+      </a:fillRef>
+      <a:effectRef idx="1">
+        <a:scrgbClr r="0" g="0" b="0"/>
+      </a:effectRef>
+      <a:fontRef idx="minor">
+        <a:schemeClr val="dk1"/>
+      </a:fontRef>
+    </dgm:style>
+  </dgm:styleLbl>
+  <dgm:styleLbl name="parChTrans2D1">
+    <dgm:scene3d>
+      <a:camera prst="orthographicFront"/>
+      <a:lightRig rig="threePt" dir="t"/>
+    </dgm:scene3d>
+    <dgm:sp3d/>
+    <dgm:txPr/>
+    <dgm:style>
+      <a:lnRef idx="1">
+        <a:scrgbClr r="0" g="0" b="0"/>
+      </a:lnRef>
+      <a:fillRef idx="2">
+        <a:scrgbClr r="0" g="0" b="0"/>
+      </a:fillRef>
+      <a:effectRef idx="1">
+        <a:scrgbClr r="0" g="0" b="0"/>
+      </a:effectRef>
+      <a:fontRef idx="minor">
+        <a:schemeClr val="dk1"/>
+      </a:fontRef>
+    </dgm:style>
+  </dgm:styleLbl>
+  <dgm:styleLbl name="parChTrans2D2">
+    <dgm:scene3d>
+      <a:camera prst="orthographicFront"/>
+      <a:lightRig rig="threePt" dir="t"/>
+    </dgm:scene3d>
+    <dgm:sp3d/>
+    <dgm:txPr/>
+    <dgm:style>
+      <a:lnRef idx="1">
+        <a:scrgbClr r="0" g="0" b="0"/>
+      </a:lnRef>
+      <a:fillRef idx="2">
+        <a:scrgbClr r="0" g="0" b="0"/>
+      </a:fillRef>
+      <a:effectRef idx="1">
+        <a:scrgbClr r="0" g="0" b="0"/>
+      </a:effectRef>
+      <a:fontRef idx="minor">
+        <a:schemeClr val="dk1"/>
+      </a:fontRef>
+    </dgm:style>
+  </dgm:styleLbl>
+  <dgm:styleLbl name="parChTrans2D3">
+    <dgm:scene3d>
+      <a:camera prst="orthographicFront"/>
+      <a:lightRig rig="threePt" dir="t"/>
+    </dgm:scene3d>
+    <dgm:sp3d/>
+    <dgm:txPr/>
+    <dgm:style>
+      <a:lnRef idx="1">
+        <a:scrgbClr r="0" g="0" b="0"/>
+      </a:lnRef>
+      <a:fillRef idx="2">
+        <a:scrgbClr r="0" g="0" b="0"/>
+      </a:fillRef>
+      <a:effectRef idx="1">
+        <a:scrgbClr r="0" g="0" b="0"/>
+      </a:effectRef>
+      <a:fontRef idx="minor">
+        <a:schemeClr val="dk1"/>
+      </a:fontRef>
+    </dgm:style>
+  </dgm:styleLbl>
+  <dgm:styleLbl name="parChTrans2D4">
+    <dgm:scene3d>
+      <a:camera prst="orthographicFront"/>
+      <a:lightRig rig="threePt" dir="t"/>
+    </dgm:scene3d>
+    <dgm:sp3d/>
+    <dgm:txPr/>
+    <dgm:style>
+      <a:lnRef idx="1">
+        <a:scrgbClr r="0" g="0" b="0"/>
+      </a:lnRef>
+      <a:fillRef idx="2">
+        <a:scrgbClr r="0" g="0" b="0"/>
+      </a:fillRef>
+      <a:effectRef idx="1">
+        <a:scrgbClr r="0" g="0" b="0"/>
+      </a:effectRef>
+      <a:fontRef idx="minor">
+        <a:schemeClr val="dk1"/>
+      </a:fontRef>
+    </dgm:style>
+  </dgm:styleLbl>
+  <dgm:styleLbl name="parChTrans1D1">
+    <dgm:scene3d>
+      <a:camera prst="orthographicFront"/>
+      <a:lightRig rig="threePt" dir="t"/>
+    </dgm:scene3d>
+    <dgm:sp3d/>
+    <dgm:txPr/>
+    <dgm:style>
+      <a:lnRef idx="2">
+        <a:scrgbClr r="0" g="0" b="0"/>
+      </a:lnRef>
+      <a:fillRef idx="0">
+        <a:scrgbClr r="0" g="0" b="0"/>
+      </a:fillRef>
+      <a:effectRef idx="0">
+        <a:scrgbClr r="0" g="0" b="0"/>
+      </a:effectRef>
+      <a:fontRef idx="minor"/>
+    </dgm:style>
+  </dgm:styleLbl>
+  <dgm:styleLbl name="parChTrans1D2">
+    <dgm:scene3d>
+      <a:camera prst="orthographicFront"/>
+      <a:lightRig rig="threePt" dir="t"/>
+    </dgm:scene3d>
+    <dgm:sp3d/>
+    <dgm:txPr/>
+    <dgm:style>
+      <a:lnRef idx="2">
+        <a:scrgbClr r="0" g="0" b="0"/>
+      </a:lnRef>
+      <a:fillRef idx="0">
+        <a:scrgbClr r="0" g="0" b="0"/>
+      </a:fillRef>
+      <a:effectRef idx="0">
+        <a:scrgbClr r="0" g="0" b="0"/>
+      </a:effectRef>
+      <a:fontRef idx="minor"/>
+    </dgm:style>
+  </dgm:styleLbl>
+  <dgm:styleLbl name="parChTrans1D3">
+    <dgm:scene3d>
+      <a:camera prst="orthographicFront"/>
+      <a:lightRig rig="threePt" dir="t"/>
+    </dgm:scene3d>
+    <dgm:sp3d/>
+    <dgm:txPr/>
+    <dgm:style>
+      <a:lnRef idx="2">
+        <a:scrgbClr r="0" g="0" b="0"/>
+      </a:lnRef>
+      <a:fillRef idx="0">
+        <a:scrgbClr r="0" g="0" b="0"/>
+      </a:fillRef>
+      <a:effectRef idx="0">
+        <a:scrgbClr r="0" g="0" b="0"/>
+      </a:effectRef>
+      <a:fontRef idx="minor"/>
+    </dgm:style>
+  </dgm:styleLbl>
+  <dgm:styleLbl name="parChTrans1D4">
+    <dgm:scene3d>
+      <a:camera prst="orthographicFront"/>
+      <a:lightRig rig="threePt" dir="t"/>
+    </dgm:scene3d>
+    <dgm:sp3d/>
+    <dgm:txPr/>
+    <dgm:style>
+      <a:lnRef idx="2">
+        <a:scrgbClr r="0" g="0" b="0"/>
+      </a:lnRef>
+      <a:fillRef idx="0">
+        <a:scrgbClr r="0" g="0" b="0"/>
+      </a:fillRef>
+      <a:effectRef idx="0">
+        <a:scrgbClr r="0" g="0" b="0"/>
+      </a:effectRef>
+      <a:fontRef idx="minor"/>
+    </dgm:style>
+  </dgm:styleLbl>
+  <dgm:styleLbl name="fgAcc1">
+    <dgm:scene3d>
+      <a:camera prst="orthographicFront"/>
+      <a:lightRig rig="threePt" dir="t"/>
+    </dgm:scene3d>
+    <dgm:sp3d/>
+    <dgm:txPr/>
+    <dgm:style>
+      <a:lnRef idx="1">
+        <a:scrgbClr r="0" g="0" b="0"/>
+      </a:lnRef>
+      <a:fillRef idx="1">
+        <a:scrgbClr r="0" g="0" b="0"/>
+      </a:fillRef>
+      <a:effectRef idx="0">
+        <a:scrgbClr r="0" g="0" b="0"/>
+      </a:effectRef>
+      <a:fontRef idx="minor"/>
+    </dgm:style>
+  </dgm:styleLbl>
+  <dgm:styleLbl name="conFgAcc1">
+    <dgm:scene3d>
+      <a:camera prst="orthographicFront"/>
+      <a:lightRig rig="threePt" dir="t"/>
+    </dgm:scene3d>
+    <dgm:sp3d/>
+    <dgm:txPr/>
+    <dgm:style>
+      <a:lnRef idx="1">
+        <a:scrgbClr r="0" g="0" b="0"/>
+      </a:lnRef>
+      <a:fillRef idx="1">
+        <a:scrgbClr r="0" g="0" b="0"/>
+      </a:fillRef>
+      <a:effectRef idx="0">
+        <a:scrgbClr r="0" g="0" b="0"/>
+      </a:effectRef>
+      <a:fontRef idx="minor"/>
+    </dgm:style>
+  </dgm:styleLbl>
+  <dgm:styleLbl name="alignAcc1">
+    <dgm:scene3d>
+      <a:camera prst="orthographicFront"/>
+      <a:lightRig rig="threePt" dir="t"/>
+    </dgm:scene3d>
+    <dgm:sp3d/>
+    <dgm:txPr/>
+    <dgm:style>
+      <a:lnRef idx="1">
+        <a:scrgbClr r="0" g="0" b="0"/>
+      </a:lnRef>
+      <a:fillRef idx="1">
+        <a:scrgbClr r="0" g="0" b="0"/>
+      </a:fillRef>
+      <a:effectRef idx="0">
+        <a:scrgbClr r="0" g="0" b="0"/>
+      </a:effectRef>
+      <a:fontRef idx="minor"/>
+    </dgm:style>
+  </dgm:styleLbl>
+  <dgm:styleLbl name="trAlignAcc1">
+    <dgm:scene3d>
+      <a:camera prst="orthographicFront"/>
+      <a:lightRig rig="threePt" dir="t"/>
+    </dgm:scene3d>
+    <dgm:sp3d/>
+    <dgm:txPr/>
+    <dgm:style>
+      <a:lnRef idx="1">
+        <a:scrgbClr r="0" g="0" b="0"/>
+      </a:lnRef>
+      <a:fillRef idx="1">
+        <a:scrgbClr r="0" g="0" b="0"/>
+      </a:fillRef>
+      <a:effectRef idx="0">
+        <a:scrgbClr r="0" g="0" b="0"/>
+      </a:effectRef>
+      <a:fontRef idx="minor"/>
+    </dgm:style>
+  </dgm:styleLbl>
+  <dgm:styleLbl name="bgAcc1">
+    <dgm:scene3d>
+      <a:camera prst="orthographicFront"/>
+      <a:lightRig rig="threePt" dir="t"/>
+    </dgm:scene3d>
+    <dgm:sp3d/>
+    <dgm:txPr/>
+    <dgm:style>
+      <a:lnRef idx="1">
+        <a:scrgbClr r="0" g="0" b="0"/>
+      </a:lnRef>
+      <a:fillRef idx="1">
+        <a:scrgbClr r="0" g="0" b="0"/>
+      </a:fillRef>
+      <a:effectRef idx="0">
+        <a:scrgbClr r="0" g="0" b="0"/>
+      </a:effectRef>
+      <a:fontRef idx="minor"/>
+    </dgm:style>
+  </dgm:styleLbl>
+  <dgm:styleLbl name="solidFgAcc1">
+    <dgm:scene3d>
+      <a:camera prst="orthographicFront"/>
+      <a:lightRig rig="threePt" dir="t"/>
+    </dgm:scene3d>
+    <dgm:sp3d/>
+    <dgm:txPr/>
+    <dgm:style>
+      <a:lnRef idx="1">
+        <a:scrgbClr r="0" g="0" b="0"/>
+      </a:lnRef>
+      <a:fillRef idx="2">
+        <a:scrgbClr r="0" g="0" b="0"/>
+      </a:fillRef>
+      <a:effectRef idx="0">
+        <a:scrgbClr r="0" g="0" b="0"/>
+      </a:effectRef>
+      <a:fontRef idx="minor"/>
+    </dgm:style>
+  </dgm:styleLbl>
+  <dgm:styleLbl name="solidAlignAcc1">
+    <dgm:scene3d>
+      <a:camera prst="orthographicFront"/>
+      <a:lightRig rig="threePt" dir="t"/>
+    </dgm:scene3d>
+    <dgm:sp3d/>
+    <dgm:txPr/>
+    <dgm:style>
+      <a:lnRef idx="1">
+        <a:scrgbClr r="0" g="0" b="0"/>
+      </a:lnRef>
+      <a:fillRef idx="1">
+        <a:scrgbClr r="0" g="0" b="0"/>
+      </a:fillRef>
+      <a:effectRef idx="0">
+        <a:scrgbClr r="0" g="0" b="0"/>
+      </a:effectRef>
+      <a:fontRef idx="minor"/>
+    </dgm:style>
+  </dgm:styleLbl>
+  <dgm:styleLbl name="solidBgAcc1">
+    <dgm:scene3d>
+      <a:camera prst="orthographicFront"/>
+      <a:lightRig rig="threePt" dir="t"/>
+    </dgm:scene3d>
+    <dgm:sp3d/>
+    <dgm:txPr/>
+    <dgm:style>
+      <a:lnRef idx="1">
+        <a:scrgbClr r="0" g="0" b="0"/>
+      </a:lnRef>
+      <a:fillRef idx="1">
+        <a:scrgbClr r="0" g="0" b="0"/>
+      </a:fillRef>
+      <a:effectRef idx="0">
+        <a:scrgbClr r="0" g="0" b="0"/>
+      </a:effectRef>
+      <a:fontRef idx="minor"/>
+    </dgm:style>
+  </dgm:styleLbl>
+  <dgm:styleLbl name="fgAccFollowNode1">
+    <dgm:scene3d>
+      <a:camera prst="orthographicFront"/>
+      <a:lightRig rig="threePt" dir="t"/>
+    </dgm:scene3d>
+    <dgm:sp3d/>
+    <dgm:txPr/>
+    <dgm:style>
+      <a:lnRef idx="1">
+        <a:scrgbClr r="0" g="0" b="0"/>
+      </a:lnRef>
+      <a:fillRef idx="1">
+        <a:scrgbClr r="0" g="0" b="0"/>
+      </a:fillRef>
+      <a:effectRef idx="0">
+        <a:scrgbClr r="0" g="0" b="0"/>
+      </a:effectRef>
+      <a:fontRef idx="minor"/>
+    </dgm:style>
+  </dgm:styleLbl>
+  <dgm:styleLbl name="alignAccFollowNode1">
+    <dgm:scene3d>
+      <a:camera prst="orthographicFront"/>
+      <a:lightRig rig="threePt" dir="t"/>
+    </dgm:scene3d>
+    <dgm:sp3d/>
+    <dgm:txPr/>
+    <dgm:style>
+      <a:lnRef idx="1">
+        <a:scrgbClr r="0" g="0" b="0"/>
+      </a:lnRef>
+      <a:fillRef idx="1">
+        <a:scrgbClr r="0" g="0" b="0"/>
+      </a:fillRef>
+      <a:effectRef idx="0">
+        <a:scrgbClr r="0" g="0" b="0"/>
+      </a:effectRef>
+      <a:fontRef idx="minor"/>
+    </dgm:style>
+  </dgm:styleLbl>
+  <dgm:styleLbl name="bgAccFollowNode1">
+    <dgm:scene3d>
+      <a:camera prst="orthographicFront"/>
+      <a:lightRig rig="threePt" dir="t"/>
+    </dgm:scene3d>
+    <dgm:sp3d/>
+    <dgm:txPr/>
+    <dgm:style>
+      <a:lnRef idx="1">
+        <a:scrgbClr r="0" g="0" b="0"/>
+      </a:lnRef>
+      <a:fillRef idx="1">
+        <a:scrgbClr r="0" g="0" b="0"/>
+      </a:fillRef>
+      <a:effectRef idx="0">
+        <a:scrgbClr r="0" g="0" b="0"/>
+      </a:effectRef>
+      <a:fontRef idx="minor"/>
+    </dgm:style>
+  </dgm:styleLbl>
+  <dgm:styleLbl name="fgAcc0">
+    <dgm:scene3d>
+      <a:camera prst="orthographicFront"/>
+      <a:lightRig rig="threePt" dir="t"/>
+    </dgm:scene3d>
+    <dgm:sp3d/>
+    <dgm:txPr/>
+    <dgm:style>
+      <a:lnRef idx="1">
+        <a:scrgbClr r="0" g="0" b="0"/>
+      </a:lnRef>
+      <a:fillRef idx="1">
+        <a:scrgbClr r="0" g="0" b="0"/>
+      </a:fillRef>
+      <a:effectRef idx="0">
+        <a:scrgbClr r="0" g="0" b="0"/>
+      </a:effectRef>
+      <a:fontRef idx="minor"/>
+    </dgm:style>
+  </dgm:styleLbl>
+  <dgm:styleLbl name="fgAcc2">
+    <dgm:scene3d>
+      <a:camera prst="orthographicFront"/>
+      <a:lightRig rig="threePt" dir="t"/>
+    </dgm:scene3d>
+    <dgm:sp3d/>
+    <dgm:txPr/>
+    <dgm:style>
+      <a:lnRef idx="1">
+        <a:scrgbClr r="0" g="0" b="0"/>
+      </a:lnRef>
+      <a:fillRef idx="1">
+        <a:scrgbClr r="0" g="0" b="0"/>
+      </a:fillRef>
+      <a:effectRef idx="0">
+        <a:scrgbClr r="0" g="0" b="0"/>
+      </a:effectRef>
+      <a:fontRef idx="minor"/>
+    </dgm:style>
+  </dgm:styleLbl>
+  <dgm:styleLbl name="fgAcc3">
+    <dgm:scene3d>
+      <a:camera prst="orthographicFront"/>
+      <a:lightRig rig="threePt" dir="t"/>
+    </dgm:scene3d>
+    <dgm:sp3d/>
+    <dgm:txPr/>
+    <dgm:style>
+      <a:lnRef idx="1">
+        <a:scrgbClr r="0" g="0" b="0"/>
+      </a:lnRef>
+      <a:fillRef idx="1">
+        <a:scrgbClr r="0" g="0" b="0"/>
+      </a:fillRef>
+      <a:effectRef idx="0">
+        <a:scrgbClr r="0" g="0" b="0"/>
+      </a:effectRef>
+      <a:fontRef idx="minor"/>
+    </dgm:style>
+  </dgm:styleLbl>
+  <dgm:styleLbl name="fgAcc4">
+    <dgm:scene3d>
+      <a:camera prst="orthographicFront"/>
+      <a:lightRig rig="threePt" dir="t"/>
+    </dgm:scene3d>
+    <dgm:sp3d/>
+    <dgm:txPr/>
+    <dgm:style>
+      <a:lnRef idx="1">
+        <a:scrgbClr r="0" g="0" b="0"/>
+      </a:lnRef>
+      <a:fillRef idx="1">
+        <a:scrgbClr r="0" g="0" b="0"/>
+      </a:fillRef>
+      <a:effectRef idx="0">
+        <a:scrgbClr r="0" g="0" b="0"/>
+      </a:effectRef>
+      <a:fontRef idx="minor"/>
+    </dgm:style>
+  </dgm:styleLbl>
+  <dgm:styleLbl name="bgShp">
+    <dgm:scene3d>
+      <a:camera prst="orthographicFront"/>
+      <a:lightRig rig="threePt" dir="t"/>
+    </dgm:scene3d>
+    <dgm:sp3d/>
+    <dgm:txPr/>
+    <dgm:style>
+      <a:lnRef idx="0">
+        <a:scrgbClr r="0" g="0" b="0"/>
+      </a:lnRef>
+      <a:fillRef idx="1">
+        <a:scrgbClr r="0" g="0" b="0"/>
+      </a:fillRef>
+      <a:effectRef idx="1">
+        <a:scrgbClr r="0" g="0" b="0"/>
+      </a:effectRef>
+      <a:fontRef idx="minor"/>
+    </dgm:style>
+  </dgm:styleLbl>
+  <dgm:styleLbl name="dkBgShp">
+    <dgm:scene3d>
+      <a:camera prst="orthographicFront"/>
+      <a:lightRig rig="threePt" dir="t"/>
+    </dgm:scene3d>
+    <dgm:sp3d/>
+    <dgm:txPr/>
+    <dgm:style>
+      <a:lnRef idx="0">
+        <a:scrgbClr r="0" g="0" b="0"/>
+      </a:lnRef>
+      <a:fillRef idx="1">
+        <a:scrgbClr r="0" g="0" b="0"/>
+      </a:fillRef>
+      <a:effectRef idx="1">
+        <a:scrgbClr r="0" g="0" b="0"/>
+      </a:effectRef>
+      <a:fontRef idx="minor"/>
+    </dgm:style>
+  </dgm:styleLbl>
+  <dgm:styleLbl name="trBgShp">
+    <dgm:scene3d>
+      <a:camera prst="orthographicFront"/>
+      <a:lightRig rig="threePt" dir="t"/>
+    </dgm:scene3d>
+    <dgm:sp3d/>
+    <dgm:txPr/>
+    <dgm:style>
+      <a:lnRef idx="0">
+        <a:scrgbClr r="0" g="0" b="0"/>
+      </a:lnRef>
+      <a:fillRef idx="1">
+        <a:scrgbClr r="0" g="0" b="0"/>
+      </a:fillRef>
+      <a:effectRef idx="0">
+        <a:scrgbClr r="0" g="0" b="0"/>
+      </a:effectRef>
+      <a:fontRef idx="minor"/>
+    </dgm:style>
+  </dgm:styleLbl>
+  <dgm:styleLbl name="fgShp">
+    <dgm:scene3d>
+      <a:camera prst="orthographicFront"/>
+      <a:lightRig rig="flat" dir="t"/>
+    </dgm:scene3d>
+    <dgm:sp3d prstMaterial="dkEdge">
+      <a:bevelT w="8200" h="38100"/>
+    </dgm:sp3d>
+    <dgm:txPr/>
+    <dgm:style>
+      <a:lnRef idx="1">
+        <a:scrgbClr r="0" g="0" b="0"/>
+      </a:lnRef>
+      <a:fillRef idx="2">
+        <a:scrgbClr r="0" g="0" b="0"/>
+      </a:fillRef>
+      <a:effectRef idx="1">
+        <a:scrgbClr r="0" g="0" b="0"/>
+      </a:effectRef>
+      <a:fontRef idx="minor"/>
+    </dgm:style>
+  </dgm:styleLbl>
+  <dgm:styleLbl name="revTx">
+    <dgm:scene3d>
+      <a:camera prst="orthographicFront"/>
+      <a:lightRig rig="threePt" dir="t"/>
+    </dgm:scene3d>
+    <dgm:sp3d/>
+    <dgm:txPr/>
+    <dgm:style>
+      <a:lnRef idx="0">
+        <a:scrgbClr r="0" g="0" b="0"/>
+      </a:lnRef>
+      <a:fillRef idx="0">
+        <a:scrgbClr r="0" g="0" b="0"/>
+      </a:fillRef>
+      <a:effectRef idx="0">
+        <a:scrgbClr r="0" g="0" b="0"/>
+      </a:effectRef>
+      <a:fontRef idx="minor"/>
+    </dgm:style>
+  </dgm:styleLbl>
+</dgm:styleDef>
+</file>
+
+<file path=ppt/diagrams/quickStyle3.xml><?xml version="1.0" encoding="utf-8"?>
 <dgm:styleDef xmlns:dgm="http://schemas.openxmlformats.org/drawingml/2006/diagram" xmlns:a="http://schemas.openxmlformats.org/drawingml/2006/main" uniqueId="urn:microsoft.com/office/officeart/2005/8/quickstyle/simple3">
   <dgm:title val=""/>
   <dgm:desc val=""/>
@@ -6623,7 +13165,7 @@
           <a:p>
             <a:pPr algn="ctr"/>
             <a:r>
-              <a:rPr lang="en-US" sz="4400" b="0" cap="none" spc="0" dirty="0" err="1">
+              <a:rPr lang="en-US" sz="4400" b="0" cap="none" spc="0" dirty="0">
                 <a:ln w="0"/>
                 <a:solidFill>
                   <a:schemeClr val="tx1"/>
@@ -6637,8 +13179,98 @@
                 </a:effectLst>
                 <a:latin typeface="+mj-lt"/>
               </a:rPr>
-              <a:t>HigherME</a:t>
+              <a:t>HigherME Capstone Pipeline</a:t>
             </a:r>
+          </a:p>
+        </p:txBody>
+      </p:sp>
+    </p:spTree>
+    <p:extLst>
+      <p:ext uri="{BB962C8B-B14F-4D97-AF65-F5344CB8AC3E}">
+        <p14:creationId xmlns:p14="http://schemas.microsoft.com/office/powerpoint/2010/main" val="1218655174"/>
+      </p:ext>
+    </p:extLst>
+  </p:cSld>
+  <p:clrMapOvr>
+    <a:masterClrMapping/>
+  </p:clrMapOvr>
+</p:sld>
+</file>
+
+<file path=ppt/slides/slide2.xml><?xml version="1.0" encoding="utf-8"?>
+<p:sld xmlns:a="http://schemas.openxmlformats.org/drawingml/2006/main" xmlns:r="http://schemas.openxmlformats.org/officeDocument/2006/relationships" xmlns:p="http://schemas.openxmlformats.org/presentationml/2006/main">
+  <p:cSld>
+    <p:spTree>
+      <p:nvGrpSpPr>
+        <p:cNvPr id="1" name=""/>
+        <p:cNvGrpSpPr/>
+        <p:nvPr/>
+      </p:nvGrpSpPr>
+      <p:grpSpPr>
+        <a:xfrm>
+          <a:off x="0" y="0"/>
+          <a:ext cx="0" cy="0"/>
+          <a:chOff x="0" y="0"/>
+          <a:chExt cx="0" cy="0"/>
+        </a:xfrm>
+      </p:grpSpPr>
+      <p:graphicFrame>
+        <p:nvGraphicFramePr>
+          <p:cNvPr id="5" name="Diagram 4">
+            <a:extLst>
+              <a:ext uri="{FF2B5EF4-FFF2-40B4-BE49-F238E27FC236}">
+                <a16:creationId xmlns:a16="http://schemas.microsoft.com/office/drawing/2014/main" id="{3CE051DB-3C66-CB2D-6ED2-635C916FF5DF}"/>
+              </a:ext>
+            </a:extLst>
+          </p:cNvPr>
+          <p:cNvGraphicFramePr/>
+          <p:nvPr>
+            <p:extLst>
+              <p:ext uri="{D42A27DB-BD31-4B8C-83A1-F6EECF244321}">
+                <p14:modId xmlns:p14="http://schemas.microsoft.com/office/powerpoint/2010/main" val="1709319840"/>
+              </p:ext>
+            </p:extLst>
+          </p:nvPr>
+        </p:nvGraphicFramePr>
+        <p:xfrm>
+          <a:off x="603682" y="1078481"/>
+          <a:ext cx="10919534" cy="5418667"/>
+        </p:xfrm>
+        <a:graphic>
+          <a:graphicData uri="http://schemas.openxmlformats.org/drawingml/2006/diagram">
+            <dgm:relIds xmlns:dgm="http://schemas.openxmlformats.org/drawingml/2006/diagram" xmlns:r="http://schemas.openxmlformats.org/officeDocument/2006/relationships" r:dm="rId2" r:lo="rId3" r:qs="rId4" r:cs="rId5"/>
+          </a:graphicData>
+        </a:graphic>
+      </p:graphicFrame>
+      <p:sp>
+        <p:nvSpPr>
+          <p:cNvPr id="6" name="Rectangle 5">
+            <a:extLst>
+              <a:ext uri="{FF2B5EF4-FFF2-40B4-BE49-F238E27FC236}">
+                <a16:creationId xmlns:a16="http://schemas.microsoft.com/office/drawing/2014/main" id="{CD03FBFF-E5D3-29B0-F67A-53B105D4450A}"/>
+              </a:ext>
+            </a:extLst>
+          </p:cNvPr>
+          <p:cNvSpPr/>
+          <p:nvPr/>
+        </p:nvSpPr>
+        <p:spPr>
+          <a:xfrm>
+            <a:off x="2983889" y="77021"/>
+            <a:ext cx="6478890" cy="769441"/>
+          </a:xfrm>
+          <a:prstGeom prst="rect">
+            <a:avLst/>
+          </a:prstGeom>
+          <a:noFill/>
+        </p:spPr>
+        <p:txBody>
+          <a:bodyPr wrap="none" lIns="91440" tIns="45720" rIns="91440" bIns="45720">
+            <a:spAutoFit/>
+          </a:bodyPr>
+          <a:lstStyle/>
+          <a:p>
+            <a:pPr algn="ctr"/>
             <a:r>
               <a:rPr lang="en-US" sz="4400" b="0" cap="none" spc="0" dirty="0">
                 <a:ln w="0"/>
@@ -6654,7 +13286,7 @@
                 </a:effectLst>
                 <a:latin typeface="+mj-lt"/>
               </a:rPr>
-              <a:t> Capstone Pipeline</a:t>
+              <a:t>LinkedIn URL Data Ingestion</a:t>
             </a:r>
           </a:p>
         </p:txBody>
@@ -6662,7 +13294,114 @@
     </p:spTree>
     <p:extLst>
       <p:ext uri="{BB962C8B-B14F-4D97-AF65-F5344CB8AC3E}">
-        <p14:creationId xmlns:p14="http://schemas.microsoft.com/office/powerpoint/2010/main" val="1218655174"/>
+        <p14:creationId xmlns:p14="http://schemas.microsoft.com/office/powerpoint/2010/main" val="1143136046"/>
+      </p:ext>
+    </p:extLst>
+  </p:cSld>
+  <p:clrMapOvr>
+    <a:masterClrMapping/>
+  </p:clrMapOvr>
+</p:sld>
+</file>
+
+<file path=ppt/slides/slide3.xml><?xml version="1.0" encoding="utf-8"?>
+<p:sld xmlns:a="http://schemas.openxmlformats.org/drawingml/2006/main" xmlns:r="http://schemas.openxmlformats.org/officeDocument/2006/relationships" xmlns:p="http://schemas.openxmlformats.org/presentationml/2006/main">
+  <p:cSld>
+    <p:spTree>
+      <p:nvGrpSpPr>
+        <p:cNvPr id="1" name=""/>
+        <p:cNvGrpSpPr/>
+        <p:nvPr/>
+      </p:nvGrpSpPr>
+      <p:grpSpPr>
+        <a:xfrm>
+          <a:off x="0" y="0"/>
+          <a:ext cx="0" cy="0"/>
+          <a:chOff x="0" y="0"/>
+          <a:chExt cx="0" cy="0"/>
+        </a:xfrm>
+      </p:grpSpPr>
+      <p:graphicFrame>
+        <p:nvGraphicFramePr>
+          <p:cNvPr id="5" name="Diagram 4">
+            <a:extLst>
+              <a:ext uri="{FF2B5EF4-FFF2-40B4-BE49-F238E27FC236}">
+                <a16:creationId xmlns:a16="http://schemas.microsoft.com/office/drawing/2014/main" id="{3CE051DB-3C66-CB2D-6ED2-635C916FF5DF}"/>
+              </a:ext>
+            </a:extLst>
+          </p:cNvPr>
+          <p:cNvGraphicFramePr/>
+          <p:nvPr>
+            <p:extLst>
+              <p:ext uri="{D42A27DB-BD31-4B8C-83A1-F6EECF244321}">
+                <p14:modId xmlns:p14="http://schemas.microsoft.com/office/powerpoint/2010/main" val="2249740516"/>
+              </p:ext>
+            </p:extLst>
+          </p:nvPr>
+        </p:nvGraphicFramePr>
+        <p:xfrm>
+          <a:off x="603682" y="1078481"/>
+          <a:ext cx="10919534" cy="5418667"/>
+        </p:xfrm>
+        <a:graphic>
+          <a:graphicData uri="http://schemas.openxmlformats.org/drawingml/2006/diagram">
+            <dgm:relIds xmlns:dgm="http://schemas.openxmlformats.org/drawingml/2006/diagram" xmlns:r="http://schemas.openxmlformats.org/officeDocument/2006/relationships" r:dm="rId2" r:lo="rId3" r:qs="rId4" r:cs="rId5"/>
+          </a:graphicData>
+        </a:graphic>
+      </p:graphicFrame>
+      <p:sp>
+        <p:nvSpPr>
+          <p:cNvPr id="6" name="Rectangle 5">
+            <a:extLst>
+              <a:ext uri="{FF2B5EF4-FFF2-40B4-BE49-F238E27FC236}">
+                <a16:creationId xmlns:a16="http://schemas.microsoft.com/office/drawing/2014/main" id="{CD03FBFF-E5D3-29B0-F67A-53B105D4450A}"/>
+              </a:ext>
+            </a:extLst>
+          </p:cNvPr>
+          <p:cNvSpPr/>
+          <p:nvPr/>
+        </p:nvSpPr>
+        <p:spPr>
+          <a:xfrm>
+            <a:off x="3495247" y="77021"/>
+            <a:ext cx="5456174" cy="769441"/>
+          </a:xfrm>
+          <a:prstGeom prst="rect">
+            <a:avLst/>
+          </a:prstGeom>
+          <a:noFill/>
+        </p:spPr>
+        <p:txBody>
+          <a:bodyPr wrap="none" lIns="91440" tIns="45720" rIns="91440" bIns="45720">
+            <a:spAutoFit/>
+          </a:bodyPr>
+          <a:lstStyle/>
+          <a:p>
+            <a:pPr algn="ctr"/>
+            <a:r>
+              <a:rPr lang="en-US" sz="4400" b="0" cap="none" spc="0" dirty="0">
+                <a:ln w="0"/>
+                <a:solidFill>
+                  <a:schemeClr val="tx1"/>
+                </a:solidFill>
+                <a:effectLst>
+                  <a:outerShdw blurRad="38100" dist="19050" dir="2700000" algn="tl" rotWithShape="0">
+                    <a:schemeClr val="dk1">
+                      <a:alpha val="40000"/>
+                    </a:schemeClr>
+                  </a:outerShdw>
+                </a:effectLst>
+                <a:latin typeface="+mj-lt"/>
+              </a:rPr>
+              <a:t>LinkedIn Data Ingestion</a:t>
+            </a:r>
+          </a:p>
+        </p:txBody>
+      </p:sp>
+    </p:spTree>
+    <p:extLst>
+      <p:ext uri="{BB962C8B-B14F-4D97-AF65-F5344CB8AC3E}">
+        <p14:creationId xmlns:p14="http://schemas.microsoft.com/office/powerpoint/2010/main" val="466945301"/>
       </p:ext>
     </p:extLst>
   </p:cSld>

--- a/pipeline.pptx
+++ b/pipeline.pptx
@@ -7,7 +7,6 @@
   <p:sldIdLst>
     <p:sldId id="256" r:id="rId2"/>
     <p:sldId id="257" r:id="rId3"/>
-    <p:sldId id="258" r:id="rId4"/>
   </p:sldIdLst>
   <p:sldSz cx="12192000" cy="6858000"/>
   <p:notesSz cx="6858000" cy="9144000"/>
@@ -114,6 +113,154 @@
 </p:presentation>
 </file>
 
+<file path=ppt/revisionInfo.xml><?xml version="1.0" encoding="utf-8"?>
+<p1510:revInfo xmlns:a="http://schemas.openxmlformats.org/drawingml/2006/main" xmlns:r="http://schemas.openxmlformats.org/officeDocument/2006/relationships" xmlns:p1510="http://schemas.microsoft.com/office/powerpoint/2015/10/main">
+  <p1510:revLst>
+    <p1510:client id="{3269C60F-8260-4FB2-ADF1-D8298D4356C9}" v="15" dt="2022-07-22T03:40:44.906"/>
+  </p1510:revLst>
+</p1510:revInfo>
+</file>
+
+<file path=ppt/changesInfos/changesInfo1.xml><?xml version="1.0" encoding="utf-8"?>
+<pc:chgInfo xmlns:a="http://schemas.openxmlformats.org/drawingml/2006/main" xmlns:r="http://schemas.openxmlformats.org/officeDocument/2006/relationships" xmlns:ac="http://schemas.microsoft.com/office/drawing/2013/main/command" xmlns:pc="http://schemas.microsoft.com/office/powerpoint/2013/main/command">
+  <pc:docChgLst>
+    <pc:chgData name="Filipp Krasovsky" userId="d5f39f0d-8005-4237-bac7-d0e36cd67763" providerId="ADAL" clId="{3269C60F-8260-4FB2-ADF1-D8298D4356C9}"/>
+    <pc:docChg chg="undo custSel delSld modSld">
+      <pc:chgData name="Filipp Krasovsky" userId="d5f39f0d-8005-4237-bac7-d0e36cd67763" providerId="ADAL" clId="{3269C60F-8260-4FB2-ADF1-D8298D4356C9}" dt="2022-07-22T03:43:01.029" v="243" actId="313"/>
+      <pc:docMkLst>
+        <pc:docMk/>
+      </pc:docMkLst>
+      <pc:sldChg chg="addSp delSp modSp mod">
+        <pc:chgData name="Filipp Krasovsky" userId="d5f39f0d-8005-4237-bac7-d0e36cd67763" providerId="ADAL" clId="{3269C60F-8260-4FB2-ADF1-D8298D4356C9}" dt="2022-07-22T03:43:01.029" v="243" actId="313"/>
+        <pc:sldMkLst>
+          <pc:docMk/>
+          <pc:sldMk cId="1218655174" sldId="256"/>
+        </pc:sldMkLst>
+        <pc:spChg chg="add mod">
+          <ac:chgData name="Filipp Krasovsky" userId="d5f39f0d-8005-4237-bac7-d0e36cd67763" providerId="ADAL" clId="{3269C60F-8260-4FB2-ADF1-D8298D4356C9}" dt="2022-07-22T03:03:33.669" v="149" actId="1076"/>
+          <ac:spMkLst>
+            <pc:docMk/>
+            <pc:sldMk cId="1218655174" sldId="256"/>
+            <ac:spMk id="2" creationId="{A3CE37AF-8747-4F83-0C11-D0A5EA765670}"/>
+          </ac:spMkLst>
+        </pc:spChg>
+        <pc:spChg chg="add mod">
+          <ac:chgData name="Filipp Krasovsky" userId="d5f39f0d-8005-4237-bac7-d0e36cd67763" providerId="ADAL" clId="{3269C60F-8260-4FB2-ADF1-D8298D4356C9}" dt="2022-07-22T03:43:01.029" v="243" actId="313"/>
+          <ac:spMkLst>
+            <pc:docMk/>
+            <pc:sldMk cId="1218655174" sldId="256"/>
+            <ac:spMk id="7" creationId="{6DC80053-5377-E2F8-44ED-DF56C33407B3}"/>
+          </ac:spMkLst>
+        </pc:spChg>
+        <pc:spChg chg="add mod">
+          <ac:chgData name="Filipp Krasovsky" userId="d5f39f0d-8005-4237-bac7-d0e36cd67763" providerId="ADAL" clId="{3269C60F-8260-4FB2-ADF1-D8298D4356C9}" dt="2022-07-22T03:03:33.669" v="149" actId="1076"/>
+          <ac:spMkLst>
+            <pc:docMk/>
+            <pc:sldMk cId="1218655174" sldId="256"/>
+            <ac:spMk id="8" creationId="{B8BF4396-49E8-2BAC-B6BE-31B0266BE60C}"/>
+          </ac:spMkLst>
+        </pc:spChg>
+        <pc:spChg chg="add mod">
+          <ac:chgData name="Filipp Krasovsky" userId="d5f39f0d-8005-4237-bac7-d0e36cd67763" providerId="ADAL" clId="{3269C60F-8260-4FB2-ADF1-D8298D4356C9}" dt="2022-07-22T03:03:33.669" v="149" actId="1076"/>
+          <ac:spMkLst>
+            <pc:docMk/>
+            <pc:sldMk cId="1218655174" sldId="256"/>
+            <ac:spMk id="9" creationId="{DB127DDA-EE5E-53E7-AEEF-52B058682AFB}"/>
+          </ac:spMkLst>
+        </pc:spChg>
+        <pc:spChg chg="add mod">
+          <ac:chgData name="Filipp Krasovsky" userId="d5f39f0d-8005-4237-bac7-d0e36cd67763" providerId="ADAL" clId="{3269C60F-8260-4FB2-ADF1-D8298D4356C9}" dt="2022-07-22T03:42:17.530" v="241" actId="20577"/>
+          <ac:spMkLst>
+            <pc:docMk/>
+            <pc:sldMk cId="1218655174" sldId="256"/>
+            <ac:spMk id="21" creationId="{23FF1423-228F-3436-9E9E-54FBEAC0FAA3}"/>
+          </ac:spMkLst>
+        </pc:spChg>
+        <pc:graphicFrameChg chg="del mod">
+          <ac:chgData name="Filipp Krasovsky" userId="d5f39f0d-8005-4237-bac7-d0e36cd67763" providerId="ADAL" clId="{3269C60F-8260-4FB2-ADF1-D8298D4356C9}" dt="2022-07-22T02:51:49.122" v="5" actId="478"/>
+          <ac:graphicFrameMkLst>
+            <pc:docMk/>
+            <pc:sldMk cId="1218655174" sldId="256"/>
+            <ac:graphicFrameMk id="5" creationId="{3CE051DB-3C66-CB2D-6ED2-635C916FF5DF}"/>
+          </ac:graphicFrameMkLst>
+        </pc:graphicFrameChg>
+        <pc:cxnChg chg="add">
+          <ac:chgData name="Filipp Krasovsky" userId="d5f39f0d-8005-4237-bac7-d0e36cd67763" providerId="ADAL" clId="{3269C60F-8260-4FB2-ADF1-D8298D4356C9}" dt="2022-07-22T03:39:47.278" v="150" actId="11529"/>
+          <ac:cxnSpMkLst>
+            <pc:docMk/>
+            <pc:sldMk cId="1218655174" sldId="256"/>
+            <ac:cxnSpMk id="4" creationId="{4DD95234-02C4-9933-CD62-0A5C49C87EEB}"/>
+          </ac:cxnSpMkLst>
+        </pc:cxnChg>
+        <pc:cxnChg chg="add mod">
+          <ac:chgData name="Filipp Krasovsky" userId="d5f39f0d-8005-4237-bac7-d0e36cd67763" providerId="ADAL" clId="{3269C60F-8260-4FB2-ADF1-D8298D4356C9}" dt="2022-07-22T03:39:51.856" v="153" actId="14100"/>
+          <ac:cxnSpMkLst>
+            <pc:docMk/>
+            <pc:sldMk cId="1218655174" sldId="256"/>
+            <ac:cxnSpMk id="10" creationId="{21A5EC65-299A-67EC-D49F-C1C77E6A2B5E}"/>
+          </ac:cxnSpMkLst>
+        </pc:cxnChg>
+        <pc:cxnChg chg="add mod">
+          <ac:chgData name="Filipp Krasovsky" userId="d5f39f0d-8005-4237-bac7-d0e36cd67763" providerId="ADAL" clId="{3269C60F-8260-4FB2-ADF1-D8298D4356C9}" dt="2022-07-22T03:39:56.705" v="156" actId="14100"/>
+          <ac:cxnSpMkLst>
+            <pc:docMk/>
+            <pc:sldMk cId="1218655174" sldId="256"/>
+            <ac:cxnSpMk id="13" creationId="{D7AD9128-5F80-6352-C71C-691352F9ACA6}"/>
+          </ac:cxnSpMkLst>
+        </pc:cxnChg>
+        <pc:cxnChg chg="add del mod">
+          <ac:chgData name="Filipp Krasovsky" userId="d5f39f0d-8005-4237-bac7-d0e36cd67763" providerId="ADAL" clId="{3269C60F-8260-4FB2-ADF1-D8298D4356C9}" dt="2022-07-22T03:40:06.960" v="159" actId="478"/>
+          <ac:cxnSpMkLst>
+            <pc:docMk/>
+            <pc:sldMk cId="1218655174" sldId="256"/>
+            <ac:cxnSpMk id="16" creationId="{DD288642-CC0A-6038-0EDD-90BD4AE32C5F}"/>
+          </ac:cxnSpMkLst>
+        </pc:cxnChg>
+        <pc:cxnChg chg="add mod">
+          <ac:chgData name="Filipp Krasovsky" userId="d5f39f0d-8005-4237-bac7-d0e36cd67763" providerId="ADAL" clId="{3269C60F-8260-4FB2-ADF1-D8298D4356C9}" dt="2022-07-22T03:40:40.913" v="227" actId="20577"/>
+          <ac:cxnSpMkLst>
+            <pc:docMk/>
+            <pc:sldMk cId="1218655174" sldId="256"/>
+            <ac:cxnSpMk id="19" creationId="{69001439-EBCE-11AB-D01F-F1BEB60C9F0D}"/>
+          </ac:cxnSpMkLst>
+        </pc:cxnChg>
+        <pc:cxnChg chg="add del mod">
+          <ac:chgData name="Filipp Krasovsky" userId="d5f39f0d-8005-4237-bac7-d0e36cd67763" providerId="ADAL" clId="{3269C60F-8260-4FB2-ADF1-D8298D4356C9}" dt="2022-07-22T03:40:20.035" v="163" actId="478"/>
+          <ac:cxnSpMkLst>
+            <pc:docMk/>
+            <pc:sldMk cId="1218655174" sldId="256"/>
+            <ac:cxnSpMk id="20" creationId="{C601022A-7B43-F09F-05C6-2A56F3450061}"/>
+          </ac:cxnSpMkLst>
+        </pc:cxnChg>
+        <pc:cxnChg chg="add mod">
+          <ac:chgData name="Filipp Krasovsky" userId="d5f39f0d-8005-4237-bac7-d0e36cd67763" providerId="ADAL" clId="{3269C60F-8260-4FB2-ADF1-D8298D4356C9}" dt="2022-07-22T03:40:49.905" v="240" actId="14100"/>
+          <ac:cxnSpMkLst>
+            <pc:docMk/>
+            <pc:sldMk cId="1218655174" sldId="256"/>
+            <ac:cxnSpMk id="23" creationId="{1881E884-A2C3-92CC-9843-1BEDCB39D1AB}"/>
+          </ac:cxnSpMkLst>
+        </pc:cxnChg>
+        <pc:cxnChg chg="add">
+          <ac:chgData name="Filipp Krasovsky" userId="d5f39f0d-8005-4237-bac7-d0e36cd67763" providerId="ADAL" clId="{3269C60F-8260-4FB2-ADF1-D8298D4356C9}" dt="2022-07-22T03:42:36.916" v="242" actId="11529"/>
+          <ac:cxnSpMkLst>
+            <pc:docMk/>
+            <pc:sldMk cId="1218655174" sldId="256"/>
+            <ac:cxnSpMk id="27" creationId="{CDAA5D67-80D4-EEB7-749E-CD800F486452}"/>
+          </ac:cxnSpMkLst>
+        </pc:cxnChg>
+      </pc:sldChg>
+      <pc:sldChg chg="del">
+        <pc:chgData name="Filipp Krasovsky" userId="d5f39f0d-8005-4237-bac7-d0e36cd67763" providerId="ADAL" clId="{3269C60F-8260-4FB2-ADF1-D8298D4356C9}" dt="2022-07-22T03:03:22.434" v="148" actId="47"/>
+        <pc:sldMkLst>
+          <pc:docMk/>
+          <pc:sldMk cId="466945301" sldId="258"/>
+        </pc:sldMkLst>
+      </pc:sldChg>
+    </pc:docChg>
+  </pc:docChgLst>
+</pc:chgInfo>
+</file>
+
 <file path=ppt/diagrams/colors1.xml><?xml version="1.0" encoding="utf-8"?>
 <dgm:colorsDef xmlns:dgm="http://schemas.openxmlformats.org/drawingml/2006/diagram" xmlns:a="http://schemas.openxmlformats.org/drawingml/2006/main" uniqueId="urn:microsoft.com/office/officeart/2005/8/colors/accent0_1">
   <dgm:title val=""/>
@@ -921,1959 +1068,7 @@
 </dgm:colorsDef>
 </file>
 
-<file path=ppt/diagrams/colors2.xml><?xml version="1.0" encoding="utf-8"?>
-<dgm:colorsDef xmlns:dgm="http://schemas.openxmlformats.org/drawingml/2006/diagram" xmlns:a="http://schemas.openxmlformats.org/drawingml/2006/main" uniqueId="urn:microsoft.com/office/officeart/2005/8/colors/accent0_1">
-  <dgm:title val=""/>
-  <dgm:desc val=""/>
-  <dgm:catLst>
-    <dgm:cat type="mainScheme" pri="10100"/>
-  </dgm:catLst>
-  <dgm:styleLbl name="node0">
-    <dgm:fillClrLst meth="repeat">
-      <a:schemeClr val="lt1"/>
-    </dgm:fillClrLst>
-    <dgm:linClrLst meth="repeat">
-      <a:schemeClr val="dk1">
-        <a:shade val="80000"/>
-      </a:schemeClr>
-    </dgm:linClrLst>
-    <dgm:effectClrLst/>
-    <dgm:txLinClrLst/>
-    <dgm:txFillClrLst meth="repeat">
-      <a:schemeClr val="dk1"/>
-    </dgm:txFillClrLst>
-    <dgm:txEffectClrLst/>
-  </dgm:styleLbl>
-  <dgm:styleLbl name="node1">
-    <dgm:fillClrLst meth="repeat">
-      <a:schemeClr val="lt1"/>
-    </dgm:fillClrLst>
-    <dgm:linClrLst meth="repeat">
-      <a:schemeClr val="dk1">
-        <a:shade val="80000"/>
-      </a:schemeClr>
-    </dgm:linClrLst>
-    <dgm:effectClrLst/>
-    <dgm:txLinClrLst/>
-    <dgm:txFillClrLst meth="repeat">
-      <a:schemeClr val="dk1"/>
-    </dgm:txFillClrLst>
-    <dgm:txEffectClrLst/>
-  </dgm:styleLbl>
-  <dgm:styleLbl name="alignNode1">
-    <dgm:fillClrLst meth="repeat">
-      <a:schemeClr val="lt1"/>
-    </dgm:fillClrLst>
-    <dgm:linClrLst meth="repeat">
-      <a:schemeClr val="dk1">
-        <a:shade val="80000"/>
-      </a:schemeClr>
-    </dgm:linClrLst>
-    <dgm:effectClrLst/>
-    <dgm:txLinClrLst/>
-    <dgm:txFillClrLst meth="repeat">
-      <a:schemeClr val="dk1"/>
-    </dgm:txFillClrLst>
-    <dgm:txEffectClrLst/>
-  </dgm:styleLbl>
-  <dgm:styleLbl name="lnNode1">
-    <dgm:fillClrLst meth="repeat">
-      <a:schemeClr val="lt1"/>
-    </dgm:fillClrLst>
-    <dgm:linClrLst meth="repeat">
-      <a:schemeClr val="dk1">
-        <a:shade val="80000"/>
-      </a:schemeClr>
-    </dgm:linClrLst>
-    <dgm:effectClrLst/>
-    <dgm:txLinClrLst/>
-    <dgm:txFillClrLst meth="repeat">
-      <a:schemeClr val="dk1"/>
-    </dgm:txFillClrLst>
-    <dgm:txEffectClrLst/>
-  </dgm:styleLbl>
-  <dgm:styleLbl name="vennNode1">
-    <dgm:fillClrLst meth="repeat">
-      <a:schemeClr val="lt1">
-        <a:alpha val="50000"/>
-      </a:schemeClr>
-    </dgm:fillClrLst>
-    <dgm:linClrLst meth="repeat">
-      <a:schemeClr val="dk1">
-        <a:shade val="80000"/>
-      </a:schemeClr>
-    </dgm:linClrLst>
-    <dgm:effectClrLst/>
-    <dgm:txLinClrLst/>
-    <dgm:txFillClrLst/>
-    <dgm:txEffectClrLst/>
-  </dgm:styleLbl>
-  <dgm:styleLbl name="node2">
-    <dgm:fillClrLst meth="repeat">
-      <a:schemeClr val="lt1"/>
-    </dgm:fillClrLst>
-    <dgm:linClrLst meth="repeat">
-      <a:schemeClr val="dk1">
-        <a:shade val="80000"/>
-      </a:schemeClr>
-    </dgm:linClrLst>
-    <dgm:effectClrLst/>
-    <dgm:txLinClrLst/>
-    <dgm:txFillClrLst meth="repeat">
-      <a:schemeClr val="dk1"/>
-    </dgm:txFillClrLst>
-    <dgm:txEffectClrLst/>
-  </dgm:styleLbl>
-  <dgm:styleLbl name="node3">
-    <dgm:fillClrLst meth="repeat">
-      <a:schemeClr val="lt1"/>
-    </dgm:fillClrLst>
-    <dgm:linClrLst meth="repeat">
-      <a:schemeClr val="dk1">
-        <a:shade val="80000"/>
-      </a:schemeClr>
-    </dgm:linClrLst>
-    <dgm:effectClrLst/>
-    <dgm:txLinClrLst/>
-    <dgm:txFillClrLst meth="repeat">
-      <a:schemeClr val="dk1"/>
-    </dgm:txFillClrLst>
-    <dgm:txEffectClrLst/>
-  </dgm:styleLbl>
-  <dgm:styleLbl name="node4">
-    <dgm:fillClrLst meth="repeat">
-      <a:schemeClr val="lt1"/>
-    </dgm:fillClrLst>
-    <dgm:linClrLst meth="repeat">
-      <a:schemeClr val="dk1">
-        <a:shade val="80000"/>
-      </a:schemeClr>
-    </dgm:linClrLst>
-    <dgm:effectClrLst/>
-    <dgm:txLinClrLst/>
-    <dgm:txFillClrLst meth="repeat">
-      <a:schemeClr val="dk1"/>
-    </dgm:txFillClrLst>
-    <dgm:txEffectClrLst/>
-  </dgm:styleLbl>
-  <dgm:styleLbl name="fgImgPlace1">
-    <dgm:fillClrLst meth="repeat">
-      <a:schemeClr val="dk1">
-        <a:tint val="40000"/>
-      </a:schemeClr>
-    </dgm:fillClrLst>
-    <dgm:linClrLst meth="repeat">
-      <a:schemeClr val="dk1">
-        <a:shade val="80000"/>
-      </a:schemeClr>
-    </dgm:linClrLst>
-    <dgm:effectClrLst/>
-    <dgm:txLinClrLst/>
-    <dgm:txFillClrLst meth="repeat">
-      <a:schemeClr val="lt1"/>
-    </dgm:txFillClrLst>
-    <dgm:txEffectClrLst/>
-  </dgm:styleLbl>
-  <dgm:styleLbl name="alignImgPlace1">
-    <dgm:fillClrLst meth="repeat">
-      <a:schemeClr val="dk1">
-        <a:tint val="40000"/>
-      </a:schemeClr>
-    </dgm:fillClrLst>
-    <dgm:linClrLst meth="repeat">
-      <a:schemeClr val="dk1">
-        <a:shade val="80000"/>
-      </a:schemeClr>
-    </dgm:linClrLst>
-    <dgm:effectClrLst/>
-    <dgm:txLinClrLst/>
-    <dgm:txFillClrLst meth="repeat">
-      <a:schemeClr val="lt1"/>
-    </dgm:txFillClrLst>
-    <dgm:txEffectClrLst/>
-  </dgm:styleLbl>
-  <dgm:styleLbl name="bgImgPlace1">
-    <dgm:fillClrLst meth="repeat">
-      <a:schemeClr val="dk1">
-        <a:tint val="40000"/>
-      </a:schemeClr>
-    </dgm:fillClrLst>
-    <dgm:linClrLst meth="repeat">
-      <a:schemeClr val="dk1">
-        <a:shade val="80000"/>
-      </a:schemeClr>
-    </dgm:linClrLst>
-    <dgm:effectClrLst/>
-    <dgm:txLinClrLst/>
-    <dgm:txFillClrLst meth="repeat">
-      <a:schemeClr val="lt1"/>
-    </dgm:txFillClrLst>
-    <dgm:txEffectClrLst/>
-  </dgm:styleLbl>
-  <dgm:styleLbl name="sibTrans2D1">
-    <dgm:fillClrLst meth="repeat">
-      <a:schemeClr val="dk1">
-        <a:tint val="60000"/>
-      </a:schemeClr>
-    </dgm:fillClrLst>
-    <dgm:linClrLst meth="repeat">
-      <a:schemeClr val="dk1">
-        <a:tint val="60000"/>
-      </a:schemeClr>
-    </dgm:linClrLst>
-    <dgm:effectClrLst/>
-    <dgm:txLinClrLst/>
-    <dgm:txFillClrLst meth="repeat">
-      <a:schemeClr val="dk1"/>
-    </dgm:txFillClrLst>
-    <dgm:txEffectClrLst/>
-  </dgm:styleLbl>
-  <dgm:styleLbl name="fgSibTrans2D1">
-    <dgm:fillClrLst meth="repeat">
-      <a:schemeClr val="dk1">
-        <a:tint val="60000"/>
-      </a:schemeClr>
-    </dgm:fillClrLst>
-    <dgm:linClrLst meth="repeat">
-      <a:schemeClr val="dk1">
-        <a:tint val="60000"/>
-      </a:schemeClr>
-    </dgm:linClrLst>
-    <dgm:effectClrLst/>
-    <dgm:txLinClrLst/>
-    <dgm:txFillClrLst meth="repeat">
-      <a:schemeClr val="dk1"/>
-    </dgm:txFillClrLst>
-    <dgm:txEffectClrLst/>
-  </dgm:styleLbl>
-  <dgm:styleLbl name="bgSibTrans2D1">
-    <dgm:fillClrLst meth="repeat">
-      <a:schemeClr val="dk1">
-        <a:tint val="60000"/>
-      </a:schemeClr>
-    </dgm:fillClrLst>
-    <dgm:linClrLst meth="repeat">
-      <a:schemeClr val="dk1">
-        <a:tint val="60000"/>
-      </a:schemeClr>
-    </dgm:linClrLst>
-    <dgm:effectClrLst/>
-    <dgm:txLinClrLst/>
-    <dgm:txFillClrLst meth="repeat">
-      <a:schemeClr val="dk1"/>
-    </dgm:txFillClrLst>
-    <dgm:txEffectClrLst/>
-  </dgm:styleLbl>
-  <dgm:styleLbl name="sibTrans1D1">
-    <dgm:fillClrLst meth="repeat">
-      <a:schemeClr val="dk1"/>
-    </dgm:fillClrLst>
-    <dgm:linClrLst meth="repeat">
-      <a:schemeClr val="dk1"/>
-    </dgm:linClrLst>
-    <dgm:effectClrLst/>
-    <dgm:txLinClrLst/>
-    <dgm:txFillClrLst meth="repeat">
-      <a:schemeClr val="tx1"/>
-    </dgm:txFillClrLst>
-    <dgm:txEffectClrLst/>
-  </dgm:styleLbl>
-  <dgm:styleLbl name="callout">
-    <dgm:fillClrLst meth="repeat">
-      <a:schemeClr val="dk1"/>
-    </dgm:fillClrLst>
-    <dgm:linClrLst meth="repeat">
-      <a:schemeClr val="dk1"/>
-    </dgm:linClrLst>
-    <dgm:effectClrLst/>
-    <dgm:txLinClrLst/>
-    <dgm:txFillClrLst meth="repeat">
-      <a:schemeClr val="tx1"/>
-    </dgm:txFillClrLst>
-    <dgm:txEffectClrLst/>
-  </dgm:styleLbl>
-  <dgm:styleLbl name="asst0">
-    <dgm:fillClrLst meth="repeat">
-      <a:schemeClr val="lt1"/>
-    </dgm:fillClrLst>
-    <dgm:linClrLst meth="repeat">
-      <a:schemeClr val="dk1">
-        <a:shade val="80000"/>
-      </a:schemeClr>
-    </dgm:linClrLst>
-    <dgm:effectClrLst/>
-    <dgm:txLinClrLst/>
-    <dgm:txFillClrLst meth="repeat">
-      <a:schemeClr val="dk1"/>
-    </dgm:txFillClrLst>
-    <dgm:txEffectClrLst/>
-  </dgm:styleLbl>
-  <dgm:styleLbl name="asst1">
-    <dgm:fillClrLst meth="repeat">
-      <a:schemeClr val="lt1"/>
-    </dgm:fillClrLst>
-    <dgm:linClrLst meth="repeat">
-      <a:schemeClr val="dk1">
-        <a:shade val="80000"/>
-      </a:schemeClr>
-    </dgm:linClrLst>
-    <dgm:effectClrLst/>
-    <dgm:txLinClrLst/>
-    <dgm:txFillClrLst meth="repeat">
-      <a:schemeClr val="dk1"/>
-    </dgm:txFillClrLst>
-    <dgm:txEffectClrLst/>
-  </dgm:styleLbl>
-  <dgm:styleLbl name="asst2">
-    <dgm:fillClrLst meth="repeat">
-      <a:schemeClr val="lt1"/>
-    </dgm:fillClrLst>
-    <dgm:linClrLst meth="repeat">
-      <a:schemeClr val="dk1">
-        <a:shade val="80000"/>
-      </a:schemeClr>
-    </dgm:linClrLst>
-    <dgm:effectClrLst/>
-    <dgm:txLinClrLst/>
-    <dgm:txFillClrLst meth="repeat">
-      <a:schemeClr val="dk1"/>
-    </dgm:txFillClrLst>
-    <dgm:txEffectClrLst/>
-  </dgm:styleLbl>
-  <dgm:styleLbl name="asst3">
-    <dgm:fillClrLst meth="repeat">
-      <a:schemeClr val="lt1"/>
-    </dgm:fillClrLst>
-    <dgm:linClrLst meth="repeat">
-      <a:schemeClr val="dk1">
-        <a:shade val="80000"/>
-      </a:schemeClr>
-    </dgm:linClrLst>
-    <dgm:effectClrLst/>
-    <dgm:txLinClrLst/>
-    <dgm:txFillClrLst meth="repeat">
-      <a:schemeClr val="dk1"/>
-    </dgm:txFillClrLst>
-    <dgm:txEffectClrLst/>
-  </dgm:styleLbl>
-  <dgm:styleLbl name="asst4">
-    <dgm:fillClrLst meth="repeat">
-      <a:schemeClr val="lt1"/>
-    </dgm:fillClrLst>
-    <dgm:linClrLst meth="repeat">
-      <a:schemeClr val="dk1">
-        <a:shade val="80000"/>
-      </a:schemeClr>
-    </dgm:linClrLst>
-    <dgm:effectClrLst/>
-    <dgm:txLinClrLst/>
-    <dgm:txFillClrLst meth="repeat">
-      <a:schemeClr val="dk1"/>
-    </dgm:txFillClrLst>
-    <dgm:txEffectClrLst/>
-  </dgm:styleLbl>
-  <dgm:styleLbl name="parChTrans2D1">
-    <dgm:fillClrLst meth="repeat">
-      <a:schemeClr val="dk1">
-        <a:tint val="60000"/>
-      </a:schemeClr>
-    </dgm:fillClrLst>
-    <dgm:linClrLst meth="repeat">
-      <a:schemeClr val="dk1">
-        <a:tint val="60000"/>
-      </a:schemeClr>
-    </dgm:linClrLst>
-    <dgm:effectClrLst/>
-    <dgm:txLinClrLst/>
-    <dgm:txFillClrLst/>
-    <dgm:txEffectClrLst/>
-  </dgm:styleLbl>
-  <dgm:styleLbl name="parChTrans2D2">
-    <dgm:fillClrLst meth="repeat">
-      <a:schemeClr val="dk1"/>
-    </dgm:fillClrLst>
-    <dgm:linClrLst meth="repeat">
-      <a:schemeClr val="dk1"/>
-    </dgm:linClrLst>
-    <dgm:effectClrLst/>
-    <dgm:txLinClrLst/>
-    <dgm:txFillClrLst/>
-    <dgm:txEffectClrLst/>
-  </dgm:styleLbl>
-  <dgm:styleLbl name="parChTrans2D3">
-    <dgm:fillClrLst meth="repeat">
-      <a:schemeClr val="dk1"/>
-    </dgm:fillClrLst>
-    <dgm:linClrLst meth="repeat">
-      <a:schemeClr val="dk1"/>
-    </dgm:linClrLst>
-    <dgm:effectClrLst/>
-    <dgm:txLinClrLst/>
-    <dgm:txFillClrLst/>
-    <dgm:txEffectClrLst/>
-  </dgm:styleLbl>
-  <dgm:styleLbl name="parChTrans2D4">
-    <dgm:fillClrLst meth="repeat">
-      <a:schemeClr val="dk1"/>
-    </dgm:fillClrLst>
-    <dgm:linClrLst meth="repeat">
-      <a:schemeClr val="dk1"/>
-    </dgm:linClrLst>
-    <dgm:effectClrLst/>
-    <dgm:txLinClrLst/>
-    <dgm:txFillClrLst meth="repeat">
-      <a:schemeClr val="lt1"/>
-    </dgm:txFillClrLst>
-    <dgm:txEffectClrLst/>
-  </dgm:styleLbl>
-  <dgm:styleLbl name="parChTrans1D1">
-    <dgm:fillClrLst meth="repeat">
-      <a:schemeClr val="dk1"/>
-    </dgm:fillClrLst>
-    <dgm:linClrLst meth="repeat">
-      <a:schemeClr val="dk1">
-        <a:shade val="60000"/>
-      </a:schemeClr>
-    </dgm:linClrLst>
-    <dgm:effectClrLst/>
-    <dgm:txLinClrLst/>
-    <dgm:txFillClrLst meth="repeat">
-      <a:schemeClr val="tx1"/>
-    </dgm:txFillClrLst>
-    <dgm:txEffectClrLst/>
-  </dgm:styleLbl>
-  <dgm:styleLbl name="parChTrans1D2">
-    <dgm:fillClrLst meth="repeat">
-      <a:schemeClr val="dk1"/>
-    </dgm:fillClrLst>
-    <dgm:linClrLst meth="repeat">
-      <a:schemeClr val="dk1">
-        <a:shade val="60000"/>
-      </a:schemeClr>
-    </dgm:linClrLst>
-    <dgm:effectClrLst/>
-    <dgm:txLinClrLst/>
-    <dgm:txFillClrLst meth="repeat">
-      <a:schemeClr val="tx1"/>
-    </dgm:txFillClrLst>
-    <dgm:txEffectClrLst/>
-  </dgm:styleLbl>
-  <dgm:styleLbl name="parChTrans1D3">
-    <dgm:fillClrLst meth="repeat">
-      <a:schemeClr val="dk1"/>
-    </dgm:fillClrLst>
-    <dgm:linClrLst meth="repeat">
-      <a:schemeClr val="dk1">
-        <a:shade val="80000"/>
-      </a:schemeClr>
-    </dgm:linClrLst>
-    <dgm:effectClrLst/>
-    <dgm:txLinClrLst/>
-    <dgm:txFillClrLst meth="repeat">
-      <a:schemeClr val="tx1"/>
-    </dgm:txFillClrLst>
-    <dgm:txEffectClrLst/>
-  </dgm:styleLbl>
-  <dgm:styleLbl name="parChTrans1D4">
-    <dgm:fillClrLst meth="repeat">
-      <a:schemeClr val="dk1"/>
-    </dgm:fillClrLst>
-    <dgm:linClrLst meth="repeat">
-      <a:schemeClr val="dk1">
-        <a:shade val="80000"/>
-      </a:schemeClr>
-    </dgm:linClrLst>
-    <dgm:effectClrLst/>
-    <dgm:txLinClrLst/>
-    <dgm:txFillClrLst meth="repeat">
-      <a:schemeClr val="tx1"/>
-    </dgm:txFillClrLst>
-    <dgm:txEffectClrLst/>
-  </dgm:styleLbl>
-  <dgm:styleLbl name="fgAcc1">
-    <dgm:fillClrLst meth="repeat">
-      <a:schemeClr val="dk1">
-        <a:alpha val="90000"/>
-        <a:tint val="40000"/>
-      </a:schemeClr>
-    </dgm:fillClrLst>
-    <dgm:linClrLst meth="repeat">
-      <a:schemeClr val="dk1"/>
-    </dgm:linClrLst>
-    <dgm:effectClrLst/>
-    <dgm:txLinClrLst/>
-    <dgm:txFillClrLst meth="repeat">
-      <a:schemeClr val="dk1"/>
-    </dgm:txFillClrLst>
-    <dgm:txEffectClrLst/>
-  </dgm:styleLbl>
-  <dgm:styleLbl name="conFgAcc1">
-    <dgm:fillClrLst meth="repeat">
-      <a:schemeClr val="dk1">
-        <a:alpha val="90000"/>
-        <a:tint val="40000"/>
-      </a:schemeClr>
-    </dgm:fillClrLst>
-    <dgm:linClrLst meth="repeat">
-      <a:schemeClr val="dk1"/>
-    </dgm:linClrLst>
-    <dgm:effectClrLst/>
-    <dgm:txLinClrLst/>
-    <dgm:txFillClrLst meth="repeat">
-      <a:schemeClr val="dk1"/>
-    </dgm:txFillClrLst>
-    <dgm:txEffectClrLst/>
-  </dgm:styleLbl>
-  <dgm:styleLbl name="alignAcc1">
-    <dgm:fillClrLst meth="repeat">
-      <a:schemeClr val="dk1">
-        <a:alpha val="90000"/>
-        <a:tint val="40000"/>
-      </a:schemeClr>
-    </dgm:fillClrLst>
-    <dgm:linClrLst meth="repeat">
-      <a:schemeClr val="dk1"/>
-    </dgm:linClrLst>
-    <dgm:effectClrLst/>
-    <dgm:txLinClrLst/>
-    <dgm:txFillClrLst meth="repeat">
-      <a:schemeClr val="dk1"/>
-    </dgm:txFillClrLst>
-    <dgm:txEffectClrLst/>
-  </dgm:styleLbl>
-  <dgm:styleLbl name="trAlignAcc1">
-    <dgm:fillClrLst meth="repeat">
-      <a:schemeClr val="dk1">
-        <a:alpha val="40000"/>
-        <a:tint val="40000"/>
-      </a:schemeClr>
-    </dgm:fillClrLst>
-    <dgm:linClrLst meth="repeat">
-      <a:schemeClr val="dk1"/>
-    </dgm:linClrLst>
-    <dgm:effectClrLst/>
-    <dgm:txLinClrLst/>
-    <dgm:txFillClrLst meth="repeat">
-      <a:schemeClr val="dk1"/>
-    </dgm:txFillClrLst>
-    <dgm:txEffectClrLst/>
-  </dgm:styleLbl>
-  <dgm:styleLbl name="bgAcc1">
-    <dgm:fillClrLst meth="repeat">
-      <a:schemeClr val="dk1">
-        <a:alpha val="90000"/>
-        <a:tint val="40000"/>
-      </a:schemeClr>
-    </dgm:fillClrLst>
-    <dgm:linClrLst meth="repeat">
-      <a:schemeClr val="dk1"/>
-    </dgm:linClrLst>
-    <dgm:effectClrLst/>
-    <dgm:txLinClrLst/>
-    <dgm:txFillClrLst meth="repeat">
-      <a:schemeClr val="dk1"/>
-    </dgm:txFillClrLst>
-    <dgm:txEffectClrLst/>
-  </dgm:styleLbl>
-  <dgm:styleLbl name="solidFgAcc1">
-    <dgm:fillClrLst meth="repeat">
-      <a:schemeClr val="lt1"/>
-    </dgm:fillClrLst>
-    <dgm:linClrLst meth="repeat">
-      <a:schemeClr val="dk1"/>
-    </dgm:linClrLst>
-    <dgm:effectClrLst/>
-    <dgm:txLinClrLst/>
-    <dgm:txFillClrLst meth="repeat">
-      <a:schemeClr val="dk1"/>
-    </dgm:txFillClrLst>
-    <dgm:txEffectClrLst/>
-  </dgm:styleLbl>
-  <dgm:styleLbl name="solidAlignAcc1">
-    <dgm:fillClrLst meth="repeat">
-      <a:schemeClr val="lt1"/>
-    </dgm:fillClrLst>
-    <dgm:linClrLst meth="repeat">
-      <a:schemeClr val="dk1"/>
-    </dgm:linClrLst>
-    <dgm:effectClrLst/>
-    <dgm:txLinClrLst/>
-    <dgm:txFillClrLst meth="repeat">
-      <a:schemeClr val="dk1"/>
-    </dgm:txFillClrLst>
-    <dgm:txEffectClrLst/>
-  </dgm:styleLbl>
-  <dgm:styleLbl name="solidBgAcc1">
-    <dgm:fillClrLst meth="repeat">
-      <a:schemeClr val="lt1"/>
-    </dgm:fillClrLst>
-    <dgm:linClrLst meth="repeat">
-      <a:schemeClr val="dk1"/>
-    </dgm:linClrLst>
-    <dgm:effectClrLst/>
-    <dgm:txLinClrLst/>
-    <dgm:txFillClrLst meth="repeat">
-      <a:schemeClr val="dk1"/>
-    </dgm:txFillClrLst>
-    <dgm:txEffectClrLst/>
-  </dgm:styleLbl>
-  <dgm:styleLbl name="fgAccFollowNode1">
-    <dgm:fillClrLst meth="repeat">
-      <a:schemeClr val="lt1">
-        <a:alpha val="90000"/>
-        <a:tint val="40000"/>
-      </a:schemeClr>
-    </dgm:fillClrLst>
-    <dgm:linClrLst meth="repeat">
-      <a:schemeClr val="dk1">
-        <a:alpha val="90000"/>
-      </a:schemeClr>
-    </dgm:linClrLst>
-    <dgm:effectClrLst/>
-    <dgm:txLinClrLst/>
-    <dgm:txFillClrLst meth="repeat">
-      <a:schemeClr val="dk1"/>
-    </dgm:txFillClrLst>
-    <dgm:txEffectClrLst/>
-  </dgm:styleLbl>
-  <dgm:styleLbl name="alignAccFollowNode1">
-    <dgm:fillClrLst meth="repeat">
-      <a:schemeClr val="lt1">
-        <a:alpha val="90000"/>
-        <a:tint val="40000"/>
-      </a:schemeClr>
-    </dgm:fillClrLst>
-    <dgm:linClrLst meth="repeat">
-      <a:schemeClr val="dk1">
-        <a:alpha val="90000"/>
-      </a:schemeClr>
-    </dgm:linClrLst>
-    <dgm:effectClrLst/>
-    <dgm:txLinClrLst/>
-    <dgm:txFillClrLst meth="repeat">
-      <a:schemeClr val="dk1"/>
-    </dgm:txFillClrLst>
-    <dgm:txEffectClrLst/>
-  </dgm:styleLbl>
-  <dgm:styleLbl name="bgAccFollowNode1">
-    <dgm:fillClrLst meth="repeat">
-      <a:schemeClr val="lt1">
-        <a:alpha val="90000"/>
-        <a:tint val="40000"/>
-      </a:schemeClr>
-    </dgm:fillClrLst>
-    <dgm:linClrLst meth="repeat">
-      <a:schemeClr val="dk1">
-        <a:alpha val="90000"/>
-      </a:schemeClr>
-    </dgm:linClrLst>
-    <dgm:effectClrLst/>
-    <dgm:txLinClrLst/>
-    <dgm:txFillClrLst meth="repeat">
-      <a:schemeClr val="dk1"/>
-    </dgm:txFillClrLst>
-    <dgm:txEffectClrLst/>
-  </dgm:styleLbl>
-  <dgm:styleLbl name="fgAcc0">
-    <dgm:fillClrLst meth="repeat">
-      <a:schemeClr val="dk1">
-        <a:alpha val="90000"/>
-        <a:tint val="40000"/>
-      </a:schemeClr>
-    </dgm:fillClrLst>
-    <dgm:linClrLst meth="repeat">
-      <a:schemeClr val="dk1"/>
-    </dgm:linClrLst>
-    <dgm:effectClrLst/>
-    <dgm:txLinClrLst/>
-    <dgm:txFillClrLst meth="repeat">
-      <a:schemeClr val="dk1"/>
-    </dgm:txFillClrLst>
-    <dgm:txEffectClrLst/>
-  </dgm:styleLbl>
-  <dgm:styleLbl name="fgAcc2">
-    <dgm:fillClrLst meth="repeat">
-      <a:schemeClr val="dk1">
-        <a:alpha val="90000"/>
-        <a:tint val="40000"/>
-      </a:schemeClr>
-    </dgm:fillClrLst>
-    <dgm:linClrLst meth="repeat">
-      <a:schemeClr val="dk1"/>
-    </dgm:linClrLst>
-    <dgm:effectClrLst/>
-    <dgm:txLinClrLst/>
-    <dgm:txFillClrLst meth="repeat">
-      <a:schemeClr val="dk1"/>
-    </dgm:txFillClrLst>
-    <dgm:txEffectClrLst/>
-  </dgm:styleLbl>
-  <dgm:styleLbl name="fgAcc3">
-    <dgm:fillClrLst meth="repeat">
-      <a:schemeClr val="dk1">
-        <a:alpha val="90000"/>
-        <a:tint val="40000"/>
-      </a:schemeClr>
-    </dgm:fillClrLst>
-    <dgm:linClrLst meth="repeat">
-      <a:schemeClr val="dk1"/>
-    </dgm:linClrLst>
-    <dgm:effectClrLst/>
-    <dgm:txLinClrLst/>
-    <dgm:txFillClrLst meth="repeat">
-      <a:schemeClr val="dk1"/>
-    </dgm:txFillClrLst>
-    <dgm:txEffectClrLst/>
-  </dgm:styleLbl>
-  <dgm:styleLbl name="fgAcc4">
-    <dgm:fillClrLst meth="repeat">
-      <a:schemeClr val="dk1">
-        <a:alpha val="90000"/>
-        <a:tint val="40000"/>
-      </a:schemeClr>
-    </dgm:fillClrLst>
-    <dgm:linClrLst meth="repeat">
-      <a:schemeClr val="dk1"/>
-    </dgm:linClrLst>
-    <dgm:effectClrLst/>
-    <dgm:txLinClrLst/>
-    <dgm:txFillClrLst meth="repeat">
-      <a:schemeClr val="dk1"/>
-    </dgm:txFillClrLst>
-    <dgm:txEffectClrLst/>
-  </dgm:styleLbl>
-  <dgm:styleLbl name="bgShp">
-    <dgm:fillClrLst meth="repeat">
-      <a:schemeClr val="dk1">
-        <a:tint val="40000"/>
-      </a:schemeClr>
-    </dgm:fillClrLst>
-    <dgm:linClrLst meth="repeat">
-      <a:schemeClr val="dk1"/>
-    </dgm:linClrLst>
-    <dgm:effectClrLst/>
-    <dgm:txLinClrLst/>
-    <dgm:txFillClrLst meth="repeat">
-      <a:schemeClr val="dk1"/>
-    </dgm:txFillClrLst>
-    <dgm:txEffectClrLst/>
-  </dgm:styleLbl>
-  <dgm:styleLbl name="dkBgShp">
-    <dgm:fillClrLst meth="repeat">
-      <a:schemeClr val="dk1">
-        <a:shade val="80000"/>
-      </a:schemeClr>
-    </dgm:fillClrLst>
-    <dgm:linClrLst meth="repeat">
-      <a:schemeClr val="dk1"/>
-    </dgm:linClrLst>
-    <dgm:effectClrLst/>
-    <dgm:txLinClrLst/>
-    <dgm:txFillClrLst meth="repeat">
-      <a:schemeClr val="lt1"/>
-    </dgm:txFillClrLst>
-    <dgm:txEffectClrLst/>
-  </dgm:styleLbl>
-  <dgm:styleLbl name="trBgShp">
-    <dgm:fillClrLst meth="repeat">
-      <a:schemeClr val="dk1">
-        <a:tint val="50000"/>
-        <a:alpha val="40000"/>
-      </a:schemeClr>
-    </dgm:fillClrLst>
-    <dgm:linClrLst meth="repeat">
-      <a:schemeClr val="dk1"/>
-    </dgm:linClrLst>
-    <dgm:effectClrLst/>
-    <dgm:txLinClrLst/>
-    <dgm:txFillClrLst meth="repeat">
-      <a:schemeClr val="lt1"/>
-    </dgm:txFillClrLst>
-    <dgm:txEffectClrLst/>
-  </dgm:styleLbl>
-  <dgm:styleLbl name="fgShp">
-    <dgm:fillClrLst meth="repeat">
-      <a:schemeClr val="dk1">
-        <a:tint val="60000"/>
-      </a:schemeClr>
-    </dgm:fillClrLst>
-    <dgm:linClrLst meth="repeat">
-      <a:schemeClr val="lt1"/>
-    </dgm:linClrLst>
-    <dgm:effectClrLst/>
-    <dgm:txLinClrLst/>
-    <dgm:txFillClrLst meth="repeat">
-      <a:schemeClr val="dk1"/>
-    </dgm:txFillClrLst>
-    <dgm:txEffectClrLst/>
-  </dgm:styleLbl>
-  <dgm:styleLbl name="revTx">
-    <dgm:fillClrLst meth="repeat">
-      <a:schemeClr val="lt1">
-        <a:alpha val="0"/>
-      </a:schemeClr>
-    </dgm:fillClrLst>
-    <dgm:linClrLst meth="repeat">
-      <a:schemeClr val="dk1">
-        <a:alpha val="0"/>
-      </a:schemeClr>
-    </dgm:linClrLst>
-    <dgm:effectClrLst/>
-    <dgm:txLinClrLst/>
-    <dgm:txFillClrLst meth="repeat">
-      <a:schemeClr val="tx1"/>
-    </dgm:txFillClrLst>
-    <dgm:txEffectClrLst/>
-  </dgm:styleLbl>
-</dgm:colorsDef>
-</file>
-
-<file path=ppt/diagrams/colors3.xml><?xml version="1.0" encoding="utf-8"?>
-<dgm:colorsDef xmlns:dgm="http://schemas.openxmlformats.org/drawingml/2006/diagram" xmlns:a="http://schemas.openxmlformats.org/drawingml/2006/main" uniqueId="urn:microsoft.com/office/officeart/2005/8/colors/accent0_1">
-  <dgm:title val=""/>
-  <dgm:desc val=""/>
-  <dgm:catLst>
-    <dgm:cat type="mainScheme" pri="10100"/>
-  </dgm:catLst>
-  <dgm:styleLbl name="node0">
-    <dgm:fillClrLst meth="repeat">
-      <a:schemeClr val="lt1"/>
-    </dgm:fillClrLst>
-    <dgm:linClrLst meth="repeat">
-      <a:schemeClr val="dk1">
-        <a:shade val="80000"/>
-      </a:schemeClr>
-    </dgm:linClrLst>
-    <dgm:effectClrLst/>
-    <dgm:txLinClrLst/>
-    <dgm:txFillClrLst meth="repeat">
-      <a:schemeClr val="dk1"/>
-    </dgm:txFillClrLst>
-    <dgm:txEffectClrLst/>
-  </dgm:styleLbl>
-  <dgm:styleLbl name="node1">
-    <dgm:fillClrLst meth="repeat">
-      <a:schemeClr val="lt1"/>
-    </dgm:fillClrLst>
-    <dgm:linClrLst meth="repeat">
-      <a:schemeClr val="dk1">
-        <a:shade val="80000"/>
-      </a:schemeClr>
-    </dgm:linClrLst>
-    <dgm:effectClrLst/>
-    <dgm:txLinClrLst/>
-    <dgm:txFillClrLst meth="repeat">
-      <a:schemeClr val="dk1"/>
-    </dgm:txFillClrLst>
-    <dgm:txEffectClrLst/>
-  </dgm:styleLbl>
-  <dgm:styleLbl name="alignNode1">
-    <dgm:fillClrLst meth="repeat">
-      <a:schemeClr val="lt1"/>
-    </dgm:fillClrLst>
-    <dgm:linClrLst meth="repeat">
-      <a:schemeClr val="dk1">
-        <a:shade val="80000"/>
-      </a:schemeClr>
-    </dgm:linClrLst>
-    <dgm:effectClrLst/>
-    <dgm:txLinClrLst/>
-    <dgm:txFillClrLst meth="repeat">
-      <a:schemeClr val="dk1"/>
-    </dgm:txFillClrLst>
-    <dgm:txEffectClrLst/>
-  </dgm:styleLbl>
-  <dgm:styleLbl name="lnNode1">
-    <dgm:fillClrLst meth="repeat">
-      <a:schemeClr val="lt1"/>
-    </dgm:fillClrLst>
-    <dgm:linClrLst meth="repeat">
-      <a:schemeClr val="dk1">
-        <a:shade val="80000"/>
-      </a:schemeClr>
-    </dgm:linClrLst>
-    <dgm:effectClrLst/>
-    <dgm:txLinClrLst/>
-    <dgm:txFillClrLst meth="repeat">
-      <a:schemeClr val="dk1"/>
-    </dgm:txFillClrLst>
-    <dgm:txEffectClrLst/>
-  </dgm:styleLbl>
-  <dgm:styleLbl name="vennNode1">
-    <dgm:fillClrLst meth="repeat">
-      <a:schemeClr val="lt1">
-        <a:alpha val="50000"/>
-      </a:schemeClr>
-    </dgm:fillClrLst>
-    <dgm:linClrLst meth="repeat">
-      <a:schemeClr val="dk1">
-        <a:shade val="80000"/>
-      </a:schemeClr>
-    </dgm:linClrLst>
-    <dgm:effectClrLst/>
-    <dgm:txLinClrLst/>
-    <dgm:txFillClrLst/>
-    <dgm:txEffectClrLst/>
-  </dgm:styleLbl>
-  <dgm:styleLbl name="node2">
-    <dgm:fillClrLst meth="repeat">
-      <a:schemeClr val="lt1"/>
-    </dgm:fillClrLst>
-    <dgm:linClrLst meth="repeat">
-      <a:schemeClr val="dk1">
-        <a:shade val="80000"/>
-      </a:schemeClr>
-    </dgm:linClrLst>
-    <dgm:effectClrLst/>
-    <dgm:txLinClrLst/>
-    <dgm:txFillClrLst meth="repeat">
-      <a:schemeClr val="dk1"/>
-    </dgm:txFillClrLst>
-    <dgm:txEffectClrLst/>
-  </dgm:styleLbl>
-  <dgm:styleLbl name="node3">
-    <dgm:fillClrLst meth="repeat">
-      <a:schemeClr val="lt1"/>
-    </dgm:fillClrLst>
-    <dgm:linClrLst meth="repeat">
-      <a:schemeClr val="dk1">
-        <a:shade val="80000"/>
-      </a:schemeClr>
-    </dgm:linClrLst>
-    <dgm:effectClrLst/>
-    <dgm:txLinClrLst/>
-    <dgm:txFillClrLst meth="repeat">
-      <a:schemeClr val="dk1"/>
-    </dgm:txFillClrLst>
-    <dgm:txEffectClrLst/>
-  </dgm:styleLbl>
-  <dgm:styleLbl name="node4">
-    <dgm:fillClrLst meth="repeat">
-      <a:schemeClr val="lt1"/>
-    </dgm:fillClrLst>
-    <dgm:linClrLst meth="repeat">
-      <a:schemeClr val="dk1">
-        <a:shade val="80000"/>
-      </a:schemeClr>
-    </dgm:linClrLst>
-    <dgm:effectClrLst/>
-    <dgm:txLinClrLst/>
-    <dgm:txFillClrLst meth="repeat">
-      <a:schemeClr val="dk1"/>
-    </dgm:txFillClrLst>
-    <dgm:txEffectClrLst/>
-  </dgm:styleLbl>
-  <dgm:styleLbl name="fgImgPlace1">
-    <dgm:fillClrLst meth="repeat">
-      <a:schemeClr val="dk1">
-        <a:tint val="40000"/>
-      </a:schemeClr>
-    </dgm:fillClrLst>
-    <dgm:linClrLst meth="repeat">
-      <a:schemeClr val="dk1">
-        <a:shade val="80000"/>
-      </a:schemeClr>
-    </dgm:linClrLst>
-    <dgm:effectClrLst/>
-    <dgm:txLinClrLst/>
-    <dgm:txFillClrLst meth="repeat">
-      <a:schemeClr val="lt1"/>
-    </dgm:txFillClrLst>
-    <dgm:txEffectClrLst/>
-  </dgm:styleLbl>
-  <dgm:styleLbl name="alignImgPlace1">
-    <dgm:fillClrLst meth="repeat">
-      <a:schemeClr val="dk1">
-        <a:tint val="40000"/>
-      </a:schemeClr>
-    </dgm:fillClrLst>
-    <dgm:linClrLst meth="repeat">
-      <a:schemeClr val="dk1">
-        <a:shade val="80000"/>
-      </a:schemeClr>
-    </dgm:linClrLst>
-    <dgm:effectClrLst/>
-    <dgm:txLinClrLst/>
-    <dgm:txFillClrLst meth="repeat">
-      <a:schemeClr val="lt1"/>
-    </dgm:txFillClrLst>
-    <dgm:txEffectClrLst/>
-  </dgm:styleLbl>
-  <dgm:styleLbl name="bgImgPlace1">
-    <dgm:fillClrLst meth="repeat">
-      <a:schemeClr val="dk1">
-        <a:tint val="40000"/>
-      </a:schemeClr>
-    </dgm:fillClrLst>
-    <dgm:linClrLst meth="repeat">
-      <a:schemeClr val="dk1">
-        <a:shade val="80000"/>
-      </a:schemeClr>
-    </dgm:linClrLst>
-    <dgm:effectClrLst/>
-    <dgm:txLinClrLst/>
-    <dgm:txFillClrLst meth="repeat">
-      <a:schemeClr val="lt1"/>
-    </dgm:txFillClrLst>
-    <dgm:txEffectClrLst/>
-  </dgm:styleLbl>
-  <dgm:styleLbl name="sibTrans2D1">
-    <dgm:fillClrLst meth="repeat">
-      <a:schemeClr val="dk1">
-        <a:tint val="60000"/>
-      </a:schemeClr>
-    </dgm:fillClrLst>
-    <dgm:linClrLst meth="repeat">
-      <a:schemeClr val="dk1">
-        <a:tint val="60000"/>
-      </a:schemeClr>
-    </dgm:linClrLst>
-    <dgm:effectClrLst/>
-    <dgm:txLinClrLst/>
-    <dgm:txFillClrLst meth="repeat">
-      <a:schemeClr val="dk1"/>
-    </dgm:txFillClrLst>
-    <dgm:txEffectClrLst/>
-  </dgm:styleLbl>
-  <dgm:styleLbl name="fgSibTrans2D1">
-    <dgm:fillClrLst meth="repeat">
-      <a:schemeClr val="dk1">
-        <a:tint val="60000"/>
-      </a:schemeClr>
-    </dgm:fillClrLst>
-    <dgm:linClrLst meth="repeat">
-      <a:schemeClr val="dk1">
-        <a:tint val="60000"/>
-      </a:schemeClr>
-    </dgm:linClrLst>
-    <dgm:effectClrLst/>
-    <dgm:txLinClrLst/>
-    <dgm:txFillClrLst meth="repeat">
-      <a:schemeClr val="dk1"/>
-    </dgm:txFillClrLst>
-    <dgm:txEffectClrLst/>
-  </dgm:styleLbl>
-  <dgm:styleLbl name="bgSibTrans2D1">
-    <dgm:fillClrLst meth="repeat">
-      <a:schemeClr val="dk1">
-        <a:tint val="60000"/>
-      </a:schemeClr>
-    </dgm:fillClrLst>
-    <dgm:linClrLst meth="repeat">
-      <a:schemeClr val="dk1">
-        <a:tint val="60000"/>
-      </a:schemeClr>
-    </dgm:linClrLst>
-    <dgm:effectClrLst/>
-    <dgm:txLinClrLst/>
-    <dgm:txFillClrLst meth="repeat">
-      <a:schemeClr val="dk1"/>
-    </dgm:txFillClrLst>
-    <dgm:txEffectClrLst/>
-  </dgm:styleLbl>
-  <dgm:styleLbl name="sibTrans1D1">
-    <dgm:fillClrLst meth="repeat">
-      <a:schemeClr val="dk1"/>
-    </dgm:fillClrLst>
-    <dgm:linClrLst meth="repeat">
-      <a:schemeClr val="dk1"/>
-    </dgm:linClrLst>
-    <dgm:effectClrLst/>
-    <dgm:txLinClrLst/>
-    <dgm:txFillClrLst meth="repeat">
-      <a:schemeClr val="tx1"/>
-    </dgm:txFillClrLst>
-    <dgm:txEffectClrLst/>
-  </dgm:styleLbl>
-  <dgm:styleLbl name="callout">
-    <dgm:fillClrLst meth="repeat">
-      <a:schemeClr val="dk1"/>
-    </dgm:fillClrLst>
-    <dgm:linClrLst meth="repeat">
-      <a:schemeClr val="dk1"/>
-    </dgm:linClrLst>
-    <dgm:effectClrLst/>
-    <dgm:txLinClrLst/>
-    <dgm:txFillClrLst meth="repeat">
-      <a:schemeClr val="tx1"/>
-    </dgm:txFillClrLst>
-    <dgm:txEffectClrLst/>
-  </dgm:styleLbl>
-  <dgm:styleLbl name="asst0">
-    <dgm:fillClrLst meth="repeat">
-      <a:schemeClr val="lt1"/>
-    </dgm:fillClrLst>
-    <dgm:linClrLst meth="repeat">
-      <a:schemeClr val="dk1">
-        <a:shade val="80000"/>
-      </a:schemeClr>
-    </dgm:linClrLst>
-    <dgm:effectClrLst/>
-    <dgm:txLinClrLst/>
-    <dgm:txFillClrLst meth="repeat">
-      <a:schemeClr val="dk1"/>
-    </dgm:txFillClrLst>
-    <dgm:txEffectClrLst/>
-  </dgm:styleLbl>
-  <dgm:styleLbl name="asst1">
-    <dgm:fillClrLst meth="repeat">
-      <a:schemeClr val="lt1"/>
-    </dgm:fillClrLst>
-    <dgm:linClrLst meth="repeat">
-      <a:schemeClr val="dk1">
-        <a:shade val="80000"/>
-      </a:schemeClr>
-    </dgm:linClrLst>
-    <dgm:effectClrLst/>
-    <dgm:txLinClrLst/>
-    <dgm:txFillClrLst meth="repeat">
-      <a:schemeClr val="dk1"/>
-    </dgm:txFillClrLst>
-    <dgm:txEffectClrLst/>
-  </dgm:styleLbl>
-  <dgm:styleLbl name="asst2">
-    <dgm:fillClrLst meth="repeat">
-      <a:schemeClr val="lt1"/>
-    </dgm:fillClrLst>
-    <dgm:linClrLst meth="repeat">
-      <a:schemeClr val="dk1">
-        <a:shade val="80000"/>
-      </a:schemeClr>
-    </dgm:linClrLst>
-    <dgm:effectClrLst/>
-    <dgm:txLinClrLst/>
-    <dgm:txFillClrLst meth="repeat">
-      <a:schemeClr val="dk1"/>
-    </dgm:txFillClrLst>
-    <dgm:txEffectClrLst/>
-  </dgm:styleLbl>
-  <dgm:styleLbl name="asst3">
-    <dgm:fillClrLst meth="repeat">
-      <a:schemeClr val="lt1"/>
-    </dgm:fillClrLst>
-    <dgm:linClrLst meth="repeat">
-      <a:schemeClr val="dk1">
-        <a:shade val="80000"/>
-      </a:schemeClr>
-    </dgm:linClrLst>
-    <dgm:effectClrLst/>
-    <dgm:txLinClrLst/>
-    <dgm:txFillClrLst meth="repeat">
-      <a:schemeClr val="dk1"/>
-    </dgm:txFillClrLst>
-    <dgm:txEffectClrLst/>
-  </dgm:styleLbl>
-  <dgm:styleLbl name="asst4">
-    <dgm:fillClrLst meth="repeat">
-      <a:schemeClr val="lt1"/>
-    </dgm:fillClrLst>
-    <dgm:linClrLst meth="repeat">
-      <a:schemeClr val="dk1">
-        <a:shade val="80000"/>
-      </a:schemeClr>
-    </dgm:linClrLst>
-    <dgm:effectClrLst/>
-    <dgm:txLinClrLst/>
-    <dgm:txFillClrLst meth="repeat">
-      <a:schemeClr val="dk1"/>
-    </dgm:txFillClrLst>
-    <dgm:txEffectClrLst/>
-  </dgm:styleLbl>
-  <dgm:styleLbl name="parChTrans2D1">
-    <dgm:fillClrLst meth="repeat">
-      <a:schemeClr val="dk1">
-        <a:tint val="60000"/>
-      </a:schemeClr>
-    </dgm:fillClrLst>
-    <dgm:linClrLst meth="repeat">
-      <a:schemeClr val="dk1">
-        <a:tint val="60000"/>
-      </a:schemeClr>
-    </dgm:linClrLst>
-    <dgm:effectClrLst/>
-    <dgm:txLinClrLst/>
-    <dgm:txFillClrLst/>
-    <dgm:txEffectClrLst/>
-  </dgm:styleLbl>
-  <dgm:styleLbl name="parChTrans2D2">
-    <dgm:fillClrLst meth="repeat">
-      <a:schemeClr val="dk1"/>
-    </dgm:fillClrLst>
-    <dgm:linClrLst meth="repeat">
-      <a:schemeClr val="dk1"/>
-    </dgm:linClrLst>
-    <dgm:effectClrLst/>
-    <dgm:txLinClrLst/>
-    <dgm:txFillClrLst/>
-    <dgm:txEffectClrLst/>
-  </dgm:styleLbl>
-  <dgm:styleLbl name="parChTrans2D3">
-    <dgm:fillClrLst meth="repeat">
-      <a:schemeClr val="dk1"/>
-    </dgm:fillClrLst>
-    <dgm:linClrLst meth="repeat">
-      <a:schemeClr val="dk1"/>
-    </dgm:linClrLst>
-    <dgm:effectClrLst/>
-    <dgm:txLinClrLst/>
-    <dgm:txFillClrLst/>
-    <dgm:txEffectClrLst/>
-  </dgm:styleLbl>
-  <dgm:styleLbl name="parChTrans2D4">
-    <dgm:fillClrLst meth="repeat">
-      <a:schemeClr val="dk1"/>
-    </dgm:fillClrLst>
-    <dgm:linClrLst meth="repeat">
-      <a:schemeClr val="dk1"/>
-    </dgm:linClrLst>
-    <dgm:effectClrLst/>
-    <dgm:txLinClrLst/>
-    <dgm:txFillClrLst meth="repeat">
-      <a:schemeClr val="lt1"/>
-    </dgm:txFillClrLst>
-    <dgm:txEffectClrLst/>
-  </dgm:styleLbl>
-  <dgm:styleLbl name="parChTrans1D1">
-    <dgm:fillClrLst meth="repeat">
-      <a:schemeClr val="dk1"/>
-    </dgm:fillClrLst>
-    <dgm:linClrLst meth="repeat">
-      <a:schemeClr val="dk1">
-        <a:shade val="60000"/>
-      </a:schemeClr>
-    </dgm:linClrLst>
-    <dgm:effectClrLst/>
-    <dgm:txLinClrLst/>
-    <dgm:txFillClrLst meth="repeat">
-      <a:schemeClr val="tx1"/>
-    </dgm:txFillClrLst>
-    <dgm:txEffectClrLst/>
-  </dgm:styleLbl>
-  <dgm:styleLbl name="parChTrans1D2">
-    <dgm:fillClrLst meth="repeat">
-      <a:schemeClr val="dk1"/>
-    </dgm:fillClrLst>
-    <dgm:linClrLst meth="repeat">
-      <a:schemeClr val="dk1">
-        <a:shade val="60000"/>
-      </a:schemeClr>
-    </dgm:linClrLst>
-    <dgm:effectClrLst/>
-    <dgm:txLinClrLst/>
-    <dgm:txFillClrLst meth="repeat">
-      <a:schemeClr val="tx1"/>
-    </dgm:txFillClrLst>
-    <dgm:txEffectClrLst/>
-  </dgm:styleLbl>
-  <dgm:styleLbl name="parChTrans1D3">
-    <dgm:fillClrLst meth="repeat">
-      <a:schemeClr val="dk1"/>
-    </dgm:fillClrLst>
-    <dgm:linClrLst meth="repeat">
-      <a:schemeClr val="dk1">
-        <a:shade val="80000"/>
-      </a:schemeClr>
-    </dgm:linClrLst>
-    <dgm:effectClrLst/>
-    <dgm:txLinClrLst/>
-    <dgm:txFillClrLst meth="repeat">
-      <a:schemeClr val="tx1"/>
-    </dgm:txFillClrLst>
-    <dgm:txEffectClrLst/>
-  </dgm:styleLbl>
-  <dgm:styleLbl name="parChTrans1D4">
-    <dgm:fillClrLst meth="repeat">
-      <a:schemeClr val="dk1"/>
-    </dgm:fillClrLst>
-    <dgm:linClrLst meth="repeat">
-      <a:schemeClr val="dk1">
-        <a:shade val="80000"/>
-      </a:schemeClr>
-    </dgm:linClrLst>
-    <dgm:effectClrLst/>
-    <dgm:txLinClrLst/>
-    <dgm:txFillClrLst meth="repeat">
-      <a:schemeClr val="tx1"/>
-    </dgm:txFillClrLst>
-    <dgm:txEffectClrLst/>
-  </dgm:styleLbl>
-  <dgm:styleLbl name="fgAcc1">
-    <dgm:fillClrLst meth="repeat">
-      <a:schemeClr val="dk1">
-        <a:alpha val="90000"/>
-        <a:tint val="40000"/>
-      </a:schemeClr>
-    </dgm:fillClrLst>
-    <dgm:linClrLst meth="repeat">
-      <a:schemeClr val="dk1"/>
-    </dgm:linClrLst>
-    <dgm:effectClrLst/>
-    <dgm:txLinClrLst/>
-    <dgm:txFillClrLst meth="repeat">
-      <a:schemeClr val="dk1"/>
-    </dgm:txFillClrLst>
-    <dgm:txEffectClrLst/>
-  </dgm:styleLbl>
-  <dgm:styleLbl name="conFgAcc1">
-    <dgm:fillClrLst meth="repeat">
-      <a:schemeClr val="dk1">
-        <a:alpha val="90000"/>
-        <a:tint val="40000"/>
-      </a:schemeClr>
-    </dgm:fillClrLst>
-    <dgm:linClrLst meth="repeat">
-      <a:schemeClr val="dk1"/>
-    </dgm:linClrLst>
-    <dgm:effectClrLst/>
-    <dgm:txLinClrLst/>
-    <dgm:txFillClrLst meth="repeat">
-      <a:schemeClr val="dk1"/>
-    </dgm:txFillClrLst>
-    <dgm:txEffectClrLst/>
-  </dgm:styleLbl>
-  <dgm:styleLbl name="alignAcc1">
-    <dgm:fillClrLst meth="repeat">
-      <a:schemeClr val="dk1">
-        <a:alpha val="90000"/>
-        <a:tint val="40000"/>
-      </a:schemeClr>
-    </dgm:fillClrLst>
-    <dgm:linClrLst meth="repeat">
-      <a:schemeClr val="dk1"/>
-    </dgm:linClrLst>
-    <dgm:effectClrLst/>
-    <dgm:txLinClrLst/>
-    <dgm:txFillClrLst meth="repeat">
-      <a:schemeClr val="dk1"/>
-    </dgm:txFillClrLst>
-    <dgm:txEffectClrLst/>
-  </dgm:styleLbl>
-  <dgm:styleLbl name="trAlignAcc1">
-    <dgm:fillClrLst meth="repeat">
-      <a:schemeClr val="dk1">
-        <a:alpha val="40000"/>
-        <a:tint val="40000"/>
-      </a:schemeClr>
-    </dgm:fillClrLst>
-    <dgm:linClrLst meth="repeat">
-      <a:schemeClr val="dk1"/>
-    </dgm:linClrLst>
-    <dgm:effectClrLst/>
-    <dgm:txLinClrLst/>
-    <dgm:txFillClrLst meth="repeat">
-      <a:schemeClr val="dk1"/>
-    </dgm:txFillClrLst>
-    <dgm:txEffectClrLst/>
-  </dgm:styleLbl>
-  <dgm:styleLbl name="bgAcc1">
-    <dgm:fillClrLst meth="repeat">
-      <a:schemeClr val="dk1">
-        <a:alpha val="90000"/>
-        <a:tint val="40000"/>
-      </a:schemeClr>
-    </dgm:fillClrLst>
-    <dgm:linClrLst meth="repeat">
-      <a:schemeClr val="dk1"/>
-    </dgm:linClrLst>
-    <dgm:effectClrLst/>
-    <dgm:txLinClrLst/>
-    <dgm:txFillClrLst meth="repeat">
-      <a:schemeClr val="dk1"/>
-    </dgm:txFillClrLst>
-    <dgm:txEffectClrLst/>
-  </dgm:styleLbl>
-  <dgm:styleLbl name="solidFgAcc1">
-    <dgm:fillClrLst meth="repeat">
-      <a:schemeClr val="lt1"/>
-    </dgm:fillClrLst>
-    <dgm:linClrLst meth="repeat">
-      <a:schemeClr val="dk1"/>
-    </dgm:linClrLst>
-    <dgm:effectClrLst/>
-    <dgm:txLinClrLst/>
-    <dgm:txFillClrLst meth="repeat">
-      <a:schemeClr val="dk1"/>
-    </dgm:txFillClrLst>
-    <dgm:txEffectClrLst/>
-  </dgm:styleLbl>
-  <dgm:styleLbl name="solidAlignAcc1">
-    <dgm:fillClrLst meth="repeat">
-      <a:schemeClr val="lt1"/>
-    </dgm:fillClrLst>
-    <dgm:linClrLst meth="repeat">
-      <a:schemeClr val="dk1"/>
-    </dgm:linClrLst>
-    <dgm:effectClrLst/>
-    <dgm:txLinClrLst/>
-    <dgm:txFillClrLst meth="repeat">
-      <a:schemeClr val="dk1"/>
-    </dgm:txFillClrLst>
-    <dgm:txEffectClrLst/>
-  </dgm:styleLbl>
-  <dgm:styleLbl name="solidBgAcc1">
-    <dgm:fillClrLst meth="repeat">
-      <a:schemeClr val="lt1"/>
-    </dgm:fillClrLst>
-    <dgm:linClrLst meth="repeat">
-      <a:schemeClr val="dk1"/>
-    </dgm:linClrLst>
-    <dgm:effectClrLst/>
-    <dgm:txLinClrLst/>
-    <dgm:txFillClrLst meth="repeat">
-      <a:schemeClr val="dk1"/>
-    </dgm:txFillClrLst>
-    <dgm:txEffectClrLst/>
-  </dgm:styleLbl>
-  <dgm:styleLbl name="fgAccFollowNode1">
-    <dgm:fillClrLst meth="repeat">
-      <a:schemeClr val="lt1">
-        <a:alpha val="90000"/>
-        <a:tint val="40000"/>
-      </a:schemeClr>
-    </dgm:fillClrLst>
-    <dgm:linClrLst meth="repeat">
-      <a:schemeClr val="dk1">
-        <a:alpha val="90000"/>
-      </a:schemeClr>
-    </dgm:linClrLst>
-    <dgm:effectClrLst/>
-    <dgm:txLinClrLst/>
-    <dgm:txFillClrLst meth="repeat">
-      <a:schemeClr val="dk1"/>
-    </dgm:txFillClrLst>
-    <dgm:txEffectClrLst/>
-  </dgm:styleLbl>
-  <dgm:styleLbl name="alignAccFollowNode1">
-    <dgm:fillClrLst meth="repeat">
-      <a:schemeClr val="lt1">
-        <a:alpha val="90000"/>
-        <a:tint val="40000"/>
-      </a:schemeClr>
-    </dgm:fillClrLst>
-    <dgm:linClrLst meth="repeat">
-      <a:schemeClr val="dk1">
-        <a:alpha val="90000"/>
-      </a:schemeClr>
-    </dgm:linClrLst>
-    <dgm:effectClrLst/>
-    <dgm:txLinClrLst/>
-    <dgm:txFillClrLst meth="repeat">
-      <a:schemeClr val="dk1"/>
-    </dgm:txFillClrLst>
-    <dgm:txEffectClrLst/>
-  </dgm:styleLbl>
-  <dgm:styleLbl name="bgAccFollowNode1">
-    <dgm:fillClrLst meth="repeat">
-      <a:schemeClr val="lt1">
-        <a:alpha val="90000"/>
-        <a:tint val="40000"/>
-      </a:schemeClr>
-    </dgm:fillClrLst>
-    <dgm:linClrLst meth="repeat">
-      <a:schemeClr val="dk1">
-        <a:alpha val="90000"/>
-      </a:schemeClr>
-    </dgm:linClrLst>
-    <dgm:effectClrLst/>
-    <dgm:txLinClrLst/>
-    <dgm:txFillClrLst meth="repeat">
-      <a:schemeClr val="dk1"/>
-    </dgm:txFillClrLst>
-    <dgm:txEffectClrLst/>
-  </dgm:styleLbl>
-  <dgm:styleLbl name="fgAcc0">
-    <dgm:fillClrLst meth="repeat">
-      <a:schemeClr val="dk1">
-        <a:alpha val="90000"/>
-        <a:tint val="40000"/>
-      </a:schemeClr>
-    </dgm:fillClrLst>
-    <dgm:linClrLst meth="repeat">
-      <a:schemeClr val="dk1"/>
-    </dgm:linClrLst>
-    <dgm:effectClrLst/>
-    <dgm:txLinClrLst/>
-    <dgm:txFillClrLst meth="repeat">
-      <a:schemeClr val="dk1"/>
-    </dgm:txFillClrLst>
-    <dgm:txEffectClrLst/>
-  </dgm:styleLbl>
-  <dgm:styleLbl name="fgAcc2">
-    <dgm:fillClrLst meth="repeat">
-      <a:schemeClr val="dk1">
-        <a:alpha val="90000"/>
-        <a:tint val="40000"/>
-      </a:schemeClr>
-    </dgm:fillClrLst>
-    <dgm:linClrLst meth="repeat">
-      <a:schemeClr val="dk1"/>
-    </dgm:linClrLst>
-    <dgm:effectClrLst/>
-    <dgm:txLinClrLst/>
-    <dgm:txFillClrLst meth="repeat">
-      <a:schemeClr val="dk1"/>
-    </dgm:txFillClrLst>
-    <dgm:txEffectClrLst/>
-  </dgm:styleLbl>
-  <dgm:styleLbl name="fgAcc3">
-    <dgm:fillClrLst meth="repeat">
-      <a:schemeClr val="dk1">
-        <a:alpha val="90000"/>
-        <a:tint val="40000"/>
-      </a:schemeClr>
-    </dgm:fillClrLst>
-    <dgm:linClrLst meth="repeat">
-      <a:schemeClr val="dk1"/>
-    </dgm:linClrLst>
-    <dgm:effectClrLst/>
-    <dgm:txLinClrLst/>
-    <dgm:txFillClrLst meth="repeat">
-      <a:schemeClr val="dk1"/>
-    </dgm:txFillClrLst>
-    <dgm:txEffectClrLst/>
-  </dgm:styleLbl>
-  <dgm:styleLbl name="fgAcc4">
-    <dgm:fillClrLst meth="repeat">
-      <a:schemeClr val="dk1">
-        <a:alpha val="90000"/>
-        <a:tint val="40000"/>
-      </a:schemeClr>
-    </dgm:fillClrLst>
-    <dgm:linClrLst meth="repeat">
-      <a:schemeClr val="dk1"/>
-    </dgm:linClrLst>
-    <dgm:effectClrLst/>
-    <dgm:txLinClrLst/>
-    <dgm:txFillClrLst meth="repeat">
-      <a:schemeClr val="dk1"/>
-    </dgm:txFillClrLst>
-    <dgm:txEffectClrLst/>
-  </dgm:styleLbl>
-  <dgm:styleLbl name="bgShp">
-    <dgm:fillClrLst meth="repeat">
-      <a:schemeClr val="dk1">
-        <a:tint val="40000"/>
-      </a:schemeClr>
-    </dgm:fillClrLst>
-    <dgm:linClrLst meth="repeat">
-      <a:schemeClr val="dk1"/>
-    </dgm:linClrLst>
-    <dgm:effectClrLst/>
-    <dgm:txLinClrLst/>
-    <dgm:txFillClrLst meth="repeat">
-      <a:schemeClr val="dk1"/>
-    </dgm:txFillClrLst>
-    <dgm:txEffectClrLst/>
-  </dgm:styleLbl>
-  <dgm:styleLbl name="dkBgShp">
-    <dgm:fillClrLst meth="repeat">
-      <a:schemeClr val="dk1">
-        <a:shade val="80000"/>
-      </a:schemeClr>
-    </dgm:fillClrLst>
-    <dgm:linClrLst meth="repeat">
-      <a:schemeClr val="dk1"/>
-    </dgm:linClrLst>
-    <dgm:effectClrLst/>
-    <dgm:txLinClrLst/>
-    <dgm:txFillClrLst meth="repeat">
-      <a:schemeClr val="lt1"/>
-    </dgm:txFillClrLst>
-    <dgm:txEffectClrLst/>
-  </dgm:styleLbl>
-  <dgm:styleLbl name="trBgShp">
-    <dgm:fillClrLst meth="repeat">
-      <a:schemeClr val="dk1">
-        <a:tint val="50000"/>
-        <a:alpha val="40000"/>
-      </a:schemeClr>
-    </dgm:fillClrLst>
-    <dgm:linClrLst meth="repeat">
-      <a:schemeClr val="dk1"/>
-    </dgm:linClrLst>
-    <dgm:effectClrLst/>
-    <dgm:txLinClrLst/>
-    <dgm:txFillClrLst meth="repeat">
-      <a:schemeClr val="lt1"/>
-    </dgm:txFillClrLst>
-    <dgm:txEffectClrLst/>
-  </dgm:styleLbl>
-  <dgm:styleLbl name="fgShp">
-    <dgm:fillClrLst meth="repeat">
-      <a:schemeClr val="dk1">
-        <a:tint val="60000"/>
-      </a:schemeClr>
-    </dgm:fillClrLst>
-    <dgm:linClrLst meth="repeat">
-      <a:schemeClr val="lt1"/>
-    </dgm:linClrLst>
-    <dgm:effectClrLst/>
-    <dgm:txLinClrLst/>
-    <dgm:txFillClrLst meth="repeat">
-      <a:schemeClr val="dk1"/>
-    </dgm:txFillClrLst>
-    <dgm:txEffectClrLst/>
-  </dgm:styleLbl>
-  <dgm:styleLbl name="revTx">
-    <dgm:fillClrLst meth="repeat">
-      <a:schemeClr val="lt1">
-        <a:alpha val="0"/>
-      </a:schemeClr>
-    </dgm:fillClrLst>
-    <dgm:linClrLst meth="repeat">
-      <a:schemeClr val="dk1">
-        <a:alpha val="0"/>
-      </a:schemeClr>
-    </dgm:linClrLst>
-    <dgm:effectClrLst/>
-    <dgm:txLinClrLst/>
-    <dgm:txFillClrLst meth="repeat">
-      <a:schemeClr val="tx1"/>
-    </dgm:txFillClrLst>
-    <dgm:txEffectClrLst/>
-  </dgm:styleLbl>
-</dgm:colorsDef>
-</file>
-
 <file path=ppt/diagrams/data1.xml><?xml version="1.0" encoding="utf-8"?>
-<dgm:dataModel xmlns:dgm="http://schemas.openxmlformats.org/drawingml/2006/diagram" xmlns:a="http://schemas.openxmlformats.org/drawingml/2006/main">
-  <dgm:ptLst>
-    <dgm:pt modelId="{501BC2F3-BD63-4C20-B96F-F85F64ABF4A7}" type="doc">
-      <dgm:prSet loTypeId="urn:microsoft.com/office/officeart/2005/8/layout/bProcess3" loCatId="process" qsTypeId="urn:microsoft.com/office/officeart/2005/8/quickstyle/simple3" qsCatId="simple" csTypeId="urn:microsoft.com/office/officeart/2005/8/colors/accent0_1" csCatId="mainScheme" phldr="1"/>
-      <dgm:spPr/>
-      <dgm:t>
-        <a:bodyPr/>
-        <a:lstStyle/>
-        <a:p>
-          <a:endParaRPr lang="en-US"/>
-        </a:p>
-      </dgm:t>
-    </dgm:pt>
-    <dgm:pt modelId="{A7F93B43-9A20-4548-B6E2-4A9DD5E505D8}">
-      <dgm:prSet phldrT="[Text]"/>
-      <dgm:spPr/>
-      <dgm:t>
-        <a:bodyPr/>
-        <a:lstStyle/>
-        <a:p>
-          <a:r>
-            <a:rPr lang="en-US" dirty="0"/>
-            <a:t>Mission and Business Understanding</a:t>
-          </a:r>
-        </a:p>
-      </dgm:t>
-    </dgm:pt>
-    <dgm:pt modelId="{EBECC29D-80DE-4AB0-A430-FE77020EAE31}" type="parTrans" cxnId="{A54BF963-04CF-48A0-A545-2D91CD3358CE}">
-      <dgm:prSet/>
-      <dgm:spPr/>
-      <dgm:t>
-        <a:bodyPr/>
-        <a:lstStyle/>
-        <a:p>
-          <a:endParaRPr lang="en-US"/>
-        </a:p>
-      </dgm:t>
-    </dgm:pt>
-    <dgm:pt modelId="{4F90BACC-10A0-4684-8918-A0C27A42AEF9}" type="sibTrans" cxnId="{A54BF963-04CF-48A0-A545-2D91CD3358CE}">
-      <dgm:prSet/>
-      <dgm:spPr/>
-      <dgm:t>
-        <a:bodyPr/>
-        <a:lstStyle/>
-        <a:p>
-          <a:endParaRPr lang="en-US"/>
-        </a:p>
-      </dgm:t>
-    </dgm:pt>
-    <dgm:pt modelId="{505F1A67-F626-45B6-AD83-EB815088CAB0}">
-      <dgm:prSet phldrT="[Text]"/>
-      <dgm:spPr>
-        <a:solidFill>
-          <a:schemeClr val="accent5">
-            <a:lumMod val="60000"/>
-            <a:lumOff val="40000"/>
-          </a:schemeClr>
-        </a:solidFill>
-      </dgm:spPr>
-      <dgm:t>
-        <a:bodyPr/>
-        <a:lstStyle/>
-        <a:p>
-          <a:r>
-            <a:rPr lang="en-US" dirty="0"/>
-            <a:t>Data Ingestion Project 1: </a:t>
-          </a:r>
-          <a:r>
-            <a:rPr lang="en-US" b="1" dirty="0"/>
-            <a:t>LinkedIn</a:t>
-          </a:r>
-          <a:endParaRPr lang="en-US" dirty="0"/>
-        </a:p>
-      </dgm:t>
-    </dgm:pt>
-    <dgm:pt modelId="{185ADD56-6FA2-47DA-BED6-4CE7FAAD426D}" type="parTrans" cxnId="{ADE20A10-E374-4844-AFBF-EBB52A16F917}">
-      <dgm:prSet/>
-      <dgm:spPr/>
-      <dgm:t>
-        <a:bodyPr/>
-        <a:lstStyle/>
-        <a:p>
-          <a:endParaRPr lang="en-US"/>
-        </a:p>
-      </dgm:t>
-    </dgm:pt>
-    <dgm:pt modelId="{8C8AF6CC-A903-447C-B888-B5243D9203F7}" type="sibTrans" cxnId="{ADE20A10-E374-4844-AFBF-EBB52A16F917}">
-      <dgm:prSet/>
-      <dgm:spPr/>
-      <dgm:t>
-        <a:bodyPr/>
-        <a:lstStyle/>
-        <a:p>
-          <a:endParaRPr lang="en-US"/>
-        </a:p>
-      </dgm:t>
-    </dgm:pt>
-    <dgm:pt modelId="{AB320B0A-6120-478A-9BE9-2938F962587F}">
-      <dgm:prSet phldrT="[Text]"/>
-      <dgm:spPr/>
-      <dgm:t>
-        <a:bodyPr/>
-        <a:lstStyle/>
-        <a:p>
-          <a:r>
-            <a:rPr lang="en-US" dirty="0"/>
-            <a:t>TBD</a:t>
-          </a:r>
-        </a:p>
-      </dgm:t>
-    </dgm:pt>
-    <dgm:pt modelId="{35D0BCC4-C709-4510-86C4-4AA12996FF03}" type="parTrans" cxnId="{7DB59743-1C96-45D2-A2F5-59ED37A7790F}">
-      <dgm:prSet/>
-      <dgm:spPr/>
-      <dgm:t>
-        <a:bodyPr/>
-        <a:lstStyle/>
-        <a:p>
-          <a:endParaRPr lang="en-US"/>
-        </a:p>
-      </dgm:t>
-    </dgm:pt>
-    <dgm:pt modelId="{41F3BD77-10A0-4201-8354-5CAA9C26AC5E}" type="sibTrans" cxnId="{7DB59743-1C96-45D2-A2F5-59ED37A7790F}">
-      <dgm:prSet/>
-      <dgm:spPr/>
-      <dgm:t>
-        <a:bodyPr/>
-        <a:lstStyle/>
-        <a:p>
-          <a:endParaRPr lang="en-US"/>
-        </a:p>
-      </dgm:t>
-    </dgm:pt>
-    <dgm:pt modelId="{A7EC0947-8D84-490D-89C6-261F2CBCD3FB}">
-      <dgm:prSet phldrT="[Text]"/>
-      <dgm:spPr/>
-      <dgm:t>
-        <a:bodyPr/>
-        <a:lstStyle/>
-        <a:p>
-          <a:r>
-            <a:rPr lang="en-US" dirty="0"/>
-            <a:t>TBD</a:t>
-          </a:r>
-        </a:p>
-      </dgm:t>
-    </dgm:pt>
-    <dgm:pt modelId="{1A20D5C5-0B82-45A4-B327-25210D3A1910}" type="parTrans" cxnId="{9557A6A1-DA19-4353-AA3E-09D718A1FE8A}">
-      <dgm:prSet/>
-      <dgm:spPr/>
-      <dgm:t>
-        <a:bodyPr/>
-        <a:lstStyle/>
-        <a:p>
-          <a:endParaRPr lang="en-US"/>
-        </a:p>
-      </dgm:t>
-    </dgm:pt>
-    <dgm:pt modelId="{390A8BB3-4E91-410D-A2AF-39D993ED6738}" type="sibTrans" cxnId="{9557A6A1-DA19-4353-AA3E-09D718A1FE8A}">
-      <dgm:prSet/>
-      <dgm:spPr/>
-      <dgm:t>
-        <a:bodyPr/>
-        <a:lstStyle/>
-        <a:p>
-          <a:endParaRPr lang="en-US"/>
-        </a:p>
-      </dgm:t>
-    </dgm:pt>
-    <dgm:pt modelId="{512CD169-DE6D-4342-97B7-6BC172A3539F}">
-      <dgm:prSet phldrT="[Text]"/>
-      <dgm:spPr/>
-      <dgm:t>
-        <a:bodyPr/>
-        <a:lstStyle/>
-        <a:p>
-          <a:r>
-            <a:rPr lang="en-US" dirty="0"/>
-            <a:t>TBD</a:t>
-          </a:r>
-        </a:p>
-      </dgm:t>
-    </dgm:pt>
-    <dgm:pt modelId="{BE46B8C4-0654-4FE2-AD0F-D20287A24B9E}" type="parTrans" cxnId="{D87A5852-DD9E-46E7-BD4E-78B9DEB47BEF}">
-      <dgm:prSet/>
-      <dgm:spPr/>
-      <dgm:t>
-        <a:bodyPr/>
-        <a:lstStyle/>
-        <a:p>
-          <a:endParaRPr lang="en-US"/>
-        </a:p>
-      </dgm:t>
-    </dgm:pt>
-    <dgm:pt modelId="{F68ED0A8-6ED3-45C6-9D02-21AC3717D4A7}" type="sibTrans" cxnId="{D87A5852-DD9E-46E7-BD4E-78B9DEB47BEF}">
-      <dgm:prSet/>
-      <dgm:spPr/>
-      <dgm:t>
-        <a:bodyPr/>
-        <a:lstStyle/>
-        <a:p>
-          <a:endParaRPr lang="en-US"/>
-        </a:p>
-      </dgm:t>
-    </dgm:pt>
-    <dgm:pt modelId="{835DC097-027D-4766-8CEC-4AFA681E0980}" type="pres">
-      <dgm:prSet presAssocID="{501BC2F3-BD63-4C20-B96F-F85F64ABF4A7}" presName="Name0" presStyleCnt="0">
-        <dgm:presLayoutVars>
-          <dgm:dir/>
-          <dgm:resizeHandles val="exact"/>
-        </dgm:presLayoutVars>
-      </dgm:prSet>
-      <dgm:spPr/>
-    </dgm:pt>
-    <dgm:pt modelId="{DCB5C394-7103-40A4-9B1C-A4855CC13E2A}" type="pres">
-      <dgm:prSet presAssocID="{A7F93B43-9A20-4548-B6E2-4A9DD5E505D8}" presName="node" presStyleLbl="node1" presStyleIdx="0" presStyleCnt="5">
-        <dgm:presLayoutVars>
-          <dgm:bulletEnabled val="1"/>
-        </dgm:presLayoutVars>
-      </dgm:prSet>
-      <dgm:spPr/>
-    </dgm:pt>
-    <dgm:pt modelId="{8B15CBEF-ECFD-4501-A6B5-059B20D7A728}" type="pres">
-      <dgm:prSet presAssocID="{4F90BACC-10A0-4684-8918-A0C27A42AEF9}" presName="sibTrans" presStyleLbl="sibTrans1D1" presStyleIdx="0" presStyleCnt="4"/>
-      <dgm:spPr/>
-    </dgm:pt>
-    <dgm:pt modelId="{BB1F8488-D232-4390-97C1-D374DB00280D}" type="pres">
-      <dgm:prSet presAssocID="{4F90BACC-10A0-4684-8918-A0C27A42AEF9}" presName="connectorText" presStyleLbl="sibTrans1D1" presStyleIdx="0" presStyleCnt="4"/>
-      <dgm:spPr/>
-    </dgm:pt>
-    <dgm:pt modelId="{ABF6F158-6B49-4120-935A-FDCE2665478F}" type="pres">
-      <dgm:prSet presAssocID="{505F1A67-F626-45B6-AD83-EB815088CAB0}" presName="node" presStyleLbl="node1" presStyleIdx="1" presStyleCnt="5">
-        <dgm:presLayoutVars>
-          <dgm:bulletEnabled val="1"/>
-        </dgm:presLayoutVars>
-      </dgm:prSet>
-      <dgm:spPr/>
-    </dgm:pt>
-    <dgm:pt modelId="{3516E03F-734D-4971-A2EB-282F37E64F44}" type="pres">
-      <dgm:prSet presAssocID="{8C8AF6CC-A903-447C-B888-B5243D9203F7}" presName="sibTrans" presStyleLbl="sibTrans1D1" presStyleIdx="1" presStyleCnt="4"/>
-      <dgm:spPr/>
-    </dgm:pt>
-    <dgm:pt modelId="{ABA88651-D311-4011-987B-96EDB53EC3A2}" type="pres">
-      <dgm:prSet presAssocID="{8C8AF6CC-A903-447C-B888-B5243D9203F7}" presName="connectorText" presStyleLbl="sibTrans1D1" presStyleIdx="1" presStyleCnt="4"/>
-      <dgm:spPr/>
-    </dgm:pt>
-    <dgm:pt modelId="{308E66F8-C990-44F1-9D02-1BB4D76C496F}" type="pres">
-      <dgm:prSet presAssocID="{AB320B0A-6120-478A-9BE9-2938F962587F}" presName="node" presStyleLbl="node1" presStyleIdx="2" presStyleCnt="5">
-        <dgm:presLayoutVars>
-          <dgm:bulletEnabled val="1"/>
-        </dgm:presLayoutVars>
-      </dgm:prSet>
-      <dgm:spPr/>
-    </dgm:pt>
-    <dgm:pt modelId="{59B2E365-28E8-4EA6-90A7-2473B4BAE0DE}" type="pres">
-      <dgm:prSet presAssocID="{41F3BD77-10A0-4201-8354-5CAA9C26AC5E}" presName="sibTrans" presStyleLbl="sibTrans1D1" presStyleIdx="2" presStyleCnt="4"/>
-      <dgm:spPr/>
-    </dgm:pt>
-    <dgm:pt modelId="{037A38F6-13FD-4D84-B048-8E5BA94D4CF5}" type="pres">
-      <dgm:prSet presAssocID="{41F3BD77-10A0-4201-8354-5CAA9C26AC5E}" presName="connectorText" presStyleLbl="sibTrans1D1" presStyleIdx="2" presStyleCnt="4"/>
-      <dgm:spPr/>
-    </dgm:pt>
-    <dgm:pt modelId="{81C43D66-D2EF-4747-A3A4-3CC8944C59C2}" type="pres">
-      <dgm:prSet presAssocID="{A7EC0947-8D84-490D-89C6-261F2CBCD3FB}" presName="node" presStyleLbl="node1" presStyleIdx="3" presStyleCnt="5">
-        <dgm:presLayoutVars>
-          <dgm:bulletEnabled val="1"/>
-        </dgm:presLayoutVars>
-      </dgm:prSet>
-      <dgm:spPr/>
-    </dgm:pt>
-    <dgm:pt modelId="{AB07F565-70AF-4D8E-964D-2B98BED5ECE9}" type="pres">
-      <dgm:prSet presAssocID="{390A8BB3-4E91-410D-A2AF-39D993ED6738}" presName="sibTrans" presStyleLbl="sibTrans1D1" presStyleIdx="3" presStyleCnt="4"/>
-      <dgm:spPr/>
-    </dgm:pt>
-    <dgm:pt modelId="{6FE66C87-4ABA-420A-A1AF-E0BC79934867}" type="pres">
-      <dgm:prSet presAssocID="{390A8BB3-4E91-410D-A2AF-39D993ED6738}" presName="connectorText" presStyleLbl="sibTrans1D1" presStyleIdx="3" presStyleCnt="4"/>
-      <dgm:spPr/>
-    </dgm:pt>
-    <dgm:pt modelId="{D7E6B66C-7244-41C8-80BB-A13207DC2C4A}" type="pres">
-      <dgm:prSet presAssocID="{512CD169-DE6D-4342-97B7-6BC172A3539F}" presName="node" presStyleLbl="node1" presStyleIdx="4" presStyleCnt="5">
-        <dgm:presLayoutVars>
-          <dgm:bulletEnabled val="1"/>
-        </dgm:presLayoutVars>
-      </dgm:prSet>
-      <dgm:spPr/>
-    </dgm:pt>
-  </dgm:ptLst>
-  <dgm:cxnLst>
-    <dgm:cxn modelId="{ADE20A10-E374-4844-AFBF-EBB52A16F917}" srcId="{501BC2F3-BD63-4C20-B96F-F85F64ABF4A7}" destId="{505F1A67-F626-45B6-AD83-EB815088CAB0}" srcOrd="1" destOrd="0" parTransId="{185ADD56-6FA2-47DA-BED6-4CE7FAAD426D}" sibTransId="{8C8AF6CC-A903-447C-B888-B5243D9203F7}"/>
-    <dgm:cxn modelId="{E15A3613-B478-4003-BD20-9FBBD02CEDCC}" type="presOf" srcId="{501BC2F3-BD63-4C20-B96F-F85F64ABF4A7}" destId="{835DC097-027D-4766-8CEC-4AFA681E0980}" srcOrd="0" destOrd="0" presId="urn:microsoft.com/office/officeart/2005/8/layout/bProcess3"/>
-    <dgm:cxn modelId="{F1380C2D-2E07-4DE7-B8B7-5F74E9985622}" type="presOf" srcId="{505F1A67-F626-45B6-AD83-EB815088CAB0}" destId="{ABF6F158-6B49-4120-935A-FDCE2665478F}" srcOrd="0" destOrd="0" presId="urn:microsoft.com/office/officeart/2005/8/layout/bProcess3"/>
-    <dgm:cxn modelId="{7DB59743-1C96-45D2-A2F5-59ED37A7790F}" srcId="{501BC2F3-BD63-4C20-B96F-F85F64ABF4A7}" destId="{AB320B0A-6120-478A-9BE9-2938F962587F}" srcOrd="2" destOrd="0" parTransId="{35D0BCC4-C709-4510-86C4-4AA12996FF03}" sibTransId="{41F3BD77-10A0-4201-8354-5CAA9C26AC5E}"/>
-    <dgm:cxn modelId="{A54BF963-04CF-48A0-A545-2D91CD3358CE}" srcId="{501BC2F3-BD63-4C20-B96F-F85F64ABF4A7}" destId="{A7F93B43-9A20-4548-B6E2-4A9DD5E505D8}" srcOrd="0" destOrd="0" parTransId="{EBECC29D-80DE-4AB0-A430-FE77020EAE31}" sibTransId="{4F90BACC-10A0-4684-8918-A0C27A42AEF9}"/>
-    <dgm:cxn modelId="{D87A5852-DD9E-46E7-BD4E-78B9DEB47BEF}" srcId="{501BC2F3-BD63-4C20-B96F-F85F64ABF4A7}" destId="{512CD169-DE6D-4342-97B7-6BC172A3539F}" srcOrd="4" destOrd="0" parTransId="{BE46B8C4-0654-4FE2-AD0F-D20287A24B9E}" sibTransId="{F68ED0A8-6ED3-45C6-9D02-21AC3717D4A7}"/>
-    <dgm:cxn modelId="{8637BF72-B8AE-4896-8B1B-24A1B5AEFEB2}" type="presOf" srcId="{512CD169-DE6D-4342-97B7-6BC172A3539F}" destId="{D7E6B66C-7244-41C8-80BB-A13207DC2C4A}" srcOrd="0" destOrd="0" presId="urn:microsoft.com/office/officeart/2005/8/layout/bProcess3"/>
-    <dgm:cxn modelId="{251B1E76-F100-4AC1-BDE0-16304767E69B}" type="presOf" srcId="{41F3BD77-10A0-4201-8354-5CAA9C26AC5E}" destId="{037A38F6-13FD-4D84-B048-8E5BA94D4CF5}" srcOrd="1" destOrd="0" presId="urn:microsoft.com/office/officeart/2005/8/layout/bProcess3"/>
-    <dgm:cxn modelId="{1A37ED76-DFF3-47FF-A110-772D1CEA04D5}" type="presOf" srcId="{390A8BB3-4E91-410D-A2AF-39D993ED6738}" destId="{AB07F565-70AF-4D8E-964D-2B98BED5ECE9}" srcOrd="0" destOrd="0" presId="urn:microsoft.com/office/officeart/2005/8/layout/bProcess3"/>
-    <dgm:cxn modelId="{4C97E05A-E742-428C-A323-2602226928DB}" type="presOf" srcId="{AB320B0A-6120-478A-9BE9-2938F962587F}" destId="{308E66F8-C990-44F1-9D02-1BB4D76C496F}" srcOrd="0" destOrd="0" presId="urn:microsoft.com/office/officeart/2005/8/layout/bProcess3"/>
-    <dgm:cxn modelId="{9557A6A1-DA19-4353-AA3E-09D718A1FE8A}" srcId="{501BC2F3-BD63-4C20-B96F-F85F64ABF4A7}" destId="{A7EC0947-8D84-490D-89C6-261F2CBCD3FB}" srcOrd="3" destOrd="0" parTransId="{1A20D5C5-0B82-45A4-B327-25210D3A1910}" sibTransId="{390A8BB3-4E91-410D-A2AF-39D993ED6738}"/>
-    <dgm:cxn modelId="{32EA1FA2-CF54-4B54-A8EA-55D88E387DCA}" type="presOf" srcId="{4F90BACC-10A0-4684-8918-A0C27A42AEF9}" destId="{BB1F8488-D232-4390-97C1-D374DB00280D}" srcOrd="1" destOrd="0" presId="urn:microsoft.com/office/officeart/2005/8/layout/bProcess3"/>
-    <dgm:cxn modelId="{0718D3A3-C8FB-4E41-A560-4881DC222774}" type="presOf" srcId="{A7EC0947-8D84-490D-89C6-261F2CBCD3FB}" destId="{81C43D66-D2EF-4747-A3A4-3CC8944C59C2}" srcOrd="0" destOrd="0" presId="urn:microsoft.com/office/officeart/2005/8/layout/bProcess3"/>
-    <dgm:cxn modelId="{C83427AA-1958-424E-9152-BC2CC535DFFE}" type="presOf" srcId="{390A8BB3-4E91-410D-A2AF-39D993ED6738}" destId="{6FE66C87-4ABA-420A-A1AF-E0BC79934867}" srcOrd="1" destOrd="0" presId="urn:microsoft.com/office/officeart/2005/8/layout/bProcess3"/>
-    <dgm:cxn modelId="{7DD8BEBC-6E74-4269-AE91-29FEC3E67162}" type="presOf" srcId="{4F90BACC-10A0-4684-8918-A0C27A42AEF9}" destId="{8B15CBEF-ECFD-4501-A6B5-059B20D7A728}" srcOrd="0" destOrd="0" presId="urn:microsoft.com/office/officeart/2005/8/layout/bProcess3"/>
-    <dgm:cxn modelId="{C72619BF-7642-49BF-8B8A-F80E8B581216}" type="presOf" srcId="{8C8AF6CC-A903-447C-B888-B5243D9203F7}" destId="{3516E03F-734D-4971-A2EB-282F37E64F44}" srcOrd="0" destOrd="0" presId="urn:microsoft.com/office/officeart/2005/8/layout/bProcess3"/>
-    <dgm:cxn modelId="{6C7F4CD1-A9D5-4FC2-95AA-A5A1E27CDE84}" type="presOf" srcId="{8C8AF6CC-A903-447C-B888-B5243D9203F7}" destId="{ABA88651-D311-4011-987B-96EDB53EC3A2}" srcOrd="1" destOrd="0" presId="urn:microsoft.com/office/officeart/2005/8/layout/bProcess3"/>
-    <dgm:cxn modelId="{C0012CE5-C2FB-44E1-8856-C78074AFA599}" type="presOf" srcId="{A7F93B43-9A20-4548-B6E2-4A9DD5E505D8}" destId="{DCB5C394-7103-40A4-9B1C-A4855CC13E2A}" srcOrd="0" destOrd="0" presId="urn:microsoft.com/office/officeart/2005/8/layout/bProcess3"/>
-    <dgm:cxn modelId="{B6CE1AF0-5AE5-442A-BEC5-21762B34321C}" type="presOf" srcId="{41F3BD77-10A0-4201-8354-5CAA9C26AC5E}" destId="{59B2E365-28E8-4EA6-90A7-2473B4BAE0DE}" srcOrd="0" destOrd="0" presId="urn:microsoft.com/office/officeart/2005/8/layout/bProcess3"/>
-    <dgm:cxn modelId="{DB7736E5-37A7-4110-8BF5-AD804CDC5DCF}" type="presParOf" srcId="{835DC097-027D-4766-8CEC-4AFA681E0980}" destId="{DCB5C394-7103-40A4-9B1C-A4855CC13E2A}" srcOrd="0" destOrd="0" presId="urn:microsoft.com/office/officeart/2005/8/layout/bProcess3"/>
-    <dgm:cxn modelId="{40F517FF-7C20-4271-BAD1-46842591AFE4}" type="presParOf" srcId="{835DC097-027D-4766-8CEC-4AFA681E0980}" destId="{8B15CBEF-ECFD-4501-A6B5-059B20D7A728}" srcOrd="1" destOrd="0" presId="urn:microsoft.com/office/officeart/2005/8/layout/bProcess3"/>
-    <dgm:cxn modelId="{975E0FC2-B0EA-4119-A748-CFEA9B705316}" type="presParOf" srcId="{8B15CBEF-ECFD-4501-A6B5-059B20D7A728}" destId="{BB1F8488-D232-4390-97C1-D374DB00280D}" srcOrd="0" destOrd="0" presId="urn:microsoft.com/office/officeart/2005/8/layout/bProcess3"/>
-    <dgm:cxn modelId="{0BD358AA-D54D-493C-BACF-E089238E8507}" type="presParOf" srcId="{835DC097-027D-4766-8CEC-4AFA681E0980}" destId="{ABF6F158-6B49-4120-935A-FDCE2665478F}" srcOrd="2" destOrd="0" presId="urn:microsoft.com/office/officeart/2005/8/layout/bProcess3"/>
-    <dgm:cxn modelId="{FB93CCD6-B2EC-4921-9ED5-063E590F0EF1}" type="presParOf" srcId="{835DC097-027D-4766-8CEC-4AFA681E0980}" destId="{3516E03F-734D-4971-A2EB-282F37E64F44}" srcOrd="3" destOrd="0" presId="urn:microsoft.com/office/officeart/2005/8/layout/bProcess3"/>
-    <dgm:cxn modelId="{200F8C02-B4EF-4186-AC4E-3AC72C3CF791}" type="presParOf" srcId="{3516E03F-734D-4971-A2EB-282F37E64F44}" destId="{ABA88651-D311-4011-987B-96EDB53EC3A2}" srcOrd="0" destOrd="0" presId="urn:microsoft.com/office/officeart/2005/8/layout/bProcess3"/>
-    <dgm:cxn modelId="{472035A0-E222-46C8-B2F2-E9B41A9E7640}" type="presParOf" srcId="{835DC097-027D-4766-8CEC-4AFA681E0980}" destId="{308E66F8-C990-44F1-9D02-1BB4D76C496F}" srcOrd="4" destOrd="0" presId="urn:microsoft.com/office/officeart/2005/8/layout/bProcess3"/>
-    <dgm:cxn modelId="{0CD60638-CB19-4C5F-8762-576F9699DAE9}" type="presParOf" srcId="{835DC097-027D-4766-8CEC-4AFA681E0980}" destId="{59B2E365-28E8-4EA6-90A7-2473B4BAE0DE}" srcOrd="5" destOrd="0" presId="urn:microsoft.com/office/officeart/2005/8/layout/bProcess3"/>
-    <dgm:cxn modelId="{B481AB5B-FFD9-4DA3-82E5-7F2FB355BEA0}" type="presParOf" srcId="{59B2E365-28E8-4EA6-90A7-2473B4BAE0DE}" destId="{037A38F6-13FD-4D84-B048-8E5BA94D4CF5}" srcOrd="0" destOrd="0" presId="urn:microsoft.com/office/officeart/2005/8/layout/bProcess3"/>
-    <dgm:cxn modelId="{F6E94982-D121-4C87-8901-11A7D246E71D}" type="presParOf" srcId="{835DC097-027D-4766-8CEC-4AFA681E0980}" destId="{81C43D66-D2EF-4747-A3A4-3CC8944C59C2}" srcOrd="6" destOrd="0" presId="urn:microsoft.com/office/officeart/2005/8/layout/bProcess3"/>
-    <dgm:cxn modelId="{0E33F0DC-B03D-48C2-8CA4-2F673A609514}" type="presParOf" srcId="{835DC097-027D-4766-8CEC-4AFA681E0980}" destId="{AB07F565-70AF-4D8E-964D-2B98BED5ECE9}" srcOrd="7" destOrd="0" presId="urn:microsoft.com/office/officeart/2005/8/layout/bProcess3"/>
-    <dgm:cxn modelId="{1B7E15C7-7698-4692-89FB-6759600D8475}" type="presParOf" srcId="{AB07F565-70AF-4D8E-964D-2B98BED5ECE9}" destId="{6FE66C87-4ABA-420A-A1AF-E0BC79934867}" srcOrd="0" destOrd="0" presId="urn:microsoft.com/office/officeart/2005/8/layout/bProcess3"/>
-    <dgm:cxn modelId="{0747D926-BE14-4676-AE8E-580E7D9D880F}" type="presParOf" srcId="{835DC097-027D-4766-8CEC-4AFA681E0980}" destId="{D7E6B66C-7244-41C8-80BB-A13207DC2C4A}" srcOrd="8" destOrd="0" presId="urn:microsoft.com/office/officeart/2005/8/layout/bProcess3"/>
-  </dgm:cxnLst>
-  <dgm:bg/>
-  <dgm:whole>
-    <a:ln w="28575">
-      <a:solidFill>
-        <a:schemeClr val="tx1"/>
-      </a:solidFill>
-    </a:ln>
-  </dgm:whole>
-  <dgm:extLst>
-    <a:ext uri="http://schemas.microsoft.com/office/drawing/2008/diagram">
-      <dsp:dataModelExt xmlns:dsp="http://schemas.microsoft.com/office/drawing/2008/diagram" relId="rId6" minVer="http://schemas.openxmlformats.org/drawingml/2006/diagram"/>
-    </a:ext>
-  </dgm:extLst>
-</dgm:dataModel>
-</file>
-
-<file path=ppt/diagrams/data2.xml><?xml version="1.0" encoding="utf-8"?>
 <dgm:dataModel xmlns:dgm="http://schemas.openxmlformats.org/drawingml/2006/diagram" xmlns:a="http://schemas.openxmlformats.org/drawingml/2006/main">
   <dgm:ptLst>
     <dgm:pt modelId="{501BC2F3-BD63-4C20-B96F-F85F64ABF4A7}" type="doc">
@@ -3457,1088 +1652,7 @@
 </dgm:dataModel>
 </file>
 
-<file path=ppt/diagrams/data3.xml><?xml version="1.0" encoding="utf-8"?>
-<dgm:dataModel xmlns:dgm="http://schemas.openxmlformats.org/drawingml/2006/diagram" xmlns:a="http://schemas.openxmlformats.org/drawingml/2006/main">
-  <dgm:ptLst>
-    <dgm:pt modelId="{501BC2F3-BD63-4C20-B96F-F85F64ABF4A7}" type="doc">
-      <dgm:prSet loTypeId="urn:microsoft.com/office/officeart/2005/8/layout/bProcess3" loCatId="process" qsTypeId="urn:microsoft.com/office/officeart/2005/8/quickstyle/simple3" qsCatId="simple" csTypeId="urn:microsoft.com/office/officeart/2005/8/colors/accent0_1" csCatId="mainScheme" phldr="1"/>
-      <dgm:spPr/>
-      <dgm:t>
-        <a:bodyPr/>
-        <a:lstStyle/>
-        <a:p>
-          <a:endParaRPr lang="en-US"/>
-        </a:p>
-      </dgm:t>
-    </dgm:pt>
-    <dgm:pt modelId="{A7F93B43-9A20-4548-B6E2-4A9DD5E505D8}">
-      <dgm:prSet phldrT="[Text]"/>
-      <dgm:spPr>
-        <a:solidFill>
-          <a:schemeClr val="tx1"/>
-        </a:solidFill>
-      </dgm:spPr>
-      <dgm:t>
-        <a:bodyPr/>
-        <a:lstStyle/>
-        <a:p>
-          <a:r>
-            <a:rPr lang="en-US" dirty="0">
-              <a:solidFill>
-                <a:schemeClr val="bg1"/>
-              </a:solidFill>
-            </a:rPr>
-            <a:t>LinkedIn URL Ingestion</a:t>
-          </a:r>
-        </a:p>
-      </dgm:t>
-    </dgm:pt>
-    <dgm:pt modelId="{EBECC29D-80DE-4AB0-A430-FE77020EAE31}" type="parTrans" cxnId="{A54BF963-04CF-48A0-A545-2D91CD3358CE}">
-      <dgm:prSet/>
-      <dgm:spPr/>
-      <dgm:t>
-        <a:bodyPr/>
-        <a:lstStyle/>
-        <a:p>
-          <a:endParaRPr lang="en-US"/>
-        </a:p>
-      </dgm:t>
-    </dgm:pt>
-    <dgm:pt modelId="{4F90BACC-10A0-4684-8918-A0C27A42AEF9}" type="sibTrans" cxnId="{A54BF963-04CF-48A0-A545-2D91CD3358CE}">
-      <dgm:prSet/>
-      <dgm:spPr/>
-      <dgm:t>
-        <a:bodyPr/>
-        <a:lstStyle/>
-        <a:p>
-          <a:endParaRPr lang="en-US"/>
-        </a:p>
-      </dgm:t>
-    </dgm:pt>
-    <dgm:pt modelId="{505F1A67-F626-45B6-AD83-EB815088CAB0}">
-      <dgm:prSet phldrT="[Text]"/>
-      <dgm:spPr>
-        <a:solidFill>
-          <a:schemeClr val="accent5">
-            <a:lumMod val="60000"/>
-            <a:lumOff val="40000"/>
-          </a:schemeClr>
-        </a:solidFill>
-      </dgm:spPr>
-      <dgm:t>
-        <a:bodyPr/>
-        <a:lstStyle/>
-        <a:p>
-          <a:r>
-            <a:rPr lang="en-US" dirty="0"/>
-            <a:t>Per-Profile Scraping</a:t>
-          </a:r>
-        </a:p>
-      </dgm:t>
-    </dgm:pt>
-    <dgm:pt modelId="{185ADD56-6FA2-47DA-BED6-4CE7FAAD426D}" type="parTrans" cxnId="{ADE20A10-E374-4844-AFBF-EBB52A16F917}">
-      <dgm:prSet/>
-      <dgm:spPr/>
-      <dgm:t>
-        <a:bodyPr/>
-        <a:lstStyle/>
-        <a:p>
-          <a:endParaRPr lang="en-US"/>
-        </a:p>
-      </dgm:t>
-    </dgm:pt>
-    <dgm:pt modelId="{8C8AF6CC-A903-447C-B888-B5243D9203F7}" type="sibTrans" cxnId="{ADE20A10-E374-4844-AFBF-EBB52A16F917}">
-      <dgm:prSet/>
-      <dgm:spPr/>
-      <dgm:t>
-        <a:bodyPr/>
-        <a:lstStyle/>
-        <a:p>
-          <a:endParaRPr lang="en-US"/>
-        </a:p>
-      </dgm:t>
-    </dgm:pt>
-    <dgm:pt modelId="{AB320B0A-6120-478A-9BE9-2938F962587F}">
-      <dgm:prSet phldrT="[Text]"/>
-      <dgm:spPr>
-        <a:solidFill>
-          <a:schemeClr val="accent2">
-            <a:lumMod val="20000"/>
-            <a:lumOff val="80000"/>
-          </a:schemeClr>
-        </a:solidFill>
-      </dgm:spPr>
-      <dgm:t>
-        <a:bodyPr/>
-        <a:lstStyle/>
-        <a:p>
-          <a:r>
-            <a:rPr lang="en-US" dirty="0"/>
-            <a:t>Raw LinkedIn Contact Dataset</a:t>
-          </a:r>
-        </a:p>
-      </dgm:t>
-    </dgm:pt>
-    <dgm:pt modelId="{35D0BCC4-C709-4510-86C4-4AA12996FF03}" type="parTrans" cxnId="{7DB59743-1C96-45D2-A2F5-59ED37A7790F}">
-      <dgm:prSet/>
-      <dgm:spPr/>
-      <dgm:t>
-        <a:bodyPr/>
-        <a:lstStyle/>
-        <a:p>
-          <a:endParaRPr lang="en-US"/>
-        </a:p>
-      </dgm:t>
-    </dgm:pt>
-    <dgm:pt modelId="{41F3BD77-10A0-4201-8354-5CAA9C26AC5E}" type="sibTrans" cxnId="{7DB59743-1C96-45D2-A2F5-59ED37A7790F}">
-      <dgm:prSet/>
-      <dgm:spPr/>
-      <dgm:t>
-        <a:bodyPr/>
-        <a:lstStyle/>
-        <a:p>
-          <a:endParaRPr lang="en-US"/>
-        </a:p>
-      </dgm:t>
-    </dgm:pt>
-    <dgm:pt modelId="{835DC097-027D-4766-8CEC-4AFA681E0980}" type="pres">
-      <dgm:prSet presAssocID="{501BC2F3-BD63-4C20-B96F-F85F64ABF4A7}" presName="Name0" presStyleCnt="0">
-        <dgm:presLayoutVars>
-          <dgm:dir/>
-          <dgm:resizeHandles val="exact"/>
-        </dgm:presLayoutVars>
-      </dgm:prSet>
-      <dgm:spPr/>
-    </dgm:pt>
-    <dgm:pt modelId="{DCB5C394-7103-40A4-9B1C-A4855CC13E2A}" type="pres">
-      <dgm:prSet presAssocID="{A7F93B43-9A20-4548-B6E2-4A9DD5E505D8}" presName="node" presStyleLbl="node1" presStyleIdx="0" presStyleCnt="3">
-        <dgm:presLayoutVars>
-          <dgm:bulletEnabled val="1"/>
-        </dgm:presLayoutVars>
-      </dgm:prSet>
-      <dgm:spPr/>
-    </dgm:pt>
-    <dgm:pt modelId="{8B15CBEF-ECFD-4501-A6B5-059B20D7A728}" type="pres">
-      <dgm:prSet presAssocID="{4F90BACC-10A0-4684-8918-A0C27A42AEF9}" presName="sibTrans" presStyleLbl="sibTrans1D1" presStyleIdx="0" presStyleCnt="2"/>
-      <dgm:spPr/>
-    </dgm:pt>
-    <dgm:pt modelId="{BB1F8488-D232-4390-97C1-D374DB00280D}" type="pres">
-      <dgm:prSet presAssocID="{4F90BACC-10A0-4684-8918-A0C27A42AEF9}" presName="connectorText" presStyleLbl="sibTrans1D1" presStyleIdx="0" presStyleCnt="2"/>
-      <dgm:spPr/>
-    </dgm:pt>
-    <dgm:pt modelId="{ABF6F158-6B49-4120-935A-FDCE2665478F}" type="pres">
-      <dgm:prSet presAssocID="{505F1A67-F626-45B6-AD83-EB815088CAB0}" presName="node" presStyleLbl="node1" presStyleIdx="1" presStyleCnt="3">
-        <dgm:presLayoutVars>
-          <dgm:bulletEnabled val="1"/>
-        </dgm:presLayoutVars>
-      </dgm:prSet>
-      <dgm:spPr/>
-    </dgm:pt>
-    <dgm:pt modelId="{3516E03F-734D-4971-A2EB-282F37E64F44}" type="pres">
-      <dgm:prSet presAssocID="{8C8AF6CC-A903-447C-B888-B5243D9203F7}" presName="sibTrans" presStyleLbl="sibTrans1D1" presStyleIdx="1" presStyleCnt="2"/>
-      <dgm:spPr/>
-    </dgm:pt>
-    <dgm:pt modelId="{ABA88651-D311-4011-987B-96EDB53EC3A2}" type="pres">
-      <dgm:prSet presAssocID="{8C8AF6CC-A903-447C-B888-B5243D9203F7}" presName="connectorText" presStyleLbl="sibTrans1D1" presStyleIdx="1" presStyleCnt="2"/>
-      <dgm:spPr/>
-    </dgm:pt>
-    <dgm:pt modelId="{308E66F8-C990-44F1-9D02-1BB4D76C496F}" type="pres">
-      <dgm:prSet presAssocID="{AB320B0A-6120-478A-9BE9-2938F962587F}" presName="node" presStyleLbl="node1" presStyleIdx="2" presStyleCnt="3" custLinFactNeighborX="-1111">
-        <dgm:presLayoutVars>
-          <dgm:bulletEnabled val="1"/>
-        </dgm:presLayoutVars>
-      </dgm:prSet>
-      <dgm:spPr/>
-    </dgm:pt>
-  </dgm:ptLst>
-  <dgm:cxnLst>
-    <dgm:cxn modelId="{ADE20A10-E374-4844-AFBF-EBB52A16F917}" srcId="{501BC2F3-BD63-4C20-B96F-F85F64ABF4A7}" destId="{505F1A67-F626-45B6-AD83-EB815088CAB0}" srcOrd="1" destOrd="0" parTransId="{185ADD56-6FA2-47DA-BED6-4CE7FAAD426D}" sibTransId="{8C8AF6CC-A903-447C-B888-B5243D9203F7}"/>
-    <dgm:cxn modelId="{E15A3613-B478-4003-BD20-9FBBD02CEDCC}" type="presOf" srcId="{501BC2F3-BD63-4C20-B96F-F85F64ABF4A7}" destId="{835DC097-027D-4766-8CEC-4AFA681E0980}" srcOrd="0" destOrd="0" presId="urn:microsoft.com/office/officeart/2005/8/layout/bProcess3"/>
-    <dgm:cxn modelId="{F1380C2D-2E07-4DE7-B8B7-5F74E9985622}" type="presOf" srcId="{505F1A67-F626-45B6-AD83-EB815088CAB0}" destId="{ABF6F158-6B49-4120-935A-FDCE2665478F}" srcOrd="0" destOrd="0" presId="urn:microsoft.com/office/officeart/2005/8/layout/bProcess3"/>
-    <dgm:cxn modelId="{7DB59743-1C96-45D2-A2F5-59ED37A7790F}" srcId="{501BC2F3-BD63-4C20-B96F-F85F64ABF4A7}" destId="{AB320B0A-6120-478A-9BE9-2938F962587F}" srcOrd="2" destOrd="0" parTransId="{35D0BCC4-C709-4510-86C4-4AA12996FF03}" sibTransId="{41F3BD77-10A0-4201-8354-5CAA9C26AC5E}"/>
-    <dgm:cxn modelId="{A54BF963-04CF-48A0-A545-2D91CD3358CE}" srcId="{501BC2F3-BD63-4C20-B96F-F85F64ABF4A7}" destId="{A7F93B43-9A20-4548-B6E2-4A9DD5E505D8}" srcOrd="0" destOrd="0" parTransId="{EBECC29D-80DE-4AB0-A430-FE77020EAE31}" sibTransId="{4F90BACC-10A0-4684-8918-A0C27A42AEF9}"/>
-    <dgm:cxn modelId="{4C97E05A-E742-428C-A323-2602226928DB}" type="presOf" srcId="{AB320B0A-6120-478A-9BE9-2938F962587F}" destId="{308E66F8-C990-44F1-9D02-1BB4D76C496F}" srcOrd="0" destOrd="0" presId="urn:microsoft.com/office/officeart/2005/8/layout/bProcess3"/>
-    <dgm:cxn modelId="{32EA1FA2-CF54-4B54-A8EA-55D88E387DCA}" type="presOf" srcId="{4F90BACC-10A0-4684-8918-A0C27A42AEF9}" destId="{BB1F8488-D232-4390-97C1-D374DB00280D}" srcOrd="1" destOrd="0" presId="urn:microsoft.com/office/officeart/2005/8/layout/bProcess3"/>
-    <dgm:cxn modelId="{7DD8BEBC-6E74-4269-AE91-29FEC3E67162}" type="presOf" srcId="{4F90BACC-10A0-4684-8918-A0C27A42AEF9}" destId="{8B15CBEF-ECFD-4501-A6B5-059B20D7A728}" srcOrd="0" destOrd="0" presId="urn:microsoft.com/office/officeart/2005/8/layout/bProcess3"/>
-    <dgm:cxn modelId="{C72619BF-7642-49BF-8B8A-F80E8B581216}" type="presOf" srcId="{8C8AF6CC-A903-447C-B888-B5243D9203F7}" destId="{3516E03F-734D-4971-A2EB-282F37E64F44}" srcOrd="0" destOrd="0" presId="urn:microsoft.com/office/officeart/2005/8/layout/bProcess3"/>
-    <dgm:cxn modelId="{6C7F4CD1-A9D5-4FC2-95AA-A5A1E27CDE84}" type="presOf" srcId="{8C8AF6CC-A903-447C-B888-B5243D9203F7}" destId="{ABA88651-D311-4011-987B-96EDB53EC3A2}" srcOrd="1" destOrd="0" presId="urn:microsoft.com/office/officeart/2005/8/layout/bProcess3"/>
-    <dgm:cxn modelId="{C0012CE5-C2FB-44E1-8856-C78074AFA599}" type="presOf" srcId="{A7F93B43-9A20-4548-B6E2-4A9DD5E505D8}" destId="{DCB5C394-7103-40A4-9B1C-A4855CC13E2A}" srcOrd="0" destOrd="0" presId="urn:microsoft.com/office/officeart/2005/8/layout/bProcess3"/>
-    <dgm:cxn modelId="{DB7736E5-37A7-4110-8BF5-AD804CDC5DCF}" type="presParOf" srcId="{835DC097-027D-4766-8CEC-4AFA681E0980}" destId="{DCB5C394-7103-40A4-9B1C-A4855CC13E2A}" srcOrd="0" destOrd="0" presId="urn:microsoft.com/office/officeart/2005/8/layout/bProcess3"/>
-    <dgm:cxn modelId="{40F517FF-7C20-4271-BAD1-46842591AFE4}" type="presParOf" srcId="{835DC097-027D-4766-8CEC-4AFA681E0980}" destId="{8B15CBEF-ECFD-4501-A6B5-059B20D7A728}" srcOrd="1" destOrd="0" presId="urn:microsoft.com/office/officeart/2005/8/layout/bProcess3"/>
-    <dgm:cxn modelId="{975E0FC2-B0EA-4119-A748-CFEA9B705316}" type="presParOf" srcId="{8B15CBEF-ECFD-4501-A6B5-059B20D7A728}" destId="{BB1F8488-D232-4390-97C1-D374DB00280D}" srcOrd="0" destOrd="0" presId="urn:microsoft.com/office/officeart/2005/8/layout/bProcess3"/>
-    <dgm:cxn modelId="{0BD358AA-D54D-493C-BACF-E089238E8507}" type="presParOf" srcId="{835DC097-027D-4766-8CEC-4AFA681E0980}" destId="{ABF6F158-6B49-4120-935A-FDCE2665478F}" srcOrd="2" destOrd="0" presId="urn:microsoft.com/office/officeart/2005/8/layout/bProcess3"/>
-    <dgm:cxn modelId="{FB93CCD6-B2EC-4921-9ED5-063E590F0EF1}" type="presParOf" srcId="{835DC097-027D-4766-8CEC-4AFA681E0980}" destId="{3516E03F-734D-4971-A2EB-282F37E64F44}" srcOrd="3" destOrd="0" presId="urn:microsoft.com/office/officeart/2005/8/layout/bProcess3"/>
-    <dgm:cxn modelId="{200F8C02-B4EF-4186-AC4E-3AC72C3CF791}" type="presParOf" srcId="{3516E03F-734D-4971-A2EB-282F37E64F44}" destId="{ABA88651-D311-4011-987B-96EDB53EC3A2}" srcOrd="0" destOrd="0" presId="urn:microsoft.com/office/officeart/2005/8/layout/bProcess3"/>
-    <dgm:cxn modelId="{472035A0-E222-46C8-B2F2-E9B41A9E7640}" type="presParOf" srcId="{835DC097-027D-4766-8CEC-4AFA681E0980}" destId="{308E66F8-C990-44F1-9D02-1BB4D76C496F}" srcOrd="4" destOrd="0" presId="urn:microsoft.com/office/officeart/2005/8/layout/bProcess3"/>
-  </dgm:cxnLst>
-  <dgm:bg/>
-  <dgm:whole>
-    <a:ln w="28575">
-      <a:solidFill>
-        <a:schemeClr val="tx1"/>
-      </a:solidFill>
-    </a:ln>
-  </dgm:whole>
-  <dgm:extLst>
-    <a:ext uri="http://schemas.microsoft.com/office/drawing/2008/diagram">
-      <dsp:dataModelExt xmlns:dsp="http://schemas.microsoft.com/office/drawing/2008/diagram" relId="rId6" minVer="http://schemas.openxmlformats.org/drawingml/2006/diagram"/>
-    </a:ext>
-  </dgm:extLst>
-</dgm:dataModel>
-</file>
-
 <file path=ppt/diagrams/drawing1.xml><?xml version="1.0" encoding="utf-8"?>
-<dsp:drawing xmlns:dgm="http://schemas.openxmlformats.org/drawingml/2006/diagram" xmlns:dsp="http://schemas.microsoft.com/office/drawing/2008/diagram" xmlns:a="http://schemas.openxmlformats.org/drawingml/2006/main">
-  <dsp:spTree>
-    <dsp:nvGrpSpPr>
-      <dsp:cNvPr id="0" name=""/>
-      <dsp:cNvGrpSpPr/>
-    </dsp:nvGrpSpPr>
-    <dsp:grpSpPr/>
-    <dsp:sp modelId="{8B15CBEF-ECFD-4501-A6B5-059B20D7A728}">
-      <dsp:nvSpPr>
-        <dsp:cNvPr id="0" name=""/>
-        <dsp:cNvSpPr/>
-      </dsp:nvSpPr>
-      <dsp:spPr>
-        <a:xfrm>
-          <a:off x="3786530" y="673999"/>
-          <a:ext cx="520738" cy="91440"/>
-        </a:xfrm>
-        <a:custGeom>
-          <a:avLst/>
-          <a:gdLst/>
-          <a:ahLst/>
-          <a:cxnLst/>
-          <a:rect l="0" t="0" r="0" b="0"/>
-          <a:pathLst>
-            <a:path>
-              <a:moveTo>
-                <a:pt x="0" y="45720"/>
-              </a:moveTo>
-              <a:lnTo>
-                <a:pt x="520738" y="45720"/>
-              </a:lnTo>
-            </a:path>
-          </a:pathLst>
-        </a:custGeom>
-        <a:noFill/>
-        <a:ln w="6350" cap="flat" cmpd="sng" algn="ctr">
-          <a:solidFill>
-            <a:schemeClr val="dk1">
-              <a:hueOff val="0"/>
-              <a:satOff val="0"/>
-              <a:lumOff val="0"/>
-              <a:alphaOff val="0"/>
-            </a:schemeClr>
-          </a:solidFill>
-          <a:prstDash val="solid"/>
-          <a:miter lim="800000"/>
-          <a:tailEnd type="arrow"/>
-        </a:ln>
-        <a:effectLst/>
-      </dsp:spPr>
-      <dsp:style>
-        <a:lnRef idx="1">
-          <a:scrgbClr r="0" g="0" b="0"/>
-        </a:lnRef>
-        <a:fillRef idx="0">
-          <a:scrgbClr r="0" g="0" b="0"/>
-        </a:fillRef>
-        <a:effectRef idx="0">
-          <a:scrgbClr r="0" g="0" b="0"/>
-        </a:effectRef>
-        <a:fontRef idx="minor"/>
-      </dsp:style>
-      <dsp:txBody>
-        <a:bodyPr spcFirstLastPara="0" vert="horz" wrap="square" lIns="12700" tIns="0" rIns="12700" bIns="0" numCol="1" spcCol="1270" anchor="ctr" anchorCtr="0">
-          <a:noAutofit/>
-        </a:bodyPr>
-        <a:lstStyle/>
-        <a:p>
-          <a:pPr marL="0" lvl="0" indent="0" algn="ctr" defTabSz="222250">
-            <a:lnSpc>
-              <a:spcPct val="90000"/>
-            </a:lnSpc>
-            <a:spcBef>
-              <a:spcPct val="0"/>
-            </a:spcBef>
-            <a:spcAft>
-              <a:spcPct val="35000"/>
-            </a:spcAft>
-            <a:buNone/>
-          </a:pPr>
-          <a:endParaRPr lang="en-US" sz="500" kern="1200"/>
-        </a:p>
-      </dsp:txBody>
-      <dsp:txXfrm>
-        <a:off x="4033116" y="716963"/>
-        <a:ext cx="27566" cy="5513"/>
-      </dsp:txXfrm>
-    </dsp:sp>
-    <dsp:sp modelId="{DCB5C394-7103-40A4-9B1C-A4855CC13E2A}">
-      <dsp:nvSpPr>
-        <dsp:cNvPr id="0" name=""/>
-        <dsp:cNvSpPr/>
-      </dsp:nvSpPr>
-      <dsp:spPr>
-        <a:xfrm>
-          <a:off x="1391205" y="582"/>
-          <a:ext cx="2397125" cy="1438275"/>
-        </a:xfrm>
-        <a:prstGeom prst="rect">
-          <a:avLst/>
-        </a:prstGeom>
-        <a:gradFill rotWithShape="0">
-          <a:gsLst>
-            <a:gs pos="0">
-              <a:schemeClr val="lt1">
-                <a:hueOff val="0"/>
-                <a:satOff val="0"/>
-                <a:lumOff val="0"/>
-                <a:alphaOff val="0"/>
-                <a:lumMod val="110000"/>
-                <a:satMod val="105000"/>
-                <a:tint val="67000"/>
-              </a:schemeClr>
-            </a:gs>
-            <a:gs pos="50000">
-              <a:schemeClr val="lt1">
-                <a:hueOff val="0"/>
-                <a:satOff val="0"/>
-                <a:lumOff val="0"/>
-                <a:alphaOff val="0"/>
-                <a:lumMod val="105000"/>
-                <a:satMod val="103000"/>
-                <a:tint val="73000"/>
-              </a:schemeClr>
-            </a:gs>
-            <a:gs pos="100000">
-              <a:schemeClr val="lt1">
-                <a:hueOff val="0"/>
-                <a:satOff val="0"/>
-                <a:lumOff val="0"/>
-                <a:alphaOff val="0"/>
-                <a:lumMod val="105000"/>
-                <a:satMod val="109000"/>
-                <a:tint val="81000"/>
-              </a:schemeClr>
-            </a:gs>
-          </a:gsLst>
-          <a:lin ang="5400000" scaled="0"/>
-        </a:gradFill>
-        <a:ln>
-          <a:noFill/>
-        </a:ln>
-        <a:effectLst/>
-        <a:scene3d>
-          <a:camera prst="orthographicFront"/>
-          <a:lightRig rig="flat" dir="t"/>
-        </a:scene3d>
-        <a:sp3d prstMaterial="dkEdge">
-          <a:bevelT w="8200" h="38100"/>
-        </a:sp3d>
-      </dsp:spPr>
-      <dsp:style>
-        <a:lnRef idx="0">
-          <a:scrgbClr r="0" g="0" b="0"/>
-        </a:lnRef>
-        <a:fillRef idx="2">
-          <a:scrgbClr r="0" g="0" b="0"/>
-        </a:fillRef>
-        <a:effectRef idx="1">
-          <a:scrgbClr r="0" g="0" b="0"/>
-        </a:effectRef>
-        <a:fontRef idx="minor">
-          <a:schemeClr val="dk1"/>
-        </a:fontRef>
-      </dsp:style>
-      <dsp:txBody>
-        <a:bodyPr spcFirstLastPara="0" vert="horz" wrap="square" lIns="177800" tIns="177800" rIns="177800" bIns="177800" numCol="1" spcCol="1270" anchor="ctr" anchorCtr="0">
-          <a:noAutofit/>
-        </a:bodyPr>
-        <a:lstStyle/>
-        <a:p>
-          <a:pPr marL="0" lvl="0" indent="0" algn="ctr" defTabSz="1111250">
-            <a:lnSpc>
-              <a:spcPct val="90000"/>
-            </a:lnSpc>
-            <a:spcBef>
-              <a:spcPct val="0"/>
-            </a:spcBef>
-            <a:spcAft>
-              <a:spcPct val="35000"/>
-            </a:spcAft>
-            <a:buNone/>
-          </a:pPr>
-          <a:r>
-            <a:rPr lang="en-US" sz="2500" kern="1200" dirty="0"/>
-            <a:t>Mission and Business Understanding</a:t>
-          </a:r>
-        </a:p>
-      </dsp:txBody>
-      <dsp:txXfrm>
-        <a:off x="1391205" y="582"/>
-        <a:ext cx="2397125" cy="1438275"/>
-      </dsp:txXfrm>
-    </dsp:sp>
-    <dsp:sp modelId="{3516E03F-734D-4971-A2EB-282F37E64F44}">
-      <dsp:nvSpPr>
-        <dsp:cNvPr id="0" name=""/>
-        <dsp:cNvSpPr/>
-      </dsp:nvSpPr>
-      <dsp:spPr>
-        <a:xfrm>
-          <a:off x="2589768" y="1437057"/>
-          <a:ext cx="2948463" cy="520738"/>
-        </a:xfrm>
-        <a:custGeom>
-          <a:avLst/>
-          <a:gdLst/>
-          <a:ahLst/>
-          <a:cxnLst/>
-          <a:rect l="0" t="0" r="0" b="0"/>
-          <a:pathLst>
-            <a:path>
-              <a:moveTo>
-                <a:pt x="2948463" y="0"/>
-              </a:moveTo>
-              <a:lnTo>
-                <a:pt x="2948463" y="277469"/>
-              </a:lnTo>
-              <a:lnTo>
-                <a:pt x="0" y="277469"/>
-              </a:lnTo>
-              <a:lnTo>
-                <a:pt x="0" y="520738"/>
-              </a:lnTo>
-            </a:path>
-          </a:pathLst>
-        </a:custGeom>
-        <a:noFill/>
-        <a:ln w="6350" cap="flat" cmpd="sng" algn="ctr">
-          <a:solidFill>
-            <a:schemeClr val="dk1">
-              <a:hueOff val="0"/>
-              <a:satOff val="0"/>
-              <a:lumOff val="0"/>
-              <a:alphaOff val="0"/>
-            </a:schemeClr>
-          </a:solidFill>
-          <a:prstDash val="solid"/>
-          <a:miter lim="800000"/>
-          <a:tailEnd type="arrow"/>
-        </a:ln>
-        <a:effectLst/>
-      </dsp:spPr>
-      <dsp:style>
-        <a:lnRef idx="1">
-          <a:scrgbClr r="0" g="0" b="0"/>
-        </a:lnRef>
-        <a:fillRef idx="0">
-          <a:scrgbClr r="0" g="0" b="0"/>
-        </a:fillRef>
-        <a:effectRef idx="0">
-          <a:scrgbClr r="0" g="0" b="0"/>
-        </a:effectRef>
-        <a:fontRef idx="minor"/>
-      </dsp:style>
-      <dsp:txBody>
-        <a:bodyPr spcFirstLastPara="0" vert="horz" wrap="square" lIns="12700" tIns="0" rIns="12700" bIns="0" numCol="1" spcCol="1270" anchor="ctr" anchorCtr="0">
-          <a:noAutofit/>
-        </a:bodyPr>
-        <a:lstStyle/>
-        <a:p>
-          <a:pPr marL="0" lvl="0" indent="0" algn="ctr" defTabSz="222250">
-            <a:lnSpc>
-              <a:spcPct val="90000"/>
-            </a:lnSpc>
-            <a:spcBef>
-              <a:spcPct val="0"/>
-            </a:spcBef>
-            <a:spcAft>
-              <a:spcPct val="35000"/>
-            </a:spcAft>
-            <a:buNone/>
-          </a:pPr>
-          <a:endParaRPr lang="en-US" sz="500" kern="1200"/>
-        </a:p>
-      </dsp:txBody>
-      <dsp:txXfrm>
-        <a:off x="3989010" y="1694669"/>
-        <a:ext cx="149978" cy="5513"/>
-      </dsp:txXfrm>
-    </dsp:sp>
-    <dsp:sp modelId="{ABF6F158-6B49-4120-935A-FDCE2665478F}">
-      <dsp:nvSpPr>
-        <dsp:cNvPr id="0" name=""/>
-        <dsp:cNvSpPr/>
-      </dsp:nvSpPr>
-      <dsp:spPr>
-        <a:xfrm>
-          <a:off x="4339669" y="582"/>
-          <a:ext cx="2397125" cy="1438275"/>
-        </a:xfrm>
-        <a:prstGeom prst="rect">
-          <a:avLst/>
-        </a:prstGeom>
-        <a:solidFill>
-          <a:schemeClr val="accent5">
-            <a:lumMod val="60000"/>
-            <a:lumOff val="40000"/>
-          </a:schemeClr>
-        </a:solidFill>
-        <a:ln>
-          <a:noFill/>
-        </a:ln>
-        <a:effectLst/>
-        <a:scene3d>
-          <a:camera prst="orthographicFront"/>
-          <a:lightRig rig="flat" dir="t"/>
-        </a:scene3d>
-        <a:sp3d prstMaterial="dkEdge">
-          <a:bevelT w="8200" h="38100"/>
-        </a:sp3d>
-      </dsp:spPr>
-      <dsp:style>
-        <a:lnRef idx="0">
-          <a:scrgbClr r="0" g="0" b="0"/>
-        </a:lnRef>
-        <a:fillRef idx="2">
-          <a:scrgbClr r="0" g="0" b="0"/>
-        </a:fillRef>
-        <a:effectRef idx="1">
-          <a:scrgbClr r="0" g="0" b="0"/>
-        </a:effectRef>
-        <a:fontRef idx="minor">
-          <a:schemeClr val="dk1"/>
-        </a:fontRef>
-      </dsp:style>
-      <dsp:txBody>
-        <a:bodyPr spcFirstLastPara="0" vert="horz" wrap="square" lIns="177800" tIns="177800" rIns="177800" bIns="177800" numCol="1" spcCol="1270" anchor="ctr" anchorCtr="0">
-          <a:noAutofit/>
-        </a:bodyPr>
-        <a:lstStyle/>
-        <a:p>
-          <a:pPr marL="0" lvl="0" indent="0" algn="ctr" defTabSz="1111250">
-            <a:lnSpc>
-              <a:spcPct val="90000"/>
-            </a:lnSpc>
-            <a:spcBef>
-              <a:spcPct val="0"/>
-            </a:spcBef>
-            <a:spcAft>
-              <a:spcPct val="35000"/>
-            </a:spcAft>
-            <a:buNone/>
-          </a:pPr>
-          <a:r>
-            <a:rPr lang="en-US" sz="2500" kern="1200" dirty="0"/>
-            <a:t>Data Ingestion Project 1: </a:t>
-          </a:r>
-          <a:r>
-            <a:rPr lang="en-US" sz="2500" b="1" kern="1200" dirty="0"/>
-            <a:t>LinkedIn</a:t>
-          </a:r>
-          <a:endParaRPr lang="en-US" sz="2500" kern="1200" dirty="0"/>
-        </a:p>
-      </dsp:txBody>
-      <dsp:txXfrm>
-        <a:off x="4339669" y="582"/>
-        <a:ext cx="2397125" cy="1438275"/>
-      </dsp:txXfrm>
-    </dsp:sp>
-    <dsp:sp modelId="{59B2E365-28E8-4EA6-90A7-2473B4BAE0DE}">
-      <dsp:nvSpPr>
-        <dsp:cNvPr id="0" name=""/>
-        <dsp:cNvSpPr/>
-      </dsp:nvSpPr>
-      <dsp:spPr>
-        <a:xfrm>
-          <a:off x="3786530" y="2663613"/>
-          <a:ext cx="520738" cy="91440"/>
-        </a:xfrm>
-        <a:custGeom>
-          <a:avLst/>
-          <a:gdLst/>
-          <a:ahLst/>
-          <a:cxnLst/>
-          <a:rect l="0" t="0" r="0" b="0"/>
-          <a:pathLst>
-            <a:path>
-              <a:moveTo>
-                <a:pt x="0" y="45720"/>
-              </a:moveTo>
-              <a:lnTo>
-                <a:pt x="520738" y="45720"/>
-              </a:lnTo>
-            </a:path>
-          </a:pathLst>
-        </a:custGeom>
-        <a:noFill/>
-        <a:ln w="6350" cap="flat" cmpd="sng" algn="ctr">
-          <a:solidFill>
-            <a:schemeClr val="dk1">
-              <a:hueOff val="0"/>
-              <a:satOff val="0"/>
-              <a:lumOff val="0"/>
-              <a:alphaOff val="0"/>
-            </a:schemeClr>
-          </a:solidFill>
-          <a:prstDash val="solid"/>
-          <a:miter lim="800000"/>
-          <a:tailEnd type="arrow"/>
-        </a:ln>
-        <a:effectLst/>
-      </dsp:spPr>
-      <dsp:style>
-        <a:lnRef idx="1">
-          <a:scrgbClr r="0" g="0" b="0"/>
-        </a:lnRef>
-        <a:fillRef idx="0">
-          <a:scrgbClr r="0" g="0" b="0"/>
-        </a:fillRef>
-        <a:effectRef idx="0">
-          <a:scrgbClr r="0" g="0" b="0"/>
-        </a:effectRef>
-        <a:fontRef idx="minor"/>
-      </dsp:style>
-      <dsp:txBody>
-        <a:bodyPr spcFirstLastPara="0" vert="horz" wrap="square" lIns="12700" tIns="0" rIns="12700" bIns="0" numCol="1" spcCol="1270" anchor="ctr" anchorCtr="0">
-          <a:noAutofit/>
-        </a:bodyPr>
-        <a:lstStyle/>
-        <a:p>
-          <a:pPr marL="0" lvl="0" indent="0" algn="ctr" defTabSz="222250">
-            <a:lnSpc>
-              <a:spcPct val="90000"/>
-            </a:lnSpc>
-            <a:spcBef>
-              <a:spcPct val="0"/>
-            </a:spcBef>
-            <a:spcAft>
-              <a:spcPct val="35000"/>
-            </a:spcAft>
-            <a:buNone/>
-          </a:pPr>
-          <a:endParaRPr lang="en-US" sz="500" kern="1200"/>
-        </a:p>
-      </dsp:txBody>
-      <dsp:txXfrm>
-        <a:off x="4033116" y="2706576"/>
-        <a:ext cx="27566" cy="5513"/>
-      </dsp:txXfrm>
-    </dsp:sp>
-    <dsp:sp modelId="{308E66F8-C990-44F1-9D02-1BB4D76C496F}">
-      <dsp:nvSpPr>
-        <dsp:cNvPr id="0" name=""/>
-        <dsp:cNvSpPr/>
-      </dsp:nvSpPr>
-      <dsp:spPr>
-        <a:xfrm>
-          <a:off x="1391205" y="1990196"/>
-          <a:ext cx="2397125" cy="1438275"/>
-        </a:xfrm>
-        <a:prstGeom prst="rect">
-          <a:avLst/>
-        </a:prstGeom>
-        <a:gradFill rotWithShape="0">
-          <a:gsLst>
-            <a:gs pos="0">
-              <a:schemeClr val="lt1">
-                <a:hueOff val="0"/>
-                <a:satOff val="0"/>
-                <a:lumOff val="0"/>
-                <a:alphaOff val="0"/>
-                <a:lumMod val="110000"/>
-                <a:satMod val="105000"/>
-                <a:tint val="67000"/>
-              </a:schemeClr>
-            </a:gs>
-            <a:gs pos="50000">
-              <a:schemeClr val="lt1">
-                <a:hueOff val="0"/>
-                <a:satOff val="0"/>
-                <a:lumOff val="0"/>
-                <a:alphaOff val="0"/>
-                <a:lumMod val="105000"/>
-                <a:satMod val="103000"/>
-                <a:tint val="73000"/>
-              </a:schemeClr>
-            </a:gs>
-            <a:gs pos="100000">
-              <a:schemeClr val="lt1">
-                <a:hueOff val="0"/>
-                <a:satOff val="0"/>
-                <a:lumOff val="0"/>
-                <a:alphaOff val="0"/>
-                <a:lumMod val="105000"/>
-                <a:satMod val="109000"/>
-                <a:tint val="81000"/>
-              </a:schemeClr>
-            </a:gs>
-          </a:gsLst>
-          <a:lin ang="5400000" scaled="0"/>
-        </a:gradFill>
-        <a:ln>
-          <a:noFill/>
-        </a:ln>
-        <a:effectLst/>
-        <a:scene3d>
-          <a:camera prst="orthographicFront"/>
-          <a:lightRig rig="flat" dir="t"/>
-        </a:scene3d>
-        <a:sp3d prstMaterial="dkEdge">
-          <a:bevelT w="8200" h="38100"/>
-        </a:sp3d>
-      </dsp:spPr>
-      <dsp:style>
-        <a:lnRef idx="0">
-          <a:scrgbClr r="0" g="0" b="0"/>
-        </a:lnRef>
-        <a:fillRef idx="2">
-          <a:scrgbClr r="0" g="0" b="0"/>
-        </a:fillRef>
-        <a:effectRef idx="1">
-          <a:scrgbClr r="0" g="0" b="0"/>
-        </a:effectRef>
-        <a:fontRef idx="minor">
-          <a:schemeClr val="dk1"/>
-        </a:fontRef>
-      </dsp:style>
-      <dsp:txBody>
-        <a:bodyPr spcFirstLastPara="0" vert="horz" wrap="square" lIns="177800" tIns="177800" rIns="177800" bIns="177800" numCol="1" spcCol="1270" anchor="ctr" anchorCtr="0">
-          <a:noAutofit/>
-        </a:bodyPr>
-        <a:lstStyle/>
-        <a:p>
-          <a:pPr marL="0" lvl="0" indent="0" algn="ctr" defTabSz="1111250">
-            <a:lnSpc>
-              <a:spcPct val="90000"/>
-            </a:lnSpc>
-            <a:spcBef>
-              <a:spcPct val="0"/>
-            </a:spcBef>
-            <a:spcAft>
-              <a:spcPct val="35000"/>
-            </a:spcAft>
-            <a:buNone/>
-          </a:pPr>
-          <a:r>
-            <a:rPr lang="en-US" sz="2500" kern="1200" dirty="0"/>
-            <a:t>TBD</a:t>
-          </a:r>
-        </a:p>
-      </dsp:txBody>
-      <dsp:txXfrm>
-        <a:off x="1391205" y="1990196"/>
-        <a:ext cx="2397125" cy="1438275"/>
-      </dsp:txXfrm>
-    </dsp:sp>
-    <dsp:sp modelId="{AB07F565-70AF-4D8E-964D-2B98BED5ECE9}">
-      <dsp:nvSpPr>
-        <dsp:cNvPr id="0" name=""/>
-        <dsp:cNvSpPr/>
-      </dsp:nvSpPr>
-      <dsp:spPr>
-        <a:xfrm>
-          <a:off x="2589768" y="3426671"/>
-          <a:ext cx="2948463" cy="520738"/>
-        </a:xfrm>
-        <a:custGeom>
-          <a:avLst/>
-          <a:gdLst/>
-          <a:ahLst/>
-          <a:cxnLst/>
-          <a:rect l="0" t="0" r="0" b="0"/>
-          <a:pathLst>
-            <a:path>
-              <a:moveTo>
-                <a:pt x="2948463" y="0"/>
-              </a:moveTo>
-              <a:lnTo>
-                <a:pt x="2948463" y="277469"/>
-              </a:lnTo>
-              <a:lnTo>
-                <a:pt x="0" y="277469"/>
-              </a:lnTo>
-              <a:lnTo>
-                <a:pt x="0" y="520738"/>
-              </a:lnTo>
-            </a:path>
-          </a:pathLst>
-        </a:custGeom>
-        <a:noFill/>
-        <a:ln w="6350" cap="flat" cmpd="sng" algn="ctr">
-          <a:solidFill>
-            <a:schemeClr val="dk1">
-              <a:hueOff val="0"/>
-              <a:satOff val="0"/>
-              <a:lumOff val="0"/>
-              <a:alphaOff val="0"/>
-            </a:schemeClr>
-          </a:solidFill>
-          <a:prstDash val="solid"/>
-          <a:miter lim="800000"/>
-          <a:tailEnd type="arrow"/>
-        </a:ln>
-        <a:effectLst/>
-      </dsp:spPr>
-      <dsp:style>
-        <a:lnRef idx="1">
-          <a:scrgbClr r="0" g="0" b="0"/>
-        </a:lnRef>
-        <a:fillRef idx="0">
-          <a:scrgbClr r="0" g="0" b="0"/>
-        </a:fillRef>
-        <a:effectRef idx="0">
-          <a:scrgbClr r="0" g="0" b="0"/>
-        </a:effectRef>
-        <a:fontRef idx="minor"/>
-      </dsp:style>
-      <dsp:txBody>
-        <a:bodyPr spcFirstLastPara="0" vert="horz" wrap="square" lIns="12700" tIns="0" rIns="12700" bIns="0" numCol="1" spcCol="1270" anchor="ctr" anchorCtr="0">
-          <a:noAutofit/>
-        </a:bodyPr>
-        <a:lstStyle/>
-        <a:p>
-          <a:pPr marL="0" lvl="0" indent="0" algn="ctr" defTabSz="222250">
-            <a:lnSpc>
-              <a:spcPct val="90000"/>
-            </a:lnSpc>
-            <a:spcBef>
-              <a:spcPct val="0"/>
-            </a:spcBef>
-            <a:spcAft>
-              <a:spcPct val="35000"/>
-            </a:spcAft>
-            <a:buNone/>
-          </a:pPr>
-          <a:endParaRPr lang="en-US" sz="500" kern="1200"/>
-        </a:p>
-      </dsp:txBody>
-      <dsp:txXfrm>
-        <a:off x="3989010" y="3684283"/>
-        <a:ext cx="149978" cy="5513"/>
-      </dsp:txXfrm>
-    </dsp:sp>
-    <dsp:sp modelId="{81C43D66-D2EF-4747-A3A4-3CC8944C59C2}">
-      <dsp:nvSpPr>
-        <dsp:cNvPr id="0" name=""/>
-        <dsp:cNvSpPr/>
-      </dsp:nvSpPr>
-      <dsp:spPr>
-        <a:xfrm>
-          <a:off x="4339669" y="1990196"/>
-          <a:ext cx="2397125" cy="1438275"/>
-        </a:xfrm>
-        <a:prstGeom prst="rect">
-          <a:avLst/>
-        </a:prstGeom>
-        <a:gradFill rotWithShape="0">
-          <a:gsLst>
-            <a:gs pos="0">
-              <a:schemeClr val="lt1">
-                <a:hueOff val="0"/>
-                <a:satOff val="0"/>
-                <a:lumOff val="0"/>
-                <a:alphaOff val="0"/>
-                <a:lumMod val="110000"/>
-                <a:satMod val="105000"/>
-                <a:tint val="67000"/>
-              </a:schemeClr>
-            </a:gs>
-            <a:gs pos="50000">
-              <a:schemeClr val="lt1">
-                <a:hueOff val="0"/>
-                <a:satOff val="0"/>
-                <a:lumOff val="0"/>
-                <a:alphaOff val="0"/>
-                <a:lumMod val="105000"/>
-                <a:satMod val="103000"/>
-                <a:tint val="73000"/>
-              </a:schemeClr>
-            </a:gs>
-            <a:gs pos="100000">
-              <a:schemeClr val="lt1">
-                <a:hueOff val="0"/>
-                <a:satOff val="0"/>
-                <a:lumOff val="0"/>
-                <a:alphaOff val="0"/>
-                <a:lumMod val="105000"/>
-                <a:satMod val="109000"/>
-                <a:tint val="81000"/>
-              </a:schemeClr>
-            </a:gs>
-          </a:gsLst>
-          <a:lin ang="5400000" scaled="0"/>
-        </a:gradFill>
-        <a:ln>
-          <a:noFill/>
-        </a:ln>
-        <a:effectLst/>
-        <a:scene3d>
-          <a:camera prst="orthographicFront"/>
-          <a:lightRig rig="flat" dir="t"/>
-        </a:scene3d>
-        <a:sp3d prstMaterial="dkEdge">
-          <a:bevelT w="8200" h="38100"/>
-        </a:sp3d>
-      </dsp:spPr>
-      <dsp:style>
-        <a:lnRef idx="0">
-          <a:scrgbClr r="0" g="0" b="0"/>
-        </a:lnRef>
-        <a:fillRef idx="2">
-          <a:scrgbClr r="0" g="0" b="0"/>
-        </a:fillRef>
-        <a:effectRef idx="1">
-          <a:scrgbClr r="0" g="0" b="0"/>
-        </a:effectRef>
-        <a:fontRef idx="minor">
-          <a:schemeClr val="dk1"/>
-        </a:fontRef>
-      </dsp:style>
-      <dsp:txBody>
-        <a:bodyPr spcFirstLastPara="0" vert="horz" wrap="square" lIns="177800" tIns="177800" rIns="177800" bIns="177800" numCol="1" spcCol="1270" anchor="ctr" anchorCtr="0">
-          <a:noAutofit/>
-        </a:bodyPr>
-        <a:lstStyle/>
-        <a:p>
-          <a:pPr marL="0" lvl="0" indent="0" algn="ctr" defTabSz="1111250">
-            <a:lnSpc>
-              <a:spcPct val="90000"/>
-            </a:lnSpc>
-            <a:spcBef>
-              <a:spcPct val="0"/>
-            </a:spcBef>
-            <a:spcAft>
-              <a:spcPct val="35000"/>
-            </a:spcAft>
-            <a:buNone/>
-          </a:pPr>
-          <a:r>
-            <a:rPr lang="en-US" sz="2500" kern="1200" dirty="0"/>
-            <a:t>TBD</a:t>
-          </a:r>
-        </a:p>
-      </dsp:txBody>
-      <dsp:txXfrm>
-        <a:off x="4339669" y="1990196"/>
-        <a:ext cx="2397125" cy="1438275"/>
-      </dsp:txXfrm>
-    </dsp:sp>
-    <dsp:sp modelId="{D7E6B66C-7244-41C8-80BB-A13207DC2C4A}">
-      <dsp:nvSpPr>
-        <dsp:cNvPr id="0" name=""/>
-        <dsp:cNvSpPr/>
-      </dsp:nvSpPr>
-      <dsp:spPr>
-        <a:xfrm>
-          <a:off x="1391205" y="3979809"/>
-          <a:ext cx="2397125" cy="1438275"/>
-        </a:xfrm>
-        <a:prstGeom prst="rect">
-          <a:avLst/>
-        </a:prstGeom>
-        <a:gradFill rotWithShape="0">
-          <a:gsLst>
-            <a:gs pos="0">
-              <a:schemeClr val="lt1">
-                <a:hueOff val="0"/>
-                <a:satOff val="0"/>
-                <a:lumOff val="0"/>
-                <a:alphaOff val="0"/>
-                <a:lumMod val="110000"/>
-                <a:satMod val="105000"/>
-                <a:tint val="67000"/>
-              </a:schemeClr>
-            </a:gs>
-            <a:gs pos="50000">
-              <a:schemeClr val="lt1">
-                <a:hueOff val="0"/>
-                <a:satOff val="0"/>
-                <a:lumOff val="0"/>
-                <a:alphaOff val="0"/>
-                <a:lumMod val="105000"/>
-                <a:satMod val="103000"/>
-                <a:tint val="73000"/>
-              </a:schemeClr>
-            </a:gs>
-            <a:gs pos="100000">
-              <a:schemeClr val="lt1">
-                <a:hueOff val="0"/>
-                <a:satOff val="0"/>
-                <a:lumOff val="0"/>
-                <a:alphaOff val="0"/>
-                <a:lumMod val="105000"/>
-                <a:satMod val="109000"/>
-                <a:tint val="81000"/>
-              </a:schemeClr>
-            </a:gs>
-          </a:gsLst>
-          <a:lin ang="5400000" scaled="0"/>
-        </a:gradFill>
-        <a:ln>
-          <a:noFill/>
-        </a:ln>
-        <a:effectLst/>
-        <a:scene3d>
-          <a:camera prst="orthographicFront"/>
-          <a:lightRig rig="flat" dir="t"/>
-        </a:scene3d>
-        <a:sp3d prstMaterial="dkEdge">
-          <a:bevelT w="8200" h="38100"/>
-        </a:sp3d>
-      </dsp:spPr>
-      <dsp:style>
-        <a:lnRef idx="0">
-          <a:scrgbClr r="0" g="0" b="0"/>
-        </a:lnRef>
-        <a:fillRef idx="2">
-          <a:scrgbClr r="0" g="0" b="0"/>
-        </a:fillRef>
-        <a:effectRef idx="1">
-          <a:scrgbClr r="0" g="0" b="0"/>
-        </a:effectRef>
-        <a:fontRef idx="minor">
-          <a:schemeClr val="dk1"/>
-        </a:fontRef>
-      </dsp:style>
-      <dsp:txBody>
-        <a:bodyPr spcFirstLastPara="0" vert="horz" wrap="square" lIns="177800" tIns="177800" rIns="177800" bIns="177800" numCol="1" spcCol="1270" anchor="ctr" anchorCtr="0">
-          <a:noAutofit/>
-        </a:bodyPr>
-        <a:lstStyle/>
-        <a:p>
-          <a:pPr marL="0" lvl="0" indent="0" algn="ctr" defTabSz="1111250">
-            <a:lnSpc>
-              <a:spcPct val="90000"/>
-            </a:lnSpc>
-            <a:spcBef>
-              <a:spcPct val="0"/>
-            </a:spcBef>
-            <a:spcAft>
-              <a:spcPct val="35000"/>
-            </a:spcAft>
-            <a:buNone/>
-          </a:pPr>
-          <a:r>
-            <a:rPr lang="en-US" sz="2500" kern="1200" dirty="0"/>
-            <a:t>TBD</a:t>
-          </a:r>
-        </a:p>
-      </dsp:txBody>
-      <dsp:txXfrm>
-        <a:off x="1391205" y="3979809"/>
-        <a:ext cx="2397125" cy="1438275"/>
-      </dsp:txXfrm>
-    </dsp:sp>
-  </dsp:spTree>
-</dsp:drawing>
-</file>
-
-<file path=ppt/diagrams/drawing2.xml><?xml version="1.0" encoding="utf-8"?>
 <dsp:drawing xmlns:dgm="http://schemas.openxmlformats.org/drawingml/2006/diagram" xmlns:dsp="http://schemas.microsoft.com/office/drawing/2008/diagram" xmlns:a="http://schemas.openxmlformats.org/drawingml/2006/main">
   <dsp:spTree>
     <dsp:nvGrpSpPr>
@@ -5746,786 +2860,7 @@
 </dsp:drawing>
 </file>
 
-<file path=ppt/diagrams/drawing3.xml><?xml version="1.0" encoding="utf-8"?>
-<dsp:drawing xmlns:dgm="http://schemas.openxmlformats.org/drawingml/2006/diagram" xmlns:dsp="http://schemas.microsoft.com/office/drawing/2008/diagram" xmlns:a="http://schemas.openxmlformats.org/drawingml/2006/main">
-  <dsp:spTree>
-    <dsp:nvGrpSpPr>
-      <dsp:cNvPr id="0" name=""/>
-      <dsp:cNvGrpSpPr/>
-    </dsp:nvGrpSpPr>
-    <dsp:grpSpPr/>
-    <dsp:sp modelId="{8B15CBEF-ECFD-4501-A6B5-059B20D7A728}">
-      <dsp:nvSpPr>
-        <dsp:cNvPr id="0" name=""/>
-        <dsp:cNvSpPr/>
-      </dsp:nvSpPr>
-      <dsp:spPr>
-        <a:xfrm>
-          <a:off x="5022625" y="1092597"/>
-          <a:ext cx="840083" cy="91440"/>
-        </a:xfrm>
-        <a:custGeom>
-          <a:avLst/>
-          <a:gdLst/>
-          <a:ahLst/>
-          <a:cxnLst/>
-          <a:rect l="0" t="0" r="0" b="0"/>
-          <a:pathLst>
-            <a:path>
-              <a:moveTo>
-                <a:pt x="0" y="45720"/>
-              </a:moveTo>
-              <a:lnTo>
-                <a:pt x="840083" y="45720"/>
-              </a:lnTo>
-            </a:path>
-          </a:pathLst>
-        </a:custGeom>
-        <a:noFill/>
-        <a:ln w="6350" cap="flat" cmpd="sng" algn="ctr">
-          <a:solidFill>
-            <a:schemeClr val="dk1">
-              <a:hueOff val="0"/>
-              <a:satOff val="0"/>
-              <a:lumOff val="0"/>
-              <a:alphaOff val="0"/>
-            </a:schemeClr>
-          </a:solidFill>
-          <a:prstDash val="solid"/>
-          <a:miter lim="800000"/>
-          <a:tailEnd type="arrow"/>
-        </a:ln>
-        <a:effectLst/>
-      </dsp:spPr>
-      <dsp:style>
-        <a:lnRef idx="1">
-          <a:scrgbClr r="0" g="0" b="0"/>
-        </a:lnRef>
-        <a:fillRef idx="0">
-          <a:scrgbClr r="0" g="0" b="0"/>
-        </a:fillRef>
-        <a:effectRef idx="0">
-          <a:scrgbClr r="0" g="0" b="0"/>
-        </a:effectRef>
-        <a:fontRef idx="minor"/>
-      </dsp:style>
-      <dsp:txBody>
-        <a:bodyPr spcFirstLastPara="0" vert="horz" wrap="square" lIns="12700" tIns="0" rIns="12700" bIns="0" numCol="1" spcCol="1270" anchor="ctr" anchorCtr="0">
-          <a:noAutofit/>
-        </a:bodyPr>
-        <a:lstStyle/>
-        <a:p>
-          <a:pPr marL="0" lvl="0" indent="0" algn="ctr" defTabSz="222250">
-            <a:lnSpc>
-              <a:spcPct val="90000"/>
-            </a:lnSpc>
-            <a:spcBef>
-              <a:spcPct val="0"/>
-            </a:spcBef>
-            <a:spcAft>
-              <a:spcPct val="35000"/>
-            </a:spcAft>
-            <a:buNone/>
-          </a:pPr>
-          <a:endParaRPr lang="en-US" sz="500" kern="1200"/>
-        </a:p>
-      </dsp:txBody>
-      <dsp:txXfrm>
-        <a:off x="5420899" y="1133964"/>
-        <a:ext cx="43534" cy="8706"/>
-      </dsp:txXfrm>
-    </dsp:sp>
-    <dsp:sp modelId="{DCB5C394-7103-40A4-9B1C-A4855CC13E2A}">
-      <dsp:nvSpPr>
-        <dsp:cNvPr id="0" name=""/>
-        <dsp:cNvSpPr/>
-      </dsp:nvSpPr>
-      <dsp:spPr>
-        <a:xfrm>
-          <a:off x="1238844" y="2643"/>
-          <a:ext cx="3785580" cy="2271348"/>
-        </a:xfrm>
-        <a:prstGeom prst="rect">
-          <a:avLst/>
-        </a:prstGeom>
-        <a:solidFill>
-          <a:schemeClr val="tx1"/>
-        </a:solidFill>
-        <a:ln>
-          <a:noFill/>
-        </a:ln>
-        <a:effectLst/>
-        <a:scene3d>
-          <a:camera prst="orthographicFront"/>
-          <a:lightRig rig="flat" dir="t"/>
-        </a:scene3d>
-        <a:sp3d prstMaterial="dkEdge">
-          <a:bevelT w="8200" h="38100"/>
-        </a:sp3d>
-      </dsp:spPr>
-      <dsp:style>
-        <a:lnRef idx="0">
-          <a:scrgbClr r="0" g="0" b="0"/>
-        </a:lnRef>
-        <a:fillRef idx="2">
-          <a:scrgbClr r="0" g="0" b="0"/>
-        </a:fillRef>
-        <a:effectRef idx="1">
-          <a:scrgbClr r="0" g="0" b="0"/>
-        </a:effectRef>
-        <a:fontRef idx="minor">
-          <a:schemeClr val="dk1"/>
-        </a:fontRef>
-      </dsp:style>
-      <dsp:txBody>
-        <a:bodyPr spcFirstLastPara="0" vert="horz" wrap="square" lIns="284480" tIns="284480" rIns="284480" bIns="284480" numCol="1" spcCol="1270" anchor="ctr" anchorCtr="0">
-          <a:noAutofit/>
-        </a:bodyPr>
-        <a:lstStyle/>
-        <a:p>
-          <a:pPr marL="0" lvl="0" indent="0" algn="ctr" defTabSz="1778000">
-            <a:lnSpc>
-              <a:spcPct val="90000"/>
-            </a:lnSpc>
-            <a:spcBef>
-              <a:spcPct val="0"/>
-            </a:spcBef>
-            <a:spcAft>
-              <a:spcPct val="35000"/>
-            </a:spcAft>
-            <a:buNone/>
-          </a:pPr>
-          <a:r>
-            <a:rPr lang="en-US" sz="4000" kern="1200" dirty="0">
-              <a:solidFill>
-                <a:schemeClr val="bg1"/>
-              </a:solidFill>
-            </a:rPr>
-            <a:t>LinkedIn URL Ingestion</a:t>
-          </a:r>
-        </a:p>
-      </dsp:txBody>
-      <dsp:txXfrm>
-        <a:off x="1238844" y="2643"/>
-        <a:ext cx="3785580" cy="2271348"/>
-      </dsp:txXfrm>
-    </dsp:sp>
-    <dsp:sp modelId="{3516E03F-734D-4971-A2EB-282F37E64F44}">
-      <dsp:nvSpPr>
-        <dsp:cNvPr id="0" name=""/>
-        <dsp:cNvSpPr/>
-      </dsp:nvSpPr>
-      <dsp:spPr>
-        <a:xfrm>
-          <a:off x="3089577" y="2272191"/>
-          <a:ext cx="4698321" cy="840083"/>
-        </a:xfrm>
-        <a:custGeom>
-          <a:avLst/>
-          <a:gdLst/>
-          <a:ahLst/>
-          <a:cxnLst/>
-          <a:rect l="0" t="0" r="0" b="0"/>
-          <a:pathLst>
-            <a:path>
-              <a:moveTo>
-                <a:pt x="4698321" y="0"/>
-              </a:moveTo>
-              <a:lnTo>
-                <a:pt x="4698321" y="437141"/>
-              </a:lnTo>
-              <a:lnTo>
-                <a:pt x="0" y="437141"/>
-              </a:lnTo>
-              <a:lnTo>
-                <a:pt x="0" y="840083"/>
-              </a:lnTo>
-            </a:path>
-          </a:pathLst>
-        </a:custGeom>
-        <a:noFill/>
-        <a:ln w="6350" cap="flat" cmpd="sng" algn="ctr">
-          <a:solidFill>
-            <a:schemeClr val="dk1">
-              <a:hueOff val="0"/>
-              <a:satOff val="0"/>
-              <a:lumOff val="0"/>
-              <a:alphaOff val="0"/>
-            </a:schemeClr>
-          </a:solidFill>
-          <a:prstDash val="solid"/>
-          <a:miter lim="800000"/>
-          <a:tailEnd type="arrow"/>
-        </a:ln>
-        <a:effectLst/>
-      </dsp:spPr>
-      <dsp:style>
-        <a:lnRef idx="1">
-          <a:scrgbClr r="0" g="0" b="0"/>
-        </a:lnRef>
-        <a:fillRef idx="0">
-          <a:scrgbClr r="0" g="0" b="0"/>
-        </a:fillRef>
-        <a:effectRef idx="0">
-          <a:scrgbClr r="0" g="0" b="0"/>
-        </a:effectRef>
-        <a:fontRef idx="minor"/>
-      </dsp:style>
-      <dsp:txBody>
-        <a:bodyPr spcFirstLastPara="0" vert="horz" wrap="square" lIns="12700" tIns="0" rIns="12700" bIns="0" numCol="1" spcCol="1270" anchor="ctr" anchorCtr="0">
-          <a:noAutofit/>
-        </a:bodyPr>
-        <a:lstStyle/>
-        <a:p>
-          <a:pPr marL="0" lvl="0" indent="0" algn="ctr" defTabSz="222250">
-            <a:lnSpc>
-              <a:spcPct val="90000"/>
-            </a:lnSpc>
-            <a:spcBef>
-              <a:spcPct val="0"/>
-            </a:spcBef>
-            <a:spcAft>
-              <a:spcPct val="35000"/>
-            </a:spcAft>
-            <a:buNone/>
-          </a:pPr>
-          <a:endParaRPr lang="en-US" sz="500" kern="1200"/>
-        </a:p>
-      </dsp:txBody>
-      <dsp:txXfrm>
-        <a:off x="5319280" y="2687880"/>
-        <a:ext cx="238915" cy="8706"/>
-      </dsp:txXfrm>
-    </dsp:sp>
-    <dsp:sp modelId="{ABF6F158-6B49-4120-935A-FDCE2665478F}">
-      <dsp:nvSpPr>
-        <dsp:cNvPr id="0" name=""/>
-        <dsp:cNvSpPr/>
-      </dsp:nvSpPr>
-      <dsp:spPr>
-        <a:xfrm>
-          <a:off x="5895108" y="2643"/>
-          <a:ext cx="3785580" cy="2271348"/>
-        </a:xfrm>
-        <a:prstGeom prst="rect">
-          <a:avLst/>
-        </a:prstGeom>
-        <a:solidFill>
-          <a:schemeClr val="accent5">
-            <a:lumMod val="60000"/>
-            <a:lumOff val="40000"/>
-          </a:schemeClr>
-        </a:solidFill>
-        <a:ln>
-          <a:noFill/>
-        </a:ln>
-        <a:effectLst/>
-        <a:scene3d>
-          <a:camera prst="orthographicFront"/>
-          <a:lightRig rig="flat" dir="t"/>
-        </a:scene3d>
-        <a:sp3d prstMaterial="dkEdge">
-          <a:bevelT w="8200" h="38100"/>
-        </a:sp3d>
-      </dsp:spPr>
-      <dsp:style>
-        <a:lnRef idx="0">
-          <a:scrgbClr r="0" g="0" b="0"/>
-        </a:lnRef>
-        <a:fillRef idx="2">
-          <a:scrgbClr r="0" g="0" b="0"/>
-        </a:fillRef>
-        <a:effectRef idx="1">
-          <a:scrgbClr r="0" g="0" b="0"/>
-        </a:effectRef>
-        <a:fontRef idx="minor">
-          <a:schemeClr val="dk1"/>
-        </a:fontRef>
-      </dsp:style>
-      <dsp:txBody>
-        <a:bodyPr spcFirstLastPara="0" vert="horz" wrap="square" lIns="284480" tIns="284480" rIns="284480" bIns="284480" numCol="1" spcCol="1270" anchor="ctr" anchorCtr="0">
-          <a:noAutofit/>
-        </a:bodyPr>
-        <a:lstStyle/>
-        <a:p>
-          <a:pPr marL="0" lvl="0" indent="0" algn="ctr" defTabSz="1778000">
-            <a:lnSpc>
-              <a:spcPct val="90000"/>
-            </a:lnSpc>
-            <a:spcBef>
-              <a:spcPct val="0"/>
-            </a:spcBef>
-            <a:spcAft>
-              <a:spcPct val="35000"/>
-            </a:spcAft>
-            <a:buNone/>
-          </a:pPr>
-          <a:r>
-            <a:rPr lang="en-US" sz="4000" kern="1200" dirty="0"/>
-            <a:t>Per-Profile Scraping</a:t>
-          </a:r>
-        </a:p>
-      </dsp:txBody>
-      <dsp:txXfrm>
-        <a:off x="5895108" y="2643"/>
-        <a:ext cx="3785580" cy="2271348"/>
-      </dsp:txXfrm>
-    </dsp:sp>
-    <dsp:sp modelId="{308E66F8-C990-44F1-9D02-1BB4D76C496F}">
-      <dsp:nvSpPr>
-        <dsp:cNvPr id="0" name=""/>
-        <dsp:cNvSpPr/>
-      </dsp:nvSpPr>
-      <dsp:spPr>
-        <a:xfrm>
-          <a:off x="1196786" y="3144675"/>
-          <a:ext cx="3785580" cy="2271348"/>
-        </a:xfrm>
-        <a:prstGeom prst="rect">
-          <a:avLst/>
-        </a:prstGeom>
-        <a:solidFill>
-          <a:schemeClr val="accent2">
-            <a:lumMod val="20000"/>
-            <a:lumOff val="80000"/>
-          </a:schemeClr>
-        </a:solidFill>
-        <a:ln>
-          <a:noFill/>
-        </a:ln>
-        <a:effectLst/>
-        <a:scene3d>
-          <a:camera prst="orthographicFront"/>
-          <a:lightRig rig="flat" dir="t"/>
-        </a:scene3d>
-        <a:sp3d prstMaterial="dkEdge">
-          <a:bevelT w="8200" h="38100"/>
-        </a:sp3d>
-      </dsp:spPr>
-      <dsp:style>
-        <a:lnRef idx="0">
-          <a:scrgbClr r="0" g="0" b="0"/>
-        </a:lnRef>
-        <a:fillRef idx="2">
-          <a:scrgbClr r="0" g="0" b="0"/>
-        </a:fillRef>
-        <a:effectRef idx="1">
-          <a:scrgbClr r="0" g="0" b="0"/>
-        </a:effectRef>
-        <a:fontRef idx="minor">
-          <a:schemeClr val="dk1"/>
-        </a:fontRef>
-      </dsp:style>
-      <dsp:txBody>
-        <a:bodyPr spcFirstLastPara="0" vert="horz" wrap="square" lIns="284480" tIns="284480" rIns="284480" bIns="284480" numCol="1" spcCol="1270" anchor="ctr" anchorCtr="0">
-          <a:noAutofit/>
-        </a:bodyPr>
-        <a:lstStyle/>
-        <a:p>
-          <a:pPr marL="0" lvl="0" indent="0" algn="ctr" defTabSz="1778000">
-            <a:lnSpc>
-              <a:spcPct val="90000"/>
-            </a:lnSpc>
-            <a:spcBef>
-              <a:spcPct val="0"/>
-            </a:spcBef>
-            <a:spcAft>
-              <a:spcPct val="35000"/>
-            </a:spcAft>
-            <a:buNone/>
-          </a:pPr>
-          <a:r>
-            <a:rPr lang="en-US" sz="4000" kern="1200" dirty="0"/>
-            <a:t>Raw LinkedIn Contact Dataset</a:t>
-          </a:r>
-        </a:p>
-      </dsp:txBody>
-      <dsp:txXfrm>
-        <a:off x="1196786" y="3144675"/>
-        <a:ext cx="3785580" cy="2271348"/>
-      </dsp:txXfrm>
-    </dsp:sp>
-  </dsp:spTree>
-</dsp:drawing>
-</file>
-
 <file path=ppt/diagrams/layout1.xml><?xml version="1.0" encoding="utf-8"?>
-<dgm:layoutDef xmlns:dgm="http://schemas.openxmlformats.org/drawingml/2006/diagram" xmlns:a="http://schemas.openxmlformats.org/drawingml/2006/main" uniqueId="urn:microsoft.com/office/officeart/2005/8/layout/bProcess3">
-  <dgm:title val=""/>
-  <dgm:desc val=""/>
-  <dgm:catLst>
-    <dgm:cat type="process" pri="18000"/>
-  </dgm:catLst>
-  <dgm:sampData>
-    <dgm:dataModel>
-      <dgm:ptLst>
-        <dgm:pt modelId="0" type="doc"/>
-        <dgm:pt modelId="1">
-          <dgm:prSet phldr="1"/>
-        </dgm:pt>
-        <dgm:pt modelId="2">
-          <dgm:prSet phldr="1"/>
-        </dgm:pt>
-        <dgm:pt modelId="3">
-          <dgm:prSet phldr="1"/>
-        </dgm:pt>
-        <dgm:pt modelId="4">
-          <dgm:prSet phldr="1"/>
-        </dgm:pt>
-        <dgm:pt modelId="5">
-          <dgm:prSet phldr="1"/>
-        </dgm:pt>
-      </dgm:ptLst>
-      <dgm:cxnLst>
-        <dgm:cxn modelId="7" srcId="0" destId="1" srcOrd="0" destOrd="0"/>
-        <dgm:cxn modelId="8" srcId="0" destId="2" srcOrd="1" destOrd="0"/>
-        <dgm:cxn modelId="9" srcId="0" destId="3" srcOrd="2" destOrd="0"/>
-        <dgm:cxn modelId="10" srcId="0" destId="4" srcOrd="3" destOrd="0"/>
-        <dgm:cxn modelId="11" srcId="0" destId="5" srcOrd="4" destOrd="0"/>
-      </dgm:cxnLst>
-      <dgm:bg/>
-      <dgm:whole/>
-    </dgm:dataModel>
-  </dgm:sampData>
-  <dgm:styleData>
-    <dgm:dataModel>
-      <dgm:ptLst>
-        <dgm:pt modelId="0" type="doc"/>
-        <dgm:pt modelId="1"/>
-        <dgm:pt modelId="2"/>
-      </dgm:ptLst>
-      <dgm:cxnLst>
-        <dgm:cxn modelId="3" srcId="0" destId="1" srcOrd="0" destOrd="0"/>
-        <dgm:cxn modelId="4" srcId="0" destId="2" srcOrd="1" destOrd="0"/>
-      </dgm:cxnLst>
-      <dgm:bg/>
-      <dgm:whole/>
-    </dgm:dataModel>
-  </dgm:styleData>
-  <dgm:clrData>
-    <dgm:dataModel>
-      <dgm:ptLst>
-        <dgm:pt modelId="0" type="doc"/>
-        <dgm:pt modelId="1"/>
-        <dgm:pt modelId="2"/>
-        <dgm:pt modelId="3"/>
-        <dgm:pt modelId="4"/>
-      </dgm:ptLst>
-      <dgm:cxnLst>
-        <dgm:cxn modelId="5" srcId="0" destId="1" srcOrd="0" destOrd="0"/>
-        <dgm:cxn modelId="6" srcId="0" destId="2" srcOrd="1" destOrd="0"/>
-        <dgm:cxn modelId="7" srcId="0" destId="3" srcOrd="2" destOrd="0"/>
-        <dgm:cxn modelId="8" srcId="0" destId="4" srcOrd="3" destOrd="0"/>
-      </dgm:cxnLst>
-      <dgm:bg/>
-      <dgm:whole/>
-    </dgm:dataModel>
-  </dgm:clrData>
-  <dgm:layoutNode name="Name0">
-    <dgm:varLst>
-      <dgm:dir/>
-      <dgm:resizeHandles val="exact"/>
-    </dgm:varLst>
-    <dgm:choose name="Name1">
-      <dgm:if name="Name2" axis="self" func="var" arg="dir" op="equ" val="norm">
-        <dgm:alg type="snake">
-          <dgm:param type="grDir" val="tL"/>
-          <dgm:param type="flowDir" val="row"/>
-          <dgm:param type="contDir" val="sameDir"/>
-          <dgm:param type="bkpt" val="endCnv"/>
-        </dgm:alg>
-      </dgm:if>
-      <dgm:else name="Name3">
-        <dgm:alg type="snake">
-          <dgm:param type="grDir" val="tR"/>
-          <dgm:param type="flowDir" val="row"/>
-          <dgm:param type="contDir" val="sameDir"/>
-          <dgm:param type="bkpt" val="endCnv"/>
-        </dgm:alg>
-      </dgm:else>
-    </dgm:choose>
-    <dgm:shape xmlns:r="http://schemas.openxmlformats.org/officeDocument/2006/relationships" r:blip="">
-      <dgm:adjLst/>
-    </dgm:shape>
-    <dgm:presOf/>
-    <dgm:constrLst>
-      <dgm:constr type="w" for="ch" ptType="node" refType="w"/>
-      <dgm:constr type="w" for="ch" forName="sibTrans" refType="w" refFor="ch" refPtType="node" op="equ" fact="0.23"/>
-      <dgm:constr type="sp" refType="w" refFor="ch" refForName="sibTrans" op="equ"/>
-      <dgm:constr type="userB" for="des" forName="connectorText" refType="sp"/>
-      <dgm:constr type="primFontSz" for="ch" ptType="node" op="equ" val="65"/>
-      <dgm:constr type="h" for="ch" ptType="sibTrans" op="equ"/>
-      <dgm:constr type="primFontSz" for="des" forName="connectorText" op="equ" val="55"/>
-      <dgm:constr type="primFontSz" for="des" forName="connectorText" refType="primFontSz" refFor="ch" refPtType="node" op="lte" fact="0.8"/>
-    </dgm:constrLst>
-    <dgm:ruleLst/>
-    <dgm:forEach name="nodesForEach" axis="ch" ptType="node">
-      <dgm:layoutNode name="node">
-        <dgm:varLst>
-          <dgm:bulletEnabled val="1"/>
-        </dgm:varLst>
-        <dgm:alg type="tx"/>
-        <dgm:shape xmlns:r="http://schemas.openxmlformats.org/officeDocument/2006/relationships" type="rect" r:blip="">
-          <dgm:adjLst/>
-        </dgm:shape>
-        <dgm:presOf axis="desOrSelf" ptType="node"/>
-        <dgm:constrLst>
-          <dgm:constr type="h" refType="w" fact="0.6"/>
-        </dgm:constrLst>
-        <dgm:ruleLst>
-          <dgm:rule type="primFontSz" val="5" fact="NaN" max="NaN"/>
-        </dgm:ruleLst>
-      </dgm:layoutNode>
-      <dgm:forEach name="sibTransForEach" axis="followSib" ptType="sibTrans" cnt="1">
-        <dgm:layoutNode name="sibTrans">
-          <dgm:choose name="Name4">
-            <dgm:if name="Name5" axis="self" func="var" arg="dir" op="equ" val="norm">
-              <dgm:alg type="conn">
-                <dgm:param type="connRout" val="bend"/>
-                <dgm:param type="dim" val="1D"/>
-                <dgm:param type="begPts" val="midR bCtr"/>
-                <dgm:param type="endPts" val="midL tCtr"/>
-              </dgm:alg>
-            </dgm:if>
-            <dgm:else name="Name6">
-              <dgm:alg type="conn">
-                <dgm:param type="connRout" val="bend"/>
-                <dgm:param type="dim" val="1D"/>
-                <dgm:param type="begPts" val="midL bCtr"/>
-                <dgm:param type="endPts" val="midR tCtr"/>
-              </dgm:alg>
-            </dgm:else>
-          </dgm:choose>
-          <dgm:shape xmlns:r="http://schemas.openxmlformats.org/officeDocument/2006/relationships" type="conn" r:blip="" zOrderOff="-2">
-            <dgm:adjLst/>
-          </dgm:shape>
-          <dgm:presOf axis="self"/>
-          <dgm:constrLst>
-            <dgm:constr type="begPad" val="-0.05"/>
-            <dgm:constr type="endPad" val="0.9"/>
-            <dgm:constr type="userA" for="ch" refType="connDist"/>
-          </dgm:constrLst>
-          <dgm:ruleLst/>
-          <dgm:layoutNode name="connectorText">
-            <dgm:alg type="tx">
-              <dgm:param type="autoTxRot" val="upr"/>
-            </dgm:alg>
-            <dgm:shape xmlns:r="http://schemas.openxmlformats.org/officeDocument/2006/relationships" type="rect" r:blip="" hideGeom="1">
-              <dgm:adjLst/>
-            </dgm:shape>
-            <dgm:presOf axis="self"/>
-            <dgm:constrLst>
-              <dgm:constr type="userA"/>
-              <dgm:constr type="userB"/>
-              <dgm:constr type="w" refType="userA" fact="0.05"/>
-              <dgm:constr type="h" refType="userB" fact="0.01"/>
-              <dgm:constr type="lMarg" val="1"/>
-              <dgm:constr type="rMarg" val="1"/>
-              <dgm:constr type="tMarg"/>
-              <dgm:constr type="bMarg"/>
-            </dgm:constrLst>
-            <dgm:ruleLst>
-              <dgm:rule type="w" val="NaN" fact="0.6" max="NaN"/>
-              <dgm:rule type="h" val="NaN" fact="0.6" max="NaN"/>
-              <dgm:rule type="primFontSz" val="5" fact="NaN" max="NaN"/>
-            </dgm:ruleLst>
-          </dgm:layoutNode>
-        </dgm:layoutNode>
-      </dgm:forEach>
-    </dgm:forEach>
-  </dgm:layoutNode>
-</dgm:layoutDef>
-</file>
-
-<file path=ppt/diagrams/layout2.xml><?xml version="1.0" encoding="utf-8"?>
-<dgm:layoutDef xmlns:dgm="http://schemas.openxmlformats.org/drawingml/2006/diagram" xmlns:a="http://schemas.openxmlformats.org/drawingml/2006/main" uniqueId="urn:microsoft.com/office/officeart/2005/8/layout/bProcess3">
-  <dgm:title val=""/>
-  <dgm:desc val=""/>
-  <dgm:catLst>
-    <dgm:cat type="process" pri="18000"/>
-  </dgm:catLst>
-  <dgm:sampData>
-    <dgm:dataModel>
-      <dgm:ptLst>
-        <dgm:pt modelId="0" type="doc"/>
-        <dgm:pt modelId="1">
-          <dgm:prSet phldr="1"/>
-        </dgm:pt>
-        <dgm:pt modelId="2">
-          <dgm:prSet phldr="1"/>
-        </dgm:pt>
-        <dgm:pt modelId="3">
-          <dgm:prSet phldr="1"/>
-        </dgm:pt>
-        <dgm:pt modelId="4">
-          <dgm:prSet phldr="1"/>
-        </dgm:pt>
-        <dgm:pt modelId="5">
-          <dgm:prSet phldr="1"/>
-        </dgm:pt>
-      </dgm:ptLst>
-      <dgm:cxnLst>
-        <dgm:cxn modelId="7" srcId="0" destId="1" srcOrd="0" destOrd="0"/>
-        <dgm:cxn modelId="8" srcId="0" destId="2" srcOrd="1" destOrd="0"/>
-        <dgm:cxn modelId="9" srcId="0" destId="3" srcOrd="2" destOrd="0"/>
-        <dgm:cxn modelId="10" srcId="0" destId="4" srcOrd="3" destOrd="0"/>
-        <dgm:cxn modelId="11" srcId="0" destId="5" srcOrd="4" destOrd="0"/>
-      </dgm:cxnLst>
-      <dgm:bg/>
-      <dgm:whole/>
-    </dgm:dataModel>
-  </dgm:sampData>
-  <dgm:styleData>
-    <dgm:dataModel>
-      <dgm:ptLst>
-        <dgm:pt modelId="0" type="doc"/>
-        <dgm:pt modelId="1"/>
-        <dgm:pt modelId="2"/>
-      </dgm:ptLst>
-      <dgm:cxnLst>
-        <dgm:cxn modelId="3" srcId="0" destId="1" srcOrd="0" destOrd="0"/>
-        <dgm:cxn modelId="4" srcId="0" destId="2" srcOrd="1" destOrd="0"/>
-      </dgm:cxnLst>
-      <dgm:bg/>
-      <dgm:whole/>
-    </dgm:dataModel>
-  </dgm:styleData>
-  <dgm:clrData>
-    <dgm:dataModel>
-      <dgm:ptLst>
-        <dgm:pt modelId="0" type="doc"/>
-        <dgm:pt modelId="1"/>
-        <dgm:pt modelId="2"/>
-        <dgm:pt modelId="3"/>
-        <dgm:pt modelId="4"/>
-      </dgm:ptLst>
-      <dgm:cxnLst>
-        <dgm:cxn modelId="5" srcId="0" destId="1" srcOrd="0" destOrd="0"/>
-        <dgm:cxn modelId="6" srcId="0" destId="2" srcOrd="1" destOrd="0"/>
-        <dgm:cxn modelId="7" srcId="0" destId="3" srcOrd="2" destOrd="0"/>
-        <dgm:cxn modelId="8" srcId="0" destId="4" srcOrd="3" destOrd="0"/>
-      </dgm:cxnLst>
-      <dgm:bg/>
-      <dgm:whole/>
-    </dgm:dataModel>
-  </dgm:clrData>
-  <dgm:layoutNode name="Name0">
-    <dgm:varLst>
-      <dgm:dir/>
-      <dgm:resizeHandles val="exact"/>
-    </dgm:varLst>
-    <dgm:choose name="Name1">
-      <dgm:if name="Name2" axis="self" func="var" arg="dir" op="equ" val="norm">
-        <dgm:alg type="snake">
-          <dgm:param type="grDir" val="tL"/>
-          <dgm:param type="flowDir" val="row"/>
-          <dgm:param type="contDir" val="sameDir"/>
-          <dgm:param type="bkpt" val="endCnv"/>
-        </dgm:alg>
-      </dgm:if>
-      <dgm:else name="Name3">
-        <dgm:alg type="snake">
-          <dgm:param type="grDir" val="tR"/>
-          <dgm:param type="flowDir" val="row"/>
-          <dgm:param type="contDir" val="sameDir"/>
-          <dgm:param type="bkpt" val="endCnv"/>
-        </dgm:alg>
-      </dgm:else>
-    </dgm:choose>
-    <dgm:shape xmlns:r="http://schemas.openxmlformats.org/officeDocument/2006/relationships" r:blip="">
-      <dgm:adjLst/>
-    </dgm:shape>
-    <dgm:presOf/>
-    <dgm:constrLst>
-      <dgm:constr type="w" for="ch" ptType="node" refType="w"/>
-      <dgm:constr type="w" for="ch" forName="sibTrans" refType="w" refFor="ch" refPtType="node" op="equ" fact="0.23"/>
-      <dgm:constr type="sp" refType="w" refFor="ch" refForName="sibTrans" op="equ"/>
-      <dgm:constr type="userB" for="des" forName="connectorText" refType="sp"/>
-      <dgm:constr type="primFontSz" for="ch" ptType="node" op="equ" val="65"/>
-      <dgm:constr type="h" for="ch" ptType="sibTrans" op="equ"/>
-      <dgm:constr type="primFontSz" for="des" forName="connectorText" op="equ" val="55"/>
-      <dgm:constr type="primFontSz" for="des" forName="connectorText" refType="primFontSz" refFor="ch" refPtType="node" op="lte" fact="0.8"/>
-    </dgm:constrLst>
-    <dgm:ruleLst/>
-    <dgm:forEach name="nodesForEach" axis="ch" ptType="node">
-      <dgm:layoutNode name="node">
-        <dgm:varLst>
-          <dgm:bulletEnabled val="1"/>
-        </dgm:varLst>
-        <dgm:alg type="tx"/>
-        <dgm:shape xmlns:r="http://schemas.openxmlformats.org/officeDocument/2006/relationships" type="rect" r:blip="">
-          <dgm:adjLst/>
-        </dgm:shape>
-        <dgm:presOf axis="desOrSelf" ptType="node"/>
-        <dgm:constrLst>
-          <dgm:constr type="h" refType="w" fact="0.6"/>
-        </dgm:constrLst>
-        <dgm:ruleLst>
-          <dgm:rule type="primFontSz" val="5" fact="NaN" max="NaN"/>
-        </dgm:ruleLst>
-      </dgm:layoutNode>
-      <dgm:forEach name="sibTransForEach" axis="followSib" ptType="sibTrans" cnt="1">
-        <dgm:layoutNode name="sibTrans">
-          <dgm:choose name="Name4">
-            <dgm:if name="Name5" axis="self" func="var" arg="dir" op="equ" val="norm">
-              <dgm:alg type="conn">
-                <dgm:param type="connRout" val="bend"/>
-                <dgm:param type="dim" val="1D"/>
-                <dgm:param type="begPts" val="midR bCtr"/>
-                <dgm:param type="endPts" val="midL tCtr"/>
-              </dgm:alg>
-            </dgm:if>
-            <dgm:else name="Name6">
-              <dgm:alg type="conn">
-                <dgm:param type="connRout" val="bend"/>
-                <dgm:param type="dim" val="1D"/>
-                <dgm:param type="begPts" val="midL bCtr"/>
-                <dgm:param type="endPts" val="midR tCtr"/>
-              </dgm:alg>
-            </dgm:else>
-          </dgm:choose>
-          <dgm:shape xmlns:r="http://schemas.openxmlformats.org/officeDocument/2006/relationships" type="conn" r:blip="" zOrderOff="-2">
-            <dgm:adjLst/>
-          </dgm:shape>
-          <dgm:presOf axis="self"/>
-          <dgm:constrLst>
-            <dgm:constr type="begPad" val="-0.05"/>
-            <dgm:constr type="endPad" val="0.9"/>
-            <dgm:constr type="userA" for="ch" refType="connDist"/>
-          </dgm:constrLst>
-          <dgm:ruleLst/>
-          <dgm:layoutNode name="connectorText">
-            <dgm:alg type="tx">
-              <dgm:param type="autoTxRot" val="upr"/>
-            </dgm:alg>
-            <dgm:shape xmlns:r="http://schemas.openxmlformats.org/officeDocument/2006/relationships" type="rect" r:blip="" hideGeom="1">
-              <dgm:adjLst/>
-            </dgm:shape>
-            <dgm:presOf axis="self"/>
-            <dgm:constrLst>
-              <dgm:constr type="userA"/>
-              <dgm:constr type="userB"/>
-              <dgm:constr type="w" refType="userA" fact="0.05"/>
-              <dgm:constr type="h" refType="userB" fact="0.01"/>
-              <dgm:constr type="lMarg" val="1"/>
-              <dgm:constr type="rMarg" val="1"/>
-              <dgm:constr type="tMarg"/>
-              <dgm:constr type="bMarg"/>
-            </dgm:constrLst>
-            <dgm:ruleLst>
-              <dgm:rule type="w" val="NaN" fact="0.6" max="NaN"/>
-              <dgm:rule type="h" val="NaN" fact="0.6" max="NaN"/>
-              <dgm:rule type="primFontSz" val="5" fact="NaN" max="NaN"/>
-            </dgm:ruleLst>
-          </dgm:layoutNode>
-        </dgm:layoutNode>
-      </dgm:forEach>
-    </dgm:forEach>
-  </dgm:layoutNode>
-</dgm:layoutDef>
-</file>
-
-<file path=ppt/diagrams/layout3.xml><?xml version="1.0" encoding="utf-8"?>
 <dgm:layoutDef xmlns:dgm="http://schemas.openxmlformats.org/drawingml/2006/diagram" xmlns:a="http://schemas.openxmlformats.org/drawingml/2006/main" uniqueId="urn:microsoft.com/office/officeart/2005/8/layout/bProcess3">
   <dgm:title val=""/>
   <dgm:desc val=""/>
@@ -7773,2126 +4108,6 @@
 </dgm:styleDef>
 </file>
 
-<file path=ppt/diagrams/quickStyle2.xml><?xml version="1.0" encoding="utf-8"?>
-<dgm:styleDef xmlns:dgm="http://schemas.openxmlformats.org/drawingml/2006/diagram" xmlns:a="http://schemas.openxmlformats.org/drawingml/2006/main" uniqueId="urn:microsoft.com/office/officeart/2005/8/quickstyle/simple3">
-  <dgm:title val=""/>
-  <dgm:desc val=""/>
-  <dgm:catLst>
-    <dgm:cat type="simple" pri="10300"/>
-  </dgm:catLst>
-  <dgm:scene3d>
-    <a:camera prst="orthographicFront"/>
-    <a:lightRig rig="threePt" dir="t"/>
-  </dgm:scene3d>
-  <dgm:styleLbl name="node0">
-    <dgm:scene3d>
-      <a:camera prst="orthographicFront"/>
-      <a:lightRig rig="flat" dir="t"/>
-    </dgm:scene3d>
-    <dgm:sp3d prstMaterial="dkEdge">
-      <a:bevelT w="8200" h="38100"/>
-    </dgm:sp3d>
-    <dgm:txPr/>
-    <dgm:style>
-      <a:lnRef idx="0">
-        <a:scrgbClr r="0" g="0" b="0"/>
-      </a:lnRef>
-      <a:fillRef idx="2">
-        <a:scrgbClr r="0" g="0" b="0"/>
-      </a:fillRef>
-      <a:effectRef idx="1">
-        <a:scrgbClr r="0" g="0" b="0"/>
-      </a:effectRef>
-      <a:fontRef idx="minor">
-        <a:schemeClr val="dk1"/>
-      </a:fontRef>
-    </dgm:style>
-  </dgm:styleLbl>
-  <dgm:styleLbl name="lnNode1">
-    <dgm:scene3d>
-      <a:camera prst="orthographicFront"/>
-      <a:lightRig rig="flat" dir="t"/>
-    </dgm:scene3d>
-    <dgm:sp3d prstMaterial="dkEdge">
-      <a:bevelT w="8200" h="38100"/>
-    </dgm:sp3d>
-    <dgm:txPr/>
-    <dgm:style>
-      <a:lnRef idx="1">
-        <a:scrgbClr r="0" g="0" b="0"/>
-      </a:lnRef>
-      <a:fillRef idx="2">
-        <a:scrgbClr r="0" g="0" b="0"/>
-      </a:fillRef>
-      <a:effectRef idx="0">
-        <a:scrgbClr r="0" g="0" b="0"/>
-      </a:effectRef>
-      <a:fontRef idx="minor">
-        <a:schemeClr val="dk1"/>
-      </a:fontRef>
-    </dgm:style>
-  </dgm:styleLbl>
-  <dgm:styleLbl name="vennNode1">
-    <dgm:scene3d>
-      <a:camera prst="orthographicFront"/>
-      <a:lightRig rig="flat" dir="t"/>
-    </dgm:scene3d>
-    <dgm:sp3d prstMaterial="dkEdge">
-      <a:bevelT w="8200" h="38100"/>
-    </dgm:sp3d>
-    <dgm:txPr/>
-    <dgm:style>
-      <a:lnRef idx="0">
-        <a:scrgbClr r="0" g="0" b="0"/>
-      </a:lnRef>
-      <a:fillRef idx="2">
-        <a:scrgbClr r="0" g="0" b="0"/>
-      </a:fillRef>
-      <a:effectRef idx="0">
-        <a:scrgbClr r="0" g="0" b="0"/>
-      </a:effectRef>
-      <a:fontRef idx="minor">
-        <a:schemeClr val="tx1"/>
-      </a:fontRef>
-    </dgm:style>
-  </dgm:styleLbl>
-  <dgm:styleLbl name="alignNode1">
-    <dgm:scene3d>
-      <a:camera prst="orthographicFront"/>
-      <a:lightRig rig="threePt" dir="t"/>
-    </dgm:scene3d>
-    <dgm:sp3d/>
-    <dgm:txPr/>
-    <dgm:style>
-      <a:lnRef idx="1">
-        <a:scrgbClr r="0" g="0" b="0"/>
-      </a:lnRef>
-      <a:fillRef idx="2">
-        <a:scrgbClr r="0" g="0" b="0"/>
-      </a:fillRef>
-      <a:effectRef idx="1">
-        <a:scrgbClr r="0" g="0" b="0"/>
-      </a:effectRef>
-      <a:fontRef idx="minor">
-        <a:schemeClr val="dk1"/>
-      </a:fontRef>
-    </dgm:style>
-  </dgm:styleLbl>
-  <dgm:styleLbl name="node1">
-    <dgm:scene3d>
-      <a:camera prst="orthographicFront"/>
-      <a:lightRig rig="flat" dir="t"/>
-    </dgm:scene3d>
-    <dgm:sp3d prstMaterial="dkEdge">
-      <a:bevelT w="8200" h="38100"/>
-    </dgm:sp3d>
-    <dgm:txPr/>
-    <dgm:style>
-      <a:lnRef idx="0">
-        <a:scrgbClr r="0" g="0" b="0"/>
-      </a:lnRef>
-      <a:fillRef idx="2">
-        <a:scrgbClr r="0" g="0" b="0"/>
-      </a:fillRef>
-      <a:effectRef idx="1">
-        <a:scrgbClr r="0" g="0" b="0"/>
-      </a:effectRef>
-      <a:fontRef idx="minor">
-        <a:schemeClr val="dk1"/>
-      </a:fontRef>
-    </dgm:style>
-  </dgm:styleLbl>
-  <dgm:styleLbl name="node2">
-    <dgm:scene3d>
-      <a:camera prst="orthographicFront"/>
-      <a:lightRig rig="flat" dir="t"/>
-    </dgm:scene3d>
-    <dgm:sp3d prstMaterial="dkEdge">
-      <a:bevelT w="8200" h="38100"/>
-    </dgm:sp3d>
-    <dgm:txPr/>
-    <dgm:style>
-      <a:lnRef idx="0">
-        <a:scrgbClr r="0" g="0" b="0"/>
-      </a:lnRef>
-      <a:fillRef idx="2">
-        <a:scrgbClr r="0" g="0" b="0"/>
-      </a:fillRef>
-      <a:effectRef idx="1">
-        <a:scrgbClr r="0" g="0" b="0"/>
-      </a:effectRef>
-      <a:fontRef idx="minor">
-        <a:schemeClr val="dk1"/>
-      </a:fontRef>
-    </dgm:style>
-  </dgm:styleLbl>
-  <dgm:styleLbl name="node3">
-    <dgm:scene3d>
-      <a:camera prst="orthographicFront"/>
-      <a:lightRig rig="flat" dir="t"/>
-    </dgm:scene3d>
-    <dgm:sp3d prstMaterial="dkEdge">
-      <a:bevelT w="8200" h="38100"/>
-    </dgm:sp3d>
-    <dgm:txPr/>
-    <dgm:style>
-      <a:lnRef idx="0">
-        <a:scrgbClr r="0" g="0" b="0"/>
-      </a:lnRef>
-      <a:fillRef idx="2">
-        <a:scrgbClr r="0" g="0" b="0"/>
-      </a:fillRef>
-      <a:effectRef idx="1">
-        <a:scrgbClr r="0" g="0" b="0"/>
-      </a:effectRef>
-      <a:fontRef idx="minor">
-        <a:schemeClr val="dk1"/>
-      </a:fontRef>
-    </dgm:style>
-  </dgm:styleLbl>
-  <dgm:styleLbl name="node4">
-    <dgm:scene3d>
-      <a:camera prst="orthographicFront"/>
-      <a:lightRig rig="flat" dir="t"/>
-    </dgm:scene3d>
-    <dgm:sp3d prstMaterial="dkEdge">
-      <a:bevelT w="8200" h="38100"/>
-    </dgm:sp3d>
-    <dgm:txPr/>
-    <dgm:style>
-      <a:lnRef idx="0">
-        <a:scrgbClr r="0" g="0" b="0"/>
-      </a:lnRef>
-      <a:fillRef idx="2">
-        <a:scrgbClr r="0" g="0" b="0"/>
-      </a:fillRef>
-      <a:effectRef idx="1">
-        <a:scrgbClr r="0" g="0" b="0"/>
-      </a:effectRef>
-      <a:fontRef idx="minor">
-        <a:schemeClr val="dk1"/>
-      </a:fontRef>
-    </dgm:style>
-  </dgm:styleLbl>
-  <dgm:styleLbl name="fgImgPlace1">
-    <dgm:scene3d>
-      <a:camera prst="orthographicFront"/>
-      <a:lightRig rig="threePt" dir="t"/>
-    </dgm:scene3d>
-    <dgm:sp3d/>
-    <dgm:txPr/>
-    <dgm:style>
-      <a:lnRef idx="1">
-        <a:scrgbClr r="0" g="0" b="0"/>
-      </a:lnRef>
-      <a:fillRef idx="1">
-        <a:scrgbClr r="0" g="0" b="0"/>
-      </a:fillRef>
-      <a:effectRef idx="1">
-        <a:scrgbClr r="0" g="0" b="0"/>
-      </a:effectRef>
-      <a:fontRef idx="minor"/>
-    </dgm:style>
-  </dgm:styleLbl>
-  <dgm:styleLbl name="alignImgPlace1">
-    <dgm:scene3d>
-      <a:camera prst="orthographicFront"/>
-      <a:lightRig rig="threePt" dir="t"/>
-    </dgm:scene3d>
-    <dgm:sp3d/>
-    <dgm:txPr/>
-    <dgm:style>
-      <a:lnRef idx="1">
-        <a:scrgbClr r="0" g="0" b="0"/>
-      </a:lnRef>
-      <a:fillRef idx="1">
-        <a:scrgbClr r="0" g="0" b="0"/>
-      </a:fillRef>
-      <a:effectRef idx="1">
-        <a:scrgbClr r="0" g="0" b="0"/>
-      </a:effectRef>
-      <a:fontRef idx="minor"/>
-    </dgm:style>
-  </dgm:styleLbl>
-  <dgm:styleLbl name="bgImgPlace1">
-    <dgm:scene3d>
-      <a:camera prst="orthographicFront"/>
-      <a:lightRig rig="threePt" dir="t"/>
-    </dgm:scene3d>
-    <dgm:sp3d/>
-    <dgm:txPr/>
-    <dgm:style>
-      <a:lnRef idx="1">
-        <a:scrgbClr r="0" g="0" b="0"/>
-      </a:lnRef>
-      <a:fillRef idx="1">
-        <a:scrgbClr r="0" g="0" b="0"/>
-      </a:fillRef>
-      <a:effectRef idx="1">
-        <a:scrgbClr r="0" g="0" b="0"/>
-      </a:effectRef>
-      <a:fontRef idx="minor"/>
-    </dgm:style>
-  </dgm:styleLbl>
-  <dgm:styleLbl name="sibTrans2D1">
-    <dgm:scene3d>
-      <a:camera prst="orthographicFront"/>
-      <a:lightRig rig="threePt" dir="t"/>
-    </dgm:scene3d>
-    <dgm:sp3d/>
-    <dgm:txPr/>
-    <dgm:style>
-      <a:lnRef idx="0">
-        <a:scrgbClr r="0" g="0" b="0"/>
-      </a:lnRef>
-      <a:fillRef idx="2">
-        <a:scrgbClr r="0" g="0" b="0"/>
-      </a:fillRef>
-      <a:effectRef idx="1">
-        <a:scrgbClr r="0" g="0" b="0"/>
-      </a:effectRef>
-      <a:fontRef idx="minor">
-        <a:schemeClr val="dk1"/>
-      </a:fontRef>
-    </dgm:style>
-  </dgm:styleLbl>
-  <dgm:styleLbl name="fgSibTrans2D1">
-    <dgm:scene3d>
-      <a:camera prst="orthographicFront"/>
-      <a:lightRig rig="threePt" dir="t"/>
-    </dgm:scene3d>
-    <dgm:sp3d/>
-    <dgm:txPr/>
-    <dgm:style>
-      <a:lnRef idx="0">
-        <a:scrgbClr r="0" g="0" b="0"/>
-      </a:lnRef>
-      <a:fillRef idx="2">
-        <a:scrgbClr r="0" g="0" b="0"/>
-      </a:fillRef>
-      <a:effectRef idx="1">
-        <a:scrgbClr r="0" g="0" b="0"/>
-      </a:effectRef>
-      <a:fontRef idx="minor">
-        <a:schemeClr val="dk1"/>
-      </a:fontRef>
-    </dgm:style>
-  </dgm:styleLbl>
-  <dgm:styleLbl name="bgSibTrans2D1">
-    <dgm:scene3d>
-      <a:camera prst="orthographicFront"/>
-      <a:lightRig rig="threePt" dir="t"/>
-    </dgm:scene3d>
-    <dgm:sp3d/>
-    <dgm:txPr/>
-    <dgm:style>
-      <a:lnRef idx="0">
-        <a:scrgbClr r="0" g="0" b="0"/>
-      </a:lnRef>
-      <a:fillRef idx="2">
-        <a:scrgbClr r="0" g="0" b="0"/>
-      </a:fillRef>
-      <a:effectRef idx="1">
-        <a:scrgbClr r="0" g="0" b="0"/>
-      </a:effectRef>
-      <a:fontRef idx="minor">
-        <a:schemeClr val="dk1"/>
-      </a:fontRef>
-    </dgm:style>
-  </dgm:styleLbl>
-  <dgm:styleLbl name="sibTrans1D1">
-    <dgm:scene3d>
-      <a:camera prst="orthographicFront"/>
-      <a:lightRig rig="threePt" dir="t"/>
-    </dgm:scene3d>
-    <dgm:sp3d/>
-    <dgm:txPr/>
-    <dgm:style>
-      <a:lnRef idx="1">
-        <a:scrgbClr r="0" g="0" b="0"/>
-      </a:lnRef>
-      <a:fillRef idx="0">
-        <a:scrgbClr r="0" g="0" b="0"/>
-      </a:fillRef>
-      <a:effectRef idx="0">
-        <a:scrgbClr r="0" g="0" b="0"/>
-      </a:effectRef>
-      <a:fontRef idx="minor"/>
-    </dgm:style>
-  </dgm:styleLbl>
-  <dgm:styleLbl name="callout">
-    <dgm:scene3d>
-      <a:camera prst="orthographicFront"/>
-      <a:lightRig rig="threePt" dir="t"/>
-    </dgm:scene3d>
-    <dgm:sp3d/>
-    <dgm:txPr/>
-    <dgm:style>
-      <a:lnRef idx="1">
-        <a:scrgbClr r="0" g="0" b="0"/>
-      </a:lnRef>
-      <a:fillRef idx="2">
-        <a:scrgbClr r="0" g="0" b="0"/>
-      </a:fillRef>
-      <a:effectRef idx="1">
-        <a:scrgbClr r="0" g="0" b="0"/>
-      </a:effectRef>
-      <a:fontRef idx="minor"/>
-    </dgm:style>
-  </dgm:styleLbl>
-  <dgm:styleLbl name="asst0">
-    <dgm:scene3d>
-      <a:camera prst="orthographicFront"/>
-      <a:lightRig rig="flat" dir="t"/>
-    </dgm:scene3d>
-    <dgm:sp3d prstMaterial="dkEdge">
-      <a:bevelT w="8200" h="38100"/>
-    </dgm:sp3d>
-    <dgm:txPr/>
-    <dgm:style>
-      <a:lnRef idx="0">
-        <a:scrgbClr r="0" g="0" b="0"/>
-      </a:lnRef>
-      <a:fillRef idx="2">
-        <a:scrgbClr r="0" g="0" b="0"/>
-      </a:fillRef>
-      <a:effectRef idx="1">
-        <a:scrgbClr r="0" g="0" b="0"/>
-      </a:effectRef>
-      <a:fontRef idx="minor">
-        <a:schemeClr val="dk1"/>
-      </a:fontRef>
-    </dgm:style>
-  </dgm:styleLbl>
-  <dgm:styleLbl name="asst1">
-    <dgm:scene3d>
-      <a:camera prst="orthographicFront"/>
-      <a:lightRig rig="flat" dir="t"/>
-    </dgm:scene3d>
-    <dgm:sp3d prstMaterial="dkEdge">
-      <a:bevelT w="8200" h="38100"/>
-    </dgm:sp3d>
-    <dgm:txPr/>
-    <dgm:style>
-      <a:lnRef idx="0">
-        <a:scrgbClr r="0" g="0" b="0"/>
-      </a:lnRef>
-      <a:fillRef idx="2">
-        <a:scrgbClr r="0" g="0" b="0"/>
-      </a:fillRef>
-      <a:effectRef idx="1">
-        <a:scrgbClr r="0" g="0" b="0"/>
-      </a:effectRef>
-      <a:fontRef idx="minor">
-        <a:schemeClr val="dk1"/>
-      </a:fontRef>
-    </dgm:style>
-  </dgm:styleLbl>
-  <dgm:styleLbl name="asst2">
-    <dgm:scene3d>
-      <a:camera prst="orthographicFront"/>
-      <a:lightRig rig="flat" dir="t"/>
-    </dgm:scene3d>
-    <dgm:sp3d prstMaterial="dkEdge">
-      <a:bevelT w="8200" h="38100"/>
-    </dgm:sp3d>
-    <dgm:txPr/>
-    <dgm:style>
-      <a:lnRef idx="0">
-        <a:scrgbClr r="0" g="0" b="0"/>
-      </a:lnRef>
-      <a:fillRef idx="2">
-        <a:scrgbClr r="0" g="0" b="0"/>
-      </a:fillRef>
-      <a:effectRef idx="1">
-        <a:scrgbClr r="0" g="0" b="0"/>
-      </a:effectRef>
-      <a:fontRef idx="minor">
-        <a:schemeClr val="dk1"/>
-      </a:fontRef>
-    </dgm:style>
-  </dgm:styleLbl>
-  <dgm:styleLbl name="asst3">
-    <dgm:scene3d>
-      <a:camera prst="orthographicFront"/>
-      <a:lightRig rig="flat" dir="t"/>
-    </dgm:scene3d>
-    <dgm:sp3d prstMaterial="dkEdge">
-      <a:bevelT w="8200" h="38100"/>
-    </dgm:sp3d>
-    <dgm:txPr/>
-    <dgm:style>
-      <a:lnRef idx="0">
-        <a:scrgbClr r="0" g="0" b="0"/>
-      </a:lnRef>
-      <a:fillRef idx="2">
-        <a:scrgbClr r="0" g="0" b="0"/>
-      </a:fillRef>
-      <a:effectRef idx="1">
-        <a:scrgbClr r="0" g="0" b="0"/>
-      </a:effectRef>
-      <a:fontRef idx="minor">
-        <a:schemeClr val="dk1"/>
-      </a:fontRef>
-    </dgm:style>
-  </dgm:styleLbl>
-  <dgm:styleLbl name="asst4">
-    <dgm:scene3d>
-      <a:camera prst="orthographicFront"/>
-      <a:lightRig rig="flat" dir="t"/>
-    </dgm:scene3d>
-    <dgm:sp3d prstMaterial="dkEdge">
-      <a:bevelT w="8200" h="38100"/>
-    </dgm:sp3d>
-    <dgm:txPr/>
-    <dgm:style>
-      <a:lnRef idx="0">
-        <a:scrgbClr r="0" g="0" b="0"/>
-      </a:lnRef>
-      <a:fillRef idx="2">
-        <a:scrgbClr r="0" g="0" b="0"/>
-      </a:fillRef>
-      <a:effectRef idx="1">
-        <a:scrgbClr r="0" g="0" b="0"/>
-      </a:effectRef>
-      <a:fontRef idx="minor">
-        <a:schemeClr val="dk1"/>
-      </a:fontRef>
-    </dgm:style>
-  </dgm:styleLbl>
-  <dgm:styleLbl name="parChTrans2D1">
-    <dgm:scene3d>
-      <a:camera prst="orthographicFront"/>
-      <a:lightRig rig="threePt" dir="t"/>
-    </dgm:scene3d>
-    <dgm:sp3d/>
-    <dgm:txPr/>
-    <dgm:style>
-      <a:lnRef idx="1">
-        <a:scrgbClr r="0" g="0" b="0"/>
-      </a:lnRef>
-      <a:fillRef idx="2">
-        <a:scrgbClr r="0" g="0" b="0"/>
-      </a:fillRef>
-      <a:effectRef idx="1">
-        <a:scrgbClr r="0" g="0" b="0"/>
-      </a:effectRef>
-      <a:fontRef idx="minor">
-        <a:schemeClr val="dk1"/>
-      </a:fontRef>
-    </dgm:style>
-  </dgm:styleLbl>
-  <dgm:styleLbl name="parChTrans2D2">
-    <dgm:scene3d>
-      <a:camera prst="orthographicFront"/>
-      <a:lightRig rig="threePt" dir="t"/>
-    </dgm:scene3d>
-    <dgm:sp3d/>
-    <dgm:txPr/>
-    <dgm:style>
-      <a:lnRef idx="1">
-        <a:scrgbClr r="0" g="0" b="0"/>
-      </a:lnRef>
-      <a:fillRef idx="2">
-        <a:scrgbClr r="0" g="0" b="0"/>
-      </a:fillRef>
-      <a:effectRef idx="1">
-        <a:scrgbClr r="0" g="0" b="0"/>
-      </a:effectRef>
-      <a:fontRef idx="minor">
-        <a:schemeClr val="dk1"/>
-      </a:fontRef>
-    </dgm:style>
-  </dgm:styleLbl>
-  <dgm:styleLbl name="parChTrans2D3">
-    <dgm:scene3d>
-      <a:camera prst="orthographicFront"/>
-      <a:lightRig rig="threePt" dir="t"/>
-    </dgm:scene3d>
-    <dgm:sp3d/>
-    <dgm:txPr/>
-    <dgm:style>
-      <a:lnRef idx="1">
-        <a:scrgbClr r="0" g="0" b="0"/>
-      </a:lnRef>
-      <a:fillRef idx="2">
-        <a:scrgbClr r="0" g="0" b="0"/>
-      </a:fillRef>
-      <a:effectRef idx="1">
-        <a:scrgbClr r="0" g="0" b="0"/>
-      </a:effectRef>
-      <a:fontRef idx="minor">
-        <a:schemeClr val="dk1"/>
-      </a:fontRef>
-    </dgm:style>
-  </dgm:styleLbl>
-  <dgm:styleLbl name="parChTrans2D4">
-    <dgm:scene3d>
-      <a:camera prst="orthographicFront"/>
-      <a:lightRig rig="threePt" dir="t"/>
-    </dgm:scene3d>
-    <dgm:sp3d/>
-    <dgm:txPr/>
-    <dgm:style>
-      <a:lnRef idx="1">
-        <a:scrgbClr r="0" g="0" b="0"/>
-      </a:lnRef>
-      <a:fillRef idx="2">
-        <a:scrgbClr r="0" g="0" b="0"/>
-      </a:fillRef>
-      <a:effectRef idx="1">
-        <a:scrgbClr r="0" g="0" b="0"/>
-      </a:effectRef>
-      <a:fontRef idx="minor">
-        <a:schemeClr val="dk1"/>
-      </a:fontRef>
-    </dgm:style>
-  </dgm:styleLbl>
-  <dgm:styleLbl name="parChTrans1D1">
-    <dgm:scene3d>
-      <a:camera prst="orthographicFront"/>
-      <a:lightRig rig="threePt" dir="t"/>
-    </dgm:scene3d>
-    <dgm:sp3d/>
-    <dgm:txPr/>
-    <dgm:style>
-      <a:lnRef idx="2">
-        <a:scrgbClr r="0" g="0" b="0"/>
-      </a:lnRef>
-      <a:fillRef idx="0">
-        <a:scrgbClr r="0" g="0" b="0"/>
-      </a:fillRef>
-      <a:effectRef idx="0">
-        <a:scrgbClr r="0" g="0" b="0"/>
-      </a:effectRef>
-      <a:fontRef idx="minor"/>
-    </dgm:style>
-  </dgm:styleLbl>
-  <dgm:styleLbl name="parChTrans1D2">
-    <dgm:scene3d>
-      <a:camera prst="orthographicFront"/>
-      <a:lightRig rig="threePt" dir="t"/>
-    </dgm:scene3d>
-    <dgm:sp3d/>
-    <dgm:txPr/>
-    <dgm:style>
-      <a:lnRef idx="2">
-        <a:scrgbClr r="0" g="0" b="0"/>
-      </a:lnRef>
-      <a:fillRef idx="0">
-        <a:scrgbClr r="0" g="0" b="0"/>
-      </a:fillRef>
-      <a:effectRef idx="0">
-        <a:scrgbClr r="0" g="0" b="0"/>
-      </a:effectRef>
-      <a:fontRef idx="minor"/>
-    </dgm:style>
-  </dgm:styleLbl>
-  <dgm:styleLbl name="parChTrans1D3">
-    <dgm:scene3d>
-      <a:camera prst="orthographicFront"/>
-      <a:lightRig rig="threePt" dir="t"/>
-    </dgm:scene3d>
-    <dgm:sp3d/>
-    <dgm:txPr/>
-    <dgm:style>
-      <a:lnRef idx="2">
-        <a:scrgbClr r="0" g="0" b="0"/>
-      </a:lnRef>
-      <a:fillRef idx="0">
-        <a:scrgbClr r="0" g="0" b="0"/>
-      </a:fillRef>
-      <a:effectRef idx="0">
-        <a:scrgbClr r="0" g="0" b="0"/>
-      </a:effectRef>
-      <a:fontRef idx="minor"/>
-    </dgm:style>
-  </dgm:styleLbl>
-  <dgm:styleLbl name="parChTrans1D4">
-    <dgm:scene3d>
-      <a:camera prst="orthographicFront"/>
-      <a:lightRig rig="threePt" dir="t"/>
-    </dgm:scene3d>
-    <dgm:sp3d/>
-    <dgm:txPr/>
-    <dgm:style>
-      <a:lnRef idx="2">
-        <a:scrgbClr r="0" g="0" b="0"/>
-      </a:lnRef>
-      <a:fillRef idx="0">
-        <a:scrgbClr r="0" g="0" b="0"/>
-      </a:fillRef>
-      <a:effectRef idx="0">
-        <a:scrgbClr r="0" g="0" b="0"/>
-      </a:effectRef>
-      <a:fontRef idx="minor"/>
-    </dgm:style>
-  </dgm:styleLbl>
-  <dgm:styleLbl name="fgAcc1">
-    <dgm:scene3d>
-      <a:camera prst="orthographicFront"/>
-      <a:lightRig rig="threePt" dir="t"/>
-    </dgm:scene3d>
-    <dgm:sp3d/>
-    <dgm:txPr/>
-    <dgm:style>
-      <a:lnRef idx="1">
-        <a:scrgbClr r="0" g="0" b="0"/>
-      </a:lnRef>
-      <a:fillRef idx="1">
-        <a:scrgbClr r="0" g="0" b="0"/>
-      </a:fillRef>
-      <a:effectRef idx="0">
-        <a:scrgbClr r="0" g="0" b="0"/>
-      </a:effectRef>
-      <a:fontRef idx="minor"/>
-    </dgm:style>
-  </dgm:styleLbl>
-  <dgm:styleLbl name="conFgAcc1">
-    <dgm:scene3d>
-      <a:camera prst="orthographicFront"/>
-      <a:lightRig rig="threePt" dir="t"/>
-    </dgm:scene3d>
-    <dgm:sp3d/>
-    <dgm:txPr/>
-    <dgm:style>
-      <a:lnRef idx="1">
-        <a:scrgbClr r="0" g="0" b="0"/>
-      </a:lnRef>
-      <a:fillRef idx="1">
-        <a:scrgbClr r="0" g="0" b="0"/>
-      </a:fillRef>
-      <a:effectRef idx="0">
-        <a:scrgbClr r="0" g="0" b="0"/>
-      </a:effectRef>
-      <a:fontRef idx="minor"/>
-    </dgm:style>
-  </dgm:styleLbl>
-  <dgm:styleLbl name="alignAcc1">
-    <dgm:scene3d>
-      <a:camera prst="orthographicFront"/>
-      <a:lightRig rig="threePt" dir="t"/>
-    </dgm:scene3d>
-    <dgm:sp3d/>
-    <dgm:txPr/>
-    <dgm:style>
-      <a:lnRef idx="1">
-        <a:scrgbClr r="0" g="0" b="0"/>
-      </a:lnRef>
-      <a:fillRef idx="1">
-        <a:scrgbClr r="0" g="0" b="0"/>
-      </a:fillRef>
-      <a:effectRef idx="0">
-        <a:scrgbClr r="0" g="0" b="0"/>
-      </a:effectRef>
-      <a:fontRef idx="minor"/>
-    </dgm:style>
-  </dgm:styleLbl>
-  <dgm:styleLbl name="trAlignAcc1">
-    <dgm:scene3d>
-      <a:camera prst="orthographicFront"/>
-      <a:lightRig rig="threePt" dir="t"/>
-    </dgm:scene3d>
-    <dgm:sp3d/>
-    <dgm:txPr/>
-    <dgm:style>
-      <a:lnRef idx="1">
-        <a:scrgbClr r="0" g="0" b="0"/>
-      </a:lnRef>
-      <a:fillRef idx="1">
-        <a:scrgbClr r="0" g="0" b="0"/>
-      </a:fillRef>
-      <a:effectRef idx="0">
-        <a:scrgbClr r="0" g="0" b="0"/>
-      </a:effectRef>
-      <a:fontRef idx="minor"/>
-    </dgm:style>
-  </dgm:styleLbl>
-  <dgm:styleLbl name="bgAcc1">
-    <dgm:scene3d>
-      <a:camera prst="orthographicFront"/>
-      <a:lightRig rig="threePt" dir="t"/>
-    </dgm:scene3d>
-    <dgm:sp3d/>
-    <dgm:txPr/>
-    <dgm:style>
-      <a:lnRef idx="1">
-        <a:scrgbClr r="0" g="0" b="0"/>
-      </a:lnRef>
-      <a:fillRef idx="1">
-        <a:scrgbClr r="0" g="0" b="0"/>
-      </a:fillRef>
-      <a:effectRef idx="0">
-        <a:scrgbClr r="0" g="0" b="0"/>
-      </a:effectRef>
-      <a:fontRef idx="minor"/>
-    </dgm:style>
-  </dgm:styleLbl>
-  <dgm:styleLbl name="solidFgAcc1">
-    <dgm:scene3d>
-      <a:camera prst="orthographicFront"/>
-      <a:lightRig rig="threePt" dir="t"/>
-    </dgm:scene3d>
-    <dgm:sp3d/>
-    <dgm:txPr/>
-    <dgm:style>
-      <a:lnRef idx="1">
-        <a:scrgbClr r="0" g="0" b="0"/>
-      </a:lnRef>
-      <a:fillRef idx="2">
-        <a:scrgbClr r="0" g="0" b="0"/>
-      </a:fillRef>
-      <a:effectRef idx="0">
-        <a:scrgbClr r="0" g="0" b="0"/>
-      </a:effectRef>
-      <a:fontRef idx="minor"/>
-    </dgm:style>
-  </dgm:styleLbl>
-  <dgm:styleLbl name="solidAlignAcc1">
-    <dgm:scene3d>
-      <a:camera prst="orthographicFront"/>
-      <a:lightRig rig="threePt" dir="t"/>
-    </dgm:scene3d>
-    <dgm:sp3d/>
-    <dgm:txPr/>
-    <dgm:style>
-      <a:lnRef idx="1">
-        <a:scrgbClr r="0" g="0" b="0"/>
-      </a:lnRef>
-      <a:fillRef idx="1">
-        <a:scrgbClr r="0" g="0" b="0"/>
-      </a:fillRef>
-      <a:effectRef idx="0">
-        <a:scrgbClr r="0" g="0" b="0"/>
-      </a:effectRef>
-      <a:fontRef idx="minor"/>
-    </dgm:style>
-  </dgm:styleLbl>
-  <dgm:styleLbl name="solidBgAcc1">
-    <dgm:scene3d>
-      <a:camera prst="orthographicFront"/>
-      <a:lightRig rig="threePt" dir="t"/>
-    </dgm:scene3d>
-    <dgm:sp3d/>
-    <dgm:txPr/>
-    <dgm:style>
-      <a:lnRef idx="1">
-        <a:scrgbClr r="0" g="0" b="0"/>
-      </a:lnRef>
-      <a:fillRef idx="1">
-        <a:scrgbClr r="0" g="0" b="0"/>
-      </a:fillRef>
-      <a:effectRef idx="0">
-        <a:scrgbClr r="0" g="0" b="0"/>
-      </a:effectRef>
-      <a:fontRef idx="minor"/>
-    </dgm:style>
-  </dgm:styleLbl>
-  <dgm:styleLbl name="fgAccFollowNode1">
-    <dgm:scene3d>
-      <a:camera prst="orthographicFront"/>
-      <a:lightRig rig="threePt" dir="t"/>
-    </dgm:scene3d>
-    <dgm:sp3d/>
-    <dgm:txPr/>
-    <dgm:style>
-      <a:lnRef idx="1">
-        <a:scrgbClr r="0" g="0" b="0"/>
-      </a:lnRef>
-      <a:fillRef idx="1">
-        <a:scrgbClr r="0" g="0" b="0"/>
-      </a:fillRef>
-      <a:effectRef idx="0">
-        <a:scrgbClr r="0" g="0" b="0"/>
-      </a:effectRef>
-      <a:fontRef idx="minor"/>
-    </dgm:style>
-  </dgm:styleLbl>
-  <dgm:styleLbl name="alignAccFollowNode1">
-    <dgm:scene3d>
-      <a:camera prst="orthographicFront"/>
-      <a:lightRig rig="threePt" dir="t"/>
-    </dgm:scene3d>
-    <dgm:sp3d/>
-    <dgm:txPr/>
-    <dgm:style>
-      <a:lnRef idx="1">
-        <a:scrgbClr r="0" g="0" b="0"/>
-      </a:lnRef>
-      <a:fillRef idx="1">
-        <a:scrgbClr r="0" g="0" b="0"/>
-      </a:fillRef>
-      <a:effectRef idx="0">
-        <a:scrgbClr r="0" g="0" b="0"/>
-      </a:effectRef>
-      <a:fontRef idx="minor"/>
-    </dgm:style>
-  </dgm:styleLbl>
-  <dgm:styleLbl name="bgAccFollowNode1">
-    <dgm:scene3d>
-      <a:camera prst="orthographicFront"/>
-      <a:lightRig rig="threePt" dir="t"/>
-    </dgm:scene3d>
-    <dgm:sp3d/>
-    <dgm:txPr/>
-    <dgm:style>
-      <a:lnRef idx="1">
-        <a:scrgbClr r="0" g="0" b="0"/>
-      </a:lnRef>
-      <a:fillRef idx="1">
-        <a:scrgbClr r="0" g="0" b="0"/>
-      </a:fillRef>
-      <a:effectRef idx="0">
-        <a:scrgbClr r="0" g="0" b="0"/>
-      </a:effectRef>
-      <a:fontRef idx="minor"/>
-    </dgm:style>
-  </dgm:styleLbl>
-  <dgm:styleLbl name="fgAcc0">
-    <dgm:scene3d>
-      <a:camera prst="orthographicFront"/>
-      <a:lightRig rig="threePt" dir="t"/>
-    </dgm:scene3d>
-    <dgm:sp3d/>
-    <dgm:txPr/>
-    <dgm:style>
-      <a:lnRef idx="1">
-        <a:scrgbClr r="0" g="0" b="0"/>
-      </a:lnRef>
-      <a:fillRef idx="1">
-        <a:scrgbClr r="0" g="0" b="0"/>
-      </a:fillRef>
-      <a:effectRef idx="0">
-        <a:scrgbClr r="0" g="0" b="0"/>
-      </a:effectRef>
-      <a:fontRef idx="minor"/>
-    </dgm:style>
-  </dgm:styleLbl>
-  <dgm:styleLbl name="fgAcc2">
-    <dgm:scene3d>
-      <a:camera prst="orthographicFront"/>
-      <a:lightRig rig="threePt" dir="t"/>
-    </dgm:scene3d>
-    <dgm:sp3d/>
-    <dgm:txPr/>
-    <dgm:style>
-      <a:lnRef idx="1">
-        <a:scrgbClr r="0" g="0" b="0"/>
-      </a:lnRef>
-      <a:fillRef idx="1">
-        <a:scrgbClr r="0" g="0" b="0"/>
-      </a:fillRef>
-      <a:effectRef idx="0">
-        <a:scrgbClr r="0" g="0" b="0"/>
-      </a:effectRef>
-      <a:fontRef idx="minor"/>
-    </dgm:style>
-  </dgm:styleLbl>
-  <dgm:styleLbl name="fgAcc3">
-    <dgm:scene3d>
-      <a:camera prst="orthographicFront"/>
-      <a:lightRig rig="threePt" dir="t"/>
-    </dgm:scene3d>
-    <dgm:sp3d/>
-    <dgm:txPr/>
-    <dgm:style>
-      <a:lnRef idx="1">
-        <a:scrgbClr r="0" g="0" b="0"/>
-      </a:lnRef>
-      <a:fillRef idx="1">
-        <a:scrgbClr r="0" g="0" b="0"/>
-      </a:fillRef>
-      <a:effectRef idx="0">
-        <a:scrgbClr r="0" g="0" b="0"/>
-      </a:effectRef>
-      <a:fontRef idx="minor"/>
-    </dgm:style>
-  </dgm:styleLbl>
-  <dgm:styleLbl name="fgAcc4">
-    <dgm:scene3d>
-      <a:camera prst="orthographicFront"/>
-      <a:lightRig rig="threePt" dir="t"/>
-    </dgm:scene3d>
-    <dgm:sp3d/>
-    <dgm:txPr/>
-    <dgm:style>
-      <a:lnRef idx="1">
-        <a:scrgbClr r="0" g="0" b="0"/>
-      </a:lnRef>
-      <a:fillRef idx="1">
-        <a:scrgbClr r="0" g="0" b="0"/>
-      </a:fillRef>
-      <a:effectRef idx="0">
-        <a:scrgbClr r="0" g="0" b="0"/>
-      </a:effectRef>
-      <a:fontRef idx="minor"/>
-    </dgm:style>
-  </dgm:styleLbl>
-  <dgm:styleLbl name="bgShp">
-    <dgm:scene3d>
-      <a:camera prst="orthographicFront"/>
-      <a:lightRig rig="threePt" dir="t"/>
-    </dgm:scene3d>
-    <dgm:sp3d/>
-    <dgm:txPr/>
-    <dgm:style>
-      <a:lnRef idx="0">
-        <a:scrgbClr r="0" g="0" b="0"/>
-      </a:lnRef>
-      <a:fillRef idx="1">
-        <a:scrgbClr r="0" g="0" b="0"/>
-      </a:fillRef>
-      <a:effectRef idx="1">
-        <a:scrgbClr r="0" g="0" b="0"/>
-      </a:effectRef>
-      <a:fontRef idx="minor"/>
-    </dgm:style>
-  </dgm:styleLbl>
-  <dgm:styleLbl name="dkBgShp">
-    <dgm:scene3d>
-      <a:camera prst="orthographicFront"/>
-      <a:lightRig rig="threePt" dir="t"/>
-    </dgm:scene3d>
-    <dgm:sp3d/>
-    <dgm:txPr/>
-    <dgm:style>
-      <a:lnRef idx="0">
-        <a:scrgbClr r="0" g="0" b="0"/>
-      </a:lnRef>
-      <a:fillRef idx="1">
-        <a:scrgbClr r="0" g="0" b="0"/>
-      </a:fillRef>
-      <a:effectRef idx="1">
-        <a:scrgbClr r="0" g="0" b="0"/>
-      </a:effectRef>
-      <a:fontRef idx="minor"/>
-    </dgm:style>
-  </dgm:styleLbl>
-  <dgm:styleLbl name="trBgShp">
-    <dgm:scene3d>
-      <a:camera prst="orthographicFront"/>
-      <a:lightRig rig="threePt" dir="t"/>
-    </dgm:scene3d>
-    <dgm:sp3d/>
-    <dgm:txPr/>
-    <dgm:style>
-      <a:lnRef idx="0">
-        <a:scrgbClr r="0" g="0" b="0"/>
-      </a:lnRef>
-      <a:fillRef idx="1">
-        <a:scrgbClr r="0" g="0" b="0"/>
-      </a:fillRef>
-      <a:effectRef idx="0">
-        <a:scrgbClr r="0" g="0" b="0"/>
-      </a:effectRef>
-      <a:fontRef idx="minor"/>
-    </dgm:style>
-  </dgm:styleLbl>
-  <dgm:styleLbl name="fgShp">
-    <dgm:scene3d>
-      <a:camera prst="orthographicFront"/>
-      <a:lightRig rig="flat" dir="t"/>
-    </dgm:scene3d>
-    <dgm:sp3d prstMaterial="dkEdge">
-      <a:bevelT w="8200" h="38100"/>
-    </dgm:sp3d>
-    <dgm:txPr/>
-    <dgm:style>
-      <a:lnRef idx="1">
-        <a:scrgbClr r="0" g="0" b="0"/>
-      </a:lnRef>
-      <a:fillRef idx="2">
-        <a:scrgbClr r="0" g="0" b="0"/>
-      </a:fillRef>
-      <a:effectRef idx="1">
-        <a:scrgbClr r="0" g="0" b="0"/>
-      </a:effectRef>
-      <a:fontRef idx="minor"/>
-    </dgm:style>
-  </dgm:styleLbl>
-  <dgm:styleLbl name="revTx">
-    <dgm:scene3d>
-      <a:camera prst="orthographicFront"/>
-      <a:lightRig rig="threePt" dir="t"/>
-    </dgm:scene3d>
-    <dgm:sp3d/>
-    <dgm:txPr/>
-    <dgm:style>
-      <a:lnRef idx="0">
-        <a:scrgbClr r="0" g="0" b="0"/>
-      </a:lnRef>
-      <a:fillRef idx="0">
-        <a:scrgbClr r="0" g="0" b="0"/>
-      </a:fillRef>
-      <a:effectRef idx="0">
-        <a:scrgbClr r="0" g="0" b="0"/>
-      </a:effectRef>
-      <a:fontRef idx="minor"/>
-    </dgm:style>
-  </dgm:styleLbl>
-</dgm:styleDef>
-</file>
-
-<file path=ppt/diagrams/quickStyle3.xml><?xml version="1.0" encoding="utf-8"?>
-<dgm:styleDef xmlns:dgm="http://schemas.openxmlformats.org/drawingml/2006/diagram" xmlns:a="http://schemas.openxmlformats.org/drawingml/2006/main" uniqueId="urn:microsoft.com/office/officeart/2005/8/quickstyle/simple3">
-  <dgm:title val=""/>
-  <dgm:desc val=""/>
-  <dgm:catLst>
-    <dgm:cat type="simple" pri="10300"/>
-  </dgm:catLst>
-  <dgm:scene3d>
-    <a:camera prst="orthographicFront"/>
-    <a:lightRig rig="threePt" dir="t"/>
-  </dgm:scene3d>
-  <dgm:styleLbl name="node0">
-    <dgm:scene3d>
-      <a:camera prst="orthographicFront"/>
-      <a:lightRig rig="flat" dir="t"/>
-    </dgm:scene3d>
-    <dgm:sp3d prstMaterial="dkEdge">
-      <a:bevelT w="8200" h="38100"/>
-    </dgm:sp3d>
-    <dgm:txPr/>
-    <dgm:style>
-      <a:lnRef idx="0">
-        <a:scrgbClr r="0" g="0" b="0"/>
-      </a:lnRef>
-      <a:fillRef idx="2">
-        <a:scrgbClr r="0" g="0" b="0"/>
-      </a:fillRef>
-      <a:effectRef idx="1">
-        <a:scrgbClr r="0" g="0" b="0"/>
-      </a:effectRef>
-      <a:fontRef idx="minor">
-        <a:schemeClr val="dk1"/>
-      </a:fontRef>
-    </dgm:style>
-  </dgm:styleLbl>
-  <dgm:styleLbl name="lnNode1">
-    <dgm:scene3d>
-      <a:camera prst="orthographicFront"/>
-      <a:lightRig rig="flat" dir="t"/>
-    </dgm:scene3d>
-    <dgm:sp3d prstMaterial="dkEdge">
-      <a:bevelT w="8200" h="38100"/>
-    </dgm:sp3d>
-    <dgm:txPr/>
-    <dgm:style>
-      <a:lnRef idx="1">
-        <a:scrgbClr r="0" g="0" b="0"/>
-      </a:lnRef>
-      <a:fillRef idx="2">
-        <a:scrgbClr r="0" g="0" b="0"/>
-      </a:fillRef>
-      <a:effectRef idx="0">
-        <a:scrgbClr r="0" g="0" b="0"/>
-      </a:effectRef>
-      <a:fontRef idx="minor">
-        <a:schemeClr val="dk1"/>
-      </a:fontRef>
-    </dgm:style>
-  </dgm:styleLbl>
-  <dgm:styleLbl name="vennNode1">
-    <dgm:scene3d>
-      <a:camera prst="orthographicFront"/>
-      <a:lightRig rig="flat" dir="t"/>
-    </dgm:scene3d>
-    <dgm:sp3d prstMaterial="dkEdge">
-      <a:bevelT w="8200" h="38100"/>
-    </dgm:sp3d>
-    <dgm:txPr/>
-    <dgm:style>
-      <a:lnRef idx="0">
-        <a:scrgbClr r="0" g="0" b="0"/>
-      </a:lnRef>
-      <a:fillRef idx="2">
-        <a:scrgbClr r="0" g="0" b="0"/>
-      </a:fillRef>
-      <a:effectRef idx="0">
-        <a:scrgbClr r="0" g="0" b="0"/>
-      </a:effectRef>
-      <a:fontRef idx="minor">
-        <a:schemeClr val="tx1"/>
-      </a:fontRef>
-    </dgm:style>
-  </dgm:styleLbl>
-  <dgm:styleLbl name="alignNode1">
-    <dgm:scene3d>
-      <a:camera prst="orthographicFront"/>
-      <a:lightRig rig="threePt" dir="t"/>
-    </dgm:scene3d>
-    <dgm:sp3d/>
-    <dgm:txPr/>
-    <dgm:style>
-      <a:lnRef idx="1">
-        <a:scrgbClr r="0" g="0" b="0"/>
-      </a:lnRef>
-      <a:fillRef idx="2">
-        <a:scrgbClr r="0" g="0" b="0"/>
-      </a:fillRef>
-      <a:effectRef idx="1">
-        <a:scrgbClr r="0" g="0" b="0"/>
-      </a:effectRef>
-      <a:fontRef idx="minor">
-        <a:schemeClr val="dk1"/>
-      </a:fontRef>
-    </dgm:style>
-  </dgm:styleLbl>
-  <dgm:styleLbl name="node1">
-    <dgm:scene3d>
-      <a:camera prst="orthographicFront"/>
-      <a:lightRig rig="flat" dir="t"/>
-    </dgm:scene3d>
-    <dgm:sp3d prstMaterial="dkEdge">
-      <a:bevelT w="8200" h="38100"/>
-    </dgm:sp3d>
-    <dgm:txPr/>
-    <dgm:style>
-      <a:lnRef idx="0">
-        <a:scrgbClr r="0" g="0" b="0"/>
-      </a:lnRef>
-      <a:fillRef idx="2">
-        <a:scrgbClr r="0" g="0" b="0"/>
-      </a:fillRef>
-      <a:effectRef idx="1">
-        <a:scrgbClr r="0" g="0" b="0"/>
-      </a:effectRef>
-      <a:fontRef idx="minor">
-        <a:schemeClr val="dk1"/>
-      </a:fontRef>
-    </dgm:style>
-  </dgm:styleLbl>
-  <dgm:styleLbl name="node2">
-    <dgm:scene3d>
-      <a:camera prst="orthographicFront"/>
-      <a:lightRig rig="flat" dir="t"/>
-    </dgm:scene3d>
-    <dgm:sp3d prstMaterial="dkEdge">
-      <a:bevelT w="8200" h="38100"/>
-    </dgm:sp3d>
-    <dgm:txPr/>
-    <dgm:style>
-      <a:lnRef idx="0">
-        <a:scrgbClr r="0" g="0" b="0"/>
-      </a:lnRef>
-      <a:fillRef idx="2">
-        <a:scrgbClr r="0" g="0" b="0"/>
-      </a:fillRef>
-      <a:effectRef idx="1">
-        <a:scrgbClr r="0" g="0" b="0"/>
-      </a:effectRef>
-      <a:fontRef idx="minor">
-        <a:schemeClr val="dk1"/>
-      </a:fontRef>
-    </dgm:style>
-  </dgm:styleLbl>
-  <dgm:styleLbl name="node3">
-    <dgm:scene3d>
-      <a:camera prst="orthographicFront"/>
-      <a:lightRig rig="flat" dir="t"/>
-    </dgm:scene3d>
-    <dgm:sp3d prstMaterial="dkEdge">
-      <a:bevelT w="8200" h="38100"/>
-    </dgm:sp3d>
-    <dgm:txPr/>
-    <dgm:style>
-      <a:lnRef idx="0">
-        <a:scrgbClr r="0" g="0" b="0"/>
-      </a:lnRef>
-      <a:fillRef idx="2">
-        <a:scrgbClr r="0" g="0" b="0"/>
-      </a:fillRef>
-      <a:effectRef idx="1">
-        <a:scrgbClr r="0" g="0" b="0"/>
-      </a:effectRef>
-      <a:fontRef idx="minor">
-        <a:schemeClr val="dk1"/>
-      </a:fontRef>
-    </dgm:style>
-  </dgm:styleLbl>
-  <dgm:styleLbl name="node4">
-    <dgm:scene3d>
-      <a:camera prst="orthographicFront"/>
-      <a:lightRig rig="flat" dir="t"/>
-    </dgm:scene3d>
-    <dgm:sp3d prstMaterial="dkEdge">
-      <a:bevelT w="8200" h="38100"/>
-    </dgm:sp3d>
-    <dgm:txPr/>
-    <dgm:style>
-      <a:lnRef idx="0">
-        <a:scrgbClr r="0" g="0" b="0"/>
-      </a:lnRef>
-      <a:fillRef idx="2">
-        <a:scrgbClr r="0" g="0" b="0"/>
-      </a:fillRef>
-      <a:effectRef idx="1">
-        <a:scrgbClr r="0" g="0" b="0"/>
-      </a:effectRef>
-      <a:fontRef idx="minor">
-        <a:schemeClr val="dk1"/>
-      </a:fontRef>
-    </dgm:style>
-  </dgm:styleLbl>
-  <dgm:styleLbl name="fgImgPlace1">
-    <dgm:scene3d>
-      <a:camera prst="orthographicFront"/>
-      <a:lightRig rig="threePt" dir="t"/>
-    </dgm:scene3d>
-    <dgm:sp3d/>
-    <dgm:txPr/>
-    <dgm:style>
-      <a:lnRef idx="1">
-        <a:scrgbClr r="0" g="0" b="0"/>
-      </a:lnRef>
-      <a:fillRef idx="1">
-        <a:scrgbClr r="0" g="0" b="0"/>
-      </a:fillRef>
-      <a:effectRef idx="1">
-        <a:scrgbClr r="0" g="0" b="0"/>
-      </a:effectRef>
-      <a:fontRef idx="minor"/>
-    </dgm:style>
-  </dgm:styleLbl>
-  <dgm:styleLbl name="alignImgPlace1">
-    <dgm:scene3d>
-      <a:camera prst="orthographicFront"/>
-      <a:lightRig rig="threePt" dir="t"/>
-    </dgm:scene3d>
-    <dgm:sp3d/>
-    <dgm:txPr/>
-    <dgm:style>
-      <a:lnRef idx="1">
-        <a:scrgbClr r="0" g="0" b="0"/>
-      </a:lnRef>
-      <a:fillRef idx="1">
-        <a:scrgbClr r="0" g="0" b="0"/>
-      </a:fillRef>
-      <a:effectRef idx="1">
-        <a:scrgbClr r="0" g="0" b="0"/>
-      </a:effectRef>
-      <a:fontRef idx="minor"/>
-    </dgm:style>
-  </dgm:styleLbl>
-  <dgm:styleLbl name="bgImgPlace1">
-    <dgm:scene3d>
-      <a:camera prst="orthographicFront"/>
-      <a:lightRig rig="threePt" dir="t"/>
-    </dgm:scene3d>
-    <dgm:sp3d/>
-    <dgm:txPr/>
-    <dgm:style>
-      <a:lnRef idx="1">
-        <a:scrgbClr r="0" g="0" b="0"/>
-      </a:lnRef>
-      <a:fillRef idx="1">
-        <a:scrgbClr r="0" g="0" b="0"/>
-      </a:fillRef>
-      <a:effectRef idx="1">
-        <a:scrgbClr r="0" g="0" b="0"/>
-      </a:effectRef>
-      <a:fontRef idx="minor"/>
-    </dgm:style>
-  </dgm:styleLbl>
-  <dgm:styleLbl name="sibTrans2D1">
-    <dgm:scene3d>
-      <a:camera prst="orthographicFront"/>
-      <a:lightRig rig="threePt" dir="t"/>
-    </dgm:scene3d>
-    <dgm:sp3d/>
-    <dgm:txPr/>
-    <dgm:style>
-      <a:lnRef idx="0">
-        <a:scrgbClr r="0" g="0" b="0"/>
-      </a:lnRef>
-      <a:fillRef idx="2">
-        <a:scrgbClr r="0" g="0" b="0"/>
-      </a:fillRef>
-      <a:effectRef idx="1">
-        <a:scrgbClr r="0" g="0" b="0"/>
-      </a:effectRef>
-      <a:fontRef idx="minor">
-        <a:schemeClr val="dk1"/>
-      </a:fontRef>
-    </dgm:style>
-  </dgm:styleLbl>
-  <dgm:styleLbl name="fgSibTrans2D1">
-    <dgm:scene3d>
-      <a:camera prst="orthographicFront"/>
-      <a:lightRig rig="threePt" dir="t"/>
-    </dgm:scene3d>
-    <dgm:sp3d/>
-    <dgm:txPr/>
-    <dgm:style>
-      <a:lnRef idx="0">
-        <a:scrgbClr r="0" g="0" b="0"/>
-      </a:lnRef>
-      <a:fillRef idx="2">
-        <a:scrgbClr r="0" g="0" b="0"/>
-      </a:fillRef>
-      <a:effectRef idx="1">
-        <a:scrgbClr r="0" g="0" b="0"/>
-      </a:effectRef>
-      <a:fontRef idx="minor">
-        <a:schemeClr val="dk1"/>
-      </a:fontRef>
-    </dgm:style>
-  </dgm:styleLbl>
-  <dgm:styleLbl name="bgSibTrans2D1">
-    <dgm:scene3d>
-      <a:camera prst="orthographicFront"/>
-      <a:lightRig rig="threePt" dir="t"/>
-    </dgm:scene3d>
-    <dgm:sp3d/>
-    <dgm:txPr/>
-    <dgm:style>
-      <a:lnRef idx="0">
-        <a:scrgbClr r="0" g="0" b="0"/>
-      </a:lnRef>
-      <a:fillRef idx="2">
-        <a:scrgbClr r="0" g="0" b="0"/>
-      </a:fillRef>
-      <a:effectRef idx="1">
-        <a:scrgbClr r="0" g="0" b="0"/>
-      </a:effectRef>
-      <a:fontRef idx="minor">
-        <a:schemeClr val="dk1"/>
-      </a:fontRef>
-    </dgm:style>
-  </dgm:styleLbl>
-  <dgm:styleLbl name="sibTrans1D1">
-    <dgm:scene3d>
-      <a:camera prst="orthographicFront"/>
-      <a:lightRig rig="threePt" dir="t"/>
-    </dgm:scene3d>
-    <dgm:sp3d/>
-    <dgm:txPr/>
-    <dgm:style>
-      <a:lnRef idx="1">
-        <a:scrgbClr r="0" g="0" b="0"/>
-      </a:lnRef>
-      <a:fillRef idx="0">
-        <a:scrgbClr r="0" g="0" b="0"/>
-      </a:fillRef>
-      <a:effectRef idx="0">
-        <a:scrgbClr r="0" g="0" b="0"/>
-      </a:effectRef>
-      <a:fontRef idx="minor"/>
-    </dgm:style>
-  </dgm:styleLbl>
-  <dgm:styleLbl name="callout">
-    <dgm:scene3d>
-      <a:camera prst="orthographicFront"/>
-      <a:lightRig rig="threePt" dir="t"/>
-    </dgm:scene3d>
-    <dgm:sp3d/>
-    <dgm:txPr/>
-    <dgm:style>
-      <a:lnRef idx="1">
-        <a:scrgbClr r="0" g="0" b="0"/>
-      </a:lnRef>
-      <a:fillRef idx="2">
-        <a:scrgbClr r="0" g="0" b="0"/>
-      </a:fillRef>
-      <a:effectRef idx="1">
-        <a:scrgbClr r="0" g="0" b="0"/>
-      </a:effectRef>
-      <a:fontRef idx="minor"/>
-    </dgm:style>
-  </dgm:styleLbl>
-  <dgm:styleLbl name="asst0">
-    <dgm:scene3d>
-      <a:camera prst="orthographicFront"/>
-      <a:lightRig rig="flat" dir="t"/>
-    </dgm:scene3d>
-    <dgm:sp3d prstMaterial="dkEdge">
-      <a:bevelT w="8200" h="38100"/>
-    </dgm:sp3d>
-    <dgm:txPr/>
-    <dgm:style>
-      <a:lnRef idx="0">
-        <a:scrgbClr r="0" g="0" b="0"/>
-      </a:lnRef>
-      <a:fillRef idx="2">
-        <a:scrgbClr r="0" g="0" b="0"/>
-      </a:fillRef>
-      <a:effectRef idx="1">
-        <a:scrgbClr r="0" g="0" b="0"/>
-      </a:effectRef>
-      <a:fontRef idx="minor">
-        <a:schemeClr val="dk1"/>
-      </a:fontRef>
-    </dgm:style>
-  </dgm:styleLbl>
-  <dgm:styleLbl name="asst1">
-    <dgm:scene3d>
-      <a:camera prst="orthographicFront"/>
-      <a:lightRig rig="flat" dir="t"/>
-    </dgm:scene3d>
-    <dgm:sp3d prstMaterial="dkEdge">
-      <a:bevelT w="8200" h="38100"/>
-    </dgm:sp3d>
-    <dgm:txPr/>
-    <dgm:style>
-      <a:lnRef idx="0">
-        <a:scrgbClr r="0" g="0" b="0"/>
-      </a:lnRef>
-      <a:fillRef idx="2">
-        <a:scrgbClr r="0" g="0" b="0"/>
-      </a:fillRef>
-      <a:effectRef idx="1">
-        <a:scrgbClr r="0" g="0" b="0"/>
-      </a:effectRef>
-      <a:fontRef idx="minor">
-        <a:schemeClr val="dk1"/>
-      </a:fontRef>
-    </dgm:style>
-  </dgm:styleLbl>
-  <dgm:styleLbl name="asst2">
-    <dgm:scene3d>
-      <a:camera prst="orthographicFront"/>
-      <a:lightRig rig="flat" dir="t"/>
-    </dgm:scene3d>
-    <dgm:sp3d prstMaterial="dkEdge">
-      <a:bevelT w="8200" h="38100"/>
-    </dgm:sp3d>
-    <dgm:txPr/>
-    <dgm:style>
-      <a:lnRef idx="0">
-        <a:scrgbClr r="0" g="0" b="0"/>
-      </a:lnRef>
-      <a:fillRef idx="2">
-        <a:scrgbClr r="0" g="0" b="0"/>
-      </a:fillRef>
-      <a:effectRef idx="1">
-        <a:scrgbClr r="0" g="0" b="0"/>
-      </a:effectRef>
-      <a:fontRef idx="minor">
-        <a:schemeClr val="dk1"/>
-      </a:fontRef>
-    </dgm:style>
-  </dgm:styleLbl>
-  <dgm:styleLbl name="asst3">
-    <dgm:scene3d>
-      <a:camera prst="orthographicFront"/>
-      <a:lightRig rig="flat" dir="t"/>
-    </dgm:scene3d>
-    <dgm:sp3d prstMaterial="dkEdge">
-      <a:bevelT w="8200" h="38100"/>
-    </dgm:sp3d>
-    <dgm:txPr/>
-    <dgm:style>
-      <a:lnRef idx="0">
-        <a:scrgbClr r="0" g="0" b="0"/>
-      </a:lnRef>
-      <a:fillRef idx="2">
-        <a:scrgbClr r="0" g="0" b="0"/>
-      </a:fillRef>
-      <a:effectRef idx="1">
-        <a:scrgbClr r="0" g="0" b="0"/>
-      </a:effectRef>
-      <a:fontRef idx="minor">
-        <a:schemeClr val="dk1"/>
-      </a:fontRef>
-    </dgm:style>
-  </dgm:styleLbl>
-  <dgm:styleLbl name="asst4">
-    <dgm:scene3d>
-      <a:camera prst="orthographicFront"/>
-      <a:lightRig rig="flat" dir="t"/>
-    </dgm:scene3d>
-    <dgm:sp3d prstMaterial="dkEdge">
-      <a:bevelT w="8200" h="38100"/>
-    </dgm:sp3d>
-    <dgm:txPr/>
-    <dgm:style>
-      <a:lnRef idx="0">
-        <a:scrgbClr r="0" g="0" b="0"/>
-      </a:lnRef>
-      <a:fillRef idx="2">
-        <a:scrgbClr r="0" g="0" b="0"/>
-      </a:fillRef>
-      <a:effectRef idx="1">
-        <a:scrgbClr r="0" g="0" b="0"/>
-      </a:effectRef>
-      <a:fontRef idx="minor">
-        <a:schemeClr val="dk1"/>
-      </a:fontRef>
-    </dgm:style>
-  </dgm:styleLbl>
-  <dgm:styleLbl name="parChTrans2D1">
-    <dgm:scene3d>
-      <a:camera prst="orthographicFront"/>
-      <a:lightRig rig="threePt" dir="t"/>
-    </dgm:scene3d>
-    <dgm:sp3d/>
-    <dgm:txPr/>
-    <dgm:style>
-      <a:lnRef idx="1">
-        <a:scrgbClr r="0" g="0" b="0"/>
-      </a:lnRef>
-      <a:fillRef idx="2">
-        <a:scrgbClr r="0" g="0" b="0"/>
-      </a:fillRef>
-      <a:effectRef idx="1">
-        <a:scrgbClr r="0" g="0" b="0"/>
-      </a:effectRef>
-      <a:fontRef idx="minor">
-        <a:schemeClr val="dk1"/>
-      </a:fontRef>
-    </dgm:style>
-  </dgm:styleLbl>
-  <dgm:styleLbl name="parChTrans2D2">
-    <dgm:scene3d>
-      <a:camera prst="orthographicFront"/>
-      <a:lightRig rig="threePt" dir="t"/>
-    </dgm:scene3d>
-    <dgm:sp3d/>
-    <dgm:txPr/>
-    <dgm:style>
-      <a:lnRef idx="1">
-        <a:scrgbClr r="0" g="0" b="0"/>
-      </a:lnRef>
-      <a:fillRef idx="2">
-        <a:scrgbClr r="0" g="0" b="0"/>
-      </a:fillRef>
-      <a:effectRef idx="1">
-        <a:scrgbClr r="0" g="0" b="0"/>
-      </a:effectRef>
-      <a:fontRef idx="minor">
-        <a:schemeClr val="dk1"/>
-      </a:fontRef>
-    </dgm:style>
-  </dgm:styleLbl>
-  <dgm:styleLbl name="parChTrans2D3">
-    <dgm:scene3d>
-      <a:camera prst="orthographicFront"/>
-      <a:lightRig rig="threePt" dir="t"/>
-    </dgm:scene3d>
-    <dgm:sp3d/>
-    <dgm:txPr/>
-    <dgm:style>
-      <a:lnRef idx="1">
-        <a:scrgbClr r="0" g="0" b="0"/>
-      </a:lnRef>
-      <a:fillRef idx="2">
-        <a:scrgbClr r="0" g="0" b="0"/>
-      </a:fillRef>
-      <a:effectRef idx="1">
-        <a:scrgbClr r="0" g="0" b="0"/>
-      </a:effectRef>
-      <a:fontRef idx="minor">
-        <a:schemeClr val="dk1"/>
-      </a:fontRef>
-    </dgm:style>
-  </dgm:styleLbl>
-  <dgm:styleLbl name="parChTrans2D4">
-    <dgm:scene3d>
-      <a:camera prst="orthographicFront"/>
-      <a:lightRig rig="threePt" dir="t"/>
-    </dgm:scene3d>
-    <dgm:sp3d/>
-    <dgm:txPr/>
-    <dgm:style>
-      <a:lnRef idx="1">
-        <a:scrgbClr r="0" g="0" b="0"/>
-      </a:lnRef>
-      <a:fillRef idx="2">
-        <a:scrgbClr r="0" g="0" b="0"/>
-      </a:fillRef>
-      <a:effectRef idx="1">
-        <a:scrgbClr r="0" g="0" b="0"/>
-      </a:effectRef>
-      <a:fontRef idx="minor">
-        <a:schemeClr val="dk1"/>
-      </a:fontRef>
-    </dgm:style>
-  </dgm:styleLbl>
-  <dgm:styleLbl name="parChTrans1D1">
-    <dgm:scene3d>
-      <a:camera prst="orthographicFront"/>
-      <a:lightRig rig="threePt" dir="t"/>
-    </dgm:scene3d>
-    <dgm:sp3d/>
-    <dgm:txPr/>
-    <dgm:style>
-      <a:lnRef idx="2">
-        <a:scrgbClr r="0" g="0" b="0"/>
-      </a:lnRef>
-      <a:fillRef idx="0">
-        <a:scrgbClr r="0" g="0" b="0"/>
-      </a:fillRef>
-      <a:effectRef idx="0">
-        <a:scrgbClr r="0" g="0" b="0"/>
-      </a:effectRef>
-      <a:fontRef idx="minor"/>
-    </dgm:style>
-  </dgm:styleLbl>
-  <dgm:styleLbl name="parChTrans1D2">
-    <dgm:scene3d>
-      <a:camera prst="orthographicFront"/>
-      <a:lightRig rig="threePt" dir="t"/>
-    </dgm:scene3d>
-    <dgm:sp3d/>
-    <dgm:txPr/>
-    <dgm:style>
-      <a:lnRef idx="2">
-        <a:scrgbClr r="0" g="0" b="0"/>
-      </a:lnRef>
-      <a:fillRef idx="0">
-        <a:scrgbClr r="0" g="0" b="0"/>
-      </a:fillRef>
-      <a:effectRef idx="0">
-        <a:scrgbClr r="0" g="0" b="0"/>
-      </a:effectRef>
-      <a:fontRef idx="minor"/>
-    </dgm:style>
-  </dgm:styleLbl>
-  <dgm:styleLbl name="parChTrans1D3">
-    <dgm:scene3d>
-      <a:camera prst="orthographicFront"/>
-      <a:lightRig rig="threePt" dir="t"/>
-    </dgm:scene3d>
-    <dgm:sp3d/>
-    <dgm:txPr/>
-    <dgm:style>
-      <a:lnRef idx="2">
-        <a:scrgbClr r="0" g="0" b="0"/>
-      </a:lnRef>
-      <a:fillRef idx="0">
-        <a:scrgbClr r="0" g="0" b="0"/>
-      </a:fillRef>
-      <a:effectRef idx="0">
-        <a:scrgbClr r="0" g="0" b="0"/>
-      </a:effectRef>
-      <a:fontRef idx="minor"/>
-    </dgm:style>
-  </dgm:styleLbl>
-  <dgm:styleLbl name="parChTrans1D4">
-    <dgm:scene3d>
-      <a:camera prst="orthographicFront"/>
-      <a:lightRig rig="threePt" dir="t"/>
-    </dgm:scene3d>
-    <dgm:sp3d/>
-    <dgm:txPr/>
-    <dgm:style>
-      <a:lnRef idx="2">
-        <a:scrgbClr r="0" g="0" b="0"/>
-      </a:lnRef>
-      <a:fillRef idx="0">
-        <a:scrgbClr r="0" g="0" b="0"/>
-      </a:fillRef>
-      <a:effectRef idx="0">
-        <a:scrgbClr r="0" g="0" b="0"/>
-      </a:effectRef>
-      <a:fontRef idx="minor"/>
-    </dgm:style>
-  </dgm:styleLbl>
-  <dgm:styleLbl name="fgAcc1">
-    <dgm:scene3d>
-      <a:camera prst="orthographicFront"/>
-      <a:lightRig rig="threePt" dir="t"/>
-    </dgm:scene3d>
-    <dgm:sp3d/>
-    <dgm:txPr/>
-    <dgm:style>
-      <a:lnRef idx="1">
-        <a:scrgbClr r="0" g="0" b="0"/>
-      </a:lnRef>
-      <a:fillRef idx="1">
-        <a:scrgbClr r="0" g="0" b="0"/>
-      </a:fillRef>
-      <a:effectRef idx="0">
-        <a:scrgbClr r="0" g="0" b="0"/>
-      </a:effectRef>
-      <a:fontRef idx="minor"/>
-    </dgm:style>
-  </dgm:styleLbl>
-  <dgm:styleLbl name="conFgAcc1">
-    <dgm:scene3d>
-      <a:camera prst="orthographicFront"/>
-      <a:lightRig rig="threePt" dir="t"/>
-    </dgm:scene3d>
-    <dgm:sp3d/>
-    <dgm:txPr/>
-    <dgm:style>
-      <a:lnRef idx="1">
-        <a:scrgbClr r="0" g="0" b="0"/>
-      </a:lnRef>
-      <a:fillRef idx="1">
-        <a:scrgbClr r="0" g="0" b="0"/>
-      </a:fillRef>
-      <a:effectRef idx="0">
-        <a:scrgbClr r="0" g="0" b="0"/>
-      </a:effectRef>
-      <a:fontRef idx="minor"/>
-    </dgm:style>
-  </dgm:styleLbl>
-  <dgm:styleLbl name="alignAcc1">
-    <dgm:scene3d>
-      <a:camera prst="orthographicFront"/>
-      <a:lightRig rig="threePt" dir="t"/>
-    </dgm:scene3d>
-    <dgm:sp3d/>
-    <dgm:txPr/>
-    <dgm:style>
-      <a:lnRef idx="1">
-        <a:scrgbClr r="0" g="0" b="0"/>
-      </a:lnRef>
-      <a:fillRef idx="1">
-        <a:scrgbClr r="0" g="0" b="0"/>
-      </a:fillRef>
-      <a:effectRef idx="0">
-        <a:scrgbClr r="0" g="0" b="0"/>
-      </a:effectRef>
-      <a:fontRef idx="minor"/>
-    </dgm:style>
-  </dgm:styleLbl>
-  <dgm:styleLbl name="trAlignAcc1">
-    <dgm:scene3d>
-      <a:camera prst="orthographicFront"/>
-      <a:lightRig rig="threePt" dir="t"/>
-    </dgm:scene3d>
-    <dgm:sp3d/>
-    <dgm:txPr/>
-    <dgm:style>
-      <a:lnRef idx="1">
-        <a:scrgbClr r="0" g="0" b="0"/>
-      </a:lnRef>
-      <a:fillRef idx="1">
-        <a:scrgbClr r="0" g="0" b="0"/>
-      </a:fillRef>
-      <a:effectRef idx="0">
-        <a:scrgbClr r="0" g="0" b="0"/>
-      </a:effectRef>
-      <a:fontRef idx="minor"/>
-    </dgm:style>
-  </dgm:styleLbl>
-  <dgm:styleLbl name="bgAcc1">
-    <dgm:scene3d>
-      <a:camera prst="orthographicFront"/>
-      <a:lightRig rig="threePt" dir="t"/>
-    </dgm:scene3d>
-    <dgm:sp3d/>
-    <dgm:txPr/>
-    <dgm:style>
-      <a:lnRef idx="1">
-        <a:scrgbClr r="0" g="0" b="0"/>
-      </a:lnRef>
-      <a:fillRef idx="1">
-        <a:scrgbClr r="0" g="0" b="0"/>
-      </a:fillRef>
-      <a:effectRef idx="0">
-        <a:scrgbClr r="0" g="0" b="0"/>
-      </a:effectRef>
-      <a:fontRef idx="minor"/>
-    </dgm:style>
-  </dgm:styleLbl>
-  <dgm:styleLbl name="solidFgAcc1">
-    <dgm:scene3d>
-      <a:camera prst="orthographicFront"/>
-      <a:lightRig rig="threePt" dir="t"/>
-    </dgm:scene3d>
-    <dgm:sp3d/>
-    <dgm:txPr/>
-    <dgm:style>
-      <a:lnRef idx="1">
-        <a:scrgbClr r="0" g="0" b="0"/>
-      </a:lnRef>
-      <a:fillRef idx="2">
-        <a:scrgbClr r="0" g="0" b="0"/>
-      </a:fillRef>
-      <a:effectRef idx="0">
-        <a:scrgbClr r="0" g="0" b="0"/>
-      </a:effectRef>
-      <a:fontRef idx="minor"/>
-    </dgm:style>
-  </dgm:styleLbl>
-  <dgm:styleLbl name="solidAlignAcc1">
-    <dgm:scene3d>
-      <a:camera prst="orthographicFront"/>
-      <a:lightRig rig="threePt" dir="t"/>
-    </dgm:scene3d>
-    <dgm:sp3d/>
-    <dgm:txPr/>
-    <dgm:style>
-      <a:lnRef idx="1">
-        <a:scrgbClr r="0" g="0" b="0"/>
-      </a:lnRef>
-      <a:fillRef idx="1">
-        <a:scrgbClr r="0" g="0" b="0"/>
-      </a:fillRef>
-      <a:effectRef idx="0">
-        <a:scrgbClr r="0" g="0" b="0"/>
-      </a:effectRef>
-      <a:fontRef idx="minor"/>
-    </dgm:style>
-  </dgm:styleLbl>
-  <dgm:styleLbl name="solidBgAcc1">
-    <dgm:scene3d>
-      <a:camera prst="orthographicFront"/>
-      <a:lightRig rig="threePt" dir="t"/>
-    </dgm:scene3d>
-    <dgm:sp3d/>
-    <dgm:txPr/>
-    <dgm:style>
-      <a:lnRef idx="1">
-        <a:scrgbClr r="0" g="0" b="0"/>
-      </a:lnRef>
-      <a:fillRef idx="1">
-        <a:scrgbClr r="0" g="0" b="0"/>
-      </a:fillRef>
-      <a:effectRef idx="0">
-        <a:scrgbClr r="0" g="0" b="0"/>
-      </a:effectRef>
-      <a:fontRef idx="minor"/>
-    </dgm:style>
-  </dgm:styleLbl>
-  <dgm:styleLbl name="fgAccFollowNode1">
-    <dgm:scene3d>
-      <a:camera prst="orthographicFront"/>
-      <a:lightRig rig="threePt" dir="t"/>
-    </dgm:scene3d>
-    <dgm:sp3d/>
-    <dgm:txPr/>
-    <dgm:style>
-      <a:lnRef idx="1">
-        <a:scrgbClr r="0" g="0" b="0"/>
-      </a:lnRef>
-      <a:fillRef idx="1">
-        <a:scrgbClr r="0" g="0" b="0"/>
-      </a:fillRef>
-      <a:effectRef idx="0">
-        <a:scrgbClr r="0" g="0" b="0"/>
-      </a:effectRef>
-      <a:fontRef idx="minor"/>
-    </dgm:style>
-  </dgm:styleLbl>
-  <dgm:styleLbl name="alignAccFollowNode1">
-    <dgm:scene3d>
-      <a:camera prst="orthographicFront"/>
-      <a:lightRig rig="threePt" dir="t"/>
-    </dgm:scene3d>
-    <dgm:sp3d/>
-    <dgm:txPr/>
-    <dgm:style>
-      <a:lnRef idx="1">
-        <a:scrgbClr r="0" g="0" b="0"/>
-      </a:lnRef>
-      <a:fillRef idx="1">
-        <a:scrgbClr r="0" g="0" b="0"/>
-      </a:fillRef>
-      <a:effectRef idx="0">
-        <a:scrgbClr r="0" g="0" b="0"/>
-      </a:effectRef>
-      <a:fontRef idx="minor"/>
-    </dgm:style>
-  </dgm:styleLbl>
-  <dgm:styleLbl name="bgAccFollowNode1">
-    <dgm:scene3d>
-      <a:camera prst="orthographicFront"/>
-      <a:lightRig rig="threePt" dir="t"/>
-    </dgm:scene3d>
-    <dgm:sp3d/>
-    <dgm:txPr/>
-    <dgm:style>
-      <a:lnRef idx="1">
-        <a:scrgbClr r="0" g="0" b="0"/>
-      </a:lnRef>
-      <a:fillRef idx="1">
-        <a:scrgbClr r="0" g="0" b="0"/>
-      </a:fillRef>
-      <a:effectRef idx="0">
-        <a:scrgbClr r="0" g="0" b="0"/>
-      </a:effectRef>
-      <a:fontRef idx="minor"/>
-    </dgm:style>
-  </dgm:styleLbl>
-  <dgm:styleLbl name="fgAcc0">
-    <dgm:scene3d>
-      <a:camera prst="orthographicFront"/>
-      <a:lightRig rig="threePt" dir="t"/>
-    </dgm:scene3d>
-    <dgm:sp3d/>
-    <dgm:txPr/>
-    <dgm:style>
-      <a:lnRef idx="1">
-        <a:scrgbClr r="0" g="0" b="0"/>
-      </a:lnRef>
-      <a:fillRef idx="1">
-        <a:scrgbClr r="0" g="0" b="0"/>
-      </a:fillRef>
-      <a:effectRef idx="0">
-        <a:scrgbClr r="0" g="0" b="0"/>
-      </a:effectRef>
-      <a:fontRef idx="minor"/>
-    </dgm:style>
-  </dgm:styleLbl>
-  <dgm:styleLbl name="fgAcc2">
-    <dgm:scene3d>
-      <a:camera prst="orthographicFront"/>
-      <a:lightRig rig="threePt" dir="t"/>
-    </dgm:scene3d>
-    <dgm:sp3d/>
-    <dgm:txPr/>
-    <dgm:style>
-      <a:lnRef idx="1">
-        <a:scrgbClr r="0" g="0" b="0"/>
-      </a:lnRef>
-      <a:fillRef idx="1">
-        <a:scrgbClr r="0" g="0" b="0"/>
-      </a:fillRef>
-      <a:effectRef idx="0">
-        <a:scrgbClr r="0" g="0" b="0"/>
-      </a:effectRef>
-      <a:fontRef idx="minor"/>
-    </dgm:style>
-  </dgm:styleLbl>
-  <dgm:styleLbl name="fgAcc3">
-    <dgm:scene3d>
-      <a:camera prst="orthographicFront"/>
-      <a:lightRig rig="threePt" dir="t"/>
-    </dgm:scene3d>
-    <dgm:sp3d/>
-    <dgm:txPr/>
-    <dgm:style>
-      <a:lnRef idx="1">
-        <a:scrgbClr r="0" g="0" b="0"/>
-      </a:lnRef>
-      <a:fillRef idx="1">
-        <a:scrgbClr r="0" g="0" b="0"/>
-      </a:fillRef>
-      <a:effectRef idx="0">
-        <a:scrgbClr r="0" g="0" b="0"/>
-      </a:effectRef>
-      <a:fontRef idx="minor"/>
-    </dgm:style>
-  </dgm:styleLbl>
-  <dgm:styleLbl name="fgAcc4">
-    <dgm:scene3d>
-      <a:camera prst="orthographicFront"/>
-      <a:lightRig rig="threePt" dir="t"/>
-    </dgm:scene3d>
-    <dgm:sp3d/>
-    <dgm:txPr/>
-    <dgm:style>
-      <a:lnRef idx="1">
-        <a:scrgbClr r="0" g="0" b="0"/>
-      </a:lnRef>
-      <a:fillRef idx="1">
-        <a:scrgbClr r="0" g="0" b="0"/>
-      </a:fillRef>
-      <a:effectRef idx="0">
-        <a:scrgbClr r="0" g="0" b="0"/>
-      </a:effectRef>
-      <a:fontRef idx="minor"/>
-    </dgm:style>
-  </dgm:styleLbl>
-  <dgm:styleLbl name="bgShp">
-    <dgm:scene3d>
-      <a:camera prst="orthographicFront"/>
-      <a:lightRig rig="threePt" dir="t"/>
-    </dgm:scene3d>
-    <dgm:sp3d/>
-    <dgm:txPr/>
-    <dgm:style>
-      <a:lnRef idx="0">
-        <a:scrgbClr r="0" g="0" b="0"/>
-      </a:lnRef>
-      <a:fillRef idx="1">
-        <a:scrgbClr r="0" g="0" b="0"/>
-      </a:fillRef>
-      <a:effectRef idx="1">
-        <a:scrgbClr r="0" g="0" b="0"/>
-      </a:effectRef>
-      <a:fontRef idx="minor"/>
-    </dgm:style>
-  </dgm:styleLbl>
-  <dgm:styleLbl name="dkBgShp">
-    <dgm:scene3d>
-      <a:camera prst="orthographicFront"/>
-      <a:lightRig rig="threePt" dir="t"/>
-    </dgm:scene3d>
-    <dgm:sp3d/>
-    <dgm:txPr/>
-    <dgm:style>
-      <a:lnRef idx="0">
-        <a:scrgbClr r="0" g="0" b="0"/>
-      </a:lnRef>
-      <a:fillRef idx="1">
-        <a:scrgbClr r="0" g="0" b="0"/>
-      </a:fillRef>
-      <a:effectRef idx="1">
-        <a:scrgbClr r="0" g="0" b="0"/>
-      </a:effectRef>
-      <a:fontRef idx="minor"/>
-    </dgm:style>
-  </dgm:styleLbl>
-  <dgm:styleLbl name="trBgShp">
-    <dgm:scene3d>
-      <a:camera prst="orthographicFront"/>
-      <a:lightRig rig="threePt" dir="t"/>
-    </dgm:scene3d>
-    <dgm:sp3d/>
-    <dgm:txPr/>
-    <dgm:style>
-      <a:lnRef idx="0">
-        <a:scrgbClr r="0" g="0" b="0"/>
-      </a:lnRef>
-      <a:fillRef idx="1">
-        <a:scrgbClr r="0" g="0" b="0"/>
-      </a:fillRef>
-      <a:effectRef idx="0">
-        <a:scrgbClr r="0" g="0" b="0"/>
-      </a:effectRef>
-      <a:fontRef idx="minor"/>
-    </dgm:style>
-  </dgm:styleLbl>
-  <dgm:styleLbl name="fgShp">
-    <dgm:scene3d>
-      <a:camera prst="orthographicFront"/>
-      <a:lightRig rig="flat" dir="t"/>
-    </dgm:scene3d>
-    <dgm:sp3d prstMaterial="dkEdge">
-      <a:bevelT w="8200" h="38100"/>
-    </dgm:sp3d>
-    <dgm:txPr/>
-    <dgm:style>
-      <a:lnRef idx="1">
-        <a:scrgbClr r="0" g="0" b="0"/>
-      </a:lnRef>
-      <a:fillRef idx="2">
-        <a:scrgbClr r="0" g="0" b="0"/>
-      </a:fillRef>
-      <a:effectRef idx="1">
-        <a:scrgbClr r="0" g="0" b="0"/>
-      </a:effectRef>
-      <a:fontRef idx="minor"/>
-    </dgm:style>
-  </dgm:styleLbl>
-  <dgm:styleLbl name="revTx">
-    <dgm:scene3d>
-      <a:camera prst="orthographicFront"/>
-      <a:lightRig rig="threePt" dir="t"/>
-    </dgm:scene3d>
-    <dgm:sp3d/>
-    <dgm:txPr/>
-    <dgm:style>
-      <a:lnRef idx="0">
-        <a:scrgbClr r="0" g="0" b="0"/>
-      </a:lnRef>
-      <a:fillRef idx="0">
-        <a:scrgbClr r="0" g="0" b="0"/>
-      </a:fillRef>
-      <a:effectRef idx="0">
-        <a:scrgbClr r="0" g="0" b="0"/>
-      </a:effectRef>
-      <a:fontRef idx="minor"/>
-    </dgm:style>
-  </dgm:styleLbl>
-</dgm:styleDef>
-</file>
-
 <file path=ppt/slideLayouts/slideLayout1.xml><?xml version="1.0" encoding="utf-8"?>
 <p:sldLayout xmlns:a="http://schemas.openxmlformats.org/drawingml/2006/main" xmlns:r="http://schemas.openxmlformats.org/officeDocument/2006/relationships" xmlns:p="http://schemas.openxmlformats.org/presentationml/2006/main" type="title" preserve="1">
   <p:cSld name="Title Slide">
@@ -10040,7 +4255,7 @@
           <a:p>
             <a:fld id="{91EE8565-0400-4540-9EF1-E1FEE63A0295}" type="datetimeFigureOut">
               <a:rPr lang="en-US" smtClean="0"/>
-              <a:t>7/1/2022</a:t>
+              <a:t>7/21/2022</a:t>
             </a:fld>
             <a:endParaRPr lang="en-US"/>
           </a:p>
@@ -10238,7 +4453,7 @@
           <a:p>
             <a:fld id="{91EE8565-0400-4540-9EF1-E1FEE63A0295}" type="datetimeFigureOut">
               <a:rPr lang="en-US" smtClean="0"/>
-              <a:t>7/1/2022</a:t>
+              <a:t>7/21/2022</a:t>
             </a:fld>
             <a:endParaRPr lang="en-US"/>
           </a:p>
@@ -10446,7 +4661,7 @@
           <a:p>
             <a:fld id="{91EE8565-0400-4540-9EF1-E1FEE63A0295}" type="datetimeFigureOut">
               <a:rPr lang="en-US" smtClean="0"/>
-              <a:t>7/1/2022</a:t>
+              <a:t>7/21/2022</a:t>
             </a:fld>
             <a:endParaRPr lang="en-US"/>
           </a:p>
@@ -10644,7 +4859,7 @@
           <a:p>
             <a:fld id="{91EE8565-0400-4540-9EF1-E1FEE63A0295}" type="datetimeFigureOut">
               <a:rPr lang="en-US" smtClean="0"/>
-              <a:t>7/1/2022</a:t>
+              <a:t>7/21/2022</a:t>
             </a:fld>
             <a:endParaRPr lang="en-US"/>
           </a:p>
@@ -10919,7 +5134,7 @@
           <a:p>
             <a:fld id="{91EE8565-0400-4540-9EF1-E1FEE63A0295}" type="datetimeFigureOut">
               <a:rPr lang="en-US" smtClean="0"/>
-              <a:t>7/1/2022</a:t>
+              <a:t>7/21/2022</a:t>
             </a:fld>
             <a:endParaRPr lang="en-US"/>
           </a:p>
@@ -11184,7 +5399,7 @@
           <a:p>
             <a:fld id="{91EE8565-0400-4540-9EF1-E1FEE63A0295}" type="datetimeFigureOut">
               <a:rPr lang="en-US" smtClean="0"/>
-              <a:t>7/1/2022</a:t>
+              <a:t>7/21/2022</a:t>
             </a:fld>
             <a:endParaRPr lang="en-US"/>
           </a:p>
@@ -11596,7 +5811,7 @@
           <a:p>
             <a:fld id="{91EE8565-0400-4540-9EF1-E1FEE63A0295}" type="datetimeFigureOut">
               <a:rPr lang="en-US" smtClean="0"/>
-              <a:t>7/1/2022</a:t>
+              <a:t>7/21/2022</a:t>
             </a:fld>
             <a:endParaRPr lang="en-US"/>
           </a:p>
@@ -11737,7 +5952,7 @@
           <a:p>
             <a:fld id="{91EE8565-0400-4540-9EF1-E1FEE63A0295}" type="datetimeFigureOut">
               <a:rPr lang="en-US" smtClean="0"/>
-              <a:t>7/1/2022</a:t>
+              <a:t>7/21/2022</a:t>
             </a:fld>
             <a:endParaRPr lang="en-US"/>
           </a:p>
@@ -11850,7 +6065,7 @@
           <a:p>
             <a:fld id="{91EE8565-0400-4540-9EF1-E1FEE63A0295}" type="datetimeFigureOut">
               <a:rPr lang="en-US" smtClean="0"/>
-              <a:t>7/1/2022</a:t>
+              <a:t>7/21/2022</a:t>
             </a:fld>
             <a:endParaRPr lang="en-US"/>
           </a:p>
@@ -12161,7 +6376,7 @@
           <a:p>
             <a:fld id="{91EE8565-0400-4540-9EF1-E1FEE63A0295}" type="datetimeFigureOut">
               <a:rPr lang="en-US" smtClean="0"/>
-              <a:t>7/1/2022</a:t>
+              <a:t>7/21/2022</a:t>
             </a:fld>
             <a:endParaRPr lang="en-US"/>
           </a:p>
@@ -12449,7 +6664,7 @@
           <a:p>
             <a:fld id="{91EE8565-0400-4540-9EF1-E1FEE63A0295}" type="datetimeFigureOut">
               <a:rPr lang="en-US" smtClean="0"/>
-              <a:t>7/1/2022</a:t>
+              <a:t>7/21/2022</a:t>
             </a:fld>
             <a:endParaRPr lang="en-US"/>
           </a:p>
@@ -12690,7 +6905,7 @@
           <a:p>
             <a:fld id="{91EE8565-0400-4540-9EF1-E1FEE63A0295}" type="datetimeFigureOut">
               <a:rPr lang="en-US" smtClean="0"/>
-              <a:t>7/1/2022</a:t>
+              <a:t>7/21/2022</a:t>
             </a:fld>
             <a:endParaRPr lang="en-US"/>
           </a:p>
@@ -13107,34 +7322,6 @@
           <a:chExt cx="0" cy="0"/>
         </a:xfrm>
       </p:grpSpPr>
-      <p:graphicFrame>
-        <p:nvGraphicFramePr>
-          <p:cNvPr id="5" name="Diagram 4">
-            <a:extLst>
-              <a:ext uri="{FF2B5EF4-FFF2-40B4-BE49-F238E27FC236}">
-                <a16:creationId xmlns:a16="http://schemas.microsoft.com/office/drawing/2014/main" id="{3CE051DB-3C66-CB2D-6ED2-635C916FF5DF}"/>
-              </a:ext>
-            </a:extLst>
-          </p:cNvPr>
-          <p:cNvGraphicFramePr/>
-          <p:nvPr>
-            <p:extLst>
-              <p:ext uri="{D42A27DB-BD31-4B8C-83A1-F6EECF244321}">
-                <p14:modId xmlns:p14="http://schemas.microsoft.com/office/powerpoint/2010/main" val="1121477965"/>
-              </p:ext>
-            </p:extLst>
-          </p:nvPr>
-        </p:nvGraphicFramePr>
-        <p:xfrm>
-          <a:off x="2032000" y="1078481"/>
-          <a:ext cx="8128000" cy="5418667"/>
-        </p:xfrm>
-        <a:graphic>
-          <a:graphicData uri="http://schemas.openxmlformats.org/drawingml/2006/diagram">
-            <dgm:relIds xmlns:dgm="http://schemas.openxmlformats.org/drawingml/2006/diagram" xmlns:r="http://schemas.openxmlformats.org/officeDocument/2006/relationships" r:dm="rId2" r:lo="rId3" r:qs="rId4" r:cs="rId5"/>
-          </a:graphicData>
-        </a:graphic>
-      </p:graphicFrame>
       <p:sp>
         <p:nvSpPr>
           <p:cNvPr id="6" name="Rectangle 5">
@@ -13184,6 +7371,483 @@
           </a:p>
         </p:txBody>
       </p:sp>
+      <p:sp>
+        <p:nvSpPr>
+          <p:cNvPr id="2" name="TextBox 1">
+            <a:extLst>
+              <a:ext uri="{FF2B5EF4-FFF2-40B4-BE49-F238E27FC236}">
+                <a16:creationId xmlns:a16="http://schemas.microsoft.com/office/drawing/2014/main" id="{A3CE37AF-8747-4F83-0C11-D0A5EA765670}"/>
+              </a:ext>
+            </a:extLst>
+          </p:cNvPr>
+          <p:cNvSpPr txBox="1"/>
+          <p:nvPr/>
+        </p:nvSpPr>
+        <p:spPr>
+          <a:xfrm>
+            <a:off x="4866442" y="1859391"/>
+            <a:ext cx="2459115" cy="646331"/>
+          </a:xfrm>
+          <a:prstGeom prst="rect">
+            <a:avLst/>
+          </a:prstGeom>
+          <a:noFill/>
+          <a:ln>
+            <a:solidFill>
+              <a:schemeClr val="accent1"/>
+            </a:solidFill>
+          </a:ln>
+        </p:spPr>
+        <p:txBody>
+          <a:bodyPr wrap="square" rtlCol="0">
+            <a:spAutoFit/>
+          </a:bodyPr>
+          <a:lstStyle/>
+          <a:p>
+            <a:r>
+              <a:rPr lang="en-US" b="1" dirty="0"/>
+              <a:t>Mission and Business Understanding</a:t>
+            </a:r>
+          </a:p>
+        </p:txBody>
+      </p:sp>
+      <p:sp>
+        <p:nvSpPr>
+          <p:cNvPr id="7" name="TextBox 6">
+            <a:extLst>
+              <a:ext uri="{FF2B5EF4-FFF2-40B4-BE49-F238E27FC236}">
+                <a16:creationId xmlns:a16="http://schemas.microsoft.com/office/drawing/2014/main" id="{6DC80053-5377-E2F8-44ED-DF56C33407B3}"/>
+              </a:ext>
+            </a:extLst>
+          </p:cNvPr>
+          <p:cNvSpPr txBox="1"/>
+          <p:nvPr/>
+        </p:nvSpPr>
+        <p:spPr>
+          <a:xfrm>
+            <a:off x="4866442" y="2890681"/>
+            <a:ext cx="2459115" cy="646331"/>
+          </a:xfrm>
+          <a:prstGeom prst="rect">
+            <a:avLst/>
+          </a:prstGeom>
+          <a:noFill/>
+          <a:ln>
+            <a:solidFill>
+              <a:schemeClr val="accent1"/>
+            </a:solidFill>
+          </a:ln>
+        </p:spPr>
+        <p:txBody>
+          <a:bodyPr wrap="square" rtlCol="0">
+            <a:spAutoFit/>
+          </a:bodyPr>
+          <a:lstStyle/>
+          <a:p>
+            <a:r>
+              <a:rPr lang="en-US" b="1" dirty="0"/>
+              <a:t>Pathway 1:</a:t>
+            </a:r>
+            <a:br>
+              <a:rPr lang="en-US" dirty="0"/>
+            </a:br>
+            <a:r>
+              <a:rPr lang="en-US" dirty="0"/>
+              <a:t>LinkedIn Data Analysis</a:t>
+            </a:r>
+          </a:p>
+        </p:txBody>
+      </p:sp>
+      <p:sp>
+        <p:nvSpPr>
+          <p:cNvPr id="8" name="TextBox 7">
+            <a:extLst>
+              <a:ext uri="{FF2B5EF4-FFF2-40B4-BE49-F238E27FC236}">
+                <a16:creationId xmlns:a16="http://schemas.microsoft.com/office/drawing/2014/main" id="{B8BF4396-49E8-2BAC-B6BE-31B0266BE60C}"/>
+              </a:ext>
+            </a:extLst>
+          </p:cNvPr>
+          <p:cNvSpPr txBox="1"/>
+          <p:nvPr/>
+        </p:nvSpPr>
+        <p:spPr>
+          <a:xfrm>
+            <a:off x="7779798" y="1859391"/>
+            <a:ext cx="2459115" cy="646331"/>
+          </a:xfrm>
+          <a:prstGeom prst="rect">
+            <a:avLst/>
+          </a:prstGeom>
+          <a:noFill/>
+          <a:ln>
+            <a:solidFill>
+              <a:schemeClr val="accent1"/>
+            </a:solidFill>
+          </a:ln>
+        </p:spPr>
+        <p:txBody>
+          <a:bodyPr wrap="square" rtlCol="0">
+            <a:spAutoFit/>
+          </a:bodyPr>
+          <a:lstStyle/>
+          <a:p>
+            <a:r>
+              <a:rPr lang="en-US" b="1" dirty="0"/>
+              <a:t>Pathway 2:</a:t>
+            </a:r>
+            <a:br>
+              <a:rPr lang="en-US" dirty="0"/>
+            </a:br>
+            <a:r>
+              <a:rPr lang="en-US" dirty="0"/>
+              <a:t>Census Data Analysis</a:t>
+            </a:r>
+          </a:p>
+        </p:txBody>
+      </p:sp>
+      <p:sp>
+        <p:nvSpPr>
+          <p:cNvPr id="9" name="TextBox 8">
+            <a:extLst>
+              <a:ext uri="{FF2B5EF4-FFF2-40B4-BE49-F238E27FC236}">
+                <a16:creationId xmlns:a16="http://schemas.microsoft.com/office/drawing/2014/main" id="{DB127DDA-EE5E-53E7-AEEF-52B058682AFB}"/>
+              </a:ext>
+            </a:extLst>
+          </p:cNvPr>
+          <p:cNvSpPr txBox="1"/>
+          <p:nvPr/>
+        </p:nvSpPr>
+        <p:spPr>
+          <a:xfrm>
+            <a:off x="1873188" y="1859390"/>
+            <a:ext cx="2539013" cy="646331"/>
+          </a:xfrm>
+          <a:prstGeom prst="rect">
+            <a:avLst/>
+          </a:prstGeom>
+          <a:noFill/>
+          <a:ln>
+            <a:solidFill>
+              <a:schemeClr val="accent1"/>
+            </a:solidFill>
+          </a:ln>
+        </p:spPr>
+        <p:txBody>
+          <a:bodyPr wrap="square" rtlCol="0">
+            <a:spAutoFit/>
+          </a:bodyPr>
+          <a:lstStyle/>
+          <a:p>
+            <a:r>
+              <a:rPr lang="en-US" b="1" dirty="0"/>
+              <a:t>Pathway 3:</a:t>
+            </a:r>
+            <a:br>
+              <a:rPr lang="en-US" dirty="0"/>
+            </a:br>
+            <a:r>
+              <a:rPr lang="en-US" dirty="0"/>
+              <a:t>Handshake Data Analysis</a:t>
+            </a:r>
+          </a:p>
+        </p:txBody>
+      </p:sp>
+      <p:cxnSp>
+        <p:nvCxnSpPr>
+          <p:cNvPr id="4" name="Straight Arrow Connector 3">
+            <a:extLst>
+              <a:ext uri="{FF2B5EF4-FFF2-40B4-BE49-F238E27FC236}">
+                <a16:creationId xmlns:a16="http://schemas.microsoft.com/office/drawing/2014/main" id="{4DD95234-02C4-9933-CD62-0A5C49C87EEB}"/>
+              </a:ext>
+            </a:extLst>
+          </p:cNvPr>
+          <p:cNvCxnSpPr>
+            <a:stCxn id="2" idx="1"/>
+            <a:endCxn id="9" idx="3"/>
+          </p:cNvCxnSpPr>
+          <p:nvPr/>
+        </p:nvCxnSpPr>
+        <p:spPr>
+          <a:xfrm flipH="1" flipV="1">
+            <a:off x="4412201" y="2182556"/>
+            <a:ext cx="454241" cy="1"/>
+          </a:xfrm>
+          <a:prstGeom prst="straightConnector1">
+            <a:avLst/>
+          </a:prstGeom>
+          <a:ln>
+            <a:tailEnd type="triangle"/>
+          </a:ln>
+        </p:spPr>
+        <p:style>
+          <a:lnRef idx="1">
+            <a:schemeClr val="accent1"/>
+          </a:lnRef>
+          <a:fillRef idx="0">
+            <a:schemeClr val="accent1"/>
+          </a:fillRef>
+          <a:effectRef idx="0">
+            <a:schemeClr val="accent1"/>
+          </a:effectRef>
+          <a:fontRef idx="minor">
+            <a:schemeClr val="tx1"/>
+          </a:fontRef>
+        </p:style>
+      </p:cxnSp>
+      <p:cxnSp>
+        <p:nvCxnSpPr>
+          <p:cNvPr id="10" name="Straight Arrow Connector 9">
+            <a:extLst>
+              <a:ext uri="{FF2B5EF4-FFF2-40B4-BE49-F238E27FC236}">
+                <a16:creationId xmlns:a16="http://schemas.microsoft.com/office/drawing/2014/main" id="{21A5EC65-299A-67EC-D49F-C1C77E6A2B5E}"/>
+              </a:ext>
+            </a:extLst>
+          </p:cNvPr>
+          <p:cNvCxnSpPr>
+            <a:cxnSpLocks/>
+            <a:stCxn id="2" idx="3"/>
+            <a:endCxn id="8" idx="1"/>
+          </p:cNvCxnSpPr>
+          <p:nvPr/>
+        </p:nvCxnSpPr>
+        <p:spPr>
+          <a:xfrm>
+            <a:off x="7325557" y="2182557"/>
+            <a:ext cx="454241" cy="0"/>
+          </a:xfrm>
+          <a:prstGeom prst="straightConnector1">
+            <a:avLst/>
+          </a:prstGeom>
+          <a:ln>
+            <a:tailEnd type="triangle"/>
+          </a:ln>
+        </p:spPr>
+        <p:style>
+          <a:lnRef idx="1">
+            <a:schemeClr val="accent1"/>
+          </a:lnRef>
+          <a:fillRef idx="0">
+            <a:schemeClr val="accent1"/>
+          </a:fillRef>
+          <a:effectRef idx="0">
+            <a:schemeClr val="accent1"/>
+          </a:effectRef>
+          <a:fontRef idx="minor">
+            <a:schemeClr val="tx1"/>
+          </a:fontRef>
+        </p:style>
+      </p:cxnSp>
+      <p:cxnSp>
+        <p:nvCxnSpPr>
+          <p:cNvPr id="13" name="Straight Arrow Connector 12">
+            <a:extLst>
+              <a:ext uri="{FF2B5EF4-FFF2-40B4-BE49-F238E27FC236}">
+                <a16:creationId xmlns:a16="http://schemas.microsoft.com/office/drawing/2014/main" id="{D7AD9128-5F80-6352-C71C-691352F9ACA6}"/>
+              </a:ext>
+            </a:extLst>
+          </p:cNvPr>
+          <p:cNvCxnSpPr>
+            <a:cxnSpLocks/>
+            <a:stCxn id="2" idx="2"/>
+            <a:endCxn id="7" idx="0"/>
+          </p:cNvCxnSpPr>
+          <p:nvPr/>
+        </p:nvCxnSpPr>
+        <p:spPr>
+          <a:xfrm>
+            <a:off x="6096000" y="2505722"/>
+            <a:ext cx="0" cy="384959"/>
+          </a:xfrm>
+          <a:prstGeom prst="straightConnector1">
+            <a:avLst/>
+          </a:prstGeom>
+          <a:ln>
+            <a:tailEnd type="triangle"/>
+          </a:ln>
+        </p:spPr>
+        <p:style>
+          <a:lnRef idx="1">
+            <a:schemeClr val="accent1"/>
+          </a:lnRef>
+          <a:fillRef idx="0">
+            <a:schemeClr val="accent1"/>
+          </a:fillRef>
+          <a:effectRef idx="0">
+            <a:schemeClr val="accent1"/>
+          </a:effectRef>
+          <a:fontRef idx="minor">
+            <a:schemeClr val="tx1"/>
+          </a:fontRef>
+        </p:style>
+      </p:cxnSp>
+      <p:cxnSp>
+        <p:nvCxnSpPr>
+          <p:cNvPr id="19" name="Connector: Elbow 18">
+            <a:extLst>
+              <a:ext uri="{FF2B5EF4-FFF2-40B4-BE49-F238E27FC236}">
+                <a16:creationId xmlns:a16="http://schemas.microsoft.com/office/drawing/2014/main" id="{69001439-EBCE-11AB-D01F-F1BEB60C9F0D}"/>
+              </a:ext>
+            </a:extLst>
+          </p:cNvPr>
+          <p:cNvCxnSpPr>
+            <a:cxnSpLocks/>
+            <a:stCxn id="9" idx="2"/>
+            <a:endCxn id="21" idx="1"/>
+          </p:cNvCxnSpPr>
+          <p:nvPr/>
+        </p:nvCxnSpPr>
+        <p:spPr>
+          <a:xfrm rot="16200000" flipH="1">
+            <a:off x="2887993" y="2760423"/>
+            <a:ext cx="2233151" cy="1723746"/>
+          </a:xfrm>
+          <a:prstGeom prst="bentConnector2">
+            <a:avLst/>
+          </a:prstGeom>
+          <a:ln>
+            <a:tailEnd type="triangle"/>
+          </a:ln>
+        </p:spPr>
+        <p:style>
+          <a:lnRef idx="1">
+            <a:schemeClr val="accent1"/>
+          </a:lnRef>
+          <a:fillRef idx="0">
+            <a:schemeClr val="accent1"/>
+          </a:fillRef>
+          <a:effectRef idx="0">
+            <a:schemeClr val="accent1"/>
+          </a:effectRef>
+          <a:fontRef idx="minor">
+            <a:schemeClr val="tx1"/>
+          </a:fontRef>
+        </p:style>
+      </p:cxnSp>
+      <p:sp>
+        <p:nvSpPr>
+          <p:cNvPr id="21" name="TextBox 20">
+            <a:extLst>
+              <a:ext uri="{FF2B5EF4-FFF2-40B4-BE49-F238E27FC236}">
+                <a16:creationId xmlns:a16="http://schemas.microsoft.com/office/drawing/2014/main" id="{23FF1423-228F-3436-9E9E-54FBEAC0FAA3}"/>
+              </a:ext>
+            </a:extLst>
+          </p:cNvPr>
+          <p:cNvSpPr txBox="1"/>
+          <p:nvPr/>
+        </p:nvSpPr>
+        <p:spPr>
+          <a:xfrm>
+            <a:off x="4866441" y="4277207"/>
+            <a:ext cx="2459115" cy="923330"/>
+          </a:xfrm>
+          <a:prstGeom prst="rect">
+            <a:avLst/>
+          </a:prstGeom>
+          <a:noFill/>
+          <a:ln>
+            <a:solidFill>
+              <a:schemeClr val="accent1"/>
+            </a:solidFill>
+          </a:ln>
+        </p:spPr>
+        <p:txBody>
+          <a:bodyPr wrap="square" rtlCol="0">
+            <a:spAutoFit/>
+          </a:bodyPr>
+          <a:lstStyle/>
+          <a:p>
+            <a:r>
+              <a:rPr lang="en-US" dirty="0"/>
+              <a:t>Insights about under-represented persons in STEM</a:t>
+            </a:r>
+          </a:p>
+        </p:txBody>
+      </p:sp>
+      <p:cxnSp>
+        <p:nvCxnSpPr>
+          <p:cNvPr id="23" name="Connector: Elbow 22">
+            <a:extLst>
+              <a:ext uri="{FF2B5EF4-FFF2-40B4-BE49-F238E27FC236}">
+                <a16:creationId xmlns:a16="http://schemas.microsoft.com/office/drawing/2014/main" id="{1881E884-A2C3-92CC-9843-1BEDCB39D1AB}"/>
+              </a:ext>
+            </a:extLst>
+          </p:cNvPr>
+          <p:cNvCxnSpPr>
+            <a:cxnSpLocks/>
+            <a:stCxn id="8" idx="2"/>
+            <a:endCxn id="21" idx="3"/>
+          </p:cNvCxnSpPr>
+          <p:nvPr/>
+        </p:nvCxnSpPr>
+        <p:spPr>
+          <a:xfrm rot="5400000">
+            <a:off x="7050881" y="2780397"/>
+            <a:ext cx="2233150" cy="1683800"/>
+          </a:xfrm>
+          <a:prstGeom prst="bentConnector2">
+            <a:avLst/>
+          </a:prstGeom>
+          <a:ln>
+            <a:tailEnd type="triangle"/>
+          </a:ln>
+        </p:spPr>
+        <p:style>
+          <a:lnRef idx="1">
+            <a:schemeClr val="accent1"/>
+          </a:lnRef>
+          <a:fillRef idx="0">
+            <a:schemeClr val="accent1"/>
+          </a:fillRef>
+          <a:effectRef idx="0">
+            <a:schemeClr val="accent1"/>
+          </a:effectRef>
+          <a:fontRef idx="minor">
+            <a:schemeClr val="tx1"/>
+          </a:fontRef>
+        </p:style>
+      </p:cxnSp>
+      <p:cxnSp>
+        <p:nvCxnSpPr>
+          <p:cNvPr id="27" name="Straight Arrow Connector 26">
+            <a:extLst>
+              <a:ext uri="{FF2B5EF4-FFF2-40B4-BE49-F238E27FC236}">
+                <a16:creationId xmlns:a16="http://schemas.microsoft.com/office/drawing/2014/main" id="{CDAA5D67-80D4-EEB7-749E-CD800F486452}"/>
+              </a:ext>
+            </a:extLst>
+          </p:cNvPr>
+          <p:cNvCxnSpPr>
+            <a:stCxn id="7" idx="2"/>
+            <a:endCxn id="21" idx="0"/>
+          </p:cNvCxnSpPr>
+          <p:nvPr/>
+        </p:nvCxnSpPr>
+        <p:spPr>
+          <a:xfrm flipH="1">
+            <a:off x="6095999" y="3537012"/>
+            <a:ext cx="1" cy="740195"/>
+          </a:xfrm>
+          <a:prstGeom prst="straightConnector1">
+            <a:avLst/>
+          </a:prstGeom>
+          <a:ln>
+            <a:tailEnd type="triangle"/>
+          </a:ln>
+        </p:spPr>
+        <p:style>
+          <a:lnRef idx="1">
+            <a:schemeClr val="accent1"/>
+          </a:lnRef>
+          <a:fillRef idx="0">
+            <a:schemeClr val="accent1"/>
+          </a:fillRef>
+          <a:effectRef idx="0">
+            <a:schemeClr val="accent1"/>
+          </a:effectRef>
+          <a:fontRef idx="minor">
+            <a:schemeClr val="tx1"/>
+          </a:fontRef>
+        </p:style>
+      </p:cxnSp>
     </p:spTree>
     <p:extLst>
       <p:ext uri="{BB962C8B-B14F-4D97-AF65-F5344CB8AC3E}">
@@ -13295,113 +7959,6 @@
     <p:extLst>
       <p:ext uri="{BB962C8B-B14F-4D97-AF65-F5344CB8AC3E}">
         <p14:creationId xmlns:p14="http://schemas.microsoft.com/office/powerpoint/2010/main" val="1143136046"/>
-      </p:ext>
-    </p:extLst>
-  </p:cSld>
-  <p:clrMapOvr>
-    <a:masterClrMapping/>
-  </p:clrMapOvr>
-</p:sld>
-</file>
-
-<file path=ppt/slides/slide3.xml><?xml version="1.0" encoding="utf-8"?>
-<p:sld xmlns:a="http://schemas.openxmlformats.org/drawingml/2006/main" xmlns:r="http://schemas.openxmlformats.org/officeDocument/2006/relationships" xmlns:p="http://schemas.openxmlformats.org/presentationml/2006/main">
-  <p:cSld>
-    <p:spTree>
-      <p:nvGrpSpPr>
-        <p:cNvPr id="1" name=""/>
-        <p:cNvGrpSpPr/>
-        <p:nvPr/>
-      </p:nvGrpSpPr>
-      <p:grpSpPr>
-        <a:xfrm>
-          <a:off x="0" y="0"/>
-          <a:ext cx="0" cy="0"/>
-          <a:chOff x="0" y="0"/>
-          <a:chExt cx="0" cy="0"/>
-        </a:xfrm>
-      </p:grpSpPr>
-      <p:graphicFrame>
-        <p:nvGraphicFramePr>
-          <p:cNvPr id="5" name="Diagram 4">
-            <a:extLst>
-              <a:ext uri="{FF2B5EF4-FFF2-40B4-BE49-F238E27FC236}">
-                <a16:creationId xmlns:a16="http://schemas.microsoft.com/office/drawing/2014/main" id="{3CE051DB-3C66-CB2D-6ED2-635C916FF5DF}"/>
-              </a:ext>
-            </a:extLst>
-          </p:cNvPr>
-          <p:cNvGraphicFramePr/>
-          <p:nvPr>
-            <p:extLst>
-              <p:ext uri="{D42A27DB-BD31-4B8C-83A1-F6EECF244321}">
-                <p14:modId xmlns:p14="http://schemas.microsoft.com/office/powerpoint/2010/main" val="2249740516"/>
-              </p:ext>
-            </p:extLst>
-          </p:nvPr>
-        </p:nvGraphicFramePr>
-        <p:xfrm>
-          <a:off x="603682" y="1078481"/>
-          <a:ext cx="10919534" cy="5418667"/>
-        </p:xfrm>
-        <a:graphic>
-          <a:graphicData uri="http://schemas.openxmlformats.org/drawingml/2006/diagram">
-            <dgm:relIds xmlns:dgm="http://schemas.openxmlformats.org/drawingml/2006/diagram" xmlns:r="http://schemas.openxmlformats.org/officeDocument/2006/relationships" r:dm="rId2" r:lo="rId3" r:qs="rId4" r:cs="rId5"/>
-          </a:graphicData>
-        </a:graphic>
-      </p:graphicFrame>
-      <p:sp>
-        <p:nvSpPr>
-          <p:cNvPr id="6" name="Rectangle 5">
-            <a:extLst>
-              <a:ext uri="{FF2B5EF4-FFF2-40B4-BE49-F238E27FC236}">
-                <a16:creationId xmlns:a16="http://schemas.microsoft.com/office/drawing/2014/main" id="{CD03FBFF-E5D3-29B0-F67A-53B105D4450A}"/>
-              </a:ext>
-            </a:extLst>
-          </p:cNvPr>
-          <p:cNvSpPr/>
-          <p:nvPr/>
-        </p:nvSpPr>
-        <p:spPr>
-          <a:xfrm>
-            <a:off x="3495247" y="77021"/>
-            <a:ext cx="5456174" cy="769441"/>
-          </a:xfrm>
-          <a:prstGeom prst="rect">
-            <a:avLst/>
-          </a:prstGeom>
-          <a:noFill/>
-        </p:spPr>
-        <p:txBody>
-          <a:bodyPr wrap="none" lIns="91440" tIns="45720" rIns="91440" bIns="45720">
-            <a:spAutoFit/>
-          </a:bodyPr>
-          <a:lstStyle/>
-          <a:p>
-            <a:pPr algn="ctr"/>
-            <a:r>
-              <a:rPr lang="en-US" sz="4400" b="0" cap="none" spc="0" dirty="0">
-                <a:ln w="0"/>
-                <a:solidFill>
-                  <a:schemeClr val="tx1"/>
-                </a:solidFill>
-                <a:effectLst>
-                  <a:outerShdw blurRad="38100" dist="19050" dir="2700000" algn="tl" rotWithShape="0">
-                    <a:schemeClr val="dk1">
-                      <a:alpha val="40000"/>
-                    </a:schemeClr>
-                  </a:outerShdw>
-                </a:effectLst>
-                <a:latin typeface="+mj-lt"/>
-              </a:rPr>
-              <a:t>LinkedIn Data Ingestion</a:t>
-            </a:r>
-          </a:p>
-        </p:txBody>
-      </p:sp>
-    </p:spTree>
-    <p:extLst>
-      <p:ext uri="{BB962C8B-B14F-4D97-AF65-F5344CB8AC3E}">
-        <p14:creationId xmlns:p14="http://schemas.microsoft.com/office/powerpoint/2010/main" val="466945301"/>
       </p:ext>
     </p:extLst>
   </p:cSld>
